--- a/Paper WOrk/Presentation - FIna;.pptx
+++ b/Paper WOrk/Presentation - FIna;.pptx
@@ -13,18 +13,18 @@
     <p:sldId id="257" r:id="rId4"/>
     <p:sldId id="261" r:id="rId5"/>
     <p:sldId id="264" r:id="rId6"/>
-    <p:sldId id="265" r:id="rId7"/>
-    <p:sldId id="262" r:id="rId8"/>
-    <p:sldId id="258" r:id="rId9"/>
-    <p:sldId id="272" r:id="rId10"/>
-    <p:sldId id="270" r:id="rId11"/>
-    <p:sldId id="271" r:id="rId12"/>
-    <p:sldId id="274" r:id="rId13"/>
-    <p:sldId id="260" r:id="rId14"/>
-    <p:sldId id="275" r:id="rId15"/>
-    <p:sldId id="276" r:id="rId16"/>
-    <p:sldId id="277" r:id="rId17"/>
-    <p:sldId id="279" r:id="rId18"/>
+    <p:sldId id="262" r:id="rId7"/>
+    <p:sldId id="258" r:id="rId8"/>
+    <p:sldId id="272" r:id="rId9"/>
+    <p:sldId id="270" r:id="rId10"/>
+    <p:sldId id="274" r:id="rId11"/>
+    <p:sldId id="260" r:id="rId12"/>
+    <p:sldId id="275" r:id="rId13"/>
+    <p:sldId id="276" r:id="rId14"/>
+    <p:sldId id="277" r:id="rId15"/>
+    <p:sldId id="279" r:id="rId16"/>
+    <p:sldId id="265" r:id="rId17"/>
+    <p:sldId id="271" r:id="rId18"/>
     <p:sldId id="278" r:id="rId19"/>
     <p:sldId id="266" r:id="rId20"/>
     <p:sldId id="267" r:id="rId21"/>
@@ -1806,788 +1806,6 @@
 </file>
 
 <file path=ppt/diagrams/colors3.xml><?xml version="1.0" encoding="utf-8"?>
-<dgm:colorsDef xmlns:dgm="http://schemas.openxmlformats.org/drawingml/2006/diagram" xmlns:a="http://schemas.openxmlformats.org/drawingml/2006/main" uniqueId="urn:microsoft.com/office/officeart/2005/8/colors/colorful2">
-  <dgm:title val=""/>
-  <dgm:desc val=""/>
-  <dgm:catLst>
-    <dgm:cat type="colorful" pri="10200"/>
-  </dgm:catLst>
-  <dgm:styleLbl name="node0">
-    <dgm:fillClrLst meth="repeat">
-      <a:schemeClr val="accent1"/>
-    </dgm:fillClrLst>
-    <dgm:linClrLst meth="repeat">
-      <a:schemeClr val="lt1"/>
-    </dgm:linClrLst>
-    <dgm:effectClrLst/>
-    <dgm:txLinClrLst/>
-    <dgm:txFillClrLst/>
-    <dgm:txEffectClrLst/>
-  </dgm:styleLbl>
-  <dgm:styleLbl name="node1">
-    <dgm:fillClrLst>
-      <a:schemeClr val="accent2"/>
-      <a:schemeClr val="accent3"/>
-    </dgm:fillClrLst>
-    <dgm:linClrLst meth="repeat">
-      <a:schemeClr val="lt1"/>
-    </dgm:linClrLst>
-    <dgm:effectClrLst/>
-    <dgm:txLinClrLst/>
-    <dgm:txFillClrLst/>
-    <dgm:txEffectClrLst/>
-  </dgm:styleLbl>
-  <dgm:styleLbl name="alignNode1">
-    <dgm:fillClrLst>
-      <a:schemeClr val="accent2"/>
-      <a:schemeClr val="accent3"/>
-    </dgm:fillClrLst>
-    <dgm:linClrLst>
-      <a:schemeClr val="accent2"/>
-      <a:schemeClr val="accent3"/>
-    </dgm:linClrLst>
-    <dgm:effectClrLst/>
-    <dgm:txLinClrLst/>
-    <dgm:txFillClrLst/>
-    <dgm:txEffectClrLst/>
-  </dgm:styleLbl>
-  <dgm:styleLbl name="lnNode1">
-    <dgm:fillClrLst>
-      <a:schemeClr val="accent2"/>
-      <a:schemeClr val="accent3"/>
-    </dgm:fillClrLst>
-    <dgm:linClrLst meth="repeat">
-      <a:schemeClr val="lt1"/>
-    </dgm:linClrLst>
-    <dgm:effectClrLst/>
-    <dgm:txLinClrLst/>
-    <dgm:txFillClrLst/>
-    <dgm:txEffectClrLst/>
-  </dgm:styleLbl>
-  <dgm:styleLbl name="vennNode1">
-    <dgm:fillClrLst>
-      <a:schemeClr val="accent2">
-        <a:alpha val="50000"/>
-      </a:schemeClr>
-      <a:schemeClr val="accent3">
-        <a:alpha val="50000"/>
-      </a:schemeClr>
-    </dgm:fillClrLst>
-    <dgm:linClrLst meth="repeat">
-      <a:schemeClr val="lt1"/>
-    </dgm:linClrLst>
-    <dgm:effectClrLst/>
-    <dgm:txLinClrLst/>
-    <dgm:txFillClrLst/>
-    <dgm:txEffectClrLst/>
-  </dgm:styleLbl>
-  <dgm:styleLbl name="node2">
-    <dgm:fillClrLst>
-      <a:schemeClr val="accent3"/>
-    </dgm:fillClrLst>
-    <dgm:linClrLst meth="repeat">
-      <a:schemeClr val="lt1"/>
-    </dgm:linClrLst>
-    <dgm:effectClrLst/>
-    <dgm:txLinClrLst/>
-    <dgm:txFillClrLst/>
-    <dgm:txEffectClrLst/>
-  </dgm:styleLbl>
-  <dgm:styleLbl name="node3">
-    <dgm:fillClrLst>
-      <a:schemeClr val="accent4"/>
-    </dgm:fillClrLst>
-    <dgm:linClrLst meth="repeat">
-      <a:schemeClr val="lt1"/>
-    </dgm:linClrLst>
-    <dgm:effectClrLst/>
-    <dgm:txLinClrLst/>
-    <dgm:txFillClrLst/>
-    <dgm:txEffectClrLst/>
-  </dgm:styleLbl>
-  <dgm:styleLbl name="node4">
-    <dgm:fillClrLst>
-      <a:schemeClr val="accent5"/>
-    </dgm:fillClrLst>
-    <dgm:linClrLst meth="repeat">
-      <a:schemeClr val="lt1"/>
-    </dgm:linClrLst>
-    <dgm:effectClrLst/>
-    <dgm:txLinClrLst/>
-    <dgm:txFillClrLst/>
-    <dgm:txEffectClrLst/>
-  </dgm:styleLbl>
-  <dgm:styleLbl name="fgImgPlace1">
-    <dgm:fillClrLst>
-      <a:schemeClr val="accent2">
-        <a:tint val="50000"/>
-      </a:schemeClr>
-      <a:schemeClr val="accent3">
-        <a:tint val="50000"/>
-      </a:schemeClr>
-    </dgm:fillClrLst>
-    <dgm:linClrLst meth="repeat">
-      <a:schemeClr val="lt1"/>
-    </dgm:linClrLst>
-    <dgm:effectClrLst/>
-    <dgm:txLinClrLst/>
-    <dgm:txFillClrLst meth="repeat">
-      <a:schemeClr val="lt1"/>
-    </dgm:txFillClrLst>
-    <dgm:txEffectClrLst/>
-  </dgm:styleLbl>
-  <dgm:styleLbl name="alignImgPlace1">
-    <dgm:fillClrLst>
-      <a:schemeClr val="accent2">
-        <a:tint val="50000"/>
-      </a:schemeClr>
-      <a:schemeClr val="accent3">
-        <a:tint val="20000"/>
-      </a:schemeClr>
-    </dgm:fillClrLst>
-    <dgm:linClrLst meth="repeat">
-      <a:schemeClr val="lt1"/>
-    </dgm:linClrLst>
-    <dgm:effectClrLst/>
-    <dgm:txLinClrLst/>
-    <dgm:txFillClrLst meth="repeat">
-      <a:schemeClr val="lt1"/>
-    </dgm:txFillClrLst>
-    <dgm:txEffectClrLst/>
-  </dgm:styleLbl>
-  <dgm:styleLbl name="bgImgPlace1">
-    <dgm:fillClrLst>
-      <a:schemeClr val="accent2">
-        <a:tint val="50000"/>
-      </a:schemeClr>
-      <a:schemeClr val="accent3">
-        <a:tint val="20000"/>
-      </a:schemeClr>
-    </dgm:fillClrLst>
-    <dgm:linClrLst meth="repeat">
-      <a:schemeClr val="lt1"/>
-    </dgm:linClrLst>
-    <dgm:effectClrLst/>
-    <dgm:txLinClrLst/>
-    <dgm:txFillClrLst meth="repeat">
-      <a:schemeClr val="lt1"/>
-    </dgm:txFillClrLst>
-    <dgm:txEffectClrLst/>
-  </dgm:styleLbl>
-  <dgm:styleLbl name="sibTrans2D1">
-    <dgm:fillClrLst>
-      <a:schemeClr val="accent2"/>
-      <a:schemeClr val="accent3"/>
-    </dgm:fillClrLst>
-    <dgm:linClrLst meth="repeat">
-      <a:schemeClr val="lt1"/>
-    </dgm:linClrLst>
-    <dgm:effectClrLst/>
-    <dgm:txLinClrLst/>
-    <dgm:txFillClrLst/>
-    <dgm:txEffectClrLst/>
-  </dgm:styleLbl>
-  <dgm:styleLbl name="fgSibTrans2D1">
-    <dgm:fillClrLst>
-      <a:schemeClr val="accent2"/>
-      <a:schemeClr val="accent3"/>
-    </dgm:fillClrLst>
-    <dgm:linClrLst meth="repeat">
-      <a:schemeClr val="lt1"/>
-    </dgm:linClrLst>
-    <dgm:effectClrLst/>
-    <dgm:txLinClrLst/>
-    <dgm:txFillClrLst meth="repeat">
-      <a:schemeClr val="lt1"/>
-    </dgm:txFillClrLst>
-    <dgm:txEffectClrLst/>
-  </dgm:styleLbl>
-  <dgm:styleLbl name="bgSibTrans2D1">
-    <dgm:fillClrLst>
-      <a:schemeClr val="accent2"/>
-      <a:schemeClr val="accent3"/>
-    </dgm:fillClrLst>
-    <dgm:linClrLst meth="repeat">
-      <a:schemeClr val="lt1"/>
-    </dgm:linClrLst>
-    <dgm:effectClrLst/>
-    <dgm:txLinClrLst/>
-    <dgm:txFillClrLst meth="repeat">
-      <a:schemeClr val="lt1"/>
-    </dgm:txFillClrLst>
-    <dgm:txEffectClrLst/>
-  </dgm:styleLbl>
-  <dgm:styleLbl name="sibTrans1D1">
-    <dgm:fillClrLst/>
-    <dgm:linClrLst>
-      <a:schemeClr val="accent2"/>
-      <a:schemeClr val="accent3"/>
-    </dgm:linClrLst>
-    <dgm:effectClrLst/>
-    <dgm:txLinClrLst/>
-    <dgm:txFillClrLst meth="repeat">
-      <a:schemeClr val="tx1"/>
-    </dgm:txFillClrLst>
-    <dgm:txEffectClrLst/>
-  </dgm:styleLbl>
-  <dgm:styleLbl name="callout">
-    <dgm:fillClrLst meth="repeat">
-      <a:schemeClr val="accent2"/>
-    </dgm:fillClrLst>
-    <dgm:linClrLst meth="repeat">
-      <a:schemeClr val="accent2">
-        <a:tint val="50000"/>
-      </a:schemeClr>
-    </dgm:linClrLst>
-    <dgm:effectClrLst/>
-    <dgm:txLinClrLst/>
-    <dgm:txFillClrLst meth="repeat">
-      <a:schemeClr val="tx1"/>
-    </dgm:txFillClrLst>
-    <dgm:txEffectClrLst/>
-  </dgm:styleLbl>
-  <dgm:styleLbl name="asst0">
-    <dgm:fillClrLst meth="repeat">
-      <a:schemeClr val="accent2"/>
-    </dgm:fillClrLst>
-    <dgm:linClrLst meth="repeat">
-      <a:schemeClr val="lt1">
-        <a:shade val="80000"/>
-      </a:schemeClr>
-    </dgm:linClrLst>
-    <dgm:effectClrLst/>
-    <dgm:txLinClrLst/>
-    <dgm:txFillClrLst/>
-    <dgm:txEffectClrLst/>
-  </dgm:styleLbl>
-  <dgm:styleLbl name="asst1">
-    <dgm:fillClrLst meth="repeat">
-      <a:schemeClr val="accent3"/>
-    </dgm:fillClrLst>
-    <dgm:linClrLst meth="repeat">
-      <a:schemeClr val="lt1">
-        <a:shade val="80000"/>
-      </a:schemeClr>
-    </dgm:linClrLst>
-    <dgm:effectClrLst/>
-    <dgm:txLinClrLst/>
-    <dgm:txFillClrLst/>
-    <dgm:txEffectClrLst/>
-  </dgm:styleLbl>
-  <dgm:styleLbl name="asst2">
-    <dgm:fillClrLst>
-      <a:schemeClr val="accent4"/>
-    </dgm:fillClrLst>
-    <dgm:linClrLst meth="repeat">
-      <a:schemeClr val="lt1"/>
-    </dgm:linClrLst>
-    <dgm:effectClrLst/>
-    <dgm:txLinClrLst/>
-    <dgm:txFillClrLst/>
-    <dgm:txEffectClrLst/>
-  </dgm:styleLbl>
-  <dgm:styleLbl name="asst3">
-    <dgm:fillClrLst>
-      <a:schemeClr val="accent5"/>
-    </dgm:fillClrLst>
-    <dgm:linClrLst meth="repeat">
-      <a:schemeClr val="lt1"/>
-    </dgm:linClrLst>
-    <dgm:effectClrLst/>
-    <dgm:txLinClrLst/>
-    <dgm:txFillClrLst/>
-    <dgm:txEffectClrLst/>
-  </dgm:styleLbl>
-  <dgm:styleLbl name="asst4">
-    <dgm:fillClrLst>
-      <a:schemeClr val="accent6"/>
-    </dgm:fillClrLst>
-    <dgm:linClrLst meth="repeat">
-      <a:schemeClr val="lt1"/>
-    </dgm:linClrLst>
-    <dgm:effectClrLst/>
-    <dgm:txLinClrLst/>
-    <dgm:txFillClrLst/>
-    <dgm:txEffectClrLst/>
-  </dgm:styleLbl>
-  <dgm:styleLbl name="parChTrans2D1">
-    <dgm:fillClrLst meth="repeat">
-      <a:schemeClr val="accent2"/>
-    </dgm:fillClrLst>
-    <dgm:linClrLst meth="repeat">
-      <a:schemeClr val="lt1"/>
-    </dgm:linClrLst>
-    <dgm:effectClrLst/>
-    <dgm:txLinClrLst/>
-    <dgm:txFillClrLst meth="repeat">
-      <a:schemeClr val="lt1"/>
-    </dgm:txFillClrLst>
-    <dgm:txEffectClrLst/>
-  </dgm:styleLbl>
-  <dgm:styleLbl name="parChTrans2D2">
-    <dgm:fillClrLst meth="repeat">
-      <a:schemeClr val="accent3"/>
-    </dgm:fillClrLst>
-    <dgm:linClrLst meth="repeat">
-      <a:schemeClr val="lt1"/>
-    </dgm:linClrLst>
-    <dgm:effectClrLst/>
-    <dgm:txLinClrLst/>
-    <dgm:txFillClrLst/>
-    <dgm:txEffectClrLst/>
-  </dgm:styleLbl>
-  <dgm:styleLbl name="parChTrans2D3">
-    <dgm:fillClrLst meth="repeat">
-      <a:schemeClr val="accent4"/>
-    </dgm:fillClrLst>
-    <dgm:linClrLst meth="repeat">
-      <a:schemeClr val="lt1"/>
-    </dgm:linClrLst>
-    <dgm:effectClrLst/>
-    <dgm:txLinClrLst/>
-    <dgm:txFillClrLst/>
-    <dgm:txEffectClrLst/>
-  </dgm:styleLbl>
-  <dgm:styleLbl name="parChTrans2D4">
-    <dgm:fillClrLst meth="repeat">
-      <a:schemeClr val="accent5"/>
-    </dgm:fillClrLst>
-    <dgm:linClrLst meth="repeat">
-      <a:schemeClr val="lt1"/>
-    </dgm:linClrLst>
-    <dgm:effectClrLst/>
-    <dgm:txLinClrLst/>
-    <dgm:txFillClrLst meth="repeat">
-      <a:schemeClr val="lt1"/>
-    </dgm:txFillClrLst>
-    <dgm:txEffectClrLst/>
-  </dgm:styleLbl>
-  <dgm:styleLbl name="parChTrans1D1">
-    <dgm:fillClrLst meth="repeat">
-      <a:schemeClr val="accent2"/>
-    </dgm:fillClrLst>
-    <dgm:linClrLst meth="repeat">
-      <a:schemeClr val="accent2"/>
-    </dgm:linClrLst>
-    <dgm:effectClrLst/>
-    <dgm:txLinClrLst/>
-    <dgm:txFillClrLst meth="repeat">
-      <a:schemeClr val="tx1"/>
-    </dgm:txFillClrLst>
-    <dgm:txEffectClrLst/>
-  </dgm:styleLbl>
-  <dgm:styleLbl name="parChTrans1D2">
-    <dgm:fillClrLst meth="repeat">
-      <a:schemeClr val="accent2">
-        <a:tint val="90000"/>
-      </a:schemeClr>
-    </dgm:fillClrLst>
-    <dgm:linClrLst meth="repeat">
-      <a:schemeClr val="accent3"/>
-    </dgm:linClrLst>
-    <dgm:effectClrLst/>
-    <dgm:txLinClrLst/>
-    <dgm:txFillClrLst meth="repeat">
-      <a:schemeClr val="tx1"/>
-    </dgm:txFillClrLst>
-    <dgm:txEffectClrLst/>
-  </dgm:styleLbl>
-  <dgm:styleLbl name="parChTrans1D3">
-    <dgm:fillClrLst meth="repeat">
-      <a:schemeClr val="accent2">
-        <a:tint val="70000"/>
-      </a:schemeClr>
-    </dgm:fillClrLst>
-    <dgm:linClrLst meth="repeat">
-      <a:schemeClr val="accent4"/>
-    </dgm:linClrLst>
-    <dgm:effectClrLst/>
-    <dgm:txLinClrLst/>
-    <dgm:txFillClrLst meth="repeat">
-      <a:schemeClr val="tx1"/>
-    </dgm:txFillClrLst>
-    <dgm:txEffectClrLst/>
-  </dgm:styleLbl>
-  <dgm:styleLbl name="parChTrans1D4">
-    <dgm:fillClrLst meth="repeat">
-      <a:schemeClr val="accent2">
-        <a:tint val="50000"/>
-      </a:schemeClr>
-    </dgm:fillClrLst>
-    <dgm:linClrLst meth="repeat">
-      <a:schemeClr val="accent5"/>
-    </dgm:linClrLst>
-    <dgm:effectClrLst/>
-    <dgm:txLinClrLst/>
-    <dgm:txFillClrLst meth="repeat">
-      <a:schemeClr val="tx1"/>
-    </dgm:txFillClrLst>
-    <dgm:txEffectClrLst/>
-  </dgm:styleLbl>
-  <dgm:styleLbl name="fgAcc1">
-    <dgm:fillClrLst meth="repeat">
-      <a:schemeClr val="lt1">
-        <a:alpha val="90000"/>
-      </a:schemeClr>
-    </dgm:fillClrLst>
-    <dgm:linClrLst>
-      <a:schemeClr val="accent2"/>
-      <a:schemeClr val="accent3"/>
-    </dgm:linClrLst>
-    <dgm:effectClrLst/>
-    <dgm:txLinClrLst/>
-    <dgm:txFillClrLst meth="repeat">
-      <a:schemeClr val="dk1"/>
-    </dgm:txFillClrLst>
-    <dgm:txEffectClrLst/>
-  </dgm:styleLbl>
-  <dgm:styleLbl name="conFgAcc1">
-    <dgm:fillClrLst meth="repeat">
-      <a:schemeClr val="lt1">
-        <a:alpha val="90000"/>
-      </a:schemeClr>
-    </dgm:fillClrLst>
-    <dgm:linClrLst>
-      <a:schemeClr val="accent2"/>
-      <a:schemeClr val="accent3"/>
-    </dgm:linClrLst>
-    <dgm:effectClrLst/>
-    <dgm:txLinClrLst/>
-    <dgm:txFillClrLst meth="repeat">
-      <a:schemeClr val="dk1"/>
-    </dgm:txFillClrLst>
-    <dgm:txEffectClrLst/>
-  </dgm:styleLbl>
-  <dgm:styleLbl name="alignAcc1">
-    <dgm:fillClrLst meth="repeat">
-      <a:schemeClr val="lt1">
-        <a:alpha val="90000"/>
-      </a:schemeClr>
-    </dgm:fillClrLst>
-    <dgm:linClrLst>
-      <a:schemeClr val="accent2"/>
-      <a:schemeClr val="accent3"/>
-    </dgm:linClrLst>
-    <dgm:effectClrLst/>
-    <dgm:txLinClrLst/>
-    <dgm:txFillClrLst meth="repeat">
-      <a:schemeClr val="dk1"/>
-    </dgm:txFillClrLst>
-    <dgm:txEffectClrLst/>
-  </dgm:styleLbl>
-  <dgm:styleLbl name="trAlignAcc1">
-    <dgm:fillClrLst meth="repeat">
-      <a:schemeClr val="lt1">
-        <a:alpha val="40000"/>
-      </a:schemeClr>
-    </dgm:fillClrLst>
-    <dgm:linClrLst meth="repeat">
-      <a:schemeClr val="accent2"/>
-    </dgm:linClrLst>
-    <dgm:effectClrLst/>
-    <dgm:txLinClrLst/>
-    <dgm:txFillClrLst meth="repeat">
-      <a:schemeClr val="dk1"/>
-    </dgm:txFillClrLst>
-    <dgm:txEffectClrLst/>
-  </dgm:styleLbl>
-  <dgm:styleLbl name="bgAcc1">
-    <dgm:fillClrLst meth="repeat">
-      <a:schemeClr val="lt1">
-        <a:alpha val="90000"/>
-      </a:schemeClr>
-    </dgm:fillClrLst>
-    <dgm:linClrLst>
-      <a:schemeClr val="accent2"/>
-      <a:schemeClr val="accent3"/>
-    </dgm:linClrLst>
-    <dgm:effectClrLst/>
-    <dgm:txLinClrLst/>
-    <dgm:txFillClrLst meth="repeat">
-      <a:schemeClr val="dk1"/>
-    </dgm:txFillClrLst>
-    <dgm:txEffectClrLst/>
-  </dgm:styleLbl>
-  <dgm:styleLbl name="solidFgAcc1">
-    <dgm:fillClrLst meth="repeat">
-      <a:schemeClr val="lt1"/>
-    </dgm:fillClrLst>
-    <dgm:linClrLst>
-      <a:schemeClr val="accent2"/>
-      <a:schemeClr val="accent3"/>
-    </dgm:linClrLst>
-    <dgm:effectClrLst/>
-    <dgm:txLinClrLst/>
-    <dgm:txFillClrLst meth="repeat">
-      <a:schemeClr val="dk1"/>
-    </dgm:txFillClrLst>
-    <dgm:txEffectClrLst/>
-  </dgm:styleLbl>
-  <dgm:styleLbl name="solidAlignAcc1">
-    <dgm:fillClrLst meth="repeat">
-      <a:schemeClr val="lt1"/>
-    </dgm:fillClrLst>
-    <dgm:linClrLst>
-      <a:schemeClr val="accent2"/>
-      <a:schemeClr val="accent3"/>
-    </dgm:linClrLst>
-    <dgm:effectClrLst/>
-    <dgm:txLinClrLst/>
-    <dgm:txFillClrLst meth="repeat">
-      <a:schemeClr val="dk1"/>
-    </dgm:txFillClrLst>
-    <dgm:txEffectClrLst/>
-  </dgm:styleLbl>
-  <dgm:styleLbl name="solidBgAcc1">
-    <dgm:fillClrLst meth="repeat">
-      <a:schemeClr val="lt1"/>
-    </dgm:fillClrLst>
-    <dgm:linClrLst>
-      <a:schemeClr val="accent2"/>
-      <a:schemeClr val="accent3"/>
-    </dgm:linClrLst>
-    <dgm:effectClrLst/>
-    <dgm:txLinClrLst/>
-    <dgm:txFillClrLst meth="repeat">
-      <a:schemeClr val="dk1"/>
-    </dgm:txFillClrLst>
-    <dgm:txEffectClrLst/>
-  </dgm:styleLbl>
-  <dgm:styleLbl name="fgAccFollowNode1">
-    <dgm:fillClrLst>
-      <a:schemeClr val="accent2">
-        <a:tint val="40000"/>
-        <a:alpha val="90000"/>
-      </a:schemeClr>
-      <a:schemeClr val="accent3">
-        <a:tint val="40000"/>
-        <a:alpha val="90000"/>
-      </a:schemeClr>
-    </dgm:fillClrLst>
-    <dgm:linClrLst>
-      <a:schemeClr val="accent2">
-        <a:tint val="40000"/>
-        <a:alpha val="90000"/>
-      </a:schemeClr>
-      <a:schemeClr val="accent3">
-        <a:tint val="40000"/>
-        <a:alpha val="90000"/>
-      </a:schemeClr>
-    </dgm:linClrLst>
-    <dgm:effectClrLst/>
-    <dgm:txLinClrLst/>
-    <dgm:txFillClrLst meth="repeat">
-      <a:schemeClr val="dk1"/>
-    </dgm:txFillClrLst>
-    <dgm:txEffectClrLst/>
-  </dgm:styleLbl>
-  <dgm:styleLbl name="alignAccFollowNode1">
-    <dgm:fillClrLst>
-      <a:schemeClr val="accent2">
-        <a:tint val="40000"/>
-        <a:alpha val="90000"/>
-      </a:schemeClr>
-      <a:schemeClr val="accent3">
-        <a:tint val="40000"/>
-        <a:alpha val="90000"/>
-      </a:schemeClr>
-    </dgm:fillClrLst>
-    <dgm:linClrLst>
-      <a:schemeClr val="accent2">
-        <a:tint val="40000"/>
-        <a:alpha val="90000"/>
-      </a:schemeClr>
-      <a:schemeClr val="accent3">
-        <a:tint val="40000"/>
-        <a:alpha val="90000"/>
-      </a:schemeClr>
-    </dgm:linClrLst>
-    <dgm:effectClrLst/>
-    <dgm:txLinClrLst/>
-    <dgm:txFillClrLst meth="repeat">
-      <a:schemeClr val="dk1"/>
-    </dgm:txFillClrLst>
-    <dgm:txEffectClrLst/>
-  </dgm:styleLbl>
-  <dgm:styleLbl name="bgAccFollowNode1">
-    <dgm:fillClrLst>
-      <a:schemeClr val="accent2">
-        <a:tint val="40000"/>
-        <a:alpha val="90000"/>
-      </a:schemeClr>
-      <a:schemeClr val="accent3">
-        <a:tint val="40000"/>
-        <a:alpha val="90000"/>
-      </a:schemeClr>
-    </dgm:fillClrLst>
-    <dgm:linClrLst>
-      <a:schemeClr val="accent2">
-        <a:tint val="40000"/>
-        <a:alpha val="90000"/>
-      </a:schemeClr>
-      <a:schemeClr val="accent3">
-        <a:tint val="40000"/>
-        <a:alpha val="90000"/>
-      </a:schemeClr>
-    </dgm:linClrLst>
-    <dgm:effectClrLst/>
-    <dgm:txLinClrLst/>
-    <dgm:txFillClrLst meth="repeat">
-      <a:schemeClr val="dk1"/>
-    </dgm:txFillClrLst>
-    <dgm:txEffectClrLst/>
-  </dgm:styleLbl>
-  <dgm:styleLbl name="fgAcc0">
-    <dgm:fillClrLst meth="repeat">
-      <a:schemeClr val="lt1">
-        <a:alpha val="90000"/>
-      </a:schemeClr>
-    </dgm:fillClrLst>
-    <dgm:linClrLst>
-      <a:schemeClr val="accent1"/>
-    </dgm:linClrLst>
-    <dgm:effectClrLst/>
-    <dgm:txLinClrLst/>
-    <dgm:txFillClrLst meth="repeat">
-      <a:schemeClr val="dk1"/>
-    </dgm:txFillClrLst>
-    <dgm:txEffectClrLst/>
-  </dgm:styleLbl>
-  <dgm:styleLbl name="fgAcc2">
-    <dgm:fillClrLst meth="repeat">
-      <a:schemeClr val="lt1">
-        <a:alpha val="90000"/>
-      </a:schemeClr>
-    </dgm:fillClrLst>
-    <dgm:linClrLst>
-      <a:schemeClr val="accent3"/>
-    </dgm:linClrLst>
-    <dgm:effectClrLst/>
-    <dgm:txLinClrLst/>
-    <dgm:txFillClrLst meth="repeat">
-      <a:schemeClr val="dk1"/>
-    </dgm:txFillClrLst>
-    <dgm:txEffectClrLst/>
-  </dgm:styleLbl>
-  <dgm:styleLbl name="fgAcc3">
-    <dgm:fillClrLst meth="repeat">
-      <a:schemeClr val="lt1">
-        <a:alpha val="90000"/>
-      </a:schemeClr>
-    </dgm:fillClrLst>
-    <dgm:linClrLst>
-      <a:schemeClr val="accent4"/>
-    </dgm:linClrLst>
-    <dgm:effectClrLst/>
-    <dgm:txLinClrLst/>
-    <dgm:txFillClrLst meth="repeat">
-      <a:schemeClr val="dk1"/>
-    </dgm:txFillClrLst>
-    <dgm:txEffectClrLst/>
-  </dgm:styleLbl>
-  <dgm:styleLbl name="fgAcc4">
-    <dgm:fillClrLst meth="repeat">
-      <a:schemeClr val="lt1">
-        <a:alpha val="90000"/>
-      </a:schemeClr>
-    </dgm:fillClrLst>
-    <dgm:linClrLst>
-      <a:schemeClr val="accent5"/>
-    </dgm:linClrLst>
-    <dgm:effectClrLst/>
-    <dgm:txLinClrLst/>
-    <dgm:txFillClrLst meth="repeat">
-      <a:schemeClr val="dk1"/>
-    </dgm:txFillClrLst>
-    <dgm:txEffectClrLst/>
-  </dgm:styleLbl>
-  <dgm:styleLbl name="bgShp">
-    <dgm:fillClrLst meth="repeat">
-      <a:schemeClr val="accent2">
-        <a:tint val="40000"/>
-      </a:schemeClr>
-    </dgm:fillClrLst>
-    <dgm:linClrLst meth="repeat">
-      <a:schemeClr val="dk1"/>
-    </dgm:linClrLst>
-    <dgm:effectClrLst/>
-    <dgm:txLinClrLst/>
-    <dgm:txFillClrLst meth="repeat">
-      <a:schemeClr val="dk1"/>
-    </dgm:txFillClrLst>
-    <dgm:txEffectClrLst/>
-  </dgm:styleLbl>
-  <dgm:styleLbl name="dkBgShp">
-    <dgm:fillClrLst meth="repeat">
-      <a:schemeClr val="accent2">
-        <a:shade val="90000"/>
-      </a:schemeClr>
-    </dgm:fillClrLst>
-    <dgm:linClrLst meth="repeat">
-      <a:schemeClr val="dk1"/>
-    </dgm:linClrLst>
-    <dgm:effectClrLst/>
-    <dgm:txLinClrLst/>
-    <dgm:txFillClrLst meth="repeat">
-      <a:schemeClr val="lt1"/>
-    </dgm:txFillClrLst>
-    <dgm:txEffectClrLst/>
-  </dgm:styleLbl>
-  <dgm:styleLbl name="trBgShp">
-    <dgm:fillClrLst meth="repeat">
-      <a:schemeClr val="accent2">
-        <a:tint val="50000"/>
-        <a:alpha val="40000"/>
-      </a:schemeClr>
-    </dgm:fillClrLst>
-    <dgm:linClrLst meth="repeat">
-      <a:schemeClr val="accent2"/>
-    </dgm:linClrLst>
-    <dgm:effectClrLst/>
-    <dgm:txLinClrLst/>
-    <dgm:txFillClrLst meth="repeat">
-      <a:schemeClr val="lt1"/>
-    </dgm:txFillClrLst>
-    <dgm:txEffectClrLst/>
-  </dgm:styleLbl>
-  <dgm:styleLbl name="fgShp">
-    <dgm:fillClrLst meth="repeat">
-      <a:schemeClr val="accent2">
-        <a:tint val="40000"/>
-      </a:schemeClr>
-    </dgm:fillClrLst>
-    <dgm:linClrLst meth="repeat">
-      <a:schemeClr val="lt1"/>
-    </dgm:linClrLst>
-    <dgm:effectClrLst/>
-    <dgm:txLinClrLst/>
-    <dgm:txFillClrLst meth="repeat">
-      <a:schemeClr val="dk1"/>
-    </dgm:txFillClrLst>
-    <dgm:txEffectClrLst/>
-  </dgm:styleLbl>
-  <dgm:styleLbl name="revTx">
-    <dgm:fillClrLst meth="repeat">
-      <a:schemeClr val="lt1">
-        <a:alpha val="0"/>
-      </a:schemeClr>
-    </dgm:fillClrLst>
-    <dgm:linClrLst meth="repeat">
-      <a:schemeClr val="dk1">
-        <a:alpha val="0"/>
-      </a:schemeClr>
-    </dgm:linClrLst>
-    <dgm:effectClrLst/>
-    <dgm:txLinClrLst/>
-    <dgm:txFillClrLst meth="repeat">
-      <a:schemeClr val="tx1"/>
-    </dgm:txFillClrLst>
-    <dgm:txEffectClrLst/>
-  </dgm:styleLbl>
-</dgm:colorsDef>
-</file>
-
-<file path=ppt/diagrams/colors4.xml><?xml version="1.0" encoding="utf-8"?>
 <dgm:colorsDef xmlns:dgm="http://schemas.openxmlformats.org/drawingml/2006/diagram" xmlns:a="http://schemas.openxmlformats.org/drawingml/2006/main" uniqueId="urn:microsoft.com/office/officeart/2005/8/colors/accent1_2">
   <dgm:title val=""/>
   <dgm:desc val=""/>
@@ -3334,7 +2552,7 @@
 </dgm:colorsDef>
 </file>
 
-<file path=ppt/diagrams/colors5.xml><?xml version="1.0" encoding="utf-8"?>
+<file path=ppt/diagrams/colors4.xml><?xml version="1.0" encoding="utf-8"?>
 <dgm:colorsDef xmlns:dgm="http://schemas.openxmlformats.org/drawingml/2006/diagram" xmlns:a="http://schemas.openxmlformats.org/drawingml/2006/main" uniqueId="urn:microsoft.com/office/officeart/2018/5/colors/Iconchunking_neutralbg_colorful1">
   <dgm:title val=""/>
   <dgm:desc val=""/>
@@ -4255,7 +3473,7 @@
 </dgm:colorsDef>
 </file>
 
-<file path=ppt/diagrams/colors6.xml><?xml version="1.0" encoding="utf-8"?>
+<file path=ppt/diagrams/colors5.xml><?xml version="1.0" encoding="utf-8"?>
 <dgm:colorsDef xmlns:dgm="http://schemas.openxmlformats.org/drawingml/2006/diagram" xmlns:a="http://schemas.openxmlformats.org/drawingml/2006/main" uniqueId="urn:microsoft.com/office/officeart/2005/8/colors/accent1_2">
   <dgm:title val=""/>
   <dgm:desc val=""/>
@@ -5002,7 +4220,7 @@
 </dgm:colorsDef>
 </file>
 
-<file path=ppt/diagrams/colors7.xml><?xml version="1.0" encoding="utf-8"?>
+<file path=ppt/diagrams/colors6.xml><?xml version="1.0" encoding="utf-8"?>
 <dgm:colorsDef xmlns:dgm="http://schemas.openxmlformats.org/drawingml/2006/diagram" xmlns:a="http://schemas.openxmlformats.org/drawingml/2006/main" uniqueId="urn:microsoft.com/office/officeart/2005/8/colors/accent1_2">
   <dgm:title val=""/>
   <dgm:desc val=""/>
@@ -5716,6 +4934,788 @@
     <dgm:fillClrLst meth="repeat">
       <a:schemeClr val="accent1">
         <a:tint val="60000"/>
+      </a:schemeClr>
+    </dgm:fillClrLst>
+    <dgm:linClrLst meth="repeat">
+      <a:schemeClr val="lt1"/>
+    </dgm:linClrLst>
+    <dgm:effectClrLst/>
+    <dgm:txLinClrLst/>
+    <dgm:txFillClrLst meth="repeat">
+      <a:schemeClr val="dk1"/>
+    </dgm:txFillClrLst>
+    <dgm:txEffectClrLst/>
+  </dgm:styleLbl>
+  <dgm:styleLbl name="revTx">
+    <dgm:fillClrLst meth="repeat">
+      <a:schemeClr val="lt1">
+        <a:alpha val="0"/>
+      </a:schemeClr>
+    </dgm:fillClrLst>
+    <dgm:linClrLst meth="repeat">
+      <a:schemeClr val="dk1">
+        <a:alpha val="0"/>
+      </a:schemeClr>
+    </dgm:linClrLst>
+    <dgm:effectClrLst/>
+    <dgm:txLinClrLst/>
+    <dgm:txFillClrLst meth="repeat">
+      <a:schemeClr val="tx1"/>
+    </dgm:txFillClrLst>
+    <dgm:txEffectClrLst/>
+  </dgm:styleLbl>
+</dgm:colorsDef>
+</file>
+
+<file path=ppt/diagrams/colors7.xml><?xml version="1.0" encoding="utf-8"?>
+<dgm:colorsDef xmlns:dgm="http://schemas.openxmlformats.org/drawingml/2006/diagram" xmlns:a="http://schemas.openxmlformats.org/drawingml/2006/main" uniqueId="urn:microsoft.com/office/officeart/2005/8/colors/colorful2">
+  <dgm:title val=""/>
+  <dgm:desc val=""/>
+  <dgm:catLst>
+    <dgm:cat type="colorful" pri="10200"/>
+  </dgm:catLst>
+  <dgm:styleLbl name="node0">
+    <dgm:fillClrLst meth="repeat">
+      <a:schemeClr val="accent1"/>
+    </dgm:fillClrLst>
+    <dgm:linClrLst meth="repeat">
+      <a:schemeClr val="lt1"/>
+    </dgm:linClrLst>
+    <dgm:effectClrLst/>
+    <dgm:txLinClrLst/>
+    <dgm:txFillClrLst/>
+    <dgm:txEffectClrLst/>
+  </dgm:styleLbl>
+  <dgm:styleLbl name="node1">
+    <dgm:fillClrLst>
+      <a:schemeClr val="accent2"/>
+      <a:schemeClr val="accent3"/>
+    </dgm:fillClrLst>
+    <dgm:linClrLst meth="repeat">
+      <a:schemeClr val="lt1"/>
+    </dgm:linClrLst>
+    <dgm:effectClrLst/>
+    <dgm:txLinClrLst/>
+    <dgm:txFillClrLst/>
+    <dgm:txEffectClrLst/>
+  </dgm:styleLbl>
+  <dgm:styleLbl name="alignNode1">
+    <dgm:fillClrLst>
+      <a:schemeClr val="accent2"/>
+      <a:schemeClr val="accent3"/>
+    </dgm:fillClrLst>
+    <dgm:linClrLst>
+      <a:schemeClr val="accent2"/>
+      <a:schemeClr val="accent3"/>
+    </dgm:linClrLst>
+    <dgm:effectClrLst/>
+    <dgm:txLinClrLst/>
+    <dgm:txFillClrLst/>
+    <dgm:txEffectClrLst/>
+  </dgm:styleLbl>
+  <dgm:styleLbl name="lnNode1">
+    <dgm:fillClrLst>
+      <a:schemeClr val="accent2"/>
+      <a:schemeClr val="accent3"/>
+    </dgm:fillClrLst>
+    <dgm:linClrLst meth="repeat">
+      <a:schemeClr val="lt1"/>
+    </dgm:linClrLst>
+    <dgm:effectClrLst/>
+    <dgm:txLinClrLst/>
+    <dgm:txFillClrLst/>
+    <dgm:txEffectClrLst/>
+  </dgm:styleLbl>
+  <dgm:styleLbl name="vennNode1">
+    <dgm:fillClrLst>
+      <a:schemeClr val="accent2">
+        <a:alpha val="50000"/>
+      </a:schemeClr>
+      <a:schemeClr val="accent3">
+        <a:alpha val="50000"/>
+      </a:schemeClr>
+    </dgm:fillClrLst>
+    <dgm:linClrLst meth="repeat">
+      <a:schemeClr val="lt1"/>
+    </dgm:linClrLst>
+    <dgm:effectClrLst/>
+    <dgm:txLinClrLst/>
+    <dgm:txFillClrLst/>
+    <dgm:txEffectClrLst/>
+  </dgm:styleLbl>
+  <dgm:styleLbl name="node2">
+    <dgm:fillClrLst>
+      <a:schemeClr val="accent3"/>
+    </dgm:fillClrLst>
+    <dgm:linClrLst meth="repeat">
+      <a:schemeClr val="lt1"/>
+    </dgm:linClrLst>
+    <dgm:effectClrLst/>
+    <dgm:txLinClrLst/>
+    <dgm:txFillClrLst/>
+    <dgm:txEffectClrLst/>
+  </dgm:styleLbl>
+  <dgm:styleLbl name="node3">
+    <dgm:fillClrLst>
+      <a:schemeClr val="accent4"/>
+    </dgm:fillClrLst>
+    <dgm:linClrLst meth="repeat">
+      <a:schemeClr val="lt1"/>
+    </dgm:linClrLst>
+    <dgm:effectClrLst/>
+    <dgm:txLinClrLst/>
+    <dgm:txFillClrLst/>
+    <dgm:txEffectClrLst/>
+  </dgm:styleLbl>
+  <dgm:styleLbl name="node4">
+    <dgm:fillClrLst>
+      <a:schemeClr val="accent5"/>
+    </dgm:fillClrLst>
+    <dgm:linClrLst meth="repeat">
+      <a:schemeClr val="lt1"/>
+    </dgm:linClrLst>
+    <dgm:effectClrLst/>
+    <dgm:txLinClrLst/>
+    <dgm:txFillClrLst/>
+    <dgm:txEffectClrLst/>
+  </dgm:styleLbl>
+  <dgm:styleLbl name="fgImgPlace1">
+    <dgm:fillClrLst>
+      <a:schemeClr val="accent2">
+        <a:tint val="50000"/>
+      </a:schemeClr>
+      <a:schemeClr val="accent3">
+        <a:tint val="50000"/>
+      </a:schemeClr>
+    </dgm:fillClrLst>
+    <dgm:linClrLst meth="repeat">
+      <a:schemeClr val="lt1"/>
+    </dgm:linClrLst>
+    <dgm:effectClrLst/>
+    <dgm:txLinClrLst/>
+    <dgm:txFillClrLst meth="repeat">
+      <a:schemeClr val="lt1"/>
+    </dgm:txFillClrLst>
+    <dgm:txEffectClrLst/>
+  </dgm:styleLbl>
+  <dgm:styleLbl name="alignImgPlace1">
+    <dgm:fillClrLst>
+      <a:schemeClr val="accent2">
+        <a:tint val="50000"/>
+      </a:schemeClr>
+      <a:schemeClr val="accent3">
+        <a:tint val="20000"/>
+      </a:schemeClr>
+    </dgm:fillClrLst>
+    <dgm:linClrLst meth="repeat">
+      <a:schemeClr val="lt1"/>
+    </dgm:linClrLst>
+    <dgm:effectClrLst/>
+    <dgm:txLinClrLst/>
+    <dgm:txFillClrLst meth="repeat">
+      <a:schemeClr val="lt1"/>
+    </dgm:txFillClrLst>
+    <dgm:txEffectClrLst/>
+  </dgm:styleLbl>
+  <dgm:styleLbl name="bgImgPlace1">
+    <dgm:fillClrLst>
+      <a:schemeClr val="accent2">
+        <a:tint val="50000"/>
+      </a:schemeClr>
+      <a:schemeClr val="accent3">
+        <a:tint val="20000"/>
+      </a:schemeClr>
+    </dgm:fillClrLst>
+    <dgm:linClrLst meth="repeat">
+      <a:schemeClr val="lt1"/>
+    </dgm:linClrLst>
+    <dgm:effectClrLst/>
+    <dgm:txLinClrLst/>
+    <dgm:txFillClrLst meth="repeat">
+      <a:schemeClr val="lt1"/>
+    </dgm:txFillClrLst>
+    <dgm:txEffectClrLst/>
+  </dgm:styleLbl>
+  <dgm:styleLbl name="sibTrans2D1">
+    <dgm:fillClrLst>
+      <a:schemeClr val="accent2"/>
+      <a:schemeClr val="accent3"/>
+    </dgm:fillClrLst>
+    <dgm:linClrLst meth="repeat">
+      <a:schemeClr val="lt1"/>
+    </dgm:linClrLst>
+    <dgm:effectClrLst/>
+    <dgm:txLinClrLst/>
+    <dgm:txFillClrLst/>
+    <dgm:txEffectClrLst/>
+  </dgm:styleLbl>
+  <dgm:styleLbl name="fgSibTrans2D1">
+    <dgm:fillClrLst>
+      <a:schemeClr val="accent2"/>
+      <a:schemeClr val="accent3"/>
+    </dgm:fillClrLst>
+    <dgm:linClrLst meth="repeat">
+      <a:schemeClr val="lt1"/>
+    </dgm:linClrLst>
+    <dgm:effectClrLst/>
+    <dgm:txLinClrLst/>
+    <dgm:txFillClrLst meth="repeat">
+      <a:schemeClr val="lt1"/>
+    </dgm:txFillClrLst>
+    <dgm:txEffectClrLst/>
+  </dgm:styleLbl>
+  <dgm:styleLbl name="bgSibTrans2D1">
+    <dgm:fillClrLst>
+      <a:schemeClr val="accent2"/>
+      <a:schemeClr val="accent3"/>
+    </dgm:fillClrLst>
+    <dgm:linClrLst meth="repeat">
+      <a:schemeClr val="lt1"/>
+    </dgm:linClrLst>
+    <dgm:effectClrLst/>
+    <dgm:txLinClrLst/>
+    <dgm:txFillClrLst meth="repeat">
+      <a:schemeClr val="lt1"/>
+    </dgm:txFillClrLst>
+    <dgm:txEffectClrLst/>
+  </dgm:styleLbl>
+  <dgm:styleLbl name="sibTrans1D1">
+    <dgm:fillClrLst/>
+    <dgm:linClrLst>
+      <a:schemeClr val="accent2"/>
+      <a:schemeClr val="accent3"/>
+    </dgm:linClrLst>
+    <dgm:effectClrLst/>
+    <dgm:txLinClrLst/>
+    <dgm:txFillClrLst meth="repeat">
+      <a:schemeClr val="tx1"/>
+    </dgm:txFillClrLst>
+    <dgm:txEffectClrLst/>
+  </dgm:styleLbl>
+  <dgm:styleLbl name="callout">
+    <dgm:fillClrLst meth="repeat">
+      <a:schemeClr val="accent2"/>
+    </dgm:fillClrLst>
+    <dgm:linClrLst meth="repeat">
+      <a:schemeClr val="accent2">
+        <a:tint val="50000"/>
+      </a:schemeClr>
+    </dgm:linClrLst>
+    <dgm:effectClrLst/>
+    <dgm:txLinClrLst/>
+    <dgm:txFillClrLst meth="repeat">
+      <a:schemeClr val="tx1"/>
+    </dgm:txFillClrLst>
+    <dgm:txEffectClrLst/>
+  </dgm:styleLbl>
+  <dgm:styleLbl name="asst0">
+    <dgm:fillClrLst meth="repeat">
+      <a:schemeClr val="accent2"/>
+    </dgm:fillClrLst>
+    <dgm:linClrLst meth="repeat">
+      <a:schemeClr val="lt1">
+        <a:shade val="80000"/>
+      </a:schemeClr>
+    </dgm:linClrLst>
+    <dgm:effectClrLst/>
+    <dgm:txLinClrLst/>
+    <dgm:txFillClrLst/>
+    <dgm:txEffectClrLst/>
+  </dgm:styleLbl>
+  <dgm:styleLbl name="asst1">
+    <dgm:fillClrLst meth="repeat">
+      <a:schemeClr val="accent3"/>
+    </dgm:fillClrLst>
+    <dgm:linClrLst meth="repeat">
+      <a:schemeClr val="lt1">
+        <a:shade val="80000"/>
+      </a:schemeClr>
+    </dgm:linClrLst>
+    <dgm:effectClrLst/>
+    <dgm:txLinClrLst/>
+    <dgm:txFillClrLst/>
+    <dgm:txEffectClrLst/>
+  </dgm:styleLbl>
+  <dgm:styleLbl name="asst2">
+    <dgm:fillClrLst>
+      <a:schemeClr val="accent4"/>
+    </dgm:fillClrLst>
+    <dgm:linClrLst meth="repeat">
+      <a:schemeClr val="lt1"/>
+    </dgm:linClrLst>
+    <dgm:effectClrLst/>
+    <dgm:txLinClrLst/>
+    <dgm:txFillClrLst/>
+    <dgm:txEffectClrLst/>
+  </dgm:styleLbl>
+  <dgm:styleLbl name="asst3">
+    <dgm:fillClrLst>
+      <a:schemeClr val="accent5"/>
+    </dgm:fillClrLst>
+    <dgm:linClrLst meth="repeat">
+      <a:schemeClr val="lt1"/>
+    </dgm:linClrLst>
+    <dgm:effectClrLst/>
+    <dgm:txLinClrLst/>
+    <dgm:txFillClrLst/>
+    <dgm:txEffectClrLst/>
+  </dgm:styleLbl>
+  <dgm:styleLbl name="asst4">
+    <dgm:fillClrLst>
+      <a:schemeClr val="accent6"/>
+    </dgm:fillClrLst>
+    <dgm:linClrLst meth="repeat">
+      <a:schemeClr val="lt1"/>
+    </dgm:linClrLst>
+    <dgm:effectClrLst/>
+    <dgm:txLinClrLst/>
+    <dgm:txFillClrLst/>
+    <dgm:txEffectClrLst/>
+  </dgm:styleLbl>
+  <dgm:styleLbl name="parChTrans2D1">
+    <dgm:fillClrLst meth="repeat">
+      <a:schemeClr val="accent2"/>
+    </dgm:fillClrLst>
+    <dgm:linClrLst meth="repeat">
+      <a:schemeClr val="lt1"/>
+    </dgm:linClrLst>
+    <dgm:effectClrLst/>
+    <dgm:txLinClrLst/>
+    <dgm:txFillClrLst meth="repeat">
+      <a:schemeClr val="lt1"/>
+    </dgm:txFillClrLst>
+    <dgm:txEffectClrLst/>
+  </dgm:styleLbl>
+  <dgm:styleLbl name="parChTrans2D2">
+    <dgm:fillClrLst meth="repeat">
+      <a:schemeClr val="accent3"/>
+    </dgm:fillClrLst>
+    <dgm:linClrLst meth="repeat">
+      <a:schemeClr val="lt1"/>
+    </dgm:linClrLst>
+    <dgm:effectClrLst/>
+    <dgm:txLinClrLst/>
+    <dgm:txFillClrLst/>
+    <dgm:txEffectClrLst/>
+  </dgm:styleLbl>
+  <dgm:styleLbl name="parChTrans2D3">
+    <dgm:fillClrLst meth="repeat">
+      <a:schemeClr val="accent4"/>
+    </dgm:fillClrLst>
+    <dgm:linClrLst meth="repeat">
+      <a:schemeClr val="lt1"/>
+    </dgm:linClrLst>
+    <dgm:effectClrLst/>
+    <dgm:txLinClrLst/>
+    <dgm:txFillClrLst/>
+    <dgm:txEffectClrLst/>
+  </dgm:styleLbl>
+  <dgm:styleLbl name="parChTrans2D4">
+    <dgm:fillClrLst meth="repeat">
+      <a:schemeClr val="accent5"/>
+    </dgm:fillClrLst>
+    <dgm:linClrLst meth="repeat">
+      <a:schemeClr val="lt1"/>
+    </dgm:linClrLst>
+    <dgm:effectClrLst/>
+    <dgm:txLinClrLst/>
+    <dgm:txFillClrLst meth="repeat">
+      <a:schemeClr val="lt1"/>
+    </dgm:txFillClrLst>
+    <dgm:txEffectClrLst/>
+  </dgm:styleLbl>
+  <dgm:styleLbl name="parChTrans1D1">
+    <dgm:fillClrLst meth="repeat">
+      <a:schemeClr val="accent2"/>
+    </dgm:fillClrLst>
+    <dgm:linClrLst meth="repeat">
+      <a:schemeClr val="accent2"/>
+    </dgm:linClrLst>
+    <dgm:effectClrLst/>
+    <dgm:txLinClrLst/>
+    <dgm:txFillClrLst meth="repeat">
+      <a:schemeClr val="tx1"/>
+    </dgm:txFillClrLst>
+    <dgm:txEffectClrLst/>
+  </dgm:styleLbl>
+  <dgm:styleLbl name="parChTrans1D2">
+    <dgm:fillClrLst meth="repeat">
+      <a:schemeClr val="accent2">
+        <a:tint val="90000"/>
+      </a:schemeClr>
+    </dgm:fillClrLst>
+    <dgm:linClrLst meth="repeat">
+      <a:schemeClr val="accent3"/>
+    </dgm:linClrLst>
+    <dgm:effectClrLst/>
+    <dgm:txLinClrLst/>
+    <dgm:txFillClrLst meth="repeat">
+      <a:schemeClr val="tx1"/>
+    </dgm:txFillClrLst>
+    <dgm:txEffectClrLst/>
+  </dgm:styleLbl>
+  <dgm:styleLbl name="parChTrans1D3">
+    <dgm:fillClrLst meth="repeat">
+      <a:schemeClr val="accent2">
+        <a:tint val="70000"/>
+      </a:schemeClr>
+    </dgm:fillClrLst>
+    <dgm:linClrLst meth="repeat">
+      <a:schemeClr val="accent4"/>
+    </dgm:linClrLst>
+    <dgm:effectClrLst/>
+    <dgm:txLinClrLst/>
+    <dgm:txFillClrLst meth="repeat">
+      <a:schemeClr val="tx1"/>
+    </dgm:txFillClrLst>
+    <dgm:txEffectClrLst/>
+  </dgm:styleLbl>
+  <dgm:styleLbl name="parChTrans1D4">
+    <dgm:fillClrLst meth="repeat">
+      <a:schemeClr val="accent2">
+        <a:tint val="50000"/>
+      </a:schemeClr>
+    </dgm:fillClrLst>
+    <dgm:linClrLst meth="repeat">
+      <a:schemeClr val="accent5"/>
+    </dgm:linClrLst>
+    <dgm:effectClrLst/>
+    <dgm:txLinClrLst/>
+    <dgm:txFillClrLst meth="repeat">
+      <a:schemeClr val="tx1"/>
+    </dgm:txFillClrLst>
+    <dgm:txEffectClrLst/>
+  </dgm:styleLbl>
+  <dgm:styleLbl name="fgAcc1">
+    <dgm:fillClrLst meth="repeat">
+      <a:schemeClr val="lt1">
+        <a:alpha val="90000"/>
+      </a:schemeClr>
+    </dgm:fillClrLst>
+    <dgm:linClrLst>
+      <a:schemeClr val="accent2"/>
+      <a:schemeClr val="accent3"/>
+    </dgm:linClrLst>
+    <dgm:effectClrLst/>
+    <dgm:txLinClrLst/>
+    <dgm:txFillClrLst meth="repeat">
+      <a:schemeClr val="dk1"/>
+    </dgm:txFillClrLst>
+    <dgm:txEffectClrLst/>
+  </dgm:styleLbl>
+  <dgm:styleLbl name="conFgAcc1">
+    <dgm:fillClrLst meth="repeat">
+      <a:schemeClr val="lt1">
+        <a:alpha val="90000"/>
+      </a:schemeClr>
+    </dgm:fillClrLst>
+    <dgm:linClrLst>
+      <a:schemeClr val="accent2"/>
+      <a:schemeClr val="accent3"/>
+    </dgm:linClrLst>
+    <dgm:effectClrLst/>
+    <dgm:txLinClrLst/>
+    <dgm:txFillClrLst meth="repeat">
+      <a:schemeClr val="dk1"/>
+    </dgm:txFillClrLst>
+    <dgm:txEffectClrLst/>
+  </dgm:styleLbl>
+  <dgm:styleLbl name="alignAcc1">
+    <dgm:fillClrLst meth="repeat">
+      <a:schemeClr val="lt1">
+        <a:alpha val="90000"/>
+      </a:schemeClr>
+    </dgm:fillClrLst>
+    <dgm:linClrLst>
+      <a:schemeClr val="accent2"/>
+      <a:schemeClr val="accent3"/>
+    </dgm:linClrLst>
+    <dgm:effectClrLst/>
+    <dgm:txLinClrLst/>
+    <dgm:txFillClrLst meth="repeat">
+      <a:schemeClr val="dk1"/>
+    </dgm:txFillClrLst>
+    <dgm:txEffectClrLst/>
+  </dgm:styleLbl>
+  <dgm:styleLbl name="trAlignAcc1">
+    <dgm:fillClrLst meth="repeat">
+      <a:schemeClr val="lt1">
+        <a:alpha val="40000"/>
+      </a:schemeClr>
+    </dgm:fillClrLst>
+    <dgm:linClrLst meth="repeat">
+      <a:schemeClr val="accent2"/>
+    </dgm:linClrLst>
+    <dgm:effectClrLst/>
+    <dgm:txLinClrLst/>
+    <dgm:txFillClrLst meth="repeat">
+      <a:schemeClr val="dk1"/>
+    </dgm:txFillClrLst>
+    <dgm:txEffectClrLst/>
+  </dgm:styleLbl>
+  <dgm:styleLbl name="bgAcc1">
+    <dgm:fillClrLst meth="repeat">
+      <a:schemeClr val="lt1">
+        <a:alpha val="90000"/>
+      </a:schemeClr>
+    </dgm:fillClrLst>
+    <dgm:linClrLst>
+      <a:schemeClr val="accent2"/>
+      <a:schemeClr val="accent3"/>
+    </dgm:linClrLst>
+    <dgm:effectClrLst/>
+    <dgm:txLinClrLst/>
+    <dgm:txFillClrLst meth="repeat">
+      <a:schemeClr val="dk1"/>
+    </dgm:txFillClrLst>
+    <dgm:txEffectClrLst/>
+  </dgm:styleLbl>
+  <dgm:styleLbl name="solidFgAcc1">
+    <dgm:fillClrLst meth="repeat">
+      <a:schemeClr val="lt1"/>
+    </dgm:fillClrLst>
+    <dgm:linClrLst>
+      <a:schemeClr val="accent2"/>
+      <a:schemeClr val="accent3"/>
+    </dgm:linClrLst>
+    <dgm:effectClrLst/>
+    <dgm:txLinClrLst/>
+    <dgm:txFillClrLst meth="repeat">
+      <a:schemeClr val="dk1"/>
+    </dgm:txFillClrLst>
+    <dgm:txEffectClrLst/>
+  </dgm:styleLbl>
+  <dgm:styleLbl name="solidAlignAcc1">
+    <dgm:fillClrLst meth="repeat">
+      <a:schemeClr val="lt1"/>
+    </dgm:fillClrLst>
+    <dgm:linClrLst>
+      <a:schemeClr val="accent2"/>
+      <a:schemeClr val="accent3"/>
+    </dgm:linClrLst>
+    <dgm:effectClrLst/>
+    <dgm:txLinClrLst/>
+    <dgm:txFillClrLst meth="repeat">
+      <a:schemeClr val="dk1"/>
+    </dgm:txFillClrLst>
+    <dgm:txEffectClrLst/>
+  </dgm:styleLbl>
+  <dgm:styleLbl name="solidBgAcc1">
+    <dgm:fillClrLst meth="repeat">
+      <a:schemeClr val="lt1"/>
+    </dgm:fillClrLst>
+    <dgm:linClrLst>
+      <a:schemeClr val="accent2"/>
+      <a:schemeClr val="accent3"/>
+    </dgm:linClrLst>
+    <dgm:effectClrLst/>
+    <dgm:txLinClrLst/>
+    <dgm:txFillClrLst meth="repeat">
+      <a:schemeClr val="dk1"/>
+    </dgm:txFillClrLst>
+    <dgm:txEffectClrLst/>
+  </dgm:styleLbl>
+  <dgm:styleLbl name="fgAccFollowNode1">
+    <dgm:fillClrLst>
+      <a:schemeClr val="accent2">
+        <a:tint val="40000"/>
+        <a:alpha val="90000"/>
+      </a:schemeClr>
+      <a:schemeClr val="accent3">
+        <a:tint val="40000"/>
+        <a:alpha val="90000"/>
+      </a:schemeClr>
+    </dgm:fillClrLst>
+    <dgm:linClrLst>
+      <a:schemeClr val="accent2">
+        <a:tint val="40000"/>
+        <a:alpha val="90000"/>
+      </a:schemeClr>
+      <a:schemeClr val="accent3">
+        <a:tint val="40000"/>
+        <a:alpha val="90000"/>
+      </a:schemeClr>
+    </dgm:linClrLst>
+    <dgm:effectClrLst/>
+    <dgm:txLinClrLst/>
+    <dgm:txFillClrLst meth="repeat">
+      <a:schemeClr val="dk1"/>
+    </dgm:txFillClrLst>
+    <dgm:txEffectClrLst/>
+  </dgm:styleLbl>
+  <dgm:styleLbl name="alignAccFollowNode1">
+    <dgm:fillClrLst>
+      <a:schemeClr val="accent2">
+        <a:tint val="40000"/>
+        <a:alpha val="90000"/>
+      </a:schemeClr>
+      <a:schemeClr val="accent3">
+        <a:tint val="40000"/>
+        <a:alpha val="90000"/>
+      </a:schemeClr>
+    </dgm:fillClrLst>
+    <dgm:linClrLst>
+      <a:schemeClr val="accent2">
+        <a:tint val="40000"/>
+        <a:alpha val="90000"/>
+      </a:schemeClr>
+      <a:schemeClr val="accent3">
+        <a:tint val="40000"/>
+        <a:alpha val="90000"/>
+      </a:schemeClr>
+    </dgm:linClrLst>
+    <dgm:effectClrLst/>
+    <dgm:txLinClrLst/>
+    <dgm:txFillClrLst meth="repeat">
+      <a:schemeClr val="dk1"/>
+    </dgm:txFillClrLst>
+    <dgm:txEffectClrLst/>
+  </dgm:styleLbl>
+  <dgm:styleLbl name="bgAccFollowNode1">
+    <dgm:fillClrLst>
+      <a:schemeClr val="accent2">
+        <a:tint val="40000"/>
+        <a:alpha val="90000"/>
+      </a:schemeClr>
+      <a:schemeClr val="accent3">
+        <a:tint val="40000"/>
+        <a:alpha val="90000"/>
+      </a:schemeClr>
+    </dgm:fillClrLst>
+    <dgm:linClrLst>
+      <a:schemeClr val="accent2">
+        <a:tint val="40000"/>
+        <a:alpha val="90000"/>
+      </a:schemeClr>
+      <a:schemeClr val="accent3">
+        <a:tint val="40000"/>
+        <a:alpha val="90000"/>
+      </a:schemeClr>
+    </dgm:linClrLst>
+    <dgm:effectClrLst/>
+    <dgm:txLinClrLst/>
+    <dgm:txFillClrLst meth="repeat">
+      <a:schemeClr val="dk1"/>
+    </dgm:txFillClrLst>
+    <dgm:txEffectClrLst/>
+  </dgm:styleLbl>
+  <dgm:styleLbl name="fgAcc0">
+    <dgm:fillClrLst meth="repeat">
+      <a:schemeClr val="lt1">
+        <a:alpha val="90000"/>
+      </a:schemeClr>
+    </dgm:fillClrLst>
+    <dgm:linClrLst>
+      <a:schemeClr val="accent1"/>
+    </dgm:linClrLst>
+    <dgm:effectClrLst/>
+    <dgm:txLinClrLst/>
+    <dgm:txFillClrLst meth="repeat">
+      <a:schemeClr val="dk1"/>
+    </dgm:txFillClrLst>
+    <dgm:txEffectClrLst/>
+  </dgm:styleLbl>
+  <dgm:styleLbl name="fgAcc2">
+    <dgm:fillClrLst meth="repeat">
+      <a:schemeClr val="lt1">
+        <a:alpha val="90000"/>
+      </a:schemeClr>
+    </dgm:fillClrLst>
+    <dgm:linClrLst>
+      <a:schemeClr val="accent3"/>
+    </dgm:linClrLst>
+    <dgm:effectClrLst/>
+    <dgm:txLinClrLst/>
+    <dgm:txFillClrLst meth="repeat">
+      <a:schemeClr val="dk1"/>
+    </dgm:txFillClrLst>
+    <dgm:txEffectClrLst/>
+  </dgm:styleLbl>
+  <dgm:styleLbl name="fgAcc3">
+    <dgm:fillClrLst meth="repeat">
+      <a:schemeClr val="lt1">
+        <a:alpha val="90000"/>
+      </a:schemeClr>
+    </dgm:fillClrLst>
+    <dgm:linClrLst>
+      <a:schemeClr val="accent4"/>
+    </dgm:linClrLst>
+    <dgm:effectClrLst/>
+    <dgm:txLinClrLst/>
+    <dgm:txFillClrLst meth="repeat">
+      <a:schemeClr val="dk1"/>
+    </dgm:txFillClrLst>
+    <dgm:txEffectClrLst/>
+  </dgm:styleLbl>
+  <dgm:styleLbl name="fgAcc4">
+    <dgm:fillClrLst meth="repeat">
+      <a:schemeClr val="lt1">
+        <a:alpha val="90000"/>
+      </a:schemeClr>
+    </dgm:fillClrLst>
+    <dgm:linClrLst>
+      <a:schemeClr val="accent5"/>
+    </dgm:linClrLst>
+    <dgm:effectClrLst/>
+    <dgm:txLinClrLst/>
+    <dgm:txFillClrLst meth="repeat">
+      <a:schemeClr val="dk1"/>
+    </dgm:txFillClrLst>
+    <dgm:txEffectClrLst/>
+  </dgm:styleLbl>
+  <dgm:styleLbl name="bgShp">
+    <dgm:fillClrLst meth="repeat">
+      <a:schemeClr val="accent2">
+        <a:tint val="40000"/>
+      </a:schemeClr>
+    </dgm:fillClrLst>
+    <dgm:linClrLst meth="repeat">
+      <a:schemeClr val="dk1"/>
+    </dgm:linClrLst>
+    <dgm:effectClrLst/>
+    <dgm:txLinClrLst/>
+    <dgm:txFillClrLst meth="repeat">
+      <a:schemeClr val="dk1"/>
+    </dgm:txFillClrLst>
+    <dgm:txEffectClrLst/>
+  </dgm:styleLbl>
+  <dgm:styleLbl name="dkBgShp">
+    <dgm:fillClrLst meth="repeat">
+      <a:schemeClr val="accent2">
+        <a:shade val="90000"/>
+      </a:schemeClr>
+    </dgm:fillClrLst>
+    <dgm:linClrLst meth="repeat">
+      <a:schemeClr val="dk1"/>
+    </dgm:linClrLst>
+    <dgm:effectClrLst/>
+    <dgm:txLinClrLst/>
+    <dgm:txFillClrLst meth="repeat">
+      <a:schemeClr val="lt1"/>
+    </dgm:txFillClrLst>
+    <dgm:txEffectClrLst/>
+  </dgm:styleLbl>
+  <dgm:styleLbl name="trBgShp">
+    <dgm:fillClrLst meth="repeat">
+      <a:schemeClr val="accent2">
+        <a:tint val="50000"/>
+        <a:alpha val="40000"/>
+      </a:schemeClr>
+    </dgm:fillClrLst>
+    <dgm:linClrLst meth="repeat">
+      <a:schemeClr val="accent2"/>
+    </dgm:linClrLst>
+    <dgm:effectClrLst/>
+    <dgm:txLinClrLst/>
+    <dgm:txFillClrLst meth="repeat">
+      <a:schemeClr val="lt1"/>
+    </dgm:txFillClrLst>
+    <dgm:txEffectClrLst/>
+  </dgm:styleLbl>
+  <dgm:styleLbl name="fgShp">
+    <dgm:fillClrLst meth="repeat">
+      <a:schemeClr val="accent2">
+        <a:tint val="40000"/>
       </a:schemeClr>
     </dgm:fillClrLst>
     <dgm:linClrLst meth="repeat">
@@ -8854,254 +8854,6 @@
 <file path=ppt/diagrams/data3.xml><?xml version="1.0" encoding="utf-8"?>
 <dgm:dataModel xmlns:dgm="http://schemas.openxmlformats.org/drawingml/2006/diagram" xmlns:a="http://schemas.openxmlformats.org/drawingml/2006/main">
   <dgm:ptLst>
-    <dgm:pt modelId="{DFB9D189-9C79-4C5C-8548-37C5920C0C61}" type="doc">
-      <dgm:prSet loTypeId="urn:microsoft.com/office/officeart/2005/8/layout/vList2" loCatId="list" qsTypeId="urn:microsoft.com/office/officeart/2005/8/quickstyle/simple5" qsCatId="simple" csTypeId="urn:microsoft.com/office/officeart/2005/8/colors/colorful2" csCatId="colorful"/>
-      <dgm:spPr/>
-      <dgm:t>
-        <a:bodyPr/>
-        <a:lstStyle/>
-        <a:p>
-          <a:endParaRPr lang="en-US"/>
-        </a:p>
-      </dgm:t>
-    </dgm:pt>
-    <dgm:pt modelId="{7AF89441-1D15-4AC9-ADAB-D8DA9E192C49}">
-      <dgm:prSet/>
-      <dgm:spPr/>
-      <dgm:t>
-        <a:bodyPr/>
-        <a:lstStyle/>
-        <a:p>
-          <a:r>
-            <a:rPr lang="en-GB"/>
-            <a:t>Firebase Database</a:t>
-          </a:r>
-          <a:endParaRPr lang="en-US"/>
-        </a:p>
-      </dgm:t>
-    </dgm:pt>
-    <dgm:pt modelId="{C17A0711-7887-4DC4-9470-047C50797CCC}" type="parTrans" cxnId="{88F59FAD-3CE6-46E6-8BA9-13A48B16D1FE}">
-      <dgm:prSet/>
-      <dgm:spPr/>
-      <dgm:t>
-        <a:bodyPr/>
-        <a:lstStyle/>
-        <a:p>
-          <a:endParaRPr lang="en-US"/>
-        </a:p>
-      </dgm:t>
-    </dgm:pt>
-    <dgm:pt modelId="{8636B702-4021-4F27-9DF1-3A520940D697}" type="sibTrans" cxnId="{88F59FAD-3CE6-46E6-8BA9-13A48B16D1FE}">
-      <dgm:prSet/>
-      <dgm:spPr/>
-      <dgm:t>
-        <a:bodyPr/>
-        <a:lstStyle/>
-        <a:p>
-          <a:endParaRPr lang="en-US"/>
-        </a:p>
-      </dgm:t>
-    </dgm:pt>
-    <dgm:pt modelId="{59C41E80-58F4-4219-B58C-3731467A6561}">
-      <dgm:prSet/>
-      <dgm:spPr/>
-      <dgm:t>
-        <a:bodyPr/>
-        <a:lstStyle/>
-        <a:p>
-          <a:r>
-            <a:rPr lang="en-GB"/>
-            <a:t>Microservice architecture</a:t>
-          </a:r>
-          <a:endParaRPr lang="en-US"/>
-        </a:p>
-      </dgm:t>
-    </dgm:pt>
-    <dgm:pt modelId="{2460C37D-720C-4605-BF11-028A6A2D0FA6}" type="parTrans" cxnId="{7204C16C-3FE1-4570-A590-FE662CE1B2DC}">
-      <dgm:prSet/>
-      <dgm:spPr/>
-      <dgm:t>
-        <a:bodyPr/>
-        <a:lstStyle/>
-        <a:p>
-          <a:endParaRPr lang="en-US"/>
-        </a:p>
-      </dgm:t>
-    </dgm:pt>
-    <dgm:pt modelId="{EB09D050-6A5D-4C99-A890-DF114014244E}" type="sibTrans" cxnId="{7204C16C-3FE1-4570-A590-FE662CE1B2DC}">
-      <dgm:prSet/>
-      <dgm:spPr/>
-      <dgm:t>
-        <a:bodyPr/>
-        <a:lstStyle/>
-        <a:p>
-          <a:endParaRPr lang="en-US"/>
-        </a:p>
-      </dgm:t>
-    </dgm:pt>
-    <dgm:pt modelId="{8E6B4176-4048-4329-8F1C-DD832A89416C}">
-      <dgm:prSet/>
-      <dgm:spPr/>
-      <dgm:t>
-        <a:bodyPr/>
-        <a:lstStyle/>
-        <a:p>
-          <a:r>
-            <a:rPr lang="en-GB"/>
-            <a:t>Scalable infustrictire </a:t>
-          </a:r>
-          <a:endParaRPr lang="en-US"/>
-        </a:p>
-      </dgm:t>
-    </dgm:pt>
-    <dgm:pt modelId="{6BB4639E-25B7-4663-B76A-47A3F19808FE}" type="parTrans" cxnId="{8729C65B-BFE4-466D-A6F7-C451810F5A9B}">
-      <dgm:prSet/>
-      <dgm:spPr/>
-      <dgm:t>
-        <a:bodyPr/>
-        <a:lstStyle/>
-        <a:p>
-          <a:endParaRPr lang="en-US"/>
-        </a:p>
-      </dgm:t>
-    </dgm:pt>
-    <dgm:pt modelId="{C8CEB3C2-5A5C-4D70-A63E-49E90CD882F4}" type="sibTrans" cxnId="{8729C65B-BFE4-466D-A6F7-C451810F5A9B}">
-      <dgm:prSet/>
-      <dgm:spPr/>
-      <dgm:t>
-        <a:bodyPr/>
-        <a:lstStyle/>
-        <a:p>
-          <a:endParaRPr lang="en-US"/>
-        </a:p>
-      </dgm:t>
-    </dgm:pt>
-    <dgm:pt modelId="{C2CC721D-0D06-4308-BB7C-3B7886EF53B2}">
-      <dgm:prSet/>
-      <dgm:spPr/>
-      <dgm:t>
-        <a:bodyPr/>
-        <a:lstStyle/>
-        <a:p>
-          <a:r>
-            <a:rPr lang="en-GB"/>
-            <a:t>Flexible and Secure design</a:t>
-          </a:r>
-          <a:endParaRPr lang="en-US"/>
-        </a:p>
-      </dgm:t>
-    </dgm:pt>
-    <dgm:pt modelId="{3B7446D2-2073-4856-90D3-995E3283723A}" type="parTrans" cxnId="{2D2D47EA-19E5-4A28-ABBA-368C4205B110}">
-      <dgm:prSet/>
-      <dgm:spPr/>
-      <dgm:t>
-        <a:bodyPr/>
-        <a:lstStyle/>
-        <a:p>
-          <a:endParaRPr lang="en-US"/>
-        </a:p>
-      </dgm:t>
-    </dgm:pt>
-    <dgm:pt modelId="{F5BA9D43-B28E-486A-A522-A212CB82E086}" type="sibTrans" cxnId="{2D2D47EA-19E5-4A28-ABBA-368C4205B110}">
-      <dgm:prSet/>
-      <dgm:spPr/>
-      <dgm:t>
-        <a:bodyPr/>
-        <a:lstStyle/>
-        <a:p>
-          <a:endParaRPr lang="en-US"/>
-        </a:p>
-      </dgm:t>
-    </dgm:pt>
-    <dgm:pt modelId="{27EC2720-6D22-4668-8A6D-B1A7BFFD0B9B}" type="pres">
-      <dgm:prSet presAssocID="{DFB9D189-9C79-4C5C-8548-37C5920C0C61}" presName="linear" presStyleCnt="0">
-        <dgm:presLayoutVars>
-          <dgm:animLvl val="lvl"/>
-          <dgm:resizeHandles val="exact"/>
-        </dgm:presLayoutVars>
-      </dgm:prSet>
-      <dgm:spPr/>
-    </dgm:pt>
-    <dgm:pt modelId="{B99D3781-8EF8-4D3A-8015-D0520415B759}" type="pres">
-      <dgm:prSet presAssocID="{7AF89441-1D15-4AC9-ADAB-D8DA9E192C49}" presName="parentText" presStyleLbl="node1" presStyleIdx="0" presStyleCnt="4">
-        <dgm:presLayoutVars>
-          <dgm:chMax val="0"/>
-          <dgm:bulletEnabled val="1"/>
-        </dgm:presLayoutVars>
-      </dgm:prSet>
-      <dgm:spPr/>
-    </dgm:pt>
-    <dgm:pt modelId="{0D44D2A4-EC9A-4825-8F71-263BEF7DA266}" type="pres">
-      <dgm:prSet presAssocID="{8636B702-4021-4F27-9DF1-3A520940D697}" presName="spacer" presStyleCnt="0"/>
-      <dgm:spPr/>
-    </dgm:pt>
-    <dgm:pt modelId="{E8DA13C9-9CC4-4B33-9DD4-2401AAD0C6F5}" type="pres">
-      <dgm:prSet presAssocID="{59C41E80-58F4-4219-B58C-3731467A6561}" presName="parentText" presStyleLbl="node1" presStyleIdx="1" presStyleCnt="4">
-        <dgm:presLayoutVars>
-          <dgm:chMax val="0"/>
-          <dgm:bulletEnabled val="1"/>
-        </dgm:presLayoutVars>
-      </dgm:prSet>
-      <dgm:spPr/>
-    </dgm:pt>
-    <dgm:pt modelId="{44D7360D-67A0-40BB-B808-B69437211C67}" type="pres">
-      <dgm:prSet presAssocID="{EB09D050-6A5D-4C99-A890-DF114014244E}" presName="spacer" presStyleCnt="0"/>
-      <dgm:spPr/>
-    </dgm:pt>
-    <dgm:pt modelId="{B5055A80-F538-43F8-A39B-A640607FA012}" type="pres">
-      <dgm:prSet presAssocID="{8E6B4176-4048-4329-8F1C-DD832A89416C}" presName="parentText" presStyleLbl="node1" presStyleIdx="2" presStyleCnt="4">
-        <dgm:presLayoutVars>
-          <dgm:chMax val="0"/>
-          <dgm:bulletEnabled val="1"/>
-        </dgm:presLayoutVars>
-      </dgm:prSet>
-      <dgm:spPr/>
-    </dgm:pt>
-    <dgm:pt modelId="{6A2252D4-7F8A-4F22-B7DD-E12B034FD7FD}" type="pres">
-      <dgm:prSet presAssocID="{C8CEB3C2-5A5C-4D70-A63E-49E90CD882F4}" presName="spacer" presStyleCnt="0"/>
-      <dgm:spPr/>
-    </dgm:pt>
-    <dgm:pt modelId="{9B7820E0-CDBE-49CF-BFA3-2C4B1A8F22D6}" type="pres">
-      <dgm:prSet presAssocID="{C2CC721D-0D06-4308-BB7C-3B7886EF53B2}" presName="parentText" presStyleLbl="node1" presStyleIdx="3" presStyleCnt="4">
-        <dgm:presLayoutVars>
-          <dgm:chMax val="0"/>
-          <dgm:bulletEnabled val="1"/>
-        </dgm:presLayoutVars>
-      </dgm:prSet>
-      <dgm:spPr/>
-    </dgm:pt>
-  </dgm:ptLst>
-  <dgm:cxnLst>
-    <dgm:cxn modelId="{8729C65B-BFE4-466D-A6F7-C451810F5A9B}" srcId="{DFB9D189-9C79-4C5C-8548-37C5920C0C61}" destId="{8E6B4176-4048-4329-8F1C-DD832A89416C}" srcOrd="2" destOrd="0" parTransId="{6BB4639E-25B7-4663-B76A-47A3F19808FE}" sibTransId="{C8CEB3C2-5A5C-4D70-A63E-49E90CD882F4}"/>
-    <dgm:cxn modelId="{7204C16C-3FE1-4570-A590-FE662CE1B2DC}" srcId="{DFB9D189-9C79-4C5C-8548-37C5920C0C61}" destId="{59C41E80-58F4-4219-B58C-3731467A6561}" srcOrd="1" destOrd="0" parTransId="{2460C37D-720C-4605-BF11-028A6A2D0FA6}" sibTransId="{EB09D050-6A5D-4C99-A890-DF114014244E}"/>
-    <dgm:cxn modelId="{AA986A51-3EC1-46FA-8E88-1B1093AC5299}" type="presOf" srcId="{7AF89441-1D15-4AC9-ADAB-D8DA9E192C49}" destId="{B99D3781-8EF8-4D3A-8015-D0520415B759}" srcOrd="0" destOrd="0" presId="urn:microsoft.com/office/officeart/2005/8/layout/vList2"/>
-    <dgm:cxn modelId="{A63D3B83-4331-4FA6-A16D-3F220F66618D}" type="presOf" srcId="{C2CC721D-0D06-4308-BB7C-3B7886EF53B2}" destId="{9B7820E0-CDBE-49CF-BFA3-2C4B1A8F22D6}" srcOrd="0" destOrd="0" presId="urn:microsoft.com/office/officeart/2005/8/layout/vList2"/>
-    <dgm:cxn modelId="{A67E4493-DB03-4C83-A5F0-97E298B879A2}" type="presOf" srcId="{8E6B4176-4048-4329-8F1C-DD832A89416C}" destId="{B5055A80-F538-43F8-A39B-A640607FA012}" srcOrd="0" destOrd="0" presId="urn:microsoft.com/office/officeart/2005/8/layout/vList2"/>
-    <dgm:cxn modelId="{88F59FAD-3CE6-46E6-8BA9-13A48B16D1FE}" srcId="{DFB9D189-9C79-4C5C-8548-37C5920C0C61}" destId="{7AF89441-1D15-4AC9-ADAB-D8DA9E192C49}" srcOrd="0" destOrd="0" parTransId="{C17A0711-7887-4DC4-9470-047C50797CCC}" sibTransId="{8636B702-4021-4F27-9DF1-3A520940D697}"/>
-    <dgm:cxn modelId="{7A09E1C0-85C0-4980-9639-1C417A4854AF}" type="presOf" srcId="{DFB9D189-9C79-4C5C-8548-37C5920C0C61}" destId="{27EC2720-6D22-4668-8A6D-B1A7BFFD0B9B}" srcOrd="0" destOrd="0" presId="urn:microsoft.com/office/officeart/2005/8/layout/vList2"/>
-    <dgm:cxn modelId="{537AC7C3-006C-42D0-88EB-07DA226D8B06}" type="presOf" srcId="{59C41E80-58F4-4219-B58C-3731467A6561}" destId="{E8DA13C9-9CC4-4B33-9DD4-2401AAD0C6F5}" srcOrd="0" destOrd="0" presId="urn:microsoft.com/office/officeart/2005/8/layout/vList2"/>
-    <dgm:cxn modelId="{2D2D47EA-19E5-4A28-ABBA-368C4205B110}" srcId="{DFB9D189-9C79-4C5C-8548-37C5920C0C61}" destId="{C2CC721D-0D06-4308-BB7C-3B7886EF53B2}" srcOrd="3" destOrd="0" parTransId="{3B7446D2-2073-4856-90D3-995E3283723A}" sibTransId="{F5BA9D43-B28E-486A-A522-A212CB82E086}"/>
-    <dgm:cxn modelId="{674F7C3C-AA78-477D-9A6B-B65F11574C46}" type="presParOf" srcId="{27EC2720-6D22-4668-8A6D-B1A7BFFD0B9B}" destId="{B99D3781-8EF8-4D3A-8015-D0520415B759}" srcOrd="0" destOrd="0" presId="urn:microsoft.com/office/officeart/2005/8/layout/vList2"/>
-    <dgm:cxn modelId="{D0506B9D-0C06-45C6-AF75-75D0F0D659E8}" type="presParOf" srcId="{27EC2720-6D22-4668-8A6D-B1A7BFFD0B9B}" destId="{0D44D2A4-EC9A-4825-8F71-263BEF7DA266}" srcOrd="1" destOrd="0" presId="urn:microsoft.com/office/officeart/2005/8/layout/vList2"/>
-    <dgm:cxn modelId="{C80379EF-060A-44E6-9D59-88D7C075B1E4}" type="presParOf" srcId="{27EC2720-6D22-4668-8A6D-B1A7BFFD0B9B}" destId="{E8DA13C9-9CC4-4B33-9DD4-2401AAD0C6F5}" srcOrd="2" destOrd="0" presId="urn:microsoft.com/office/officeart/2005/8/layout/vList2"/>
-    <dgm:cxn modelId="{0CD951CE-F86F-46EE-B6AE-AAEBBAA977AF}" type="presParOf" srcId="{27EC2720-6D22-4668-8A6D-B1A7BFFD0B9B}" destId="{44D7360D-67A0-40BB-B808-B69437211C67}" srcOrd="3" destOrd="0" presId="urn:microsoft.com/office/officeart/2005/8/layout/vList2"/>
-    <dgm:cxn modelId="{1B05BE33-E712-4011-990F-1C4AA0076DED}" type="presParOf" srcId="{27EC2720-6D22-4668-8A6D-B1A7BFFD0B9B}" destId="{B5055A80-F538-43F8-A39B-A640607FA012}" srcOrd="4" destOrd="0" presId="urn:microsoft.com/office/officeart/2005/8/layout/vList2"/>
-    <dgm:cxn modelId="{B58B69CE-D517-4E75-A703-209FD4B5E612}" type="presParOf" srcId="{27EC2720-6D22-4668-8A6D-B1A7BFFD0B9B}" destId="{6A2252D4-7F8A-4F22-B7DD-E12B034FD7FD}" srcOrd="5" destOrd="0" presId="urn:microsoft.com/office/officeart/2005/8/layout/vList2"/>
-    <dgm:cxn modelId="{C047199C-A1B6-4665-A520-11A0BB46B423}" type="presParOf" srcId="{27EC2720-6D22-4668-8A6D-B1A7BFFD0B9B}" destId="{9B7820E0-CDBE-49CF-BFA3-2C4B1A8F22D6}" srcOrd="6" destOrd="0" presId="urn:microsoft.com/office/officeart/2005/8/layout/vList2"/>
-  </dgm:cxnLst>
-  <dgm:bg/>
-  <dgm:whole/>
-  <dgm:extLst>
-    <a:ext uri="http://schemas.microsoft.com/office/drawing/2008/diagram">
-      <dsp:dataModelExt xmlns:dsp="http://schemas.microsoft.com/office/drawing/2008/diagram" relId="rId8" minVer="http://schemas.openxmlformats.org/drawingml/2006/diagram"/>
-    </a:ext>
-  </dgm:extLst>
-</dgm:dataModel>
-</file>
-
-<file path=ppt/diagrams/data4.xml><?xml version="1.0" encoding="utf-8"?>
-<dgm:dataModel xmlns:dgm="http://schemas.openxmlformats.org/drawingml/2006/diagram" xmlns:a="http://schemas.openxmlformats.org/drawingml/2006/main">
-  <dgm:ptLst>
     <dgm:pt modelId="{D6990D50-D207-4EC4-8E95-D3A1F55D3B05}" type="doc">
       <dgm:prSet loTypeId="urn:microsoft.com/office/officeart/2005/8/layout/hierarchy1" loCatId="hierarchy" qsTypeId="urn:microsoft.com/office/officeart/2005/8/quickstyle/simple1" qsCatId="simple" csTypeId="urn:microsoft.com/office/officeart/2005/8/colors/accent1_2" csCatId="accent1"/>
       <dgm:spPr/>
@@ -9427,7 +9179,7 @@
 </dgm:dataModel>
 </file>
 
-<file path=ppt/diagrams/data5.xml><?xml version="1.0" encoding="utf-8"?>
+<file path=ppt/diagrams/data4.xml><?xml version="1.0" encoding="utf-8"?>
 <dgm:dataModel xmlns:dgm="http://schemas.openxmlformats.org/drawingml/2006/diagram" xmlns:a="http://schemas.openxmlformats.org/drawingml/2006/main">
   <dgm:ptLst>
     <dgm:pt modelId="{51B1D970-9E17-43CA-8C62-8DC0D8CAC88F}" type="doc">
@@ -10047,7 +9799,7 @@
 </dgm:dataModel>
 </file>
 
-<file path=ppt/diagrams/data6.xml><?xml version="1.0" encoding="utf-8"?>
+<file path=ppt/diagrams/data5.xml><?xml version="1.0" encoding="utf-8"?>
 <dgm:dataModel xmlns:dgm="http://schemas.openxmlformats.org/drawingml/2006/diagram" xmlns:a="http://schemas.openxmlformats.org/drawingml/2006/main">
   <dgm:ptLst>
     <dgm:pt modelId="{66E44693-EC62-4638-A4EA-4DBB079ADBA3}" type="doc">
@@ -10599,7 +10351,7 @@
 </dgm:dataModel>
 </file>
 
-<file path=ppt/diagrams/data7.xml><?xml version="1.0" encoding="utf-8"?>
+<file path=ppt/diagrams/data6.xml><?xml version="1.0" encoding="utf-8"?>
 <dgm:dataModel xmlns:dgm="http://schemas.openxmlformats.org/drawingml/2006/diagram" xmlns:a="http://schemas.openxmlformats.org/drawingml/2006/main">
   <dgm:ptLst>
     <dgm:pt modelId="{D6990D50-D207-4EC4-8E95-D3A1F55D3B05}" type="doc">
@@ -10857,6 +10609,254 @@
   <dgm:extLst>
     <a:ext uri="http://schemas.microsoft.com/office/drawing/2008/diagram">
       <dsp:dataModelExt xmlns:dsp="http://schemas.microsoft.com/office/drawing/2008/diagram" relId="rId7" minVer="http://schemas.openxmlformats.org/drawingml/2006/diagram"/>
+    </a:ext>
+  </dgm:extLst>
+</dgm:dataModel>
+</file>
+
+<file path=ppt/diagrams/data7.xml><?xml version="1.0" encoding="utf-8"?>
+<dgm:dataModel xmlns:dgm="http://schemas.openxmlformats.org/drawingml/2006/diagram" xmlns:a="http://schemas.openxmlformats.org/drawingml/2006/main">
+  <dgm:ptLst>
+    <dgm:pt modelId="{DFB9D189-9C79-4C5C-8548-37C5920C0C61}" type="doc">
+      <dgm:prSet loTypeId="urn:microsoft.com/office/officeart/2005/8/layout/vList2" loCatId="list" qsTypeId="urn:microsoft.com/office/officeart/2005/8/quickstyle/simple5" qsCatId="simple" csTypeId="urn:microsoft.com/office/officeart/2005/8/colors/colorful2" csCatId="colorful"/>
+      <dgm:spPr/>
+      <dgm:t>
+        <a:bodyPr/>
+        <a:lstStyle/>
+        <a:p>
+          <a:endParaRPr lang="en-US"/>
+        </a:p>
+      </dgm:t>
+    </dgm:pt>
+    <dgm:pt modelId="{7AF89441-1D15-4AC9-ADAB-D8DA9E192C49}">
+      <dgm:prSet/>
+      <dgm:spPr/>
+      <dgm:t>
+        <a:bodyPr/>
+        <a:lstStyle/>
+        <a:p>
+          <a:r>
+            <a:rPr lang="en-GB"/>
+            <a:t>Firebase Database</a:t>
+          </a:r>
+          <a:endParaRPr lang="en-US"/>
+        </a:p>
+      </dgm:t>
+    </dgm:pt>
+    <dgm:pt modelId="{C17A0711-7887-4DC4-9470-047C50797CCC}" type="parTrans" cxnId="{88F59FAD-3CE6-46E6-8BA9-13A48B16D1FE}">
+      <dgm:prSet/>
+      <dgm:spPr/>
+      <dgm:t>
+        <a:bodyPr/>
+        <a:lstStyle/>
+        <a:p>
+          <a:endParaRPr lang="en-US"/>
+        </a:p>
+      </dgm:t>
+    </dgm:pt>
+    <dgm:pt modelId="{8636B702-4021-4F27-9DF1-3A520940D697}" type="sibTrans" cxnId="{88F59FAD-3CE6-46E6-8BA9-13A48B16D1FE}">
+      <dgm:prSet/>
+      <dgm:spPr/>
+      <dgm:t>
+        <a:bodyPr/>
+        <a:lstStyle/>
+        <a:p>
+          <a:endParaRPr lang="en-US"/>
+        </a:p>
+      </dgm:t>
+    </dgm:pt>
+    <dgm:pt modelId="{59C41E80-58F4-4219-B58C-3731467A6561}">
+      <dgm:prSet/>
+      <dgm:spPr/>
+      <dgm:t>
+        <a:bodyPr/>
+        <a:lstStyle/>
+        <a:p>
+          <a:r>
+            <a:rPr lang="en-GB"/>
+            <a:t>Microservice architecture</a:t>
+          </a:r>
+          <a:endParaRPr lang="en-US"/>
+        </a:p>
+      </dgm:t>
+    </dgm:pt>
+    <dgm:pt modelId="{2460C37D-720C-4605-BF11-028A6A2D0FA6}" type="parTrans" cxnId="{7204C16C-3FE1-4570-A590-FE662CE1B2DC}">
+      <dgm:prSet/>
+      <dgm:spPr/>
+      <dgm:t>
+        <a:bodyPr/>
+        <a:lstStyle/>
+        <a:p>
+          <a:endParaRPr lang="en-US"/>
+        </a:p>
+      </dgm:t>
+    </dgm:pt>
+    <dgm:pt modelId="{EB09D050-6A5D-4C99-A890-DF114014244E}" type="sibTrans" cxnId="{7204C16C-3FE1-4570-A590-FE662CE1B2DC}">
+      <dgm:prSet/>
+      <dgm:spPr/>
+      <dgm:t>
+        <a:bodyPr/>
+        <a:lstStyle/>
+        <a:p>
+          <a:endParaRPr lang="en-US"/>
+        </a:p>
+      </dgm:t>
+    </dgm:pt>
+    <dgm:pt modelId="{8E6B4176-4048-4329-8F1C-DD832A89416C}">
+      <dgm:prSet/>
+      <dgm:spPr/>
+      <dgm:t>
+        <a:bodyPr/>
+        <a:lstStyle/>
+        <a:p>
+          <a:r>
+            <a:rPr lang="en-GB"/>
+            <a:t>Scalable infustrictire </a:t>
+          </a:r>
+          <a:endParaRPr lang="en-US"/>
+        </a:p>
+      </dgm:t>
+    </dgm:pt>
+    <dgm:pt modelId="{6BB4639E-25B7-4663-B76A-47A3F19808FE}" type="parTrans" cxnId="{8729C65B-BFE4-466D-A6F7-C451810F5A9B}">
+      <dgm:prSet/>
+      <dgm:spPr/>
+      <dgm:t>
+        <a:bodyPr/>
+        <a:lstStyle/>
+        <a:p>
+          <a:endParaRPr lang="en-US"/>
+        </a:p>
+      </dgm:t>
+    </dgm:pt>
+    <dgm:pt modelId="{C8CEB3C2-5A5C-4D70-A63E-49E90CD882F4}" type="sibTrans" cxnId="{8729C65B-BFE4-466D-A6F7-C451810F5A9B}">
+      <dgm:prSet/>
+      <dgm:spPr/>
+      <dgm:t>
+        <a:bodyPr/>
+        <a:lstStyle/>
+        <a:p>
+          <a:endParaRPr lang="en-US"/>
+        </a:p>
+      </dgm:t>
+    </dgm:pt>
+    <dgm:pt modelId="{C2CC721D-0D06-4308-BB7C-3B7886EF53B2}">
+      <dgm:prSet/>
+      <dgm:spPr/>
+      <dgm:t>
+        <a:bodyPr/>
+        <a:lstStyle/>
+        <a:p>
+          <a:r>
+            <a:rPr lang="en-GB"/>
+            <a:t>Flexible and Secure design</a:t>
+          </a:r>
+          <a:endParaRPr lang="en-US"/>
+        </a:p>
+      </dgm:t>
+    </dgm:pt>
+    <dgm:pt modelId="{3B7446D2-2073-4856-90D3-995E3283723A}" type="parTrans" cxnId="{2D2D47EA-19E5-4A28-ABBA-368C4205B110}">
+      <dgm:prSet/>
+      <dgm:spPr/>
+      <dgm:t>
+        <a:bodyPr/>
+        <a:lstStyle/>
+        <a:p>
+          <a:endParaRPr lang="en-US"/>
+        </a:p>
+      </dgm:t>
+    </dgm:pt>
+    <dgm:pt modelId="{F5BA9D43-B28E-486A-A522-A212CB82E086}" type="sibTrans" cxnId="{2D2D47EA-19E5-4A28-ABBA-368C4205B110}">
+      <dgm:prSet/>
+      <dgm:spPr/>
+      <dgm:t>
+        <a:bodyPr/>
+        <a:lstStyle/>
+        <a:p>
+          <a:endParaRPr lang="en-US"/>
+        </a:p>
+      </dgm:t>
+    </dgm:pt>
+    <dgm:pt modelId="{27EC2720-6D22-4668-8A6D-B1A7BFFD0B9B}" type="pres">
+      <dgm:prSet presAssocID="{DFB9D189-9C79-4C5C-8548-37C5920C0C61}" presName="linear" presStyleCnt="0">
+        <dgm:presLayoutVars>
+          <dgm:animLvl val="lvl"/>
+          <dgm:resizeHandles val="exact"/>
+        </dgm:presLayoutVars>
+      </dgm:prSet>
+      <dgm:spPr/>
+    </dgm:pt>
+    <dgm:pt modelId="{B99D3781-8EF8-4D3A-8015-D0520415B759}" type="pres">
+      <dgm:prSet presAssocID="{7AF89441-1D15-4AC9-ADAB-D8DA9E192C49}" presName="parentText" presStyleLbl="node1" presStyleIdx="0" presStyleCnt="4">
+        <dgm:presLayoutVars>
+          <dgm:chMax val="0"/>
+          <dgm:bulletEnabled val="1"/>
+        </dgm:presLayoutVars>
+      </dgm:prSet>
+      <dgm:spPr/>
+    </dgm:pt>
+    <dgm:pt modelId="{0D44D2A4-EC9A-4825-8F71-263BEF7DA266}" type="pres">
+      <dgm:prSet presAssocID="{8636B702-4021-4F27-9DF1-3A520940D697}" presName="spacer" presStyleCnt="0"/>
+      <dgm:spPr/>
+    </dgm:pt>
+    <dgm:pt modelId="{E8DA13C9-9CC4-4B33-9DD4-2401AAD0C6F5}" type="pres">
+      <dgm:prSet presAssocID="{59C41E80-58F4-4219-B58C-3731467A6561}" presName="parentText" presStyleLbl="node1" presStyleIdx="1" presStyleCnt="4">
+        <dgm:presLayoutVars>
+          <dgm:chMax val="0"/>
+          <dgm:bulletEnabled val="1"/>
+        </dgm:presLayoutVars>
+      </dgm:prSet>
+      <dgm:spPr/>
+    </dgm:pt>
+    <dgm:pt modelId="{44D7360D-67A0-40BB-B808-B69437211C67}" type="pres">
+      <dgm:prSet presAssocID="{EB09D050-6A5D-4C99-A890-DF114014244E}" presName="spacer" presStyleCnt="0"/>
+      <dgm:spPr/>
+    </dgm:pt>
+    <dgm:pt modelId="{B5055A80-F538-43F8-A39B-A640607FA012}" type="pres">
+      <dgm:prSet presAssocID="{8E6B4176-4048-4329-8F1C-DD832A89416C}" presName="parentText" presStyleLbl="node1" presStyleIdx="2" presStyleCnt="4">
+        <dgm:presLayoutVars>
+          <dgm:chMax val="0"/>
+          <dgm:bulletEnabled val="1"/>
+        </dgm:presLayoutVars>
+      </dgm:prSet>
+      <dgm:spPr/>
+    </dgm:pt>
+    <dgm:pt modelId="{6A2252D4-7F8A-4F22-B7DD-E12B034FD7FD}" type="pres">
+      <dgm:prSet presAssocID="{C8CEB3C2-5A5C-4D70-A63E-49E90CD882F4}" presName="spacer" presStyleCnt="0"/>
+      <dgm:spPr/>
+    </dgm:pt>
+    <dgm:pt modelId="{9B7820E0-CDBE-49CF-BFA3-2C4B1A8F22D6}" type="pres">
+      <dgm:prSet presAssocID="{C2CC721D-0D06-4308-BB7C-3B7886EF53B2}" presName="parentText" presStyleLbl="node1" presStyleIdx="3" presStyleCnt="4">
+        <dgm:presLayoutVars>
+          <dgm:chMax val="0"/>
+          <dgm:bulletEnabled val="1"/>
+        </dgm:presLayoutVars>
+      </dgm:prSet>
+      <dgm:spPr/>
+    </dgm:pt>
+  </dgm:ptLst>
+  <dgm:cxnLst>
+    <dgm:cxn modelId="{8729C65B-BFE4-466D-A6F7-C451810F5A9B}" srcId="{DFB9D189-9C79-4C5C-8548-37C5920C0C61}" destId="{8E6B4176-4048-4329-8F1C-DD832A89416C}" srcOrd="2" destOrd="0" parTransId="{6BB4639E-25B7-4663-B76A-47A3F19808FE}" sibTransId="{C8CEB3C2-5A5C-4D70-A63E-49E90CD882F4}"/>
+    <dgm:cxn modelId="{7204C16C-3FE1-4570-A590-FE662CE1B2DC}" srcId="{DFB9D189-9C79-4C5C-8548-37C5920C0C61}" destId="{59C41E80-58F4-4219-B58C-3731467A6561}" srcOrd="1" destOrd="0" parTransId="{2460C37D-720C-4605-BF11-028A6A2D0FA6}" sibTransId="{EB09D050-6A5D-4C99-A890-DF114014244E}"/>
+    <dgm:cxn modelId="{AA986A51-3EC1-46FA-8E88-1B1093AC5299}" type="presOf" srcId="{7AF89441-1D15-4AC9-ADAB-D8DA9E192C49}" destId="{B99D3781-8EF8-4D3A-8015-D0520415B759}" srcOrd="0" destOrd="0" presId="urn:microsoft.com/office/officeart/2005/8/layout/vList2"/>
+    <dgm:cxn modelId="{A63D3B83-4331-4FA6-A16D-3F220F66618D}" type="presOf" srcId="{C2CC721D-0D06-4308-BB7C-3B7886EF53B2}" destId="{9B7820E0-CDBE-49CF-BFA3-2C4B1A8F22D6}" srcOrd="0" destOrd="0" presId="urn:microsoft.com/office/officeart/2005/8/layout/vList2"/>
+    <dgm:cxn modelId="{A67E4493-DB03-4C83-A5F0-97E298B879A2}" type="presOf" srcId="{8E6B4176-4048-4329-8F1C-DD832A89416C}" destId="{B5055A80-F538-43F8-A39B-A640607FA012}" srcOrd="0" destOrd="0" presId="urn:microsoft.com/office/officeart/2005/8/layout/vList2"/>
+    <dgm:cxn modelId="{88F59FAD-3CE6-46E6-8BA9-13A48B16D1FE}" srcId="{DFB9D189-9C79-4C5C-8548-37C5920C0C61}" destId="{7AF89441-1D15-4AC9-ADAB-D8DA9E192C49}" srcOrd="0" destOrd="0" parTransId="{C17A0711-7887-4DC4-9470-047C50797CCC}" sibTransId="{8636B702-4021-4F27-9DF1-3A520940D697}"/>
+    <dgm:cxn modelId="{7A09E1C0-85C0-4980-9639-1C417A4854AF}" type="presOf" srcId="{DFB9D189-9C79-4C5C-8548-37C5920C0C61}" destId="{27EC2720-6D22-4668-8A6D-B1A7BFFD0B9B}" srcOrd="0" destOrd="0" presId="urn:microsoft.com/office/officeart/2005/8/layout/vList2"/>
+    <dgm:cxn modelId="{537AC7C3-006C-42D0-88EB-07DA226D8B06}" type="presOf" srcId="{59C41E80-58F4-4219-B58C-3731467A6561}" destId="{E8DA13C9-9CC4-4B33-9DD4-2401AAD0C6F5}" srcOrd="0" destOrd="0" presId="urn:microsoft.com/office/officeart/2005/8/layout/vList2"/>
+    <dgm:cxn modelId="{2D2D47EA-19E5-4A28-ABBA-368C4205B110}" srcId="{DFB9D189-9C79-4C5C-8548-37C5920C0C61}" destId="{C2CC721D-0D06-4308-BB7C-3B7886EF53B2}" srcOrd="3" destOrd="0" parTransId="{3B7446D2-2073-4856-90D3-995E3283723A}" sibTransId="{F5BA9D43-B28E-486A-A522-A212CB82E086}"/>
+    <dgm:cxn modelId="{674F7C3C-AA78-477D-9A6B-B65F11574C46}" type="presParOf" srcId="{27EC2720-6D22-4668-8A6D-B1A7BFFD0B9B}" destId="{B99D3781-8EF8-4D3A-8015-D0520415B759}" srcOrd="0" destOrd="0" presId="urn:microsoft.com/office/officeart/2005/8/layout/vList2"/>
+    <dgm:cxn modelId="{D0506B9D-0C06-45C6-AF75-75D0F0D659E8}" type="presParOf" srcId="{27EC2720-6D22-4668-8A6D-B1A7BFFD0B9B}" destId="{0D44D2A4-EC9A-4825-8F71-263BEF7DA266}" srcOrd="1" destOrd="0" presId="urn:microsoft.com/office/officeart/2005/8/layout/vList2"/>
+    <dgm:cxn modelId="{C80379EF-060A-44E6-9D59-88D7C075B1E4}" type="presParOf" srcId="{27EC2720-6D22-4668-8A6D-B1A7BFFD0B9B}" destId="{E8DA13C9-9CC4-4B33-9DD4-2401AAD0C6F5}" srcOrd="2" destOrd="0" presId="urn:microsoft.com/office/officeart/2005/8/layout/vList2"/>
+    <dgm:cxn modelId="{0CD951CE-F86F-46EE-B6AE-AAEBBAA977AF}" type="presParOf" srcId="{27EC2720-6D22-4668-8A6D-B1A7BFFD0B9B}" destId="{44D7360D-67A0-40BB-B808-B69437211C67}" srcOrd="3" destOrd="0" presId="urn:microsoft.com/office/officeart/2005/8/layout/vList2"/>
+    <dgm:cxn modelId="{1B05BE33-E712-4011-990F-1C4AA0076DED}" type="presParOf" srcId="{27EC2720-6D22-4668-8A6D-B1A7BFFD0B9B}" destId="{B5055A80-F538-43F8-A39B-A640607FA012}" srcOrd="4" destOrd="0" presId="urn:microsoft.com/office/officeart/2005/8/layout/vList2"/>
+    <dgm:cxn modelId="{B58B69CE-D517-4E75-A703-209FD4B5E612}" type="presParOf" srcId="{27EC2720-6D22-4668-8A6D-B1A7BFFD0B9B}" destId="{6A2252D4-7F8A-4F22-B7DD-E12B034FD7FD}" srcOrd="5" destOrd="0" presId="urn:microsoft.com/office/officeart/2005/8/layout/vList2"/>
+    <dgm:cxn modelId="{C047199C-A1B6-4665-A520-11A0BB46B423}" type="presParOf" srcId="{27EC2720-6D22-4668-8A6D-B1A7BFFD0B9B}" destId="{9B7820E0-CDBE-49CF-BFA3-2C4B1A8F22D6}" srcOrd="6" destOrd="0" presId="urn:microsoft.com/office/officeart/2005/8/layout/vList2"/>
+  </dgm:cxnLst>
+  <dgm:bg/>
+  <dgm:whole/>
+  <dgm:extLst>
+    <a:ext uri="http://schemas.microsoft.com/office/drawing/2008/diagram">
+      <dsp:dataModelExt xmlns:dsp="http://schemas.microsoft.com/office/drawing/2008/diagram" relId="rId8" minVer="http://schemas.openxmlformats.org/drawingml/2006/diagram"/>
     </a:ext>
   </dgm:extLst>
 </dgm:dataModel>
@@ -13291,442 +13291,6 @@
       <dsp:cNvGrpSpPr/>
     </dsp:nvGrpSpPr>
     <dsp:grpSpPr/>
-    <dsp:sp modelId="{B99D3781-8EF8-4D3A-8015-D0520415B759}">
-      <dsp:nvSpPr>
-        <dsp:cNvPr id="0" name=""/>
-        <dsp:cNvSpPr/>
-      </dsp:nvSpPr>
-      <dsp:spPr>
-        <a:xfrm>
-          <a:off x="0" y="846677"/>
-          <a:ext cx="6261100" cy="889200"/>
-        </a:xfrm>
-        <a:prstGeom prst="roundRect">
-          <a:avLst/>
-        </a:prstGeom>
-        <a:gradFill rotWithShape="0">
-          <a:gsLst>
-            <a:gs pos="0">
-              <a:schemeClr val="accent2">
-                <a:hueOff val="0"/>
-                <a:satOff val="0"/>
-                <a:lumOff val="0"/>
-                <a:alphaOff val="0"/>
-                <a:tint val="94000"/>
-                <a:satMod val="103000"/>
-                <a:lumMod val="102000"/>
-              </a:schemeClr>
-            </a:gs>
-            <a:gs pos="50000">
-              <a:schemeClr val="accent2">
-                <a:hueOff val="0"/>
-                <a:satOff val="0"/>
-                <a:lumOff val="0"/>
-                <a:alphaOff val="0"/>
-                <a:shade val="100000"/>
-                <a:satMod val="110000"/>
-                <a:lumMod val="100000"/>
-              </a:schemeClr>
-            </a:gs>
-            <a:gs pos="100000">
-              <a:schemeClr val="accent2">
-                <a:hueOff val="0"/>
-                <a:satOff val="0"/>
-                <a:lumOff val="0"/>
-                <a:alphaOff val="0"/>
-                <a:shade val="78000"/>
-                <a:satMod val="120000"/>
-                <a:lumMod val="99000"/>
-              </a:schemeClr>
-            </a:gs>
-          </a:gsLst>
-          <a:lin ang="5400000" scaled="0"/>
-        </a:gradFill>
-        <a:ln>
-          <a:noFill/>
-        </a:ln>
-        <a:effectLst>
-          <a:outerShdw blurRad="57150" dist="19050" dir="5400000" algn="ctr" rotWithShape="0">
-            <a:srgbClr val="000000">
-              <a:alpha val="63000"/>
-            </a:srgbClr>
-          </a:outerShdw>
-        </a:effectLst>
-      </dsp:spPr>
-      <dsp:style>
-        <a:lnRef idx="0">
-          <a:scrgbClr r="0" g="0" b="0"/>
-        </a:lnRef>
-        <a:fillRef idx="3">
-          <a:scrgbClr r="0" g="0" b="0"/>
-        </a:fillRef>
-        <a:effectRef idx="3">
-          <a:scrgbClr r="0" g="0" b="0"/>
-        </a:effectRef>
-        <a:fontRef idx="minor">
-          <a:schemeClr val="lt1"/>
-        </a:fontRef>
-      </dsp:style>
-      <dsp:txBody>
-        <a:bodyPr spcFirstLastPara="0" vert="horz" wrap="square" lIns="144780" tIns="144780" rIns="144780" bIns="144780" numCol="1" spcCol="1270" anchor="ctr" anchorCtr="0">
-          <a:noAutofit/>
-        </a:bodyPr>
-        <a:lstStyle/>
-        <a:p>
-          <a:pPr marL="0" lvl="0" indent="0" algn="l" defTabSz="1689100">
-            <a:lnSpc>
-              <a:spcPct val="90000"/>
-            </a:lnSpc>
-            <a:spcBef>
-              <a:spcPct val="0"/>
-            </a:spcBef>
-            <a:spcAft>
-              <a:spcPct val="35000"/>
-            </a:spcAft>
-            <a:buNone/>
-          </a:pPr>
-          <a:r>
-            <a:rPr lang="en-GB" sz="3800" kern="1200"/>
-            <a:t>Firebase Database</a:t>
-          </a:r>
-          <a:endParaRPr lang="en-US" sz="3800" kern="1200"/>
-        </a:p>
-      </dsp:txBody>
-      <dsp:txXfrm>
-        <a:off x="43407" y="890084"/>
-        <a:ext cx="6174286" cy="802386"/>
-      </dsp:txXfrm>
-    </dsp:sp>
-    <dsp:sp modelId="{E8DA13C9-9CC4-4B33-9DD4-2401AAD0C6F5}">
-      <dsp:nvSpPr>
-        <dsp:cNvPr id="0" name=""/>
-        <dsp:cNvSpPr/>
-      </dsp:nvSpPr>
-      <dsp:spPr>
-        <a:xfrm>
-          <a:off x="0" y="1845317"/>
-          <a:ext cx="6261100" cy="889200"/>
-        </a:xfrm>
-        <a:prstGeom prst="roundRect">
-          <a:avLst/>
-        </a:prstGeom>
-        <a:gradFill rotWithShape="0">
-          <a:gsLst>
-            <a:gs pos="0">
-              <a:schemeClr val="accent2">
-                <a:hueOff val="-67698"/>
-                <a:satOff val="-14504"/>
-                <a:lumOff val="19805"/>
-                <a:alphaOff val="0"/>
-                <a:tint val="94000"/>
-                <a:satMod val="103000"/>
-                <a:lumMod val="102000"/>
-              </a:schemeClr>
-            </a:gs>
-            <a:gs pos="50000">
-              <a:schemeClr val="accent2">
-                <a:hueOff val="-67698"/>
-                <a:satOff val="-14504"/>
-                <a:lumOff val="19805"/>
-                <a:alphaOff val="0"/>
-                <a:shade val="100000"/>
-                <a:satMod val="110000"/>
-                <a:lumMod val="100000"/>
-              </a:schemeClr>
-            </a:gs>
-            <a:gs pos="100000">
-              <a:schemeClr val="accent2">
-                <a:hueOff val="-67698"/>
-                <a:satOff val="-14504"/>
-                <a:lumOff val="19805"/>
-                <a:alphaOff val="0"/>
-                <a:shade val="78000"/>
-                <a:satMod val="120000"/>
-                <a:lumMod val="99000"/>
-              </a:schemeClr>
-            </a:gs>
-          </a:gsLst>
-          <a:lin ang="5400000" scaled="0"/>
-        </a:gradFill>
-        <a:ln>
-          <a:noFill/>
-        </a:ln>
-        <a:effectLst>
-          <a:outerShdw blurRad="57150" dist="19050" dir="5400000" algn="ctr" rotWithShape="0">
-            <a:srgbClr val="000000">
-              <a:alpha val="63000"/>
-            </a:srgbClr>
-          </a:outerShdw>
-        </a:effectLst>
-      </dsp:spPr>
-      <dsp:style>
-        <a:lnRef idx="0">
-          <a:scrgbClr r="0" g="0" b="0"/>
-        </a:lnRef>
-        <a:fillRef idx="3">
-          <a:scrgbClr r="0" g="0" b="0"/>
-        </a:fillRef>
-        <a:effectRef idx="3">
-          <a:scrgbClr r="0" g="0" b="0"/>
-        </a:effectRef>
-        <a:fontRef idx="minor">
-          <a:schemeClr val="lt1"/>
-        </a:fontRef>
-      </dsp:style>
-      <dsp:txBody>
-        <a:bodyPr spcFirstLastPara="0" vert="horz" wrap="square" lIns="144780" tIns="144780" rIns="144780" bIns="144780" numCol="1" spcCol="1270" anchor="ctr" anchorCtr="0">
-          <a:noAutofit/>
-        </a:bodyPr>
-        <a:lstStyle/>
-        <a:p>
-          <a:pPr marL="0" lvl="0" indent="0" algn="l" defTabSz="1689100">
-            <a:lnSpc>
-              <a:spcPct val="90000"/>
-            </a:lnSpc>
-            <a:spcBef>
-              <a:spcPct val="0"/>
-            </a:spcBef>
-            <a:spcAft>
-              <a:spcPct val="35000"/>
-            </a:spcAft>
-            <a:buNone/>
-          </a:pPr>
-          <a:r>
-            <a:rPr lang="en-GB" sz="3800" kern="1200"/>
-            <a:t>Microservice architecture</a:t>
-          </a:r>
-          <a:endParaRPr lang="en-US" sz="3800" kern="1200"/>
-        </a:p>
-      </dsp:txBody>
-      <dsp:txXfrm>
-        <a:off x="43407" y="1888724"/>
-        <a:ext cx="6174286" cy="802386"/>
-      </dsp:txXfrm>
-    </dsp:sp>
-    <dsp:sp modelId="{B5055A80-F538-43F8-A39B-A640607FA012}">
-      <dsp:nvSpPr>
-        <dsp:cNvPr id="0" name=""/>
-        <dsp:cNvSpPr/>
-      </dsp:nvSpPr>
-      <dsp:spPr>
-        <a:xfrm>
-          <a:off x="0" y="2843957"/>
-          <a:ext cx="6261100" cy="889200"/>
-        </a:xfrm>
-        <a:prstGeom prst="roundRect">
-          <a:avLst/>
-        </a:prstGeom>
-        <a:gradFill rotWithShape="0">
-          <a:gsLst>
-            <a:gs pos="0">
-              <a:schemeClr val="accent2">
-                <a:hueOff val="-135396"/>
-                <a:satOff val="-29008"/>
-                <a:lumOff val="39609"/>
-                <a:alphaOff val="0"/>
-                <a:tint val="94000"/>
-                <a:satMod val="103000"/>
-                <a:lumMod val="102000"/>
-              </a:schemeClr>
-            </a:gs>
-            <a:gs pos="50000">
-              <a:schemeClr val="accent2">
-                <a:hueOff val="-135396"/>
-                <a:satOff val="-29008"/>
-                <a:lumOff val="39609"/>
-                <a:alphaOff val="0"/>
-                <a:shade val="100000"/>
-                <a:satMod val="110000"/>
-                <a:lumMod val="100000"/>
-              </a:schemeClr>
-            </a:gs>
-            <a:gs pos="100000">
-              <a:schemeClr val="accent2">
-                <a:hueOff val="-135396"/>
-                <a:satOff val="-29008"/>
-                <a:lumOff val="39609"/>
-                <a:alphaOff val="0"/>
-                <a:shade val="78000"/>
-                <a:satMod val="120000"/>
-                <a:lumMod val="99000"/>
-              </a:schemeClr>
-            </a:gs>
-          </a:gsLst>
-          <a:lin ang="5400000" scaled="0"/>
-        </a:gradFill>
-        <a:ln>
-          <a:noFill/>
-        </a:ln>
-        <a:effectLst>
-          <a:outerShdw blurRad="57150" dist="19050" dir="5400000" algn="ctr" rotWithShape="0">
-            <a:srgbClr val="000000">
-              <a:alpha val="63000"/>
-            </a:srgbClr>
-          </a:outerShdw>
-        </a:effectLst>
-      </dsp:spPr>
-      <dsp:style>
-        <a:lnRef idx="0">
-          <a:scrgbClr r="0" g="0" b="0"/>
-        </a:lnRef>
-        <a:fillRef idx="3">
-          <a:scrgbClr r="0" g="0" b="0"/>
-        </a:fillRef>
-        <a:effectRef idx="3">
-          <a:scrgbClr r="0" g="0" b="0"/>
-        </a:effectRef>
-        <a:fontRef idx="minor">
-          <a:schemeClr val="lt1"/>
-        </a:fontRef>
-      </dsp:style>
-      <dsp:txBody>
-        <a:bodyPr spcFirstLastPara="0" vert="horz" wrap="square" lIns="144780" tIns="144780" rIns="144780" bIns="144780" numCol="1" spcCol="1270" anchor="ctr" anchorCtr="0">
-          <a:noAutofit/>
-        </a:bodyPr>
-        <a:lstStyle/>
-        <a:p>
-          <a:pPr marL="0" lvl="0" indent="0" algn="l" defTabSz="1689100">
-            <a:lnSpc>
-              <a:spcPct val="90000"/>
-            </a:lnSpc>
-            <a:spcBef>
-              <a:spcPct val="0"/>
-            </a:spcBef>
-            <a:spcAft>
-              <a:spcPct val="35000"/>
-            </a:spcAft>
-            <a:buNone/>
-          </a:pPr>
-          <a:r>
-            <a:rPr lang="en-GB" sz="3800" kern="1200"/>
-            <a:t>Scalable infustrictire </a:t>
-          </a:r>
-          <a:endParaRPr lang="en-US" sz="3800" kern="1200"/>
-        </a:p>
-      </dsp:txBody>
-      <dsp:txXfrm>
-        <a:off x="43407" y="2887364"/>
-        <a:ext cx="6174286" cy="802386"/>
-      </dsp:txXfrm>
-    </dsp:sp>
-    <dsp:sp modelId="{9B7820E0-CDBE-49CF-BFA3-2C4B1A8F22D6}">
-      <dsp:nvSpPr>
-        <dsp:cNvPr id="0" name=""/>
-        <dsp:cNvSpPr/>
-      </dsp:nvSpPr>
-      <dsp:spPr>
-        <a:xfrm>
-          <a:off x="0" y="3842597"/>
-          <a:ext cx="6261100" cy="889200"/>
-        </a:xfrm>
-        <a:prstGeom prst="roundRect">
-          <a:avLst/>
-        </a:prstGeom>
-        <a:gradFill rotWithShape="0">
-          <a:gsLst>
-            <a:gs pos="0">
-              <a:schemeClr val="accent2">
-                <a:hueOff val="-203093"/>
-                <a:satOff val="-43512"/>
-                <a:lumOff val="59414"/>
-                <a:alphaOff val="0"/>
-                <a:tint val="94000"/>
-                <a:satMod val="103000"/>
-                <a:lumMod val="102000"/>
-              </a:schemeClr>
-            </a:gs>
-            <a:gs pos="50000">
-              <a:schemeClr val="accent2">
-                <a:hueOff val="-203093"/>
-                <a:satOff val="-43512"/>
-                <a:lumOff val="59414"/>
-                <a:alphaOff val="0"/>
-                <a:shade val="100000"/>
-                <a:satMod val="110000"/>
-                <a:lumMod val="100000"/>
-              </a:schemeClr>
-            </a:gs>
-            <a:gs pos="100000">
-              <a:schemeClr val="accent2">
-                <a:hueOff val="-203093"/>
-                <a:satOff val="-43512"/>
-                <a:lumOff val="59414"/>
-                <a:alphaOff val="0"/>
-                <a:shade val="78000"/>
-                <a:satMod val="120000"/>
-                <a:lumMod val="99000"/>
-              </a:schemeClr>
-            </a:gs>
-          </a:gsLst>
-          <a:lin ang="5400000" scaled="0"/>
-        </a:gradFill>
-        <a:ln>
-          <a:noFill/>
-        </a:ln>
-        <a:effectLst>
-          <a:outerShdw blurRad="57150" dist="19050" dir="5400000" algn="ctr" rotWithShape="0">
-            <a:srgbClr val="000000">
-              <a:alpha val="63000"/>
-            </a:srgbClr>
-          </a:outerShdw>
-        </a:effectLst>
-      </dsp:spPr>
-      <dsp:style>
-        <a:lnRef idx="0">
-          <a:scrgbClr r="0" g="0" b="0"/>
-        </a:lnRef>
-        <a:fillRef idx="3">
-          <a:scrgbClr r="0" g="0" b="0"/>
-        </a:fillRef>
-        <a:effectRef idx="3">
-          <a:scrgbClr r="0" g="0" b="0"/>
-        </a:effectRef>
-        <a:fontRef idx="minor">
-          <a:schemeClr val="lt1"/>
-        </a:fontRef>
-      </dsp:style>
-      <dsp:txBody>
-        <a:bodyPr spcFirstLastPara="0" vert="horz" wrap="square" lIns="144780" tIns="144780" rIns="144780" bIns="144780" numCol="1" spcCol="1270" anchor="ctr" anchorCtr="0">
-          <a:noAutofit/>
-        </a:bodyPr>
-        <a:lstStyle/>
-        <a:p>
-          <a:pPr marL="0" lvl="0" indent="0" algn="l" defTabSz="1689100">
-            <a:lnSpc>
-              <a:spcPct val="90000"/>
-            </a:lnSpc>
-            <a:spcBef>
-              <a:spcPct val="0"/>
-            </a:spcBef>
-            <a:spcAft>
-              <a:spcPct val="35000"/>
-            </a:spcAft>
-            <a:buNone/>
-          </a:pPr>
-          <a:r>
-            <a:rPr lang="en-GB" sz="3800" kern="1200"/>
-            <a:t>Flexible and Secure design</a:t>
-          </a:r>
-          <a:endParaRPr lang="en-US" sz="3800" kern="1200"/>
-        </a:p>
-      </dsp:txBody>
-      <dsp:txXfrm>
-        <a:off x="43407" y="3886004"/>
-        <a:ext cx="6174286" cy="802386"/>
-      </dsp:txXfrm>
-    </dsp:sp>
-  </dsp:spTree>
-</dsp:drawing>
-</file>
-
-<file path=ppt/diagrams/drawing4.xml><?xml version="1.0" encoding="utf-8"?>
-<dsp:drawing xmlns:dgm="http://schemas.openxmlformats.org/drawingml/2006/diagram" xmlns:dsp="http://schemas.microsoft.com/office/drawing/2008/diagram" xmlns:a="http://schemas.openxmlformats.org/drawingml/2006/main">
-  <dsp:spTree>
-    <dsp:nvGrpSpPr>
-      <dsp:cNvPr id="0" name=""/>
-      <dsp:cNvGrpSpPr/>
-    </dsp:nvGrpSpPr>
-    <dsp:grpSpPr/>
     <dsp:sp modelId="{3C2280E7-0C4A-4453-8FA7-3F387EA6ADCF}">
       <dsp:nvSpPr>
         <dsp:cNvPr id="0" name=""/>
@@ -14267,7 +13831,7 @@
 </dsp:drawing>
 </file>
 
-<file path=ppt/diagrams/drawing5.xml><?xml version="1.0" encoding="utf-8"?>
+<file path=ppt/diagrams/drawing4.xml><?xml version="1.0" encoding="utf-8"?>
 <dsp:drawing xmlns:dgm="http://schemas.openxmlformats.org/drawingml/2006/diagram" xmlns:dsp="http://schemas.microsoft.com/office/drawing/2008/diagram" xmlns:a="http://schemas.openxmlformats.org/drawingml/2006/main">
   <dsp:spTree>
     <dsp:nvGrpSpPr>
@@ -14967,7 +14531,7 @@
 </dsp:drawing>
 </file>
 
-<file path=ppt/diagrams/drawing6.xml><?xml version="1.0" encoding="utf-8"?>
+<file path=ppt/diagrams/drawing5.xml><?xml version="1.0" encoding="utf-8"?>
 <dsp:drawing xmlns:dgm="http://schemas.openxmlformats.org/drawingml/2006/diagram" xmlns:dsp="http://schemas.microsoft.com/office/drawing/2008/diagram" xmlns:a="http://schemas.openxmlformats.org/drawingml/2006/main">
   <dsp:spTree>
     <dsp:nvGrpSpPr>
@@ -15555,7 +15119,7 @@
 </dsp:drawing>
 </file>
 
-<file path=ppt/diagrams/drawing7.xml><?xml version="1.0" encoding="utf-8"?>
+<file path=ppt/diagrams/drawing6.xml><?xml version="1.0" encoding="utf-8"?>
 <dsp:drawing xmlns:dgm="http://schemas.openxmlformats.org/drawingml/2006/diagram" xmlns:dsp="http://schemas.microsoft.com/office/drawing/2008/diagram" xmlns:a="http://schemas.openxmlformats.org/drawingml/2006/main">
   <dsp:spTree>
     <dsp:nvGrpSpPr>
@@ -15970,6 +15534,442 @@
       <dsp:txXfrm>
         <a:off x="7841176" y="1049709"/>
         <a:ext cx="2932811" cy="1820978"/>
+      </dsp:txXfrm>
+    </dsp:sp>
+  </dsp:spTree>
+</dsp:drawing>
+</file>
+
+<file path=ppt/diagrams/drawing7.xml><?xml version="1.0" encoding="utf-8"?>
+<dsp:drawing xmlns:dgm="http://schemas.openxmlformats.org/drawingml/2006/diagram" xmlns:dsp="http://schemas.microsoft.com/office/drawing/2008/diagram" xmlns:a="http://schemas.openxmlformats.org/drawingml/2006/main">
+  <dsp:spTree>
+    <dsp:nvGrpSpPr>
+      <dsp:cNvPr id="0" name=""/>
+      <dsp:cNvGrpSpPr/>
+    </dsp:nvGrpSpPr>
+    <dsp:grpSpPr/>
+    <dsp:sp modelId="{B99D3781-8EF8-4D3A-8015-D0520415B759}">
+      <dsp:nvSpPr>
+        <dsp:cNvPr id="0" name=""/>
+        <dsp:cNvSpPr/>
+      </dsp:nvSpPr>
+      <dsp:spPr>
+        <a:xfrm>
+          <a:off x="0" y="846677"/>
+          <a:ext cx="6261100" cy="889200"/>
+        </a:xfrm>
+        <a:prstGeom prst="roundRect">
+          <a:avLst/>
+        </a:prstGeom>
+        <a:gradFill rotWithShape="0">
+          <a:gsLst>
+            <a:gs pos="0">
+              <a:schemeClr val="accent2">
+                <a:hueOff val="0"/>
+                <a:satOff val="0"/>
+                <a:lumOff val="0"/>
+                <a:alphaOff val="0"/>
+                <a:tint val="94000"/>
+                <a:satMod val="103000"/>
+                <a:lumMod val="102000"/>
+              </a:schemeClr>
+            </a:gs>
+            <a:gs pos="50000">
+              <a:schemeClr val="accent2">
+                <a:hueOff val="0"/>
+                <a:satOff val="0"/>
+                <a:lumOff val="0"/>
+                <a:alphaOff val="0"/>
+                <a:shade val="100000"/>
+                <a:satMod val="110000"/>
+                <a:lumMod val="100000"/>
+              </a:schemeClr>
+            </a:gs>
+            <a:gs pos="100000">
+              <a:schemeClr val="accent2">
+                <a:hueOff val="0"/>
+                <a:satOff val="0"/>
+                <a:lumOff val="0"/>
+                <a:alphaOff val="0"/>
+                <a:shade val="78000"/>
+                <a:satMod val="120000"/>
+                <a:lumMod val="99000"/>
+              </a:schemeClr>
+            </a:gs>
+          </a:gsLst>
+          <a:lin ang="5400000" scaled="0"/>
+        </a:gradFill>
+        <a:ln>
+          <a:noFill/>
+        </a:ln>
+        <a:effectLst>
+          <a:outerShdw blurRad="57150" dist="19050" dir="5400000" algn="ctr" rotWithShape="0">
+            <a:srgbClr val="000000">
+              <a:alpha val="63000"/>
+            </a:srgbClr>
+          </a:outerShdw>
+        </a:effectLst>
+      </dsp:spPr>
+      <dsp:style>
+        <a:lnRef idx="0">
+          <a:scrgbClr r="0" g="0" b="0"/>
+        </a:lnRef>
+        <a:fillRef idx="3">
+          <a:scrgbClr r="0" g="0" b="0"/>
+        </a:fillRef>
+        <a:effectRef idx="3">
+          <a:scrgbClr r="0" g="0" b="0"/>
+        </a:effectRef>
+        <a:fontRef idx="minor">
+          <a:schemeClr val="lt1"/>
+        </a:fontRef>
+      </dsp:style>
+      <dsp:txBody>
+        <a:bodyPr spcFirstLastPara="0" vert="horz" wrap="square" lIns="144780" tIns="144780" rIns="144780" bIns="144780" numCol="1" spcCol="1270" anchor="ctr" anchorCtr="0">
+          <a:noAutofit/>
+        </a:bodyPr>
+        <a:lstStyle/>
+        <a:p>
+          <a:pPr marL="0" lvl="0" indent="0" algn="l" defTabSz="1689100">
+            <a:lnSpc>
+              <a:spcPct val="90000"/>
+            </a:lnSpc>
+            <a:spcBef>
+              <a:spcPct val="0"/>
+            </a:spcBef>
+            <a:spcAft>
+              <a:spcPct val="35000"/>
+            </a:spcAft>
+            <a:buNone/>
+          </a:pPr>
+          <a:r>
+            <a:rPr lang="en-GB" sz="3800" kern="1200"/>
+            <a:t>Firebase Database</a:t>
+          </a:r>
+          <a:endParaRPr lang="en-US" sz="3800" kern="1200"/>
+        </a:p>
+      </dsp:txBody>
+      <dsp:txXfrm>
+        <a:off x="43407" y="890084"/>
+        <a:ext cx="6174286" cy="802386"/>
+      </dsp:txXfrm>
+    </dsp:sp>
+    <dsp:sp modelId="{E8DA13C9-9CC4-4B33-9DD4-2401AAD0C6F5}">
+      <dsp:nvSpPr>
+        <dsp:cNvPr id="0" name=""/>
+        <dsp:cNvSpPr/>
+      </dsp:nvSpPr>
+      <dsp:spPr>
+        <a:xfrm>
+          <a:off x="0" y="1845317"/>
+          <a:ext cx="6261100" cy="889200"/>
+        </a:xfrm>
+        <a:prstGeom prst="roundRect">
+          <a:avLst/>
+        </a:prstGeom>
+        <a:gradFill rotWithShape="0">
+          <a:gsLst>
+            <a:gs pos="0">
+              <a:schemeClr val="accent2">
+                <a:hueOff val="-67698"/>
+                <a:satOff val="-14504"/>
+                <a:lumOff val="19805"/>
+                <a:alphaOff val="0"/>
+                <a:tint val="94000"/>
+                <a:satMod val="103000"/>
+                <a:lumMod val="102000"/>
+              </a:schemeClr>
+            </a:gs>
+            <a:gs pos="50000">
+              <a:schemeClr val="accent2">
+                <a:hueOff val="-67698"/>
+                <a:satOff val="-14504"/>
+                <a:lumOff val="19805"/>
+                <a:alphaOff val="0"/>
+                <a:shade val="100000"/>
+                <a:satMod val="110000"/>
+                <a:lumMod val="100000"/>
+              </a:schemeClr>
+            </a:gs>
+            <a:gs pos="100000">
+              <a:schemeClr val="accent2">
+                <a:hueOff val="-67698"/>
+                <a:satOff val="-14504"/>
+                <a:lumOff val="19805"/>
+                <a:alphaOff val="0"/>
+                <a:shade val="78000"/>
+                <a:satMod val="120000"/>
+                <a:lumMod val="99000"/>
+              </a:schemeClr>
+            </a:gs>
+          </a:gsLst>
+          <a:lin ang="5400000" scaled="0"/>
+        </a:gradFill>
+        <a:ln>
+          <a:noFill/>
+        </a:ln>
+        <a:effectLst>
+          <a:outerShdw blurRad="57150" dist="19050" dir="5400000" algn="ctr" rotWithShape="0">
+            <a:srgbClr val="000000">
+              <a:alpha val="63000"/>
+            </a:srgbClr>
+          </a:outerShdw>
+        </a:effectLst>
+      </dsp:spPr>
+      <dsp:style>
+        <a:lnRef idx="0">
+          <a:scrgbClr r="0" g="0" b="0"/>
+        </a:lnRef>
+        <a:fillRef idx="3">
+          <a:scrgbClr r="0" g="0" b="0"/>
+        </a:fillRef>
+        <a:effectRef idx="3">
+          <a:scrgbClr r="0" g="0" b="0"/>
+        </a:effectRef>
+        <a:fontRef idx="minor">
+          <a:schemeClr val="lt1"/>
+        </a:fontRef>
+      </dsp:style>
+      <dsp:txBody>
+        <a:bodyPr spcFirstLastPara="0" vert="horz" wrap="square" lIns="144780" tIns="144780" rIns="144780" bIns="144780" numCol="1" spcCol="1270" anchor="ctr" anchorCtr="0">
+          <a:noAutofit/>
+        </a:bodyPr>
+        <a:lstStyle/>
+        <a:p>
+          <a:pPr marL="0" lvl="0" indent="0" algn="l" defTabSz="1689100">
+            <a:lnSpc>
+              <a:spcPct val="90000"/>
+            </a:lnSpc>
+            <a:spcBef>
+              <a:spcPct val="0"/>
+            </a:spcBef>
+            <a:spcAft>
+              <a:spcPct val="35000"/>
+            </a:spcAft>
+            <a:buNone/>
+          </a:pPr>
+          <a:r>
+            <a:rPr lang="en-GB" sz="3800" kern="1200"/>
+            <a:t>Microservice architecture</a:t>
+          </a:r>
+          <a:endParaRPr lang="en-US" sz="3800" kern="1200"/>
+        </a:p>
+      </dsp:txBody>
+      <dsp:txXfrm>
+        <a:off x="43407" y="1888724"/>
+        <a:ext cx="6174286" cy="802386"/>
+      </dsp:txXfrm>
+    </dsp:sp>
+    <dsp:sp modelId="{B5055A80-F538-43F8-A39B-A640607FA012}">
+      <dsp:nvSpPr>
+        <dsp:cNvPr id="0" name=""/>
+        <dsp:cNvSpPr/>
+      </dsp:nvSpPr>
+      <dsp:spPr>
+        <a:xfrm>
+          <a:off x="0" y="2843957"/>
+          <a:ext cx="6261100" cy="889200"/>
+        </a:xfrm>
+        <a:prstGeom prst="roundRect">
+          <a:avLst/>
+        </a:prstGeom>
+        <a:gradFill rotWithShape="0">
+          <a:gsLst>
+            <a:gs pos="0">
+              <a:schemeClr val="accent2">
+                <a:hueOff val="-135396"/>
+                <a:satOff val="-29008"/>
+                <a:lumOff val="39609"/>
+                <a:alphaOff val="0"/>
+                <a:tint val="94000"/>
+                <a:satMod val="103000"/>
+                <a:lumMod val="102000"/>
+              </a:schemeClr>
+            </a:gs>
+            <a:gs pos="50000">
+              <a:schemeClr val="accent2">
+                <a:hueOff val="-135396"/>
+                <a:satOff val="-29008"/>
+                <a:lumOff val="39609"/>
+                <a:alphaOff val="0"/>
+                <a:shade val="100000"/>
+                <a:satMod val="110000"/>
+                <a:lumMod val="100000"/>
+              </a:schemeClr>
+            </a:gs>
+            <a:gs pos="100000">
+              <a:schemeClr val="accent2">
+                <a:hueOff val="-135396"/>
+                <a:satOff val="-29008"/>
+                <a:lumOff val="39609"/>
+                <a:alphaOff val="0"/>
+                <a:shade val="78000"/>
+                <a:satMod val="120000"/>
+                <a:lumMod val="99000"/>
+              </a:schemeClr>
+            </a:gs>
+          </a:gsLst>
+          <a:lin ang="5400000" scaled="0"/>
+        </a:gradFill>
+        <a:ln>
+          <a:noFill/>
+        </a:ln>
+        <a:effectLst>
+          <a:outerShdw blurRad="57150" dist="19050" dir="5400000" algn="ctr" rotWithShape="0">
+            <a:srgbClr val="000000">
+              <a:alpha val="63000"/>
+            </a:srgbClr>
+          </a:outerShdw>
+        </a:effectLst>
+      </dsp:spPr>
+      <dsp:style>
+        <a:lnRef idx="0">
+          <a:scrgbClr r="0" g="0" b="0"/>
+        </a:lnRef>
+        <a:fillRef idx="3">
+          <a:scrgbClr r="0" g="0" b="0"/>
+        </a:fillRef>
+        <a:effectRef idx="3">
+          <a:scrgbClr r="0" g="0" b="0"/>
+        </a:effectRef>
+        <a:fontRef idx="minor">
+          <a:schemeClr val="lt1"/>
+        </a:fontRef>
+      </dsp:style>
+      <dsp:txBody>
+        <a:bodyPr spcFirstLastPara="0" vert="horz" wrap="square" lIns="144780" tIns="144780" rIns="144780" bIns="144780" numCol="1" spcCol="1270" anchor="ctr" anchorCtr="0">
+          <a:noAutofit/>
+        </a:bodyPr>
+        <a:lstStyle/>
+        <a:p>
+          <a:pPr marL="0" lvl="0" indent="0" algn="l" defTabSz="1689100">
+            <a:lnSpc>
+              <a:spcPct val="90000"/>
+            </a:lnSpc>
+            <a:spcBef>
+              <a:spcPct val="0"/>
+            </a:spcBef>
+            <a:spcAft>
+              <a:spcPct val="35000"/>
+            </a:spcAft>
+            <a:buNone/>
+          </a:pPr>
+          <a:r>
+            <a:rPr lang="en-GB" sz="3800" kern="1200"/>
+            <a:t>Scalable infustrictire </a:t>
+          </a:r>
+          <a:endParaRPr lang="en-US" sz="3800" kern="1200"/>
+        </a:p>
+      </dsp:txBody>
+      <dsp:txXfrm>
+        <a:off x="43407" y="2887364"/>
+        <a:ext cx="6174286" cy="802386"/>
+      </dsp:txXfrm>
+    </dsp:sp>
+    <dsp:sp modelId="{9B7820E0-CDBE-49CF-BFA3-2C4B1A8F22D6}">
+      <dsp:nvSpPr>
+        <dsp:cNvPr id="0" name=""/>
+        <dsp:cNvSpPr/>
+      </dsp:nvSpPr>
+      <dsp:spPr>
+        <a:xfrm>
+          <a:off x="0" y="3842597"/>
+          <a:ext cx="6261100" cy="889200"/>
+        </a:xfrm>
+        <a:prstGeom prst="roundRect">
+          <a:avLst/>
+        </a:prstGeom>
+        <a:gradFill rotWithShape="0">
+          <a:gsLst>
+            <a:gs pos="0">
+              <a:schemeClr val="accent2">
+                <a:hueOff val="-203093"/>
+                <a:satOff val="-43512"/>
+                <a:lumOff val="59414"/>
+                <a:alphaOff val="0"/>
+                <a:tint val="94000"/>
+                <a:satMod val="103000"/>
+                <a:lumMod val="102000"/>
+              </a:schemeClr>
+            </a:gs>
+            <a:gs pos="50000">
+              <a:schemeClr val="accent2">
+                <a:hueOff val="-203093"/>
+                <a:satOff val="-43512"/>
+                <a:lumOff val="59414"/>
+                <a:alphaOff val="0"/>
+                <a:shade val="100000"/>
+                <a:satMod val="110000"/>
+                <a:lumMod val="100000"/>
+              </a:schemeClr>
+            </a:gs>
+            <a:gs pos="100000">
+              <a:schemeClr val="accent2">
+                <a:hueOff val="-203093"/>
+                <a:satOff val="-43512"/>
+                <a:lumOff val="59414"/>
+                <a:alphaOff val="0"/>
+                <a:shade val="78000"/>
+                <a:satMod val="120000"/>
+                <a:lumMod val="99000"/>
+              </a:schemeClr>
+            </a:gs>
+          </a:gsLst>
+          <a:lin ang="5400000" scaled="0"/>
+        </a:gradFill>
+        <a:ln>
+          <a:noFill/>
+        </a:ln>
+        <a:effectLst>
+          <a:outerShdw blurRad="57150" dist="19050" dir="5400000" algn="ctr" rotWithShape="0">
+            <a:srgbClr val="000000">
+              <a:alpha val="63000"/>
+            </a:srgbClr>
+          </a:outerShdw>
+        </a:effectLst>
+      </dsp:spPr>
+      <dsp:style>
+        <a:lnRef idx="0">
+          <a:scrgbClr r="0" g="0" b="0"/>
+        </a:lnRef>
+        <a:fillRef idx="3">
+          <a:scrgbClr r="0" g="0" b="0"/>
+        </a:fillRef>
+        <a:effectRef idx="3">
+          <a:scrgbClr r="0" g="0" b="0"/>
+        </a:effectRef>
+        <a:fontRef idx="minor">
+          <a:schemeClr val="lt1"/>
+        </a:fontRef>
+      </dsp:style>
+      <dsp:txBody>
+        <a:bodyPr spcFirstLastPara="0" vert="horz" wrap="square" lIns="144780" tIns="144780" rIns="144780" bIns="144780" numCol="1" spcCol="1270" anchor="ctr" anchorCtr="0">
+          <a:noAutofit/>
+        </a:bodyPr>
+        <a:lstStyle/>
+        <a:p>
+          <a:pPr marL="0" lvl="0" indent="0" algn="l" defTabSz="1689100">
+            <a:lnSpc>
+              <a:spcPct val="90000"/>
+            </a:lnSpc>
+            <a:spcBef>
+              <a:spcPct val="0"/>
+            </a:spcBef>
+            <a:spcAft>
+              <a:spcPct val="35000"/>
+            </a:spcAft>
+            <a:buNone/>
+          </a:pPr>
+          <a:r>
+            <a:rPr lang="en-GB" sz="3800" kern="1200"/>
+            <a:t>Flexible and Secure design</a:t>
+          </a:r>
+          <a:endParaRPr lang="en-US" sz="3800" kern="1200"/>
+        </a:p>
+      </dsp:txBody>
+      <dsp:txXfrm>
+        <a:off x="43407" y="3886004"/>
+        <a:ext cx="6174286" cy="802386"/>
       </dsp:txXfrm>
     </dsp:sp>
   </dsp:spTree>
@@ -17960,173 +17960,6 @@
 </file>
 
 <file path=ppt/diagrams/layout3.xml><?xml version="1.0" encoding="utf-8"?>
-<dgm:layoutDef xmlns:dgm="http://schemas.openxmlformats.org/drawingml/2006/diagram" xmlns:a="http://schemas.openxmlformats.org/drawingml/2006/main" uniqueId="urn:microsoft.com/office/officeart/2005/8/layout/vList2">
-  <dgm:title val=""/>
-  <dgm:desc val=""/>
-  <dgm:catLst>
-    <dgm:cat type="list" pri="3000"/>
-    <dgm:cat type="convert" pri="1000"/>
-  </dgm:catLst>
-  <dgm:sampData>
-    <dgm:dataModel>
-      <dgm:ptLst>
-        <dgm:pt modelId="0" type="doc"/>
-        <dgm:pt modelId="1">
-          <dgm:prSet phldr="1"/>
-        </dgm:pt>
-        <dgm:pt modelId="11">
-          <dgm:prSet phldr="1"/>
-        </dgm:pt>
-        <dgm:pt modelId="2">
-          <dgm:prSet phldr="1"/>
-        </dgm:pt>
-        <dgm:pt modelId="21">
-          <dgm:prSet phldr="1"/>
-        </dgm:pt>
-      </dgm:ptLst>
-      <dgm:cxnLst>
-        <dgm:cxn modelId="4" srcId="0" destId="1" srcOrd="0" destOrd="0"/>
-        <dgm:cxn modelId="5" srcId="0" destId="2" srcOrd="1" destOrd="0"/>
-        <dgm:cxn modelId="12" srcId="1" destId="11" srcOrd="0" destOrd="0"/>
-        <dgm:cxn modelId="23" srcId="2" destId="21" srcOrd="0" destOrd="0"/>
-      </dgm:cxnLst>
-      <dgm:bg/>
-      <dgm:whole/>
-    </dgm:dataModel>
-  </dgm:sampData>
-  <dgm:styleData>
-    <dgm:dataModel>
-      <dgm:ptLst>
-        <dgm:pt modelId="0" type="doc"/>
-        <dgm:pt modelId="1"/>
-        <dgm:pt modelId="2"/>
-      </dgm:ptLst>
-      <dgm:cxnLst>
-        <dgm:cxn modelId="3" srcId="0" destId="1" srcOrd="0" destOrd="0"/>
-        <dgm:cxn modelId="4" srcId="0" destId="2" srcOrd="1" destOrd="0"/>
-      </dgm:cxnLst>
-      <dgm:bg/>
-      <dgm:whole/>
-    </dgm:dataModel>
-  </dgm:styleData>
-  <dgm:clrData>
-    <dgm:dataModel>
-      <dgm:ptLst>
-        <dgm:pt modelId="0" type="doc"/>
-        <dgm:pt modelId="1"/>
-        <dgm:pt modelId="2"/>
-        <dgm:pt modelId="3"/>
-        <dgm:pt modelId="4"/>
-      </dgm:ptLst>
-      <dgm:cxnLst>
-        <dgm:cxn modelId="5" srcId="0" destId="1" srcOrd="0" destOrd="0"/>
-        <dgm:cxn modelId="6" srcId="0" destId="2" srcOrd="1" destOrd="0"/>
-        <dgm:cxn modelId="7" srcId="0" destId="3" srcOrd="2" destOrd="0"/>
-        <dgm:cxn modelId="8" srcId="0" destId="4" srcOrd="3" destOrd="0"/>
-      </dgm:cxnLst>
-      <dgm:bg/>
-      <dgm:whole/>
-    </dgm:dataModel>
-  </dgm:clrData>
-  <dgm:layoutNode name="linear">
-    <dgm:varLst>
-      <dgm:animLvl val="lvl"/>
-      <dgm:resizeHandles val="exact"/>
-    </dgm:varLst>
-    <dgm:alg type="lin">
-      <dgm:param type="linDir" val="fromT"/>
-      <dgm:param type="vertAlign" val="mid"/>
-    </dgm:alg>
-    <dgm:shape xmlns:r="http://schemas.openxmlformats.org/officeDocument/2006/relationships" r:blip="">
-      <dgm:adjLst/>
-    </dgm:shape>
-    <dgm:presOf/>
-    <dgm:constrLst>
-      <dgm:constr type="w" for="ch" forName="parentText" refType="w"/>
-      <dgm:constr type="h" for="ch" forName="parentText" refType="primFontSz" refFor="ch" refForName="parentText" fact="0.52"/>
-      <dgm:constr type="w" for="ch" forName="childText" refType="w"/>
-      <dgm:constr type="h" for="ch" forName="childText" refType="primFontSz" refFor="ch" refForName="parentText" fact="0.46"/>
-      <dgm:constr type="h" for="ch" forName="parentText" op="equ"/>
-      <dgm:constr type="primFontSz" for="ch" forName="parentText" op="equ" val="65"/>
-      <dgm:constr type="primFontSz" for="ch" forName="childText" refType="primFontSz" refFor="ch" refForName="parentText" op="equ"/>
-      <dgm:constr type="h" for="ch" forName="spacer" refType="primFontSz" refFor="ch" refForName="parentText" fact="0.08"/>
-    </dgm:constrLst>
-    <dgm:ruleLst>
-      <dgm:rule type="primFontSz" for="ch" forName="parentText" val="5" fact="NaN" max="NaN"/>
-    </dgm:ruleLst>
-    <dgm:forEach name="Name0" axis="ch" ptType="node">
-      <dgm:layoutNode name="parentText" styleLbl="node1">
-        <dgm:varLst>
-          <dgm:chMax val="0"/>
-          <dgm:bulletEnabled val="1"/>
-        </dgm:varLst>
-        <dgm:alg type="tx">
-          <dgm:param type="parTxLTRAlign" val="l"/>
-          <dgm:param type="parTxRTLAlign" val="r"/>
-        </dgm:alg>
-        <dgm:shape xmlns:r="http://schemas.openxmlformats.org/officeDocument/2006/relationships" type="roundRect" r:blip="">
-          <dgm:adjLst/>
-        </dgm:shape>
-        <dgm:presOf axis="self"/>
-        <dgm:constrLst>
-          <dgm:constr type="tMarg" refType="primFontSz" fact="0.3"/>
-          <dgm:constr type="bMarg" refType="primFontSz" fact="0.3"/>
-          <dgm:constr type="lMarg" refType="primFontSz" fact="0.3"/>
-          <dgm:constr type="rMarg" refType="primFontSz" fact="0.3"/>
-        </dgm:constrLst>
-        <dgm:ruleLst>
-          <dgm:rule type="h" val="INF" fact="NaN" max="NaN"/>
-        </dgm:ruleLst>
-      </dgm:layoutNode>
-      <dgm:choose name="Name1">
-        <dgm:if name="Name2" axis="ch" ptType="node" func="cnt" op="gte" val="1">
-          <dgm:layoutNode name="childText" styleLbl="revTx">
-            <dgm:varLst>
-              <dgm:bulletEnabled val="1"/>
-            </dgm:varLst>
-            <dgm:alg type="tx">
-              <dgm:param type="stBulletLvl" val="1"/>
-              <dgm:param type="lnSpAfChP" val="20"/>
-            </dgm:alg>
-            <dgm:shape xmlns:r="http://schemas.openxmlformats.org/officeDocument/2006/relationships" type="rect" r:blip="">
-              <dgm:adjLst/>
-            </dgm:shape>
-            <dgm:presOf axis="des" ptType="node"/>
-            <dgm:constrLst>
-              <dgm:constr type="tMarg" refType="primFontSz" fact="0.1"/>
-              <dgm:constr type="bMarg" refType="primFontSz" fact="0.1"/>
-              <dgm:constr type="lMarg" refType="w" fact="0.09"/>
-            </dgm:constrLst>
-            <dgm:ruleLst>
-              <dgm:rule type="h" val="INF" fact="NaN" max="NaN"/>
-            </dgm:ruleLst>
-          </dgm:layoutNode>
-        </dgm:if>
-        <dgm:else name="Name3">
-          <dgm:choose name="Name4">
-            <dgm:if name="Name5" axis="par ch" ptType="doc node" func="cnt" op="gte" val="2">
-              <dgm:forEach name="Name6" axis="followSib" ptType="sibTrans" cnt="1">
-                <dgm:layoutNode name="spacer">
-                  <dgm:alg type="sp"/>
-                  <dgm:shape xmlns:r="http://schemas.openxmlformats.org/officeDocument/2006/relationships" r:blip="">
-                    <dgm:adjLst/>
-                  </dgm:shape>
-                  <dgm:presOf/>
-                  <dgm:constrLst/>
-                  <dgm:ruleLst/>
-                </dgm:layoutNode>
-              </dgm:forEach>
-            </dgm:if>
-            <dgm:else name="Name7"/>
-          </dgm:choose>
-        </dgm:else>
-      </dgm:choose>
-    </dgm:forEach>
-  </dgm:layoutNode>
-</dgm:layoutDef>
-</file>
-
-<file path=ppt/diagrams/layout4.xml><?xml version="1.0" encoding="utf-8"?>
 <dgm:layoutDef xmlns:dgm="http://schemas.openxmlformats.org/drawingml/2006/diagram" xmlns:a="http://schemas.openxmlformats.org/drawingml/2006/main" uniqueId="urn:microsoft.com/office/officeart/2005/8/layout/hierarchy1">
   <dgm:title val=""/>
   <dgm:desc val=""/>
@@ -18689,6 +18522,215 @@
 </dgm:layoutDef>
 </file>
 
+<file path=ppt/diagrams/layout4.xml><?xml version="1.0" encoding="utf-8"?>
+<dgm:layoutDef xmlns:dgm="http://schemas.openxmlformats.org/drawingml/2006/diagram" xmlns:a="http://schemas.openxmlformats.org/drawingml/2006/main" uniqueId="urn:microsoft.com/office/officeart/2018/2/layout/IconLabelDescriptionList">
+  <dgm:title val="Icon Label Description List"/>
+  <dgm:desc val="Use to show non-sequential or grouped chunks of information. The placeholder holds an icon or small picture, and corresponding text boxes show Level 1 and Level 2 text respectively. Works well for minimal Level 1 text accompanied by lengthier Level two text."/>
+  <dgm:catLst>
+    <dgm:cat type="icon" pri="500"/>
+  </dgm:catLst>
+  <dgm:sampData useDef="1">
+    <dgm:dataModel>
+      <dgm:ptLst/>
+      <dgm:bg/>
+      <dgm:whole/>
+    </dgm:dataModel>
+  </dgm:sampData>
+  <dgm:styleData useDef="1">
+    <dgm:dataModel>
+      <dgm:ptLst/>
+      <dgm:bg/>
+      <dgm:whole/>
+    </dgm:dataModel>
+  </dgm:styleData>
+  <dgm:clrData useDef="1">
+    <dgm:dataModel>
+      <dgm:ptLst/>
+      <dgm:bg/>
+      <dgm:whole/>
+    </dgm:dataModel>
+  </dgm:clrData>
+  <dgm:layoutNode name="root">
+    <dgm:varLst>
+      <dgm:dir/>
+      <dgm:resizeHandles val="exact"/>
+    </dgm:varLst>
+    <dgm:choose name="Name0">
+      <dgm:if name="Name1" axis="self" func="var" arg="dir" op="equ" val="norm">
+        <dgm:alg type="lin"/>
+      </dgm:if>
+      <dgm:else name="Name2">
+        <dgm:alg type="lin">
+          <dgm:param type="linDir" val="fromR"/>
+        </dgm:alg>
+      </dgm:else>
+    </dgm:choose>
+    <dgm:shape xmlns:r="http://schemas.openxmlformats.org/officeDocument/2006/relationships" r:blip="">
+      <dgm:adjLst/>
+    </dgm:shape>
+    <dgm:presOf/>
+    <dgm:constrLst>
+      <dgm:constr type="h" for="ch" forName="compNode" refType="h" fact="0.45"/>
+      <dgm:constr type="w" for="ch" forName="compNode" val="120"/>
+      <dgm:constr type="w" for="ch" forName="sibTrans" refType="w" refFor="ch" refForName="compNode" fact="0.175"/>
+      <dgm:constr type="primFontSz" for="des" forName="parTx" val="36"/>
+      <dgm:constr type="primFontSz" for="des" forName="desTx" refType="primFontSz" refFor="des" refForName="parTx" op="lte" fact="0.75"/>
+      <dgm:constr type="h" for="des" forName="compNode" op="equ"/>
+      <dgm:constr type="h" for="des" forName="iconRect" op="equ"/>
+      <dgm:constr type="w" for="des" forName="iconRect" op="equ"/>
+      <dgm:constr type="h" for="des" forName="iconSpace" op="equ"/>
+      <dgm:constr type="h" for="des" forName="parTx" op="equ"/>
+      <dgm:constr type="h" for="des" forName="txSpace" op="equ"/>
+      <dgm:constr type="h" for="des" forName="desTx" op="equ"/>
+    </dgm:constrLst>
+    <dgm:ruleLst>
+      <dgm:rule type="w" for="ch" forName="compNode" val="0" fact="NaN" max="NaN"/>
+    </dgm:ruleLst>
+    <dgm:forEach name="Name3" axis="ch" ptType="node">
+      <dgm:layoutNode name="compNode">
+        <dgm:alg type="composite"/>
+        <dgm:shape xmlns:r="http://schemas.openxmlformats.org/officeDocument/2006/relationships" r:blip="">
+          <dgm:adjLst/>
+        </dgm:shape>
+        <dgm:presOf axis="self"/>
+        <dgm:constrLst>
+          <dgm:constr type="w" for="ch" forName="iconRect" refType="w" fact="0.35"/>
+          <dgm:constr type="h" for="ch" forName="iconRect" refType="w" refFor="ch" refForName="iconRect"/>
+          <dgm:constr type="l" for="ch" forName="iconRect"/>
+          <dgm:constr type="t" for="ch" forName="iconRect"/>
+          <dgm:constr type="w" for="ch" forName="iconSpace" refType="w"/>
+          <dgm:constr type="h" for="ch" forName="iconSpace" refType="h" fact="0.043"/>
+          <dgm:constr type="l" for="ch" forName="iconSpace"/>
+          <dgm:constr type="t" for="ch" forName="iconSpace" refType="b" refFor="ch" refForName="iconRect"/>
+          <dgm:constr type="w" for="ch" forName="parTx" refType="w"/>
+          <dgm:constr type="h" for="ch" forName="parTx" refType="w" fact="0.15"/>
+          <dgm:constr type="l" for="ch" forName="parTx"/>
+          <dgm:constr type="t" for="ch" forName="parTx" refType="b" refFor="ch" refForName="iconSpace"/>
+          <dgm:constr type="h" for="ch" forName="txSpace" refType="h" fact="0.02"/>
+          <dgm:constr type="w" for="ch" forName="txSpace" refType="w"/>
+          <dgm:constr type="l" for="ch" forName="txSpace"/>
+          <dgm:constr type="t" for="ch" forName="txSpace" refType="b" refFor="ch" refForName="parTx"/>
+          <dgm:constr type="w" for="ch" forName="desTx" refType="w"/>
+          <dgm:constr type="l" for="ch" forName="desTx"/>
+          <dgm:constr type="t" for="ch" forName="desTx" refType="b" refFor="ch" refForName="txSpace"/>
+        </dgm:constrLst>
+        <dgm:ruleLst>
+          <dgm:rule type="h" val="INF" fact="NaN" max="NaN"/>
+        </dgm:ruleLst>
+        <dgm:layoutNode name="iconRect" styleLbl="node1">
+          <dgm:alg type="sp"/>
+          <dgm:shape xmlns:r="http://schemas.openxmlformats.org/officeDocument/2006/relationships" type="rect" r:blip="" blipPhldr="1">
+            <dgm:adjLst/>
+          </dgm:shape>
+          <dgm:presOf/>
+          <dgm:constrLst/>
+          <dgm:ruleLst/>
+        </dgm:layoutNode>
+        <dgm:layoutNode name="iconSpace">
+          <dgm:alg type="sp"/>
+          <dgm:shape xmlns:r="http://schemas.openxmlformats.org/officeDocument/2006/relationships" r:blip="">
+            <dgm:adjLst/>
+          </dgm:shape>
+          <dgm:presOf/>
+          <dgm:constrLst/>
+          <dgm:ruleLst/>
+        </dgm:layoutNode>
+        <dgm:layoutNode name="parTx" styleLbl="revTx">
+          <dgm:varLst>
+            <dgm:chMax val="0"/>
+            <dgm:chPref val="0"/>
+          </dgm:varLst>
+          <dgm:alg type="tx">
+            <dgm:param type="txAnchorVert" val="t"/>
+            <dgm:param type="parTxLTRAlign" val="l"/>
+            <dgm:param type="shpTxLTRAlignCh" val="l"/>
+            <dgm:param type="parTxRTLAlign" val="r"/>
+            <dgm:param type="shpTxRTLAlignCh" val="r"/>
+          </dgm:alg>
+          <dgm:shape xmlns:r="http://schemas.openxmlformats.org/officeDocument/2006/relationships" type="rect" r:blip="">
+            <dgm:adjLst/>
+          </dgm:shape>
+          <dgm:presOf axis="self" ptType="node"/>
+          <dgm:constrLst>
+            <dgm:constr type="lMarg"/>
+            <dgm:constr type="rMarg"/>
+            <dgm:constr type="tMarg"/>
+            <dgm:constr type="bMarg"/>
+          </dgm:constrLst>
+          <dgm:ruleLst>
+            <dgm:rule type="primFontSz" val="14" fact="NaN" max="NaN"/>
+            <dgm:rule type="h" val="INF" fact="NaN" max="NaN"/>
+          </dgm:ruleLst>
+        </dgm:layoutNode>
+        <dgm:layoutNode name="txSpace">
+          <dgm:alg type="sp"/>
+          <dgm:shape xmlns:r="http://schemas.openxmlformats.org/officeDocument/2006/relationships" r:blip="">
+            <dgm:adjLst/>
+          </dgm:shape>
+          <dgm:presOf/>
+          <dgm:constrLst/>
+          <dgm:ruleLst/>
+        </dgm:layoutNode>
+        <dgm:layoutNode name="desTx" styleLbl="revTx">
+          <dgm:varLst/>
+          <dgm:alg type="tx">
+            <dgm:param type="stBulletLvl" val="0"/>
+            <dgm:param type="txAnchorVert" val="t"/>
+            <dgm:param type="parTxLTRAlign" val="l"/>
+            <dgm:param type="shpTxLTRAlignCh" val="l"/>
+            <dgm:param type="parTxRTLAlign" val="r"/>
+            <dgm:param type="shpTxRTLAlignCh" val="r"/>
+          </dgm:alg>
+          <dgm:shape xmlns:r="http://schemas.openxmlformats.org/officeDocument/2006/relationships" type="rect" r:blip="">
+            <dgm:adjLst/>
+          </dgm:shape>
+          <dgm:presOf axis="des" ptType="node"/>
+          <dgm:constrLst>
+            <dgm:constr type="secFontSz" refType="primFontSz"/>
+            <dgm:constr type="lMarg"/>
+            <dgm:constr type="rMarg"/>
+            <dgm:constr type="tMarg"/>
+            <dgm:constr type="bMarg"/>
+          </dgm:constrLst>
+          <dgm:ruleLst>
+            <dgm:rule type="primFontSz" val="NaN" fact="NaN" max="17"/>
+            <dgm:rule type="h" val="INF" fact="NaN" max="NaN"/>
+          </dgm:ruleLst>
+        </dgm:layoutNode>
+      </dgm:layoutNode>
+      <dgm:forEach name="Name4" axis="followSib" ptType="sibTrans" cnt="1">
+        <dgm:layoutNode name="sibTrans">
+          <dgm:alg type="sp"/>
+          <dgm:shape xmlns:r="http://schemas.openxmlformats.org/officeDocument/2006/relationships" r:blip="">
+            <dgm:adjLst/>
+          </dgm:shape>
+          <dgm:presOf axis="self"/>
+          <dgm:constrLst/>
+          <dgm:ruleLst/>
+        </dgm:layoutNode>
+      </dgm:forEach>
+    </dgm:forEach>
+  </dgm:layoutNode>
+  <dgm:extLst>
+    <a:ext uri="{68A01E43-0DF5-4B5B-8FA6-DAF915123BFB}">
+      <dgm1612:lstStyle xmlns:dgm1612="http://schemas.microsoft.com/office/drawing/2016/12/diagram">
+        <a:lvl1pPr>
+          <a:lnSpc>
+            <a:spcPct val="100000"/>
+          </a:lnSpc>
+          <a:defRPr b="1"/>
+        </a:lvl1pPr>
+        <a:lvl2pPr>
+          <a:lnSpc>
+            <a:spcPct val="100000"/>
+          </a:lnSpc>
+        </a:lvl2pPr>
+      </dgm1612:lstStyle>
+    </a:ext>
+  </dgm:extLst>
+</dgm:layoutDef>
+</file>
+
 <file path=ppt/diagrams/layout5.xml><?xml version="1.0" encoding="utf-8"?>
 <dgm:layoutDef xmlns:dgm="http://schemas.openxmlformats.org/drawingml/2006/diagram" xmlns:a="http://schemas.openxmlformats.org/drawingml/2006/main" uniqueId="urn:microsoft.com/office/officeart/2018/2/layout/IconLabelDescriptionList">
   <dgm:title val="Icon Label Description List"/>
@@ -18899,215 +18941,6 @@
 </file>
 
 <file path=ppt/diagrams/layout6.xml><?xml version="1.0" encoding="utf-8"?>
-<dgm:layoutDef xmlns:dgm="http://schemas.openxmlformats.org/drawingml/2006/diagram" xmlns:a="http://schemas.openxmlformats.org/drawingml/2006/main" uniqueId="urn:microsoft.com/office/officeart/2018/2/layout/IconLabelDescriptionList">
-  <dgm:title val="Icon Label Description List"/>
-  <dgm:desc val="Use to show non-sequential or grouped chunks of information. The placeholder holds an icon or small picture, and corresponding text boxes show Level 1 and Level 2 text respectively. Works well for minimal Level 1 text accompanied by lengthier Level two text."/>
-  <dgm:catLst>
-    <dgm:cat type="icon" pri="500"/>
-  </dgm:catLst>
-  <dgm:sampData useDef="1">
-    <dgm:dataModel>
-      <dgm:ptLst/>
-      <dgm:bg/>
-      <dgm:whole/>
-    </dgm:dataModel>
-  </dgm:sampData>
-  <dgm:styleData useDef="1">
-    <dgm:dataModel>
-      <dgm:ptLst/>
-      <dgm:bg/>
-      <dgm:whole/>
-    </dgm:dataModel>
-  </dgm:styleData>
-  <dgm:clrData useDef="1">
-    <dgm:dataModel>
-      <dgm:ptLst/>
-      <dgm:bg/>
-      <dgm:whole/>
-    </dgm:dataModel>
-  </dgm:clrData>
-  <dgm:layoutNode name="root">
-    <dgm:varLst>
-      <dgm:dir/>
-      <dgm:resizeHandles val="exact"/>
-    </dgm:varLst>
-    <dgm:choose name="Name0">
-      <dgm:if name="Name1" axis="self" func="var" arg="dir" op="equ" val="norm">
-        <dgm:alg type="lin"/>
-      </dgm:if>
-      <dgm:else name="Name2">
-        <dgm:alg type="lin">
-          <dgm:param type="linDir" val="fromR"/>
-        </dgm:alg>
-      </dgm:else>
-    </dgm:choose>
-    <dgm:shape xmlns:r="http://schemas.openxmlformats.org/officeDocument/2006/relationships" r:blip="">
-      <dgm:adjLst/>
-    </dgm:shape>
-    <dgm:presOf/>
-    <dgm:constrLst>
-      <dgm:constr type="h" for="ch" forName="compNode" refType="h" fact="0.45"/>
-      <dgm:constr type="w" for="ch" forName="compNode" val="120"/>
-      <dgm:constr type="w" for="ch" forName="sibTrans" refType="w" refFor="ch" refForName="compNode" fact="0.175"/>
-      <dgm:constr type="primFontSz" for="des" forName="parTx" val="36"/>
-      <dgm:constr type="primFontSz" for="des" forName="desTx" refType="primFontSz" refFor="des" refForName="parTx" op="lte" fact="0.75"/>
-      <dgm:constr type="h" for="des" forName="compNode" op="equ"/>
-      <dgm:constr type="h" for="des" forName="iconRect" op="equ"/>
-      <dgm:constr type="w" for="des" forName="iconRect" op="equ"/>
-      <dgm:constr type="h" for="des" forName="iconSpace" op="equ"/>
-      <dgm:constr type="h" for="des" forName="parTx" op="equ"/>
-      <dgm:constr type="h" for="des" forName="txSpace" op="equ"/>
-      <dgm:constr type="h" for="des" forName="desTx" op="equ"/>
-    </dgm:constrLst>
-    <dgm:ruleLst>
-      <dgm:rule type="w" for="ch" forName="compNode" val="0" fact="NaN" max="NaN"/>
-    </dgm:ruleLst>
-    <dgm:forEach name="Name3" axis="ch" ptType="node">
-      <dgm:layoutNode name="compNode">
-        <dgm:alg type="composite"/>
-        <dgm:shape xmlns:r="http://schemas.openxmlformats.org/officeDocument/2006/relationships" r:blip="">
-          <dgm:adjLst/>
-        </dgm:shape>
-        <dgm:presOf axis="self"/>
-        <dgm:constrLst>
-          <dgm:constr type="w" for="ch" forName="iconRect" refType="w" fact="0.35"/>
-          <dgm:constr type="h" for="ch" forName="iconRect" refType="w" refFor="ch" refForName="iconRect"/>
-          <dgm:constr type="l" for="ch" forName="iconRect"/>
-          <dgm:constr type="t" for="ch" forName="iconRect"/>
-          <dgm:constr type="w" for="ch" forName="iconSpace" refType="w"/>
-          <dgm:constr type="h" for="ch" forName="iconSpace" refType="h" fact="0.043"/>
-          <dgm:constr type="l" for="ch" forName="iconSpace"/>
-          <dgm:constr type="t" for="ch" forName="iconSpace" refType="b" refFor="ch" refForName="iconRect"/>
-          <dgm:constr type="w" for="ch" forName="parTx" refType="w"/>
-          <dgm:constr type="h" for="ch" forName="parTx" refType="w" fact="0.15"/>
-          <dgm:constr type="l" for="ch" forName="parTx"/>
-          <dgm:constr type="t" for="ch" forName="parTx" refType="b" refFor="ch" refForName="iconSpace"/>
-          <dgm:constr type="h" for="ch" forName="txSpace" refType="h" fact="0.02"/>
-          <dgm:constr type="w" for="ch" forName="txSpace" refType="w"/>
-          <dgm:constr type="l" for="ch" forName="txSpace"/>
-          <dgm:constr type="t" for="ch" forName="txSpace" refType="b" refFor="ch" refForName="parTx"/>
-          <dgm:constr type="w" for="ch" forName="desTx" refType="w"/>
-          <dgm:constr type="l" for="ch" forName="desTx"/>
-          <dgm:constr type="t" for="ch" forName="desTx" refType="b" refFor="ch" refForName="txSpace"/>
-        </dgm:constrLst>
-        <dgm:ruleLst>
-          <dgm:rule type="h" val="INF" fact="NaN" max="NaN"/>
-        </dgm:ruleLst>
-        <dgm:layoutNode name="iconRect" styleLbl="node1">
-          <dgm:alg type="sp"/>
-          <dgm:shape xmlns:r="http://schemas.openxmlformats.org/officeDocument/2006/relationships" type="rect" r:blip="" blipPhldr="1">
-            <dgm:adjLst/>
-          </dgm:shape>
-          <dgm:presOf/>
-          <dgm:constrLst/>
-          <dgm:ruleLst/>
-        </dgm:layoutNode>
-        <dgm:layoutNode name="iconSpace">
-          <dgm:alg type="sp"/>
-          <dgm:shape xmlns:r="http://schemas.openxmlformats.org/officeDocument/2006/relationships" r:blip="">
-            <dgm:adjLst/>
-          </dgm:shape>
-          <dgm:presOf/>
-          <dgm:constrLst/>
-          <dgm:ruleLst/>
-        </dgm:layoutNode>
-        <dgm:layoutNode name="parTx" styleLbl="revTx">
-          <dgm:varLst>
-            <dgm:chMax val="0"/>
-            <dgm:chPref val="0"/>
-          </dgm:varLst>
-          <dgm:alg type="tx">
-            <dgm:param type="txAnchorVert" val="t"/>
-            <dgm:param type="parTxLTRAlign" val="l"/>
-            <dgm:param type="shpTxLTRAlignCh" val="l"/>
-            <dgm:param type="parTxRTLAlign" val="r"/>
-            <dgm:param type="shpTxRTLAlignCh" val="r"/>
-          </dgm:alg>
-          <dgm:shape xmlns:r="http://schemas.openxmlformats.org/officeDocument/2006/relationships" type="rect" r:blip="">
-            <dgm:adjLst/>
-          </dgm:shape>
-          <dgm:presOf axis="self" ptType="node"/>
-          <dgm:constrLst>
-            <dgm:constr type="lMarg"/>
-            <dgm:constr type="rMarg"/>
-            <dgm:constr type="tMarg"/>
-            <dgm:constr type="bMarg"/>
-          </dgm:constrLst>
-          <dgm:ruleLst>
-            <dgm:rule type="primFontSz" val="14" fact="NaN" max="NaN"/>
-            <dgm:rule type="h" val="INF" fact="NaN" max="NaN"/>
-          </dgm:ruleLst>
-        </dgm:layoutNode>
-        <dgm:layoutNode name="txSpace">
-          <dgm:alg type="sp"/>
-          <dgm:shape xmlns:r="http://schemas.openxmlformats.org/officeDocument/2006/relationships" r:blip="">
-            <dgm:adjLst/>
-          </dgm:shape>
-          <dgm:presOf/>
-          <dgm:constrLst/>
-          <dgm:ruleLst/>
-        </dgm:layoutNode>
-        <dgm:layoutNode name="desTx" styleLbl="revTx">
-          <dgm:varLst/>
-          <dgm:alg type="tx">
-            <dgm:param type="stBulletLvl" val="0"/>
-            <dgm:param type="txAnchorVert" val="t"/>
-            <dgm:param type="parTxLTRAlign" val="l"/>
-            <dgm:param type="shpTxLTRAlignCh" val="l"/>
-            <dgm:param type="parTxRTLAlign" val="r"/>
-            <dgm:param type="shpTxRTLAlignCh" val="r"/>
-          </dgm:alg>
-          <dgm:shape xmlns:r="http://schemas.openxmlformats.org/officeDocument/2006/relationships" type="rect" r:blip="">
-            <dgm:adjLst/>
-          </dgm:shape>
-          <dgm:presOf axis="des" ptType="node"/>
-          <dgm:constrLst>
-            <dgm:constr type="secFontSz" refType="primFontSz"/>
-            <dgm:constr type="lMarg"/>
-            <dgm:constr type="rMarg"/>
-            <dgm:constr type="tMarg"/>
-            <dgm:constr type="bMarg"/>
-          </dgm:constrLst>
-          <dgm:ruleLst>
-            <dgm:rule type="primFontSz" val="NaN" fact="NaN" max="17"/>
-            <dgm:rule type="h" val="INF" fact="NaN" max="NaN"/>
-          </dgm:ruleLst>
-        </dgm:layoutNode>
-      </dgm:layoutNode>
-      <dgm:forEach name="Name4" axis="followSib" ptType="sibTrans" cnt="1">
-        <dgm:layoutNode name="sibTrans">
-          <dgm:alg type="sp"/>
-          <dgm:shape xmlns:r="http://schemas.openxmlformats.org/officeDocument/2006/relationships" r:blip="">
-            <dgm:adjLst/>
-          </dgm:shape>
-          <dgm:presOf axis="self"/>
-          <dgm:constrLst/>
-          <dgm:ruleLst/>
-        </dgm:layoutNode>
-      </dgm:forEach>
-    </dgm:forEach>
-  </dgm:layoutNode>
-  <dgm:extLst>
-    <a:ext uri="{68A01E43-0DF5-4B5B-8FA6-DAF915123BFB}">
-      <dgm1612:lstStyle xmlns:dgm1612="http://schemas.microsoft.com/office/drawing/2016/12/diagram">
-        <a:lvl1pPr>
-          <a:lnSpc>
-            <a:spcPct val="100000"/>
-          </a:lnSpc>
-          <a:defRPr b="1"/>
-        </a:lvl1pPr>
-        <a:lvl2pPr>
-          <a:lnSpc>
-            <a:spcPct val="100000"/>
-          </a:lnSpc>
-        </a:lvl2pPr>
-      </dgm1612:lstStyle>
-    </a:ext>
-  </dgm:extLst>
-</dgm:layoutDef>
-</file>
-
-<file path=ppt/diagrams/layout7.xml><?xml version="1.0" encoding="utf-8"?>
 <dgm:layoutDef xmlns:dgm="http://schemas.openxmlformats.org/drawingml/2006/diagram" xmlns:a="http://schemas.openxmlformats.org/drawingml/2006/main" uniqueId="urn:microsoft.com/office/officeart/2005/8/layout/hierarchy1">
   <dgm:title val=""/>
   <dgm:desc val=""/>
@@ -19665,6 +19498,173 @@
           </dgm:layoutNode>
         </dgm:layoutNode>
       </dgm:forEach>
+    </dgm:forEach>
+  </dgm:layoutNode>
+</dgm:layoutDef>
+</file>
+
+<file path=ppt/diagrams/layout7.xml><?xml version="1.0" encoding="utf-8"?>
+<dgm:layoutDef xmlns:dgm="http://schemas.openxmlformats.org/drawingml/2006/diagram" xmlns:a="http://schemas.openxmlformats.org/drawingml/2006/main" uniqueId="urn:microsoft.com/office/officeart/2005/8/layout/vList2">
+  <dgm:title val=""/>
+  <dgm:desc val=""/>
+  <dgm:catLst>
+    <dgm:cat type="list" pri="3000"/>
+    <dgm:cat type="convert" pri="1000"/>
+  </dgm:catLst>
+  <dgm:sampData>
+    <dgm:dataModel>
+      <dgm:ptLst>
+        <dgm:pt modelId="0" type="doc"/>
+        <dgm:pt modelId="1">
+          <dgm:prSet phldr="1"/>
+        </dgm:pt>
+        <dgm:pt modelId="11">
+          <dgm:prSet phldr="1"/>
+        </dgm:pt>
+        <dgm:pt modelId="2">
+          <dgm:prSet phldr="1"/>
+        </dgm:pt>
+        <dgm:pt modelId="21">
+          <dgm:prSet phldr="1"/>
+        </dgm:pt>
+      </dgm:ptLst>
+      <dgm:cxnLst>
+        <dgm:cxn modelId="4" srcId="0" destId="1" srcOrd="0" destOrd="0"/>
+        <dgm:cxn modelId="5" srcId="0" destId="2" srcOrd="1" destOrd="0"/>
+        <dgm:cxn modelId="12" srcId="1" destId="11" srcOrd="0" destOrd="0"/>
+        <dgm:cxn modelId="23" srcId="2" destId="21" srcOrd="0" destOrd="0"/>
+      </dgm:cxnLst>
+      <dgm:bg/>
+      <dgm:whole/>
+    </dgm:dataModel>
+  </dgm:sampData>
+  <dgm:styleData>
+    <dgm:dataModel>
+      <dgm:ptLst>
+        <dgm:pt modelId="0" type="doc"/>
+        <dgm:pt modelId="1"/>
+        <dgm:pt modelId="2"/>
+      </dgm:ptLst>
+      <dgm:cxnLst>
+        <dgm:cxn modelId="3" srcId="0" destId="1" srcOrd="0" destOrd="0"/>
+        <dgm:cxn modelId="4" srcId="0" destId="2" srcOrd="1" destOrd="0"/>
+      </dgm:cxnLst>
+      <dgm:bg/>
+      <dgm:whole/>
+    </dgm:dataModel>
+  </dgm:styleData>
+  <dgm:clrData>
+    <dgm:dataModel>
+      <dgm:ptLst>
+        <dgm:pt modelId="0" type="doc"/>
+        <dgm:pt modelId="1"/>
+        <dgm:pt modelId="2"/>
+        <dgm:pt modelId="3"/>
+        <dgm:pt modelId="4"/>
+      </dgm:ptLst>
+      <dgm:cxnLst>
+        <dgm:cxn modelId="5" srcId="0" destId="1" srcOrd="0" destOrd="0"/>
+        <dgm:cxn modelId="6" srcId="0" destId="2" srcOrd="1" destOrd="0"/>
+        <dgm:cxn modelId="7" srcId="0" destId="3" srcOrd="2" destOrd="0"/>
+        <dgm:cxn modelId="8" srcId="0" destId="4" srcOrd="3" destOrd="0"/>
+      </dgm:cxnLst>
+      <dgm:bg/>
+      <dgm:whole/>
+    </dgm:dataModel>
+  </dgm:clrData>
+  <dgm:layoutNode name="linear">
+    <dgm:varLst>
+      <dgm:animLvl val="lvl"/>
+      <dgm:resizeHandles val="exact"/>
+    </dgm:varLst>
+    <dgm:alg type="lin">
+      <dgm:param type="linDir" val="fromT"/>
+      <dgm:param type="vertAlign" val="mid"/>
+    </dgm:alg>
+    <dgm:shape xmlns:r="http://schemas.openxmlformats.org/officeDocument/2006/relationships" r:blip="">
+      <dgm:adjLst/>
+    </dgm:shape>
+    <dgm:presOf/>
+    <dgm:constrLst>
+      <dgm:constr type="w" for="ch" forName="parentText" refType="w"/>
+      <dgm:constr type="h" for="ch" forName="parentText" refType="primFontSz" refFor="ch" refForName="parentText" fact="0.52"/>
+      <dgm:constr type="w" for="ch" forName="childText" refType="w"/>
+      <dgm:constr type="h" for="ch" forName="childText" refType="primFontSz" refFor="ch" refForName="parentText" fact="0.46"/>
+      <dgm:constr type="h" for="ch" forName="parentText" op="equ"/>
+      <dgm:constr type="primFontSz" for="ch" forName="parentText" op="equ" val="65"/>
+      <dgm:constr type="primFontSz" for="ch" forName="childText" refType="primFontSz" refFor="ch" refForName="parentText" op="equ"/>
+      <dgm:constr type="h" for="ch" forName="spacer" refType="primFontSz" refFor="ch" refForName="parentText" fact="0.08"/>
+    </dgm:constrLst>
+    <dgm:ruleLst>
+      <dgm:rule type="primFontSz" for="ch" forName="parentText" val="5" fact="NaN" max="NaN"/>
+    </dgm:ruleLst>
+    <dgm:forEach name="Name0" axis="ch" ptType="node">
+      <dgm:layoutNode name="parentText" styleLbl="node1">
+        <dgm:varLst>
+          <dgm:chMax val="0"/>
+          <dgm:bulletEnabled val="1"/>
+        </dgm:varLst>
+        <dgm:alg type="tx">
+          <dgm:param type="parTxLTRAlign" val="l"/>
+          <dgm:param type="parTxRTLAlign" val="r"/>
+        </dgm:alg>
+        <dgm:shape xmlns:r="http://schemas.openxmlformats.org/officeDocument/2006/relationships" type="roundRect" r:blip="">
+          <dgm:adjLst/>
+        </dgm:shape>
+        <dgm:presOf axis="self"/>
+        <dgm:constrLst>
+          <dgm:constr type="tMarg" refType="primFontSz" fact="0.3"/>
+          <dgm:constr type="bMarg" refType="primFontSz" fact="0.3"/>
+          <dgm:constr type="lMarg" refType="primFontSz" fact="0.3"/>
+          <dgm:constr type="rMarg" refType="primFontSz" fact="0.3"/>
+        </dgm:constrLst>
+        <dgm:ruleLst>
+          <dgm:rule type="h" val="INF" fact="NaN" max="NaN"/>
+        </dgm:ruleLst>
+      </dgm:layoutNode>
+      <dgm:choose name="Name1">
+        <dgm:if name="Name2" axis="ch" ptType="node" func="cnt" op="gte" val="1">
+          <dgm:layoutNode name="childText" styleLbl="revTx">
+            <dgm:varLst>
+              <dgm:bulletEnabled val="1"/>
+            </dgm:varLst>
+            <dgm:alg type="tx">
+              <dgm:param type="stBulletLvl" val="1"/>
+              <dgm:param type="lnSpAfChP" val="20"/>
+            </dgm:alg>
+            <dgm:shape xmlns:r="http://schemas.openxmlformats.org/officeDocument/2006/relationships" type="rect" r:blip="">
+              <dgm:adjLst/>
+            </dgm:shape>
+            <dgm:presOf axis="des" ptType="node"/>
+            <dgm:constrLst>
+              <dgm:constr type="tMarg" refType="primFontSz" fact="0.1"/>
+              <dgm:constr type="bMarg" refType="primFontSz" fact="0.1"/>
+              <dgm:constr type="lMarg" refType="w" fact="0.09"/>
+            </dgm:constrLst>
+            <dgm:ruleLst>
+              <dgm:rule type="h" val="INF" fact="NaN" max="NaN"/>
+            </dgm:ruleLst>
+          </dgm:layoutNode>
+        </dgm:if>
+        <dgm:else name="Name3">
+          <dgm:choose name="Name4">
+            <dgm:if name="Name5" axis="par ch" ptType="doc node" func="cnt" op="gte" val="2">
+              <dgm:forEach name="Name6" axis="followSib" ptType="sibTrans" cnt="1">
+                <dgm:layoutNode name="spacer">
+                  <dgm:alg type="sp"/>
+                  <dgm:shape xmlns:r="http://schemas.openxmlformats.org/officeDocument/2006/relationships" r:blip="">
+                    <dgm:adjLst/>
+                  </dgm:shape>
+                  <dgm:presOf/>
+                  <dgm:constrLst/>
+                  <dgm:ruleLst/>
+                </dgm:layoutNode>
+              </dgm:forEach>
+            </dgm:if>
+            <dgm:else name="Name7"/>
+          </dgm:choose>
+        </dgm:else>
+      </dgm:choose>
     </dgm:forEach>
   </dgm:layoutNode>
 </dgm:layoutDef>
@@ -22865,11 +22865,11 @@
 </file>
 
 <file path=ppt/diagrams/quickStyle3.xml><?xml version="1.0" encoding="utf-8"?>
-<dgm:styleDef xmlns:dgm="http://schemas.openxmlformats.org/drawingml/2006/diagram" xmlns:a="http://schemas.openxmlformats.org/drawingml/2006/main" uniqueId="urn:microsoft.com/office/officeart/2005/8/quickstyle/simple5">
+<dgm:styleDef xmlns:dgm="http://schemas.openxmlformats.org/drawingml/2006/diagram" xmlns:a="http://schemas.openxmlformats.org/drawingml/2006/main" uniqueId="urn:microsoft.com/office/officeart/2005/8/quickstyle/simple1">
   <dgm:title val=""/>
   <dgm:desc val=""/>
   <dgm:catLst>
-    <dgm:cat type="simple" pri="10500"/>
+    <dgm:cat type="simple" pri="10100"/>
   </dgm:catLst>
   <dgm:scene3d>
     <a:camera prst="orthographicFront"/>
@@ -22883,13 +22883,13 @@
     <dgm:sp3d/>
     <dgm:txPr/>
     <dgm:style>
-      <a:lnRef idx="0">
+      <a:lnRef idx="2">
         <a:scrgbClr r="0" g="0" b="0"/>
       </a:lnRef>
-      <a:fillRef idx="3">
+      <a:fillRef idx="1">
         <a:scrgbClr r="0" g="0" b="0"/>
       </a:fillRef>
-      <a:effectRef idx="3">
+      <a:effectRef idx="0">
         <a:scrgbClr r="0" g="0" b="0"/>
       </a:effectRef>
       <a:fontRef idx="minor">
@@ -22905,13 +22905,13 @@
     <dgm:sp3d/>
     <dgm:txPr/>
     <dgm:style>
-      <a:lnRef idx="0">
+      <a:lnRef idx="2">
         <a:scrgbClr r="0" g="0" b="0"/>
       </a:lnRef>
-      <a:fillRef idx="3">
+      <a:fillRef idx="1">
         <a:scrgbClr r="0" g="0" b="0"/>
       </a:fillRef>
-      <a:effectRef idx="3">
+      <a:effectRef idx="0">
         <a:scrgbClr r="0" g="0" b="0"/>
       </a:effectRef>
       <a:fontRef idx="minor">
@@ -22927,13 +22927,13 @@
     <dgm:sp3d/>
     <dgm:txPr/>
     <dgm:style>
-      <a:lnRef idx="0">
+      <a:lnRef idx="2">
         <a:scrgbClr r="0" g="0" b="0"/>
       </a:lnRef>
-      <a:fillRef idx="3">
+      <a:fillRef idx="1">
         <a:scrgbClr r="0" g="0" b="0"/>
       </a:fillRef>
-      <a:effectRef idx="3">
+      <a:effectRef idx="0">
         <a:scrgbClr r="0" g="0" b="0"/>
       </a:effectRef>
       <a:fontRef idx="minor">
@@ -22949,13 +22949,13 @@
     <dgm:sp3d/>
     <dgm:txPr/>
     <dgm:style>
-      <a:lnRef idx="1">
+      <a:lnRef idx="2">
         <a:scrgbClr r="0" g="0" b="0"/>
       </a:lnRef>
-      <a:fillRef idx="3">
+      <a:fillRef idx="1">
         <a:scrgbClr r="0" g="0" b="0"/>
       </a:fillRef>
-      <a:effectRef idx="3">
+      <a:effectRef idx="0">
         <a:scrgbClr r="0" g="0" b="0"/>
       </a:effectRef>
       <a:fontRef idx="minor">
@@ -22971,13 +22971,13 @@
     <dgm:sp3d/>
     <dgm:txPr/>
     <dgm:style>
-      <a:lnRef idx="0">
+      <a:lnRef idx="2">
         <a:scrgbClr r="0" g="0" b="0"/>
       </a:lnRef>
-      <a:fillRef idx="3">
+      <a:fillRef idx="1">
         <a:scrgbClr r="0" g="0" b="0"/>
       </a:fillRef>
-      <a:effectRef idx="3">
+      <a:effectRef idx="0">
         <a:scrgbClr r="0" g="0" b="0"/>
       </a:effectRef>
       <a:fontRef idx="minor">
@@ -22993,13 +22993,13 @@
     <dgm:sp3d/>
     <dgm:txPr/>
     <dgm:style>
-      <a:lnRef idx="0">
+      <a:lnRef idx="2">
         <a:scrgbClr r="0" g="0" b="0"/>
       </a:lnRef>
-      <a:fillRef idx="3">
+      <a:fillRef idx="1">
         <a:scrgbClr r="0" g="0" b="0"/>
       </a:fillRef>
-      <a:effectRef idx="3">
+      <a:effectRef idx="0">
         <a:scrgbClr r="0" g="0" b="0"/>
       </a:effectRef>
       <a:fontRef idx="minor">
@@ -23015,13 +23015,13 @@
     <dgm:sp3d/>
     <dgm:txPr/>
     <dgm:style>
-      <a:lnRef idx="0">
+      <a:lnRef idx="2">
         <a:scrgbClr r="0" g="0" b="0"/>
       </a:lnRef>
-      <a:fillRef idx="3">
+      <a:fillRef idx="1">
         <a:scrgbClr r="0" g="0" b="0"/>
       </a:fillRef>
-      <a:effectRef idx="3">
+      <a:effectRef idx="0">
         <a:scrgbClr r="0" g="0" b="0"/>
       </a:effectRef>
       <a:fontRef idx="minor">
@@ -23037,13 +23037,13 @@
     <dgm:sp3d/>
     <dgm:txPr/>
     <dgm:style>
-      <a:lnRef idx="0">
+      <a:lnRef idx="2">
         <a:scrgbClr r="0" g="0" b="0"/>
       </a:lnRef>
-      <a:fillRef idx="3">
+      <a:fillRef idx="1">
         <a:scrgbClr r="0" g="0" b="0"/>
       </a:fillRef>
-      <a:effectRef idx="3">
+      <a:effectRef idx="0">
         <a:scrgbClr r="0" g="0" b="0"/>
       </a:effectRef>
       <a:fontRef idx="minor">
@@ -23059,13 +23059,13 @@
     <dgm:sp3d/>
     <dgm:txPr/>
     <dgm:style>
-      <a:lnRef idx="0">
+      <a:lnRef idx="2">
         <a:scrgbClr r="0" g="0" b="0"/>
       </a:lnRef>
       <a:fillRef idx="1">
         <a:scrgbClr r="0" g="0" b="0"/>
       </a:fillRef>
-      <a:effectRef idx="3">
+      <a:effectRef idx="0">
         <a:scrgbClr r="0" g="0" b="0"/>
       </a:effectRef>
       <a:fontRef idx="minor"/>
@@ -23079,13 +23079,13 @@
     <dgm:sp3d/>
     <dgm:txPr/>
     <dgm:style>
-      <a:lnRef idx="0">
+      <a:lnRef idx="2">
         <a:scrgbClr r="0" g="0" b="0"/>
       </a:lnRef>
       <a:fillRef idx="1">
         <a:scrgbClr r="0" g="0" b="0"/>
       </a:fillRef>
-      <a:effectRef idx="3">
+      <a:effectRef idx="0">
         <a:scrgbClr r="0" g="0" b="0"/>
       </a:effectRef>
       <a:fontRef idx="minor"/>
@@ -23099,13 +23099,13 @@
     <dgm:sp3d/>
     <dgm:txPr/>
     <dgm:style>
-      <a:lnRef idx="0">
+      <a:lnRef idx="2">
         <a:scrgbClr r="0" g="0" b="0"/>
       </a:lnRef>
       <a:fillRef idx="1">
         <a:scrgbClr r="0" g="0" b="0"/>
       </a:fillRef>
-      <a:effectRef idx="3">
+      <a:effectRef idx="0">
         <a:scrgbClr r="0" g="0" b="0"/>
       </a:effectRef>
       <a:fontRef idx="minor"/>
@@ -23122,10 +23122,10 @@
       <a:lnRef idx="0">
         <a:scrgbClr r="0" g="0" b="0"/>
       </a:lnRef>
-      <a:fillRef idx="3">
+      <a:fillRef idx="1">
         <a:scrgbClr r="0" g="0" b="0"/>
       </a:fillRef>
-      <a:effectRef idx="3">
+      <a:effectRef idx="0">
         <a:scrgbClr r="0" g="0" b="0"/>
       </a:effectRef>
       <a:fontRef idx="minor">
@@ -23144,10 +23144,10 @@
       <a:lnRef idx="0">
         <a:scrgbClr r="0" g="0" b="0"/>
       </a:lnRef>
-      <a:fillRef idx="3">
+      <a:fillRef idx="1">
         <a:scrgbClr r="0" g="0" b="0"/>
       </a:fillRef>
-      <a:effectRef idx="3">
+      <a:effectRef idx="0">
         <a:scrgbClr r="0" g="0" b="0"/>
       </a:effectRef>
       <a:fontRef idx="minor">
@@ -23166,10 +23166,10 @@
       <a:lnRef idx="0">
         <a:scrgbClr r="0" g="0" b="0"/>
       </a:lnRef>
-      <a:fillRef idx="3">
+      <a:fillRef idx="1">
         <a:scrgbClr r="0" g="0" b="0"/>
       </a:fillRef>
-      <a:effectRef idx="3">
+      <a:effectRef idx="0">
         <a:scrgbClr r="0" g="0" b="0"/>
       </a:effectRef>
       <a:fontRef idx="minor">
@@ -23205,13 +23205,13 @@
     <dgm:sp3d/>
     <dgm:txPr/>
     <dgm:style>
-      <a:lnRef idx="1">
+      <a:lnRef idx="2">
         <a:scrgbClr r="0" g="0" b="0"/>
       </a:lnRef>
-      <a:fillRef idx="0">
+      <a:fillRef idx="1">
         <a:scrgbClr r="0" g="0" b="0"/>
       </a:fillRef>
-      <a:effectRef idx="1">
+      <a:effectRef idx="0">
         <a:scrgbClr r="0" g="0" b="0"/>
       </a:effectRef>
       <a:fontRef idx="minor"/>
@@ -23225,13 +23225,13 @@
     <dgm:sp3d/>
     <dgm:txPr/>
     <dgm:style>
-      <a:lnRef idx="0">
+      <a:lnRef idx="2">
         <a:scrgbClr r="0" g="0" b="0"/>
       </a:lnRef>
-      <a:fillRef idx="3">
+      <a:fillRef idx="1">
         <a:scrgbClr r="0" g="0" b="0"/>
       </a:fillRef>
-      <a:effectRef idx="3">
+      <a:effectRef idx="0">
         <a:scrgbClr r="0" g="0" b="0"/>
       </a:effectRef>
       <a:fontRef idx="minor">
@@ -23247,13 +23247,13 @@
     <dgm:sp3d/>
     <dgm:txPr/>
     <dgm:style>
-      <a:lnRef idx="0">
+      <a:lnRef idx="2">
         <a:scrgbClr r="0" g="0" b="0"/>
       </a:lnRef>
-      <a:fillRef idx="3">
+      <a:fillRef idx="1">
         <a:scrgbClr r="0" g="0" b="0"/>
       </a:fillRef>
-      <a:effectRef idx="3">
+      <a:effectRef idx="0">
         <a:scrgbClr r="0" g="0" b="0"/>
       </a:effectRef>
       <a:fontRef idx="minor">
@@ -23269,13 +23269,13 @@
     <dgm:sp3d/>
     <dgm:txPr/>
     <dgm:style>
-      <a:lnRef idx="0">
+      <a:lnRef idx="2">
         <a:scrgbClr r="0" g="0" b="0"/>
       </a:lnRef>
-      <a:fillRef idx="3">
+      <a:fillRef idx="1">
         <a:scrgbClr r="0" g="0" b="0"/>
       </a:fillRef>
-      <a:effectRef idx="3">
+      <a:effectRef idx="0">
         <a:scrgbClr r="0" g="0" b="0"/>
       </a:effectRef>
       <a:fontRef idx="minor">
@@ -23291,13 +23291,13 @@
     <dgm:sp3d/>
     <dgm:txPr/>
     <dgm:style>
-      <a:lnRef idx="0">
+      <a:lnRef idx="2">
         <a:scrgbClr r="0" g="0" b="0"/>
       </a:lnRef>
-      <a:fillRef idx="3">
+      <a:fillRef idx="1">
         <a:scrgbClr r="0" g="0" b="0"/>
       </a:fillRef>
-      <a:effectRef idx="3">
+      <a:effectRef idx="0">
         <a:scrgbClr r="0" g="0" b="0"/>
       </a:effectRef>
       <a:fontRef idx="minor">
@@ -23313,13 +23313,13 @@
     <dgm:sp3d/>
     <dgm:txPr/>
     <dgm:style>
-      <a:lnRef idx="0">
+      <a:lnRef idx="2">
         <a:scrgbClr r="0" g="0" b="0"/>
       </a:lnRef>
-      <a:fillRef idx="3">
+      <a:fillRef idx="1">
         <a:scrgbClr r="0" g="0" b="0"/>
       </a:fillRef>
-      <a:effectRef idx="3">
+      <a:effectRef idx="0">
         <a:scrgbClr r="0" g="0" b="0"/>
       </a:effectRef>
       <a:fontRef idx="minor">
@@ -23335,13 +23335,13 @@
     <dgm:sp3d/>
     <dgm:txPr/>
     <dgm:style>
-      <a:lnRef idx="0">
+      <a:lnRef idx="2">
         <a:scrgbClr r="0" g="0" b="0"/>
       </a:lnRef>
-      <a:fillRef idx="3">
+      <a:fillRef idx="1">
         <a:scrgbClr r="0" g="0" b="0"/>
       </a:fillRef>
-      <a:effectRef idx="3">
+      <a:effectRef idx="0">
         <a:scrgbClr r="0" g="0" b="0"/>
       </a:effectRef>
       <a:fontRef idx="minor">
@@ -23357,13 +23357,13 @@
     <dgm:sp3d/>
     <dgm:txPr/>
     <dgm:style>
-      <a:lnRef idx="0">
+      <a:lnRef idx="2">
         <a:scrgbClr r="0" g="0" b="0"/>
       </a:lnRef>
-      <a:fillRef idx="3">
+      <a:fillRef idx="1">
         <a:scrgbClr r="0" g="0" b="0"/>
       </a:fillRef>
-      <a:effectRef idx="3">
+      <a:effectRef idx="0">
         <a:scrgbClr r="0" g="0" b="0"/>
       </a:effectRef>
       <a:fontRef idx="minor">
@@ -23379,13 +23379,13 @@
     <dgm:sp3d/>
     <dgm:txPr/>
     <dgm:style>
-      <a:lnRef idx="0">
+      <a:lnRef idx="2">
         <a:scrgbClr r="0" g="0" b="0"/>
       </a:lnRef>
-      <a:fillRef idx="3">
+      <a:fillRef idx="1">
         <a:scrgbClr r="0" g="0" b="0"/>
       </a:fillRef>
-      <a:effectRef idx="3">
+      <a:effectRef idx="0">
         <a:scrgbClr r="0" g="0" b="0"/>
       </a:effectRef>
       <a:fontRef idx="minor">
@@ -23401,13 +23401,13 @@
     <dgm:sp3d/>
     <dgm:txPr/>
     <dgm:style>
-      <a:lnRef idx="0">
+      <a:lnRef idx="2">
         <a:scrgbClr r="0" g="0" b="0"/>
       </a:lnRef>
-      <a:fillRef idx="3">
+      <a:fillRef idx="1">
         <a:scrgbClr r="0" g="0" b="0"/>
       </a:fillRef>
-      <a:effectRef idx="3">
+      <a:effectRef idx="0">
         <a:scrgbClr r="0" g="0" b="0"/>
       </a:effectRef>
       <a:fontRef idx="minor">
@@ -23503,13 +23503,13 @@
     <dgm:sp3d/>
     <dgm:txPr/>
     <dgm:style>
-      <a:lnRef idx="1">
+      <a:lnRef idx="2">
         <a:scrgbClr r="0" g="0" b="0"/>
       </a:lnRef>
       <a:fillRef idx="1">
         <a:scrgbClr r="0" g="0" b="0"/>
       </a:fillRef>
-      <a:effectRef idx="2">
+      <a:effectRef idx="0">
         <a:scrgbClr r="0" g="0" b="0"/>
       </a:effectRef>
       <a:fontRef idx="minor"/>
@@ -23523,13 +23523,13 @@
     <dgm:sp3d/>
     <dgm:txPr/>
     <dgm:style>
-      <a:lnRef idx="1">
+      <a:lnRef idx="2">
         <a:scrgbClr r="0" g="0" b="0"/>
       </a:lnRef>
       <a:fillRef idx="1">
         <a:scrgbClr r="0" g="0" b="0"/>
       </a:fillRef>
-      <a:effectRef idx="2">
+      <a:effectRef idx="0">
         <a:scrgbClr r="0" g="0" b="0"/>
       </a:effectRef>
       <a:fontRef idx="minor"/>
@@ -23543,13 +23543,13 @@
     <dgm:sp3d/>
     <dgm:txPr/>
     <dgm:style>
-      <a:lnRef idx="1">
+      <a:lnRef idx="2">
         <a:scrgbClr r="0" g="0" b="0"/>
       </a:lnRef>
       <a:fillRef idx="1">
         <a:scrgbClr r="0" g="0" b="0"/>
       </a:fillRef>
-      <a:effectRef idx="2">
+      <a:effectRef idx="0">
         <a:scrgbClr r="0" g="0" b="0"/>
       </a:effectRef>
       <a:fontRef idx="minor"/>
@@ -23583,13 +23583,13 @@
     <dgm:sp3d/>
     <dgm:txPr/>
     <dgm:style>
-      <a:lnRef idx="1">
+      <a:lnRef idx="2">
         <a:scrgbClr r="0" g="0" b="0"/>
       </a:lnRef>
       <a:fillRef idx="1">
         <a:scrgbClr r="0" g="0" b="0"/>
       </a:fillRef>
-      <a:effectRef idx="2">
+      <a:effectRef idx="0">
         <a:scrgbClr r="0" g="0" b="0"/>
       </a:effectRef>
       <a:fontRef idx="minor"/>
@@ -23603,13 +23603,13 @@
     <dgm:sp3d/>
     <dgm:txPr/>
     <dgm:style>
-      <a:lnRef idx="1">
+      <a:lnRef idx="2">
         <a:scrgbClr r="0" g="0" b="0"/>
       </a:lnRef>
       <a:fillRef idx="1">
         <a:scrgbClr r="0" g="0" b="0"/>
       </a:fillRef>
-      <a:effectRef idx="2">
+      <a:effectRef idx="0">
         <a:scrgbClr r="0" g="0" b="0"/>
       </a:effectRef>
       <a:fontRef idx="minor"/>
@@ -23623,13 +23623,13 @@
     <dgm:sp3d/>
     <dgm:txPr/>
     <dgm:style>
-      <a:lnRef idx="1">
+      <a:lnRef idx="2">
         <a:scrgbClr r="0" g="0" b="0"/>
       </a:lnRef>
       <a:fillRef idx="1">
         <a:scrgbClr r="0" g="0" b="0"/>
       </a:fillRef>
-      <a:effectRef idx="3">
+      <a:effectRef idx="0">
         <a:scrgbClr r="0" g="0" b="0"/>
       </a:effectRef>
       <a:fontRef idx="minor"/>
@@ -23643,13 +23643,13 @@
     <dgm:sp3d/>
     <dgm:txPr/>
     <dgm:style>
-      <a:lnRef idx="1">
+      <a:lnRef idx="2">
         <a:scrgbClr r="0" g="0" b="0"/>
       </a:lnRef>
       <a:fillRef idx="1">
         <a:scrgbClr r="0" g="0" b="0"/>
       </a:fillRef>
-      <a:effectRef idx="3">
+      <a:effectRef idx="0">
         <a:scrgbClr r="0" g="0" b="0"/>
       </a:effectRef>
       <a:fontRef idx="minor"/>
@@ -23663,13 +23663,13 @@
     <dgm:sp3d/>
     <dgm:txPr/>
     <dgm:style>
-      <a:lnRef idx="1">
+      <a:lnRef idx="2">
         <a:scrgbClr r="0" g="0" b="0"/>
       </a:lnRef>
       <a:fillRef idx="1">
         <a:scrgbClr r="0" g="0" b="0"/>
       </a:fillRef>
-      <a:effectRef idx="2">
+      <a:effectRef idx="0">
         <a:scrgbClr r="0" g="0" b="0"/>
       </a:effectRef>
       <a:fontRef idx="minor"/>
@@ -23683,13 +23683,13 @@
     <dgm:sp3d/>
     <dgm:txPr/>
     <dgm:style>
-      <a:lnRef idx="1">
+      <a:lnRef idx="2">
         <a:scrgbClr r="0" g="0" b="0"/>
       </a:lnRef>
       <a:fillRef idx="1">
         <a:scrgbClr r="0" g="0" b="0"/>
       </a:fillRef>
-      <a:effectRef idx="2">
+      <a:effectRef idx="0">
         <a:scrgbClr r="0" g="0" b="0"/>
       </a:effectRef>
       <a:fontRef idx="minor"/>
@@ -23703,13 +23703,13 @@
     <dgm:sp3d/>
     <dgm:txPr/>
     <dgm:style>
-      <a:lnRef idx="1">
+      <a:lnRef idx="2">
         <a:scrgbClr r="0" g="0" b="0"/>
       </a:lnRef>
       <a:fillRef idx="1">
         <a:scrgbClr r="0" g="0" b="0"/>
       </a:fillRef>
-      <a:effectRef idx="2">
+      <a:effectRef idx="0">
         <a:scrgbClr r="0" g="0" b="0"/>
       </a:effectRef>
       <a:fontRef idx="minor"/>
@@ -23723,13 +23723,13 @@
     <dgm:sp3d/>
     <dgm:txPr/>
     <dgm:style>
-      <a:lnRef idx="1">
+      <a:lnRef idx="2">
         <a:scrgbClr r="0" g="0" b="0"/>
       </a:lnRef>
       <a:fillRef idx="1">
         <a:scrgbClr r="0" g="0" b="0"/>
       </a:fillRef>
-      <a:effectRef idx="2">
+      <a:effectRef idx="0">
         <a:scrgbClr r="0" g="0" b="0"/>
       </a:effectRef>
       <a:fontRef idx="minor"/>
@@ -23743,13 +23743,13 @@
     <dgm:sp3d/>
     <dgm:txPr/>
     <dgm:style>
-      <a:lnRef idx="1">
+      <a:lnRef idx="2">
         <a:scrgbClr r="0" g="0" b="0"/>
       </a:lnRef>
       <a:fillRef idx="1">
         <a:scrgbClr r="0" g="0" b="0"/>
       </a:fillRef>
-      <a:effectRef idx="2">
+      <a:effectRef idx="0">
         <a:scrgbClr r="0" g="0" b="0"/>
       </a:effectRef>
       <a:fontRef idx="minor"/>
@@ -23763,13 +23763,13 @@
     <dgm:sp3d/>
     <dgm:txPr/>
     <dgm:style>
-      <a:lnRef idx="1">
+      <a:lnRef idx="2">
         <a:scrgbClr r="0" g="0" b="0"/>
       </a:lnRef>
       <a:fillRef idx="1">
         <a:scrgbClr r="0" g="0" b="0"/>
       </a:fillRef>
-      <a:effectRef idx="2">
+      <a:effectRef idx="0">
         <a:scrgbClr r="0" g="0" b="0"/>
       </a:effectRef>
       <a:fontRef idx="minor"/>
@@ -23783,13 +23783,13 @@
     <dgm:sp3d/>
     <dgm:txPr/>
     <dgm:style>
-      <a:lnRef idx="1">
+      <a:lnRef idx="2">
         <a:scrgbClr r="0" g="0" b="0"/>
       </a:lnRef>
       <a:fillRef idx="1">
         <a:scrgbClr r="0" g="0" b="0"/>
       </a:fillRef>
-      <a:effectRef idx="2">
+      <a:effectRef idx="0">
         <a:scrgbClr r="0" g="0" b="0"/>
       </a:effectRef>
       <a:fontRef idx="minor"/>
@@ -23809,7 +23809,7 @@
       <a:fillRef idx="1">
         <a:scrgbClr r="0" g="0" b="0"/>
       </a:fillRef>
-      <a:effectRef idx="2">
+      <a:effectRef idx="0">
         <a:scrgbClr r="0" g="0" b="0"/>
       </a:effectRef>
       <a:fontRef idx="minor"/>
@@ -23829,7 +23829,7 @@
       <a:fillRef idx="1">
         <a:scrgbClr r="0" g="0" b="0"/>
       </a:fillRef>
-      <a:effectRef idx="3">
+      <a:effectRef idx="0">
         <a:scrgbClr r="0" g="0" b="0"/>
       </a:effectRef>
       <a:fontRef idx="minor"/>
@@ -23863,13 +23863,13 @@
     <dgm:sp3d/>
     <dgm:txPr/>
     <dgm:style>
-      <a:lnRef idx="0">
+      <a:lnRef idx="2">
         <a:scrgbClr r="0" g="0" b="0"/>
       </a:lnRef>
-      <a:fillRef idx="3">
+      <a:fillRef idx="1">
         <a:scrgbClr r="0" g="0" b="0"/>
       </a:fillRef>
-      <a:effectRef idx="3">
+      <a:effectRef idx="0">
         <a:scrgbClr r="0" g="0" b="0"/>
       </a:effectRef>
       <a:fontRef idx="minor"/>
@@ -27001,11 +27001,11 @@
 </file>
 
 <file path=ppt/diagrams/quickStyle7.xml><?xml version="1.0" encoding="utf-8"?>
-<dgm:styleDef xmlns:dgm="http://schemas.openxmlformats.org/drawingml/2006/diagram" xmlns:a="http://schemas.openxmlformats.org/drawingml/2006/main" uniqueId="urn:microsoft.com/office/officeart/2005/8/quickstyle/simple1">
+<dgm:styleDef xmlns:dgm="http://schemas.openxmlformats.org/drawingml/2006/diagram" xmlns:a="http://schemas.openxmlformats.org/drawingml/2006/main" uniqueId="urn:microsoft.com/office/officeart/2005/8/quickstyle/simple5">
   <dgm:title val=""/>
   <dgm:desc val=""/>
   <dgm:catLst>
-    <dgm:cat type="simple" pri="10100"/>
+    <dgm:cat type="simple" pri="10500"/>
   </dgm:catLst>
   <dgm:scene3d>
     <a:camera prst="orthographicFront"/>
@@ -27019,13 +27019,13 @@
     <dgm:sp3d/>
     <dgm:txPr/>
     <dgm:style>
-      <a:lnRef idx="2">
+      <a:lnRef idx="0">
         <a:scrgbClr r="0" g="0" b="0"/>
       </a:lnRef>
-      <a:fillRef idx="1">
+      <a:fillRef idx="3">
         <a:scrgbClr r="0" g="0" b="0"/>
       </a:fillRef>
-      <a:effectRef idx="0">
+      <a:effectRef idx="3">
         <a:scrgbClr r="0" g="0" b="0"/>
       </a:effectRef>
       <a:fontRef idx="minor">
@@ -27041,13 +27041,13 @@
     <dgm:sp3d/>
     <dgm:txPr/>
     <dgm:style>
-      <a:lnRef idx="2">
+      <a:lnRef idx="0">
         <a:scrgbClr r="0" g="0" b="0"/>
       </a:lnRef>
-      <a:fillRef idx="1">
+      <a:fillRef idx="3">
         <a:scrgbClr r="0" g="0" b="0"/>
       </a:fillRef>
-      <a:effectRef idx="0">
+      <a:effectRef idx="3">
         <a:scrgbClr r="0" g="0" b="0"/>
       </a:effectRef>
       <a:fontRef idx="minor">
@@ -27063,13 +27063,13 @@
     <dgm:sp3d/>
     <dgm:txPr/>
     <dgm:style>
-      <a:lnRef idx="2">
+      <a:lnRef idx="0">
         <a:scrgbClr r="0" g="0" b="0"/>
       </a:lnRef>
-      <a:fillRef idx="1">
+      <a:fillRef idx="3">
         <a:scrgbClr r="0" g="0" b="0"/>
       </a:fillRef>
-      <a:effectRef idx="0">
+      <a:effectRef idx="3">
         <a:scrgbClr r="0" g="0" b="0"/>
       </a:effectRef>
       <a:fontRef idx="minor">
@@ -27085,13 +27085,13 @@
     <dgm:sp3d/>
     <dgm:txPr/>
     <dgm:style>
-      <a:lnRef idx="2">
+      <a:lnRef idx="1">
         <a:scrgbClr r="0" g="0" b="0"/>
       </a:lnRef>
-      <a:fillRef idx="1">
+      <a:fillRef idx="3">
         <a:scrgbClr r="0" g="0" b="0"/>
       </a:fillRef>
-      <a:effectRef idx="0">
+      <a:effectRef idx="3">
         <a:scrgbClr r="0" g="0" b="0"/>
       </a:effectRef>
       <a:fontRef idx="minor">
@@ -27107,13 +27107,13 @@
     <dgm:sp3d/>
     <dgm:txPr/>
     <dgm:style>
-      <a:lnRef idx="2">
+      <a:lnRef idx="0">
         <a:scrgbClr r="0" g="0" b="0"/>
       </a:lnRef>
-      <a:fillRef idx="1">
+      <a:fillRef idx="3">
         <a:scrgbClr r="0" g="0" b="0"/>
       </a:fillRef>
-      <a:effectRef idx="0">
+      <a:effectRef idx="3">
         <a:scrgbClr r="0" g="0" b="0"/>
       </a:effectRef>
       <a:fontRef idx="minor">
@@ -27129,13 +27129,13 @@
     <dgm:sp3d/>
     <dgm:txPr/>
     <dgm:style>
-      <a:lnRef idx="2">
+      <a:lnRef idx="0">
         <a:scrgbClr r="0" g="0" b="0"/>
       </a:lnRef>
-      <a:fillRef idx="1">
+      <a:fillRef idx="3">
         <a:scrgbClr r="0" g="0" b="0"/>
       </a:fillRef>
-      <a:effectRef idx="0">
+      <a:effectRef idx="3">
         <a:scrgbClr r="0" g="0" b="0"/>
       </a:effectRef>
       <a:fontRef idx="minor">
@@ -27151,13 +27151,13 @@
     <dgm:sp3d/>
     <dgm:txPr/>
     <dgm:style>
-      <a:lnRef idx="2">
+      <a:lnRef idx="0">
         <a:scrgbClr r="0" g="0" b="0"/>
       </a:lnRef>
-      <a:fillRef idx="1">
+      <a:fillRef idx="3">
         <a:scrgbClr r="0" g="0" b="0"/>
       </a:fillRef>
-      <a:effectRef idx="0">
+      <a:effectRef idx="3">
         <a:scrgbClr r="0" g="0" b="0"/>
       </a:effectRef>
       <a:fontRef idx="minor">
@@ -27173,13 +27173,13 @@
     <dgm:sp3d/>
     <dgm:txPr/>
     <dgm:style>
-      <a:lnRef idx="2">
+      <a:lnRef idx="0">
         <a:scrgbClr r="0" g="0" b="0"/>
       </a:lnRef>
-      <a:fillRef idx="1">
+      <a:fillRef idx="3">
         <a:scrgbClr r="0" g="0" b="0"/>
       </a:fillRef>
-      <a:effectRef idx="0">
+      <a:effectRef idx="3">
         <a:scrgbClr r="0" g="0" b="0"/>
       </a:effectRef>
       <a:fontRef idx="minor">
@@ -27195,13 +27195,13 @@
     <dgm:sp3d/>
     <dgm:txPr/>
     <dgm:style>
-      <a:lnRef idx="2">
+      <a:lnRef idx="0">
         <a:scrgbClr r="0" g="0" b="0"/>
       </a:lnRef>
       <a:fillRef idx="1">
         <a:scrgbClr r="0" g="0" b="0"/>
       </a:fillRef>
-      <a:effectRef idx="0">
+      <a:effectRef idx="3">
         <a:scrgbClr r="0" g="0" b="0"/>
       </a:effectRef>
       <a:fontRef idx="minor"/>
@@ -27215,13 +27215,13 @@
     <dgm:sp3d/>
     <dgm:txPr/>
     <dgm:style>
-      <a:lnRef idx="2">
+      <a:lnRef idx="0">
         <a:scrgbClr r="0" g="0" b="0"/>
       </a:lnRef>
       <a:fillRef idx="1">
         <a:scrgbClr r="0" g="0" b="0"/>
       </a:fillRef>
-      <a:effectRef idx="0">
+      <a:effectRef idx="3">
         <a:scrgbClr r="0" g="0" b="0"/>
       </a:effectRef>
       <a:fontRef idx="minor"/>
@@ -27235,13 +27235,13 @@
     <dgm:sp3d/>
     <dgm:txPr/>
     <dgm:style>
-      <a:lnRef idx="2">
+      <a:lnRef idx="0">
         <a:scrgbClr r="0" g="0" b="0"/>
       </a:lnRef>
       <a:fillRef idx="1">
         <a:scrgbClr r="0" g="0" b="0"/>
       </a:fillRef>
-      <a:effectRef idx="0">
+      <a:effectRef idx="3">
         <a:scrgbClr r="0" g="0" b="0"/>
       </a:effectRef>
       <a:fontRef idx="minor"/>
@@ -27258,10 +27258,10 @@
       <a:lnRef idx="0">
         <a:scrgbClr r="0" g="0" b="0"/>
       </a:lnRef>
-      <a:fillRef idx="1">
+      <a:fillRef idx="3">
         <a:scrgbClr r="0" g="0" b="0"/>
       </a:fillRef>
-      <a:effectRef idx="0">
+      <a:effectRef idx="3">
         <a:scrgbClr r="0" g="0" b="0"/>
       </a:effectRef>
       <a:fontRef idx="minor">
@@ -27280,10 +27280,10 @@
       <a:lnRef idx="0">
         <a:scrgbClr r="0" g="0" b="0"/>
       </a:lnRef>
-      <a:fillRef idx="1">
+      <a:fillRef idx="3">
         <a:scrgbClr r="0" g="0" b="0"/>
       </a:fillRef>
-      <a:effectRef idx="0">
+      <a:effectRef idx="3">
         <a:scrgbClr r="0" g="0" b="0"/>
       </a:effectRef>
       <a:fontRef idx="minor">
@@ -27302,10 +27302,10 @@
       <a:lnRef idx="0">
         <a:scrgbClr r="0" g="0" b="0"/>
       </a:lnRef>
-      <a:fillRef idx="1">
+      <a:fillRef idx="3">
         <a:scrgbClr r="0" g="0" b="0"/>
       </a:fillRef>
-      <a:effectRef idx="0">
+      <a:effectRef idx="3">
         <a:scrgbClr r="0" g="0" b="0"/>
       </a:effectRef>
       <a:fontRef idx="minor">
@@ -27341,13 +27341,13 @@
     <dgm:sp3d/>
     <dgm:txPr/>
     <dgm:style>
-      <a:lnRef idx="2">
+      <a:lnRef idx="1">
         <a:scrgbClr r="0" g="0" b="0"/>
       </a:lnRef>
-      <a:fillRef idx="1">
+      <a:fillRef idx="0">
         <a:scrgbClr r="0" g="0" b="0"/>
       </a:fillRef>
-      <a:effectRef idx="0">
+      <a:effectRef idx="1">
         <a:scrgbClr r="0" g="0" b="0"/>
       </a:effectRef>
       <a:fontRef idx="minor"/>
@@ -27361,13 +27361,13 @@
     <dgm:sp3d/>
     <dgm:txPr/>
     <dgm:style>
-      <a:lnRef idx="2">
+      <a:lnRef idx="0">
         <a:scrgbClr r="0" g="0" b="0"/>
       </a:lnRef>
-      <a:fillRef idx="1">
+      <a:fillRef idx="3">
         <a:scrgbClr r="0" g="0" b="0"/>
       </a:fillRef>
-      <a:effectRef idx="0">
+      <a:effectRef idx="3">
         <a:scrgbClr r="0" g="0" b="0"/>
       </a:effectRef>
       <a:fontRef idx="minor">
@@ -27383,13 +27383,13 @@
     <dgm:sp3d/>
     <dgm:txPr/>
     <dgm:style>
-      <a:lnRef idx="2">
+      <a:lnRef idx="0">
         <a:scrgbClr r="0" g="0" b="0"/>
       </a:lnRef>
-      <a:fillRef idx="1">
+      <a:fillRef idx="3">
         <a:scrgbClr r="0" g="0" b="0"/>
       </a:fillRef>
-      <a:effectRef idx="0">
+      <a:effectRef idx="3">
         <a:scrgbClr r="0" g="0" b="0"/>
       </a:effectRef>
       <a:fontRef idx="minor">
@@ -27405,13 +27405,13 @@
     <dgm:sp3d/>
     <dgm:txPr/>
     <dgm:style>
-      <a:lnRef idx="2">
+      <a:lnRef idx="0">
         <a:scrgbClr r="0" g="0" b="0"/>
       </a:lnRef>
-      <a:fillRef idx="1">
+      <a:fillRef idx="3">
         <a:scrgbClr r="0" g="0" b="0"/>
       </a:fillRef>
-      <a:effectRef idx="0">
+      <a:effectRef idx="3">
         <a:scrgbClr r="0" g="0" b="0"/>
       </a:effectRef>
       <a:fontRef idx="minor">
@@ -27427,13 +27427,13 @@
     <dgm:sp3d/>
     <dgm:txPr/>
     <dgm:style>
-      <a:lnRef idx="2">
+      <a:lnRef idx="0">
         <a:scrgbClr r="0" g="0" b="0"/>
       </a:lnRef>
-      <a:fillRef idx="1">
+      <a:fillRef idx="3">
         <a:scrgbClr r="0" g="0" b="0"/>
       </a:fillRef>
-      <a:effectRef idx="0">
+      <a:effectRef idx="3">
         <a:scrgbClr r="0" g="0" b="0"/>
       </a:effectRef>
       <a:fontRef idx="minor">
@@ -27449,13 +27449,13 @@
     <dgm:sp3d/>
     <dgm:txPr/>
     <dgm:style>
-      <a:lnRef idx="2">
+      <a:lnRef idx="0">
         <a:scrgbClr r="0" g="0" b="0"/>
       </a:lnRef>
-      <a:fillRef idx="1">
+      <a:fillRef idx="3">
         <a:scrgbClr r="0" g="0" b="0"/>
       </a:fillRef>
-      <a:effectRef idx="0">
+      <a:effectRef idx="3">
         <a:scrgbClr r="0" g="0" b="0"/>
       </a:effectRef>
       <a:fontRef idx="minor">
@@ -27471,13 +27471,13 @@
     <dgm:sp3d/>
     <dgm:txPr/>
     <dgm:style>
-      <a:lnRef idx="2">
+      <a:lnRef idx="0">
         <a:scrgbClr r="0" g="0" b="0"/>
       </a:lnRef>
-      <a:fillRef idx="1">
+      <a:fillRef idx="3">
         <a:scrgbClr r="0" g="0" b="0"/>
       </a:fillRef>
-      <a:effectRef idx="0">
+      <a:effectRef idx="3">
         <a:scrgbClr r="0" g="0" b="0"/>
       </a:effectRef>
       <a:fontRef idx="minor">
@@ -27493,13 +27493,13 @@
     <dgm:sp3d/>
     <dgm:txPr/>
     <dgm:style>
-      <a:lnRef idx="2">
+      <a:lnRef idx="0">
         <a:scrgbClr r="0" g="0" b="0"/>
       </a:lnRef>
-      <a:fillRef idx="1">
+      <a:fillRef idx="3">
         <a:scrgbClr r="0" g="0" b="0"/>
       </a:fillRef>
-      <a:effectRef idx="0">
+      <a:effectRef idx="3">
         <a:scrgbClr r="0" g="0" b="0"/>
       </a:effectRef>
       <a:fontRef idx="minor">
@@ -27515,13 +27515,13 @@
     <dgm:sp3d/>
     <dgm:txPr/>
     <dgm:style>
-      <a:lnRef idx="2">
+      <a:lnRef idx="0">
         <a:scrgbClr r="0" g="0" b="0"/>
       </a:lnRef>
-      <a:fillRef idx="1">
+      <a:fillRef idx="3">
         <a:scrgbClr r="0" g="0" b="0"/>
       </a:fillRef>
-      <a:effectRef idx="0">
+      <a:effectRef idx="3">
         <a:scrgbClr r="0" g="0" b="0"/>
       </a:effectRef>
       <a:fontRef idx="minor">
@@ -27537,13 +27537,13 @@
     <dgm:sp3d/>
     <dgm:txPr/>
     <dgm:style>
-      <a:lnRef idx="2">
+      <a:lnRef idx="0">
         <a:scrgbClr r="0" g="0" b="0"/>
       </a:lnRef>
-      <a:fillRef idx="1">
+      <a:fillRef idx="3">
         <a:scrgbClr r="0" g="0" b="0"/>
       </a:fillRef>
-      <a:effectRef idx="0">
+      <a:effectRef idx="3">
         <a:scrgbClr r="0" g="0" b="0"/>
       </a:effectRef>
       <a:fontRef idx="minor">
@@ -27639,13 +27639,13 @@
     <dgm:sp3d/>
     <dgm:txPr/>
     <dgm:style>
-      <a:lnRef idx="2">
+      <a:lnRef idx="1">
         <a:scrgbClr r="0" g="0" b="0"/>
       </a:lnRef>
       <a:fillRef idx="1">
         <a:scrgbClr r="0" g="0" b="0"/>
       </a:fillRef>
-      <a:effectRef idx="0">
+      <a:effectRef idx="2">
         <a:scrgbClr r="0" g="0" b="0"/>
       </a:effectRef>
       <a:fontRef idx="minor"/>
@@ -27659,13 +27659,13 @@
     <dgm:sp3d/>
     <dgm:txPr/>
     <dgm:style>
-      <a:lnRef idx="2">
+      <a:lnRef idx="1">
         <a:scrgbClr r="0" g="0" b="0"/>
       </a:lnRef>
       <a:fillRef idx="1">
         <a:scrgbClr r="0" g="0" b="0"/>
       </a:fillRef>
-      <a:effectRef idx="0">
+      <a:effectRef idx="2">
         <a:scrgbClr r="0" g="0" b="0"/>
       </a:effectRef>
       <a:fontRef idx="minor"/>
@@ -27679,13 +27679,13 @@
     <dgm:sp3d/>
     <dgm:txPr/>
     <dgm:style>
-      <a:lnRef idx="2">
+      <a:lnRef idx="1">
         <a:scrgbClr r="0" g="0" b="0"/>
       </a:lnRef>
       <a:fillRef idx="1">
         <a:scrgbClr r="0" g="0" b="0"/>
       </a:fillRef>
-      <a:effectRef idx="0">
+      <a:effectRef idx="2">
         <a:scrgbClr r="0" g="0" b="0"/>
       </a:effectRef>
       <a:fontRef idx="minor"/>
@@ -27719,13 +27719,13 @@
     <dgm:sp3d/>
     <dgm:txPr/>
     <dgm:style>
-      <a:lnRef idx="2">
+      <a:lnRef idx="1">
         <a:scrgbClr r="0" g="0" b="0"/>
       </a:lnRef>
       <a:fillRef idx="1">
         <a:scrgbClr r="0" g="0" b="0"/>
       </a:fillRef>
-      <a:effectRef idx="0">
+      <a:effectRef idx="2">
         <a:scrgbClr r="0" g="0" b="0"/>
       </a:effectRef>
       <a:fontRef idx="minor"/>
@@ -27739,13 +27739,13 @@
     <dgm:sp3d/>
     <dgm:txPr/>
     <dgm:style>
-      <a:lnRef idx="2">
+      <a:lnRef idx="1">
         <a:scrgbClr r="0" g="0" b="0"/>
       </a:lnRef>
       <a:fillRef idx="1">
         <a:scrgbClr r="0" g="0" b="0"/>
       </a:fillRef>
-      <a:effectRef idx="0">
+      <a:effectRef idx="2">
         <a:scrgbClr r="0" g="0" b="0"/>
       </a:effectRef>
       <a:fontRef idx="minor"/>
@@ -27759,13 +27759,13 @@
     <dgm:sp3d/>
     <dgm:txPr/>
     <dgm:style>
-      <a:lnRef idx="2">
+      <a:lnRef idx="1">
         <a:scrgbClr r="0" g="0" b="0"/>
       </a:lnRef>
       <a:fillRef idx="1">
         <a:scrgbClr r="0" g="0" b="0"/>
       </a:fillRef>
-      <a:effectRef idx="0">
+      <a:effectRef idx="3">
         <a:scrgbClr r="0" g="0" b="0"/>
       </a:effectRef>
       <a:fontRef idx="minor"/>
@@ -27779,13 +27779,13 @@
     <dgm:sp3d/>
     <dgm:txPr/>
     <dgm:style>
-      <a:lnRef idx="2">
+      <a:lnRef idx="1">
         <a:scrgbClr r="0" g="0" b="0"/>
       </a:lnRef>
       <a:fillRef idx="1">
         <a:scrgbClr r="0" g="0" b="0"/>
       </a:fillRef>
-      <a:effectRef idx="0">
+      <a:effectRef idx="3">
         <a:scrgbClr r="0" g="0" b="0"/>
       </a:effectRef>
       <a:fontRef idx="minor"/>
@@ -27799,13 +27799,13 @@
     <dgm:sp3d/>
     <dgm:txPr/>
     <dgm:style>
-      <a:lnRef idx="2">
+      <a:lnRef idx="1">
         <a:scrgbClr r="0" g="0" b="0"/>
       </a:lnRef>
       <a:fillRef idx="1">
         <a:scrgbClr r="0" g="0" b="0"/>
       </a:fillRef>
-      <a:effectRef idx="0">
+      <a:effectRef idx="2">
         <a:scrgbClr r="0" g="0" b="0"/>
       </a:effectRef>
       <a:fontRef idx="minor"/>
@@ -27819,13 +27819,13 @@
     <dgm:sp3d/>
     <dgm:txPr/>
     <dgm:style>
-      <a:lnRef idx="2">
+      <a:lnRef idx="1">
         <a:scrgbClr r="0" g="0" b="0"/>
       </a:lnRef>
       <a:fillRef idx="1">
         <a:scrgbClr r="0" g="0" b="0"/>
       </a:fillRef>
-      <a:effectRef idx="0">
+      <a:effectRef idx="2">
         <a:scrgbClr r="0" g="0" b="0"/>
       </a:effectRef>
       <a:fontRef idx="minor"/>
@@ -27839,13 +27839,13 @@
     <dgm:sp3d/>
     <dgm:txPr/>
     <dgm:style>
-      <a:lnRef idx="2">
+      <a:lnRef idx="1">
         <a:scrgbClr r="0" g="0" b="0"/>
       </a:lnRef>
       <a:fillRef idx="1">
         <a:scrgbClr r="0" g="0" b="0"/>
       </a:fillRef>
-      <a:effectRef idx="0">
+      <a:effectRef idx="2">
         <a:scrgbClr r="0" g="0" b="0"/>
       </a:effectRef>
       <a:fontRef idx="minor"/>
@@ -27859,13 +27859,13 @@
     <dgm:sp3d/>
     <dgm:txPr/>
     <dgm:style>
-      <a:lnRef idx="2">
+      <a:lnRef idx="1">
         <a:scrgbClr r="0" g="0" b="0"/>
       </a:lnRef>
       <a:fillRef idx="1">
         <a:scrgbClr r="0" g="0" b="0"/>
       </a:fillRef>
-      <a:effectRef idx="0">
+      <a:effectRef idx="2">
         <a:scrgbClr r="0" g="0" b="0"/>
       </a:effectRef>
       <a:fontRef idx="minor"/>
@@ -27879,13 +27879,13 @@
     <dgm:sp3d/>
     <dgm:txPr/>
     <dgm:style>
-      <a:lnRef idx="2">
+      <a:lnRef idx="1">
         <a:scrgbClr r="0" g="0" b="0"/>
       </a:lnRef>
       <a:fillRef idx="1">
         <a:scrgbClr r="0" g="0" b="0"/>
       </a:fillRef>
-      <a:effectRef idx="0">
+      <a:effectRef idx="2">
         <a:scrgbClr r="0" g="0" b="0"/>
       </a:effectRef>
       <a:fontRef idx="minor"/>
@@ -27899,13 +27899,13 @@
     <dgm:sp3d/>
     <dgm:txPr/>
     <dgm:style>
-      <a:lnRef idx="2">
+      <a:lnRef idx="1">
         <a:scrgbClr r="0" g="0" b="0"/>
       </a:lnRef>
       <a:fillRef idx="1">
         <a:scrgbClr r="0" g="0" b="0"/>
       </a:fillRef>
-      <a:effectRef idx="0">
+      <a:effectRef idx="2">
         <a:scrgbClr r="0" g="0" b="0"/>
       </a:effectRef>
       <a:fontRef idx="minor"/>
@@ -27919,13 +27919,13 @@
     <dgm:sp3d/>
     <dgm:txPr/>
     <dgm:style>
-      <a:lnRef idx="2">
+      <a:lnRef idx="1">
         <a:scrgbClr r="0" g="0" b="0"/>
       </a:lnRef>
       <a:fillRef idx="1">
         <a:scrgbClr r="0" g="0" b="0"/>
       </a:fillRef>
-      <a:effectRef idx="0">
+      <a:effectRef idx="2">
         <a:scrgbClr r="0" g="0" b="0"/>
       </a:effectRef>
       <a:fontRef idx="minor"/>
@@ -27945,7 +27945,7 @@
       <a:fillRef idx="1">
         <a:scrgbClr r="0" g="0" b="0"/>
       </a:fillRef>
-      <a:effectRef idx="0">
+      <a:effectRef idx="2">
         <a:scrgbClr r="0" g="0" b="0"/>
       </a:effectRef>
       <a:fontRef idx="minor"/>
@@ -27965,7 +27965,7 @@
       <a:fillRef idx="1">
         <a:scrgbClr r="0" g="0" b="0"/>
       </a:fillRef>
-      <a:effectRef idx="0">
+      <a:effectRef idx="3">
         <a:scrgbClr r="0" g="0" b="0"/>
       </a:effectRef>
       <a:fontRef idx="minor"/>
@@ -27999,13 +27999,13 @@
     <dgm:sp3d/>
     <dgm:txPr/>
     <dgm:style>
-      <a:lnRef idx="2">
+      <a:lnRef idx="0">
         <a:scrgbClr r="0" g="0" b="0"/>
       </a:lnRef>
-      <a:fillRef idx="1">
+      <a:fillRef idx="3">
         <a:scrgbClr r="0" g="0" b="0"/>
       </a:fillRef>
-      <a:effectRef idx="0">
+      <a:effectRef idx="3">
         <a:scrgbClr r="0" g="0" b="0"/>
       </a:effectRef>
       <a:fontRef idx="minor"/>
@@ -30184,7 +30184,7 @@
           <a:p>
             <a:fld id="{A8156B9F-B356-4EBF-91D4-2E5310C721CD}" type="datetimeFigureOut">
               <a:rPr lang="en-GB" smtClean="0"/>
-              <a:t>14/01/2025</a:t>
+              <a:t>16/01/2025</a:t>
             </a:fld>
             <a:endParaRPr lang="en-GB"/>
           </a:p>
@@ -30629,7 +30629,7 @@
           <a:p>
             <a:fld id="{9706A8DE-09B1-4D4D-A56A-A773B3CC6ACA}" type="slidenum">
               <a:rPr lang="en-GB" smtClean="0"/>
-              <a:t>16</a:t>
+              <a:t>14</a:t>
             </a:fld>
             <a:endParaRPr lang="en-GB"/>
           </a:p>
@@ -31647,7 +31647,7 @@
             </a:br>
             <a:r>
               <a:rPr lang="en-GB" sz="2800" dirty="0"/>
-              <a:t>The IoT industry lacks a unified solution for managing devices throughout their lifecycle, leading to fragmented data, poor traceability, inefficiencies in maintenance and recycling, and security risks. Current platforms fail to offer a scalable, user-friendly approach for diverse stakeholders.</a:t>
+              <a:t>The IoT industry lacks a solution for managing devices throughout their lifecycle, leading to fragmented data, poor traceability, inefficiencies in maintenance and recycling, and security risks. Current platforms fail to offer a scalable, user-friendly approach for diverse stakeholders.</a:t>
             </a:r>
           </a:p>
           <a:p>
@@ -32055,7 +32055,7 @@
           <a:p>
             <a:fld id="{9706A8DE-09B1-4D4D-A56A-A773B3CC6ACA}" type="slidenum">
               <a:rPr lang="en-GB" smtClean="0"/>
-              <a:t>7</a:t>
+              <a:t>6</a:t>
             </a:fld>
             <a:endParaRPr lang="en-GB"/>
           </a:p>
@@ -32163,7 +32163,7 @@
           <a:p>
             <a:fld id="{9706A8DE-09B1-4D4D-A56A-A773B3CC6ACA}" type="slidenum">
               <a:rPr lang="en-GB" smtClean="0"/>
-              <a:t>13</a:t>
+              <a:t>11</a:t>
             </a:fld>
             <a:endParaRPr lang="en-GB"/>
           </a:p>
@@ -32247,7 +32247,7 @@
           <a:p>
             <a:fld id="{9706A8DE-09B1-4D4D-A56A-A773B3CC6ACA}" type="slidenum">
               <a:rPr lang="en-GB" smtClean="0"/>
-              <a:t>14</a:t>
+              <a:t>12</a:t>
             </a:fld>
             <a:endParaRPr lang="en-GB"/>
           </a:p>
@@ -32331,7 +32331,7 @@
           <a:p>
             <a:fld id="{9706A8DE-09B1-4D4D-A56A-A773B3CC6ACA}" type="slidenum">
               <a:rPr lang="en-GB" smtClean="0"/>
-              <a:t>15</a:t>
+              <a:t>13</a:t>
             </a:fld>
             <a:endParaRPr lang="en-GB"/>
           </a:p>
@@ -32624,7 +32624,7 @@
           <a:p>
             <a:fld id="{002B8F4B-2B18-452D-8E80-D6E4D39031F0}" type="datetimeFigureOut">
               <a:rPr lang="en-GB" smtClean="0"/>
-              <a:t>14/01/2025</a:t>
+              <a:t>16/01/2025</a:t>
             </a:fld>
             <a:endParaRPr lang="en-GB"/>
           </a:p>
@@ -33038,7 +33038,7 @@
           <a:p>
             <a:fld id="{002B8F4B-2B18-452D-8E80-D6E4D39031F0}" type="datetimeFigureOut">
               <a:rPr lang="en-GB" smtClean="0"/>
-              <a:t>14/01/2025</a:t>
+              <a:t>16/01/2025</a:t>
             </a:fld>
             <a:endParaRPr lang="en-GB"/>
           </a:p>
@@ -33374,7 +33374,7 @@
           <a:p>
             <a:fld id="{002B8F4B-2B18-452D-8E80-D6E4D39031F0}" type="datetimeFigureOut">
               <a:rPr lang="en-GB" smtClean="0"/>
-              <a:t>14/01/2025</a:t>
+              <a:t>16/01/2025</a:t>
             </a:fld>
             <a:endParaRPr lang="en-GB"/>
           </a:p>
@@ -33779,7 +33779,7 @@
           <a:p>
             <a:fld id="{002B8F4B-2B18-452D-8E80-D6E4D39031F0}" type="datetimeFigureOut">
               <a:rPr lang="en-GB" smtClean="0"/>
-              <a:t>14/01/2025</a:t>
+              <a:t>16/01/2025</a:t>
             </a:fld>
             <a:endParaRPr lang="en-GB"/>
           </a:p>
@@ -34347,7 +34347,7 @@
           <a:p>
             <a:fld id="{002B8F4B-2B18-452D-8E80-D6E4D39031F0}" type="datetimeFigureOut">
               <a:rPr lang="en-GB" smtClean="0"/>
-              <a:t>14/01/2025</a:t>
+              <a:t>16/01/2025</a:t>
             </a:fld>
             <a:endParaRPr lang="en-GB"/>
           </a:p>
@@ -35028,7 +35028,7 @@
           <a:p>
             <a:fld id="{002B8F4B-2B18-452D-8E80-D6E4D39031F0}" type="datetimeFigureOut">
               <a:rPr lang="en-GB" smtClean="0"/>
-              <a:t>14/01/2025</a:t>
+              <a:t>16/01/2025</a:t>
             </a:fld>
             <a:endParaRPr lang="en-GB"/>
           </a:p>
@@ -35941,7 +35941,7 @@
           <a:p>
             <a:fld id="{002B8F4B-2B18-452D-8E80-D6E4D39031F0}" type="datetimeFigureOut">
               <a:rPr lang="en-GB" smtClean="0"/>
-              <a:t>14/01/2025</a:t>
+              <a:t>16/01/2025</a:t>
             </a:fld>
             <a:endParaRPr lang="en-GB"/>
           </a:p>
@@ -36254,7 +36254,7 @@
           <a:p>
             <a:fld id="{002B8F4B-2B18-452D-8E80-D6E4D39031F0}" type="datetimeFigureOut">
               <a:rPr lang="en-GB" smtClean="0"/>
-              <a:t>14/01/2025</a:t>
+              <a:t>16/01/2025</a:t>
             </a:fld>
             <a:endParaRPr lang="en-GB"/>
           </a:p>
@@ -36518,7 +36518,7 @@
           <a:p>
             <a:fld id="{002B8F4B-2B18-452D-8E80-D6E4D39031F0}" type="datetimeFigureOut">
               <a:rPr lang="en-GB" smtClean="0"/>
-              <a:t>14/01/2025</a:t>
+              <a:t>16/01/2025</a:t>
             </a:fld>
             <a:endParaRPr lang="en-GB"/>
           </a:p>
@@ -36841,7 +36841,7 @@
           <a:p>
             <a:fld id="{002B8F4B-2B18-452D-8E80-D6E4D39031F0}" type="datetimeFigureOut">
               <a:rPr lang="en-GB" smtClean="0"/>
-              <a:t>14/01/2025</a:t>
+              <a:t>16/01/2025</a:t>
             </a:fld>
             <a:endParaRPr lang="en-GB"/>
           </a:p>
@@ -37230,7 +37230,7 @@
           <a:p>
             <a:fld id="{002B8F4B-2B18-452D-8E80-D6E4D39031F0}" type="datetimeFigureOut">
               <a:rPr lang="en-GB" smtClean="0"/>
-              <a:t>14/01/2025</a:t>
+              <a:t>16/01/2025</a:t>
             </a:fld>
             <a:endParaRPr lang="en-GB"/>
           </a:p>
@@ -37606,7 +37606,7 @@
           <a:p>
             <a:fld id="{002B8F4B-2B18-452D-8E80-D6E4D39031F0}" type="datetimeFigureOut">
               <a:rPr lang="en-GB" smtClean="0"/>
-              <a:t>14/01/2025</a:t>
+              <a:t>16/01/2025</a:t>
             </a:fld>
             <a:endParaRPr lang="en-GB"/>
           </a:p>
@@ -38112,7 +38112,7 @@
           <a:p>
             <a:fld id="{002B8F4B-2B18-452D-8E80-D6E4D39031F0}" type="datetimeFigureOut">
               <a:rPr lang="en-GB" smtClean="0"/>
-              <a:t>14/01/2025</a:t>
+              <a:t>16/01/2025</a:t>
             </a:fld>
             <a:endParaRPr lang="en-GB"/>
           </a:p>
@@ -38369,7 +38369,7 @@
           <a:p>
             <a:fld id="{002B8F4B-2B18-452D-8E80-D6E4D39031F0}" type="datetimeFigureOut">
               <a:rPr lang="en-GB" smtClean="0"/>
-              <a:t>14/01/2025</a:t>
+              <a:t>16/01/2025</a:t>
             </a:fld>
             <a:endParaRPr lang="en-GB"/>
           </a:p>
@@ -38532,7 +38532,7 @@
           <a:p>
             <a:fld id="{002B8F4B-2B18-452D-8E80-D6E4D39031F0}" type="datetimeFigureOut">
               <a:rPr lang="en-GB" smtClean="0"/>
-              <a:t>14/01/2025</a:t>
+              <a:t>16/01/2025</a:t>
             </a:fld>
             <a:endParaRPr lang="en-GB"/>
           </a:p>
@@ -38922,7 +38922,7 @@
           <a:p>
             <a:fld id="{002B8F4B-2B18-452D-8E80-D6E4D39031F0}" type="datetimeFigureOut">
               <a:rPr lang="en-GB" smtClean="0"/>
-              <a:t>14/01/2025</a:t>
+              <a:t>16/01/2025</a:t>
             </a:fld>
             <a:endParaRPr lang="en-GB"/>
           </a:p>
@@ -39331,7 +39331,7 @@
           <a:p>
             <a:fld id="{002B8F4B-2B18-452D-8E80-D6E4D39031F0}" type="datetimeFigureOut">
               <a:rPr lang="en-GB" smtClean="0"/>
-              <a:t>14/01/2025</a:t>
+              <a:t>16/01/2025</a:t>
             </a:fld>
             <a:endParaRPr lang="en-GB"/>
           </a:p>
@@ -39606,7 +39606,7 @@
           <a:p>
             <a:fld id="{002B8F4B-2B18-452D-8E80-D6E4D39031F0}" type="datetimeFigureOut">
               <a:rPr lang="en-GB" smtClean="0"/>
-              <a:t>14/01/2025</a:t>
+              <a:t>16/01/2025</a:t>
             </a:fld>
             <a:endParaRPr lang="en-GB"/>
           </a:p>
@@ -40261,386 +40261,6 @@
 <file path=ppt/slides/slide10.xml><?xml version="1.0" encoding="utf-8"?>
 <p:sld xmlns:a="http://schemas.openxmlformats.org/drawingml/2006/main" xmlns:r="http://schemas.openxmlformats.org/officeDocument/2006/relationships" xmlns:p="http://schemas.openxmlformats.org/presentationml/2006/main">
   <p:cSld>
-    <p:bg>
-      <p:bgPr>
-        <a:gradFill rotWithShape="1">
-          <a:gsLst>
-            <a:gs pos="0">
-              <a:schemeClr val="bg2">
-                <a:tint val="96000"/>
-                <a:shade val="100000"/>
-                <a:hueMod val="270000"/>
-                <a:satMod val="200000"/>
-                <a:lumMod val="128000"/>
-              </a:schemeClr>
-            </a:gs>
-            <a:gs pos="50000">
-              <a:schemeClr val="bg2">
-                <a:shade val="100000"/>
-                <a:hueMod val="100000"/>
-                <a:satMod val="110000"/>
-                <a:lumMod val="130000"/>
-              </a:schemeClr>
-            </a:gs>
-            <a:gs pos="100000">
-              <a:schemeClr val="bg2">
-                <a:shade val="78000"/>
-                <a:hueMod val="44000"/>
-                <a:satMod val="200000"/>
-                <a:lumMod val="69000"/>
-              </a:schemeClr>
-            </a:gs>
-          </a:gsLst>
-          <a:lin ang="2520000" scaled="0"/>
-        </a:gradFill>
-        <a:effectLst/>
-      </p:bgPr>
-    </p:bg>
-    <p:spTree>
-      <p:nvGrpSpPr>
-        <p:cNvPr id="1" name="">
-          <a:extLst>
-            <a:ext uri="{FF2B5EF4-FFF2-40B4-BE49-F238E27FC236}">
-              <a16:creationId xmlns:a16="http://schemas.microsoft.com/office/drawing/2014/main" id="{C7A0CA4F-B3DF-FCE1-A730-F4EA1A6AB213}"/>
-            </a:ext>
-          </a:extLst>
-        </p:cNvPr>
-        <p:cNvGrpSpPr/>
-        <p:nvPr/>
-      </p:nvGrpSpPr>
-      <p:grpSpPr>
-        <a:xfrm>
-          <a:off x="0" y="0"/>
-          <a:ext cx="0" cy="0"/>
-          <a:chOff x="0" y="0"/>
-          <a:chExt cx="0" cy="0"/>
-        </a:xfrm>
-      </p:grpSpPr>
-      <p:sp>
-        <p:nvSpPr>
-          <p:cNvPr id="2" name="Title 1">
-            <a:extLst>
-              <a:ext uri="{FF2B5EF4-FFF2-40B4-BE49-F238E27FC236}">
-                <a16:creationId xmlns:a16="http://schemas.microsoft.com/office/drawing/2014/main" id="{0E31FD7B-E3A4-FFC3-37DE-4A27C0957E55}"/>
-              </a:ext>
-            </a:extLst>
-          </p:cNvPr>
-          <p:cNvSpPr>
-            <a:spLocks noGrp="1"/>
-          </p:cNvSpPr>
-          <p:nvPr>
-            <p:ph type="title"/>
-          </p:nvPr>
-        </p:nvSpPr>
-        <p:spPr>
-          <a:xfrm>
-            <a:off x="680321" y="753228"/>
-            <a:ext cx="9613861" cy="1080938"/>
-          </a:xfrm>
-        </p:spPr>
-        <p:txBody>
-          <a:bodyPr>
-            <a:normAutofit/>
-          </a:bodyPr>
-          <a:lstStyle/>
-          <a:p>
-            <a:r>
-              <a:rPr lang="en-GB" dirty="0"/>
-              <a:t>IoT Storage Requirements</a:t>
-            </a:r>
-          </a:p>
-        </p:txBody>
-      </p:sp>
-      <p:graphicFrame>
-        <p:nvGraphicFramePr>
-          <p:cNvPr id="6" name="Content Placeholder 3">
-            <a:extLst>
-              <a:ext uri="{FF2B5EF4-FFF2-40B4-BE49-F238E27FC236}">
-                <a16:creationId xmlns:a16="http://schemas.microsoft.com/office/drawing/2014/main" id="{3024C0A2-9A3C-B220-1479-04F56432AC50}"/>
-              </a:ext>
-            </a:extLst>
-          </p:cNvPr>
-          <p:cNvGraphicFramePr>
-            <a:graphicFrameLocks noGrp="1"/>
-          </p:cNvGraphicFramePr>
-          <p:nvPr>
-            <p:ph idx="1"/>
-            <p:extLst>
-              <p:ext uri="{D42A27DB-BD31-4B8C-83A1-F6EECF244321}">
-                <p14:modId xmlns:p14="http://schemas.microsoft.com/office/powerpoint/2010/main" val="274752124"/>
-              </p:ext>
-            </p:extLst>
-          </p:nvPr>
-        </p:nvGraphicFramePr>
-        <p:xfrm>
-          <a:off x="681037" y="2336800"/>
-          <a:ext cx="10830641" cy="3598863"/>
-        </p:xfrm>
-        <a:graphic>
-          <a:graphicData uri="http://schemas.openxmlformats.org/drawingml/2006/diagram">
-            <dgm:relIds xmlns:dgm="http://schemas.openxmlformats.org/drawingml/2006/diagram" xmlns:r="http://schemas.openxmlformats.org/officeDocument/2006/relationships" r:dm="rId2" r:lo="rId3" r:qs="rId4" r:cs="rId5"/>
-          </a:graphicData>
-        </a:graphic>
-      </p:graphicFrame>
-    </p:spTree>
-    <p:extLst>
-      <p:ext uri="{BB962C8B-B14F-4D97-AF65-F5344CB8AC3E}">
-        <p14:creationId xmlns:p14="http://schemas.microsoft.com/office/powerpoint/2010/main" val="843746850"/>
-      </p:ext>
-    </p:extLst>
-  </p:cSld>
-  <p:clrMapOvr>
-    <a:masterClrMapping/>
-  </p:clrMapOvr>
-</p:sld>
-</file>
-
-<file path=ppt/slides/slide11.xml><?xml version="1.0" encoding="utf-8"?>
-<p:sld xmlns:a="http://schemas.openxmlformats.org/drawingml/2006/main" xmlns:r="http://schemas.openxmlformats.org/officeDocument/2006/relationships" xmlns:p="http://schemas.openxmlformats.org/presentationml/2006/main">
-  <p:cSld>
-    <p:spTree>
-      <p:nvGrpSpPr>
-        <p:cNvPr id="1" name="">
-          <a:extLst>
-            <a:ext uri="{FF2B5EF4-FFF2-40B4-BE49-F238E27FC236}">
-              <a16:creationId xmlns:a16="http://schemas.microsoft.com/office/drawing/2014/main" id="{B2038D67-28BF-0F08-E55F-B2698F5E88B2}"/>
-            </a:ext>
-          </a:extLst>
-        </p:cNvPr>
-        <p:cNvGrpSpPr/>
-        <p:nvPr/>
-      </p:nvGrpSpPr>
-      <p:grpSpPr>
-        <a:xfrm>
-          <a:off x="0" y="0"/>
-          <a:ext cx="0" cy="0"/>
-          <a:chOff x="0" y="0"/>
-          <a:chExt cx="0" cy="0"/>
-        </a:xfrm>
-      </p:grpSpPr>
-      <p:sp>
-        <p:nvSpPr>
-          <p:cNvPr id="2" name="Title 1">
-            <a:extLst>
-              <a:ext uri="{FF2B5EF4-FFF2-40B4-BE49-F238E27FC236}">
-                <a16:creationId xmlns:a16="http://schemas.microsoft.com/office/drawing/2014/main" id="{06B7E0BC-9C0F-3252-E8C4-7CBDEA78DA55}"/>
-              </a:ext>
-            </a:extLst>
-          </p:cNvPr>
-          <p:cNvSpPr>
-            <a:spLocks noGrp="1"/>
-          </p:cNvSpPr>
-          <p:nvPr>
-            <p:ph type="title"/>
-          </p:nvPr>
-        </p:nvSpPr>
-        <p:spPr>
-          <a:xfrm>
-            <a:off x="680321" y="753228"/>
-            <a:ext cx="9613861" cy="1080938"/>
-          </a:xfrm>
-        </p:spPr>
-        <p:txBody>
-          <a:bodyPr>
-            <a:normAutofit/>
-          </a:bodyPr>
-          <a:lstStyle/>
-          <a:p>
-            <a:r>
-              <a:rPr lang="en-GB" dirty="0"/>
-              <a:t>Database Design</a:t>
-            </a:r>
-          </a:p>
-        </p:txBody>
-      </p:sp>
-      <p:sp>
-        <p:nvSpPr>
-          <p:cNvPr id="4" name="Content Placeholder 3">
-            <a:extLst>
-              <a:ext uri="{FF2B5EF4-FFF2-40B4-BE49-F238E27FC236}">
-                <a16:creationId xmlns:a16="http://schemas.microsoft.com/office/drawing/2014/main" id="{7DC223D7-601C-314E-16EE-12D0000E1C2E}"/>
-              </a:ext>
-            </a:extLst>
-          </p:cNvPr>
-          <p:cNvSpPr>
-            <a:spLocks noGrp="1"/>
-          </p:cNvSpPr>
-          <p:nvPr>
-            <p:ph idx="1"/>
-          </p:nvPr>
-        </p:nvSpPr>
-        <p:spPr/>
-        <p:txBody>
-          <a:bodyPr/>
-          <a:lstStyle/>
-          <a:p>
-            <a:r>
-              <a:rPr lang="en-GB" b="1" dirty="0"/>
-              <a:t>Chosen Database</a:t>
-            </a:r>
-            <a:r>
-              <a:rPr lang="en-GB" dirty="0"/>
-              <a:t>: </a:t>
-            </a:r>
-            <a:r>
-              <a:rPr lang="en-GB" dirty="0" err="1"/>
-              <a:t>Firestore</a:t>
-            </a:r>
-            <a:r>
-              <a:rPr lang="en-GB" dirty="0"/>
-              <a:t> (over Json Realtime Database)</a:t>
-            </a:r>
-          </a:p>
-          <a:p>
-            <a:pPr lvl="1"/>
-            <a:r>
-              <a:rPr lang="en-GB" dirty="0"/>
-              <a:t>advanced querying for large datasets.</a:t>
-            </a:r>
-          </a:p>
-          <a:p>
-            <a:pPr lvl="1"/>
-            <a:r>
-              <a:rPr lang="en-GB" dirty="0"/>
-              <a:t>Flexible, JSON-like structure.</a:t>
-            </a:r>
-          </a:p>
-          <a:p>
-            <a:pPr lvl="1"/>
-            <a:r>
-              <a:rPr lang="en-GB" dirty="0"/>
-              <a:t>Cost-efficient table structure for complex queries.</a:t>
-            </a:r>
-            <a:endParaRPr lang="en-GB" b="1" dirty="0"/>
-          </a:p>
-        </p:txBody>
-      </p:sp>
-      <p:sp>
-        <p:nvSpPr>
-          <p:cNvPr id="3" name="TextBox 2">
-            <a:extLst>
-              <a:ext uri="{FF2B5EF4-FFF2-40B4-BE49-F238E27FC236}">
-                <a16:creationId xmlns:a16="http://schemas.microsoft.com/office/drawing/2014/main" id="{83AD7912-49F1-311C-9151-5DFF34B31760}"/>
-              </a:ext>
-            </a:extLst>
-          </p:cNvPr>
-          <p:cNvSpPr txBox="1"/>
-          <p:nvPr/>
-        </p:nvSpPr>
-        <p:spPr>
-          <a:xfrm>
-            <a:off x="2720340" y="3924301"/>
-            <a:ext cx="6141720" cy="2862322"/>
-          </a:xfrm>
-          <a:prstGeom prst="rect">
-            <a:avLst/>
-          </a:prstGeom>
-          <a:noFill/>
-        </p:spPr>
-        <p:txBody>
-          <a:bodyPr wrap="square" rtlCol="0">
-            <a:spAutoFit/>
-          </a:bodyPr>
-          <a:lstStyle/>
-          <a:p>
-            <a:r>
-              <a:rPr lang="en-GB" dirty="0"/>
-              <a:t>Collection: devices</a:t>
-            </a:r>
-          </a:p>
-          <a:p>
-            <a:r>
-              <a:rPr lang="en-GB" dirty="0"/>
-              <a:t>    Document: deviceID123</a:t>
-            </a:r>
-          </a:p>
-          <a:p>
-            <a:r>
-              <a:rPr lang="en-GB" dirty="0"/>
-              <a:t>        - name: "Temperature Sensor"</a:t>
-            </a:r>
-          </a:p>
-          <a:p>
-            <a:r>
-              <a:rPr lang="en-GB" dirty="0"/>
-              <a:t>        - model: "TS-5000"</a:t>
-            </a:r>
-          </a:p>
-          <a:p>
-            <a:r>
-              <a:rPr lang="en-GB" dirty="0"/>
-              <a:t>        - manufacturer: "Acme Corp"</a:t>
-            </a:r>
-          </a:p>
-          <a:p>
-            <a:r>
-              <a:rPr lang="en-GB" dirty="0"/>
-              <a:t>        - location: { latitude: 40.7128, longitude: -74.0060 }</a:t>
-            </a:r>
-          </a:p>
-          <a:p>
-            <a:r>
-              <a:rPr lang="en-GB" dirty="0"/>
-              <a:t>        - </a:t>
-            </a:r>
-            <a:r>
-              <a:rPr lang="en-GB" dirty="0" err="1"/>
-              <a:t>installationDate</a:t>
-            </a:r>
-            <a:r>
-              <a:rPr lang="en-GB" dirty="0"/>
-              <a:t>: "2025-01-01"</a:t>
-            </a:r>
-          </a:p>
-          <a:p>
-            <a:r>
-              <a:rPr lang="en-GB" dirty="0"/>
-              <a:t>        - </a:t>
-            </a:r>
-            <a:r>
-              <a:rPr lang="en-GB" dirty="0" err="1"/>
-              <a:t>imageURL</a:t>
-            </a:r>
-            <a:r>
-              <a:rPr lang="en-GB" dirty="0"/>
-              <a:t>: "https://example.com/installation.jpg"</a:t>
-            </a:r>
-          </a:p>
-          <a:p>
-            <a:r>
-              <a:rPr lang="en-GB" dirty="0"/>
-              <a:t>        - </a:t>
-            </a:r>
-            <a:r>
-              <a:rPr lang="en-GB" dirty="0" err="1"/>
-              <a:t>technicalDocs</a:t>
-            </a:r>
-            <a:r>
-              <a:rPr lang="en-GB" dirty="0"/>
-              <a:t>: ["https://example.com/specs.pdf"]</a:t>
-            </a:r>
-          </a:p>
-          <a:p>
-            <a:endParaRPr lang="en-GB" dirty="0"/>
-          </a:p>
-        </p:txBody>
-      </p:sp>
-    </p:spTree>
-    <p:extLst>
-      <p:ext uri="{BB962C8B-B14F-4D97-AF65-F5344CB8AC3E}">
-        <p14:creationId xmlns:p14="http://schemas.microsoft.com/office/powerpoint/2010/main" val="2099020713"/>
-      </p:ext>
-    </p:extLst>
-  </p:cSld>
-  <p:clrMapOvr>
-    <a:masterClrMapping/>
-  </p:clrMapOvr>
-</p:sld>
-</file>
-
-<file path=ppt/slides/slide12.xml><?xml version="1.0" encoding="utf-8"?>
-<p:sld xmlns:a="http://schemas.openxmlformats.org/drawingml/2006/main" xmlns:r="http://schemas.openxmlformats.org/officeDocument/2006/relationships" xmlns:p="http://schemas.openxmlformats.org/presentationml/2006/main">
-  <p:cSld>
     <p:spTree>
       <p:nvGrpSpPr>
         <p:cNvPr id="1" name="">
@@ -40735,7 +40355,7 @@
 </p:sld>
 </file>
 
-<file path=ppt/slides/slide13.xml><?xml version="1.0" encoding="utf-8"?>
+<file path=ppt/slides/slide11.xml><?xml version="1.0" encoding="utf-8"?>
 <p:sld xmlns:a="http://schemas.openxmlformats.org/drawingml/2006/main" xmlns:r="http://schemas.openxmlformats.org/officeDocument/2006/relationships" xmlns:p="http://schemas.openxmlformats.org/presentationml/2006/main">
   <p:cSld>
     <p:spTree>
@@ -40829,7 +40449,7 @@
 </p:sld>
 </file>
 
-<file path=ppt/slides/slide14.xml><?xml version="1.0" encoding="utf-8"?>
+<file path=ppt/slides/slide12.xml><?xml version="1.0" encoding="utf-8"?>
 <p:sld xmlns:a="http://schemas.openxmlformats.org/drawingml/2006/main" xmlns:r="http://schemas.openxmlformats.org/officeDocument/2006/relationships" xmlns:p="http://schemas.openxmlformats.org/presentationml/2006/main">
   <p:cSld>
     <p:spTree>
@@ -40989,7 +40609,7 @@
 </p:sld>
 </file>
 
-<file path=ppt/slides/slide15.xml><?xml version="1.0" encoding="utf-8"?>
+<file path=ppt/slides/slide13.xml><?xml version="1.0" encoding="utf-8"?>
 <p:sld xmlns:a="http://schemas.openxmlformats.org/drawingml/2006/main" xmlns:r="http://schemas.openxmlformats.org/officeDocument/2006/relationships" xmlns:p="http://schemas.openxmlformats.org/presentationml/2006/main">
   <p:cSld>
     <p:spTree>
@@ -41078,7 +40698,7 @@
 </p:sld>
 </file>
 
-<file path=ppt/slides/slide16.xml><?xml version="1.0" encoding="utf-8"?>
+<file path=ppt/slides/slide14.xml><?xml version="1.0" encoding="utf-8"?>
 <p:sld xmlns:a="http://schemas.openxmlformats.org/drawingml/2006/main" xmlns:r="http://schemas.openxmlformats.org/officeDocument/2006/relationships" xmlns:p="http://schemas.openxmlformats.org/presentationml/2006/main">
   <p:cSld>
     <p:spTree>
@@ -41251,7 +40871,7 @@
 </p:sld>
 </file>
 
-<file path=ppt/slides/slide17.xml><?xml version="1.0" encoding="utf-8"?>
+<file path=ppt/slides/slide15.xml><?xml version="1.0" encoding="utf-8"?>
 <p:sld xmlns:a="http://schemas.openxmlformats.org/drawingml/2006/main" xmlns:r="http://schemas.openxmlformats.org/officeDocument/2006/relationships" xmlns:p="http://schemas.openxmlformats.org/presentationml/2006/main">
   <p:cSld>
     <p:spTree>
@@ -41553,6 +41173,657 @@
       <p:bldP spid="3" grpId="0" build="p"/>
     </p:bldLst>
   </p:timing>
+</p:sld>
+</file>
+
+<file path=ppt/slides/slide16.xml><?xml version="1.0" encoding="utf-8"?>
+<p:sld xmlns:a="http://schemas.openxmlformats.org/drawingml/2006/main" xmlns:r="http://schemas.openxmlformats.org/officeDocument/2006/relationships" xmlns:p="http://schemas.openxmlformats.org/presentationml/2006/main">
+  <p:cSld>
+    <p:bg>
+      <p:bgPr>
+        <a:gradFill rotWithShape="1">
+          <a:gsLst>
+            <a:gs pos="0">
+              <a:schemeClr val="bg2">
+                <a:tint val="96000"/>
+                <a:shade val="100000"/>
+                <a:hueMod val="270000"/>
+                <a:satMod val="200000"/>
+                <a:lumMod val="128000"/>
+              </a:schemeClr>
+            </a:gs>
+            <a:gs pos="50000">
+              <a:schemeClr val="bg2">
+                <a:shade val="100000"/>
+                <a:hueMod val="100000"/>
+                <a:satMod val="110000"/>
+                <a:lumMod val="130000"/>
+              </a:schemeClr>
+            </a:gs>
+            <a:gs pos="100000">
+              <a:schemeClr val="bg2">
+                <a:shade val="78000"/>
+                <a:hueMod val="44000"/>
+                <a:satMod val="200000"/>
+                <a:lumMod val="69000"/>
+              </a:schemeClr>
+            </a:gs>
+          </a:gsLst>
+          <a:lin ang="2520000" scaled="0"/>
+        </a:gradFill>
+        <a:effectLst/>
+      </p:bgPr>
+    </p:bg>
+    <p:spTree>
+      <p:nvGrpSpPr>
+        <p:cNvPr id="1" name=""/>
+        <p:cNvGrpSpPr/>
+        <p:nvPr/>
+      </p:nvGrpSpPr>
+      <p:grpSpPr>
+        <a:xfrm>
+          <a:off x="0" y="0"/>
+          <a:ext cx="0" cy="0"/>
+          <a:chOff x="0" y="0"/>
+          <a:chExt cx="0" cy="0"/>
+        </a:xfrm>
+      </p:grpSpPr>
+      <p:sp useBgFill="1">
+        <p:nvSpPr>
+          <p:cNvPr id="9" name="Rectangle 8">
+            <a:extLst>
+              <a:ext uri="{FF2B5EF4-FFF2-40B4-BE49-F238E27FC236}">
+                <a16:creationId xmlns:a16="http://schemas.microsoft.com/office/drawing/2014/main" id="{B2A773CA-28F4-49C2-BFA3-49A5867C7AFB}"/>
+              </a:ext>
+              <a:ext uri="{C183D7F6-B498-43B3-948B-1728B52AA6E4}">
+                <adec:decorative xmlns:adec="http://schemas.microsoft.com/office/drawing/2017/decorative" val="1"/>
+              </a:ext>
+            </a:extLst>
+          </p:cNvPr>
+          <p:cNvSpPr>
+            <a:spLocks noGrp="1" noRot="1" noChangeAspect="1" noMove="1" noResize="1" noEditPoints="1" noAdjustHandles="1" noChangeArrowheads="1" noChangeShapeType="1" noTextEdit="1"/>
+          </p:cNvSpPr>
+          <p:nvPr>
+            <p:extLst>
+              <p:ext uri="{386F3935-93C4-4BCD-93E2-E3B085C9AB24}">
+                <p16:designElem xmlns:p16="http://schemas.microsoft.com/office/powerpoint/2015/main" val="1"/>
+              </p:ext>
+            </p:extLst>
+          </p:nvPr>
+        </p:nvSpPr>
+        <p:spPr>
+          <a:xfrm>
+            <a:off x="0" y="0"/>
+            <a:ext cx="12188824" cy="6858000"/>
+          </a:xfrm>
+          <a:prstGeom prst="rect">
+            <a:avLst/>
+          </a:prstGeom>
+          <a:ln>
+            <a:noFill/>
+          </a:ln>
+        </p:spPr>
+        <p:style>
+          <a:lnRef idx="2">
+            <a:schemeClr val="accent1">
+              <a:shade val="50000"/>
+            </a:schemeClr>
+          </a:lnRef>
+          <a:fillRef idx="1">
+            <a:schemeClr val="accent1"/>
+          </a:fillRef>
+          <a:effectRef idx="0">
+            <a:schemeClr val="accent1"/>
+          </a:effectRef>
+          <a:fontRef idx="minor">
+            <a:schemeClr val="lt1"/>
+          </a:fontRef>
+        </p:style>
+        <p:txBody>
+          <a:bodyPr rtlCol="0" anchor="ctr"/>
+          <a:lstStyle/>
+          <a:p>
+            <a:pPr algn="ctr"/>
+            <a:endParaRPr lang="en-US"/>
+          </a:p>
+        </p:txBody>
+      </p:sp>
+      <p:pic>
+        <p:nvPicPr>
+          <p:cNvPr id="11" name="Picture 10">
+            <a:extLst>
+              <a:ext uri="{FF2B5EF4-FFF2-40B4-BE49-F238E27FC236}">
+                <a16:creationId xmlns:a16="http://schemas.microsoft.com/office/drawing/2014/main" id="{5D7C72BA-4476-4E4B-BC37-9A75FD0C5951}"/>
+              </a:ext>
+              <a:ext uri="{C183D7F6-B498-43B3-948B-1728B52AA6E4}">
+                <adec:decorative xmlns:adec="http://schemas.microsoft.com/office/drawing/2017/decorative" val="1"/>
+              </a:ext>
+            </a:extLst>
+          </p:cNvPr>
+          <p:cNvPicPr>
+            <a:picLocks noGrp="1" noRot="1" noChangeAspect="1" noMove="1" noResize="1" noEditPoints="1" noAdjustHandles="1" noChangeArrowheads="1" noChangeShapeType="1" noCrop="1"/>
+          </p:cNvPicPr>
+          <p:nvPr>
+            <p:extLst>
+              <p:ext uri="{386F3935-93C4-4BCD-93E2-E3B085C9AB24}">
+                <p16:designElem xmlns:p16="http://schemas.microsoft.com/office/powerpoint/2015/main" val="1"/>
+              </p:ext>
+            </p:extLst>
+          </p:nvPr>
+        </p:nvPicPr>
+        <p:blipFill>
+          <a:blip r:embed="rId2">
+            <a:alphaModFix amt="10000"/>
+            <a:extLst>
+              <a:ext uri="{28A0092B-C50C-407E-A947-70E740481C1C}">
+                <a14:useLocalDpi xmlns:a14="http://schemas.microsoft.com/office/drawing/2010/main" val="0"/>
+              </a:ext>
+            </a:extLst>
+          </a:blip>
+          <a:stretch>
+            <a:fillRect/>
+          </a:stretch>
+        </p:blipFill>
+        <p:spPr>
+          <a:xfrm>
+            <a:off x="0" y="0"/>
+            <a:ext cx="12192000" cy="6858000"/>
+          </a:xfrm>
+          <a:prstGeom prst="rect">
+            <a:avLst/>
+          </a:prstGeom>
+        </p:spPr>
+      </p:pic>
+      <p:sp>
+        <p:nvSpPr>
+          <p:cNvPr id="13" name="Rectangle 12">
+            <a:extLst>
+              <a:ext uri="{FF2B5EF4-FFF2-40B4-BE49-F238E27FC236}">
+                <a16:creationId xmlns:a16="http://schemas.microsoft.com/office/drawing/2014/main" id="{3009A16D-868B-4145-BBC6-555098537EC2}"/>
+              </a:ext>
+              <a:ext uri="{C183D7F6-B498-43B3-948B-1728B52AA6E4}">
+                <adec:decorative xmlns:adec="http://schemas.microsoft.com/office/drawing/2017/decorative" val="1"/>
+              </a:ext>
+            </a:extLst>
+          </p:cNvPr>
+          <p:cNvSpPr>
+            <a:spLocks noGrp="1" noRot="1" noChangeAspect="1" noMove="1" noResize="1" noEditPoints="1" noAdjustHandles="1" noChangeArrowheads="1" noChangeShapeType="1" noTextEdit="1"/>
+          </p:cNvSpPr>
+          <p:nvPr>
+            <p:extLst>
+              <p:ext uri="{386F3935-93C4-4BCD-93E2-E3B085C9AB24}">
+                <p16:designElem xmlns:p16="http://schemas.microsoft.com/office/powerpoint/2015/main" val="1"/>
+              </p:ext>
+            </p:extLst>
+          </p:nvPr>
+        </p:nvSpPr>
+        <p:spPr>
+          <a:xfrm>
+            <a:off x="4644527" y="0"/>
+            <a:ext cx="7552944" cy="6858001"/>
+          </a:xfrm>
+          <a:prstGeom prst="rect">
+            <a:avLst/>
+          </a:prstGeom>
+          <a:ln>
+            <a:noFill/>
+          </a:ln>
+        </p:spPr>
+        <p:style>
+          <a:lnRef idx="2">
+            <a:schemeClr val="accent1">
+              <a:shade val="50000"/>
+            </a:schemeClr>
+          </a:lnRef>
+          <a:fillRef idx="1">
+            <a:schemeClr val="accent1"/>
+          </a:fillRef>
+          <a:effectRef idx="0">
+            <a:schemeClr val="accent1"/>
+          </a:effectRef>
+          <a:fontRef idx="minor">
+            <a:schemeClr val="lt1"/>
+          </a:fontRef>
+        </p:style>
+        <p:txBody>
+          <a:bodyPr rtlCol="0" anchor="ctr"/>
+          <a:lstStyle/>
+          <a:p>
+            <a:pPr algn="ctr"/>
+            <a:endParaRPr lang="en-US"/>
+          </a:p>
+        </p:txBody>
+      </p:sp>
+      <p:pic>
+        <p:nvPicPr>
+          <p:cNvPr id="15" name="Picture 14">
+            <a:extLst>
+              <a:ext uri="{FF2B5EF4-FFF2-40B4-BE49-F238E27FC236}">
+                <a16:creationId xmlns:a16="http://schemas.microsoft.com/office/drawing/2014/main" id="{3992EB33-38E1-4175-8EE2-9BB8CC159C7B}"/>
+              </a:ext>
+              <a:ext uri="{C183D7F6-B498-43B3-948B-1728B52AA6E4}">
+                <adec:decorative xmlns:adec="http://schemas.microsoft.com/office/drawing/2017/decorative" val="1"/>
+              </a:ext>
+            </a:extLst>
+          </p:cNvPr>
+          <p:cNvPicPr>
+            <a:picLocks noGrp="1" noRot="1" noChangeAspect="1" noMove="1" noResize="1" noEditPoints="1" noAdjustHandles="1" noChangeArrowheads="1" noChangeShapeType="1" noCrop="1"/>
+          </p:cNvPicPr>
+          <p:nvPr>
+            <p:extLst>
+              <p:ext uri="{386F3935-93C4-4BCD-93E2-E3B085C9AB24}">
+                <p16:designElem xmlns:p16="http://schemas.microsoft.com/office/powerpoint/2015/main" val="1"/>
+              </p:ext>
+            </p:extLst>
+          </p:nvPr>
+        </p:nvPicPr>
+        <p:blipFill>
+          <a:blip r:embed="rId3" cstate="print">
+            <a:extLst>
+              <a:ext uri="{28A0092B-C50C-407E-A947-70E740481C1C}">
+                <a14:useLocalDpi xmlns:a14="http://schemas.microsoft.com/office/drawing/2010/main" val="0"/>
+              </a:ext>
+            </a:extLst>
+          </a:blip>
+          <a:stretch>
+            <a:fillRect/>
+          </a:stretch>
+        </p:blipFill>
+        <p:spPr>
+          <a:xfrm>
+            <a:off x="1" y="5006045"/>
+            <a:ext cx="4965192" cy="144668"/>
+          </a:xfrm>
+          <a:prstGeom prst="rect">
+            <a:avLst/>
+          </a:prstGeom>
+        </p:spPr>
+      </p:pic>
+      <p:sp>
+        <p:nvSpPr>
+          <p:cNvPr id="17" name="Rectangle 16">
+            <a:extLst>
+              <a:ext uri="{FF2B5EF4-FFF2-40B4-BE49-F238E27FC236}">
+                <a16:creationId xmlns:a16="http://schemas.microsoft.com/office/drawing/2014/main" id="{2DCAE5CF-5D29-4779-83E1-BDB64E4F30E5}"/>
+              </a:ext>
+              <a:ext uri="{C183D7F6-B498-43B3-948B-1728B52AA6E4}">
+                <adec:decorative xmlns:adec="http://schemas.microsoft.com/office/drawing/2017/decorative" val="1"/>
+              </a:ext>
+            </a:extLst>
+          </p:cNvPr>
+          <p:cNvSpPr>
+            <a:spLocks noGrp="1" noRot="1" noChangeAspect="1" noMove="1" noResize="1" noEditPoints="1" noAdjustHandles="1" noChangeArrowheads="1" noChangeShapeType="1" noTextEdit="1"/>
+          </p:cNvSpPr>
+          <p:nvPr>
+            <p:extLst>
+              <p:ext uri="{386F3935-93C4-4BCD-93E2-E3B085C9AB24}">
+                <p16:designElem xmlns:p16="http://schemas.microsoft.com/office/powerpoint/2015/main" val="1"/>
+              </p:ext>
+            </p:extLst>
+          </p:nvPr>
+        </p:nvSpPr>
+        <p:spPr>
+          <a:xfrm>
+            <a:off x="-1" y="1838764"/>
+            <a:ext cx="4964567" cy="3180473"/>
+          </a:xfrm>
+          <a:prstGeom prst="rect">
+            <a:avLst/>
+          </a:prstGeom>
+          <a:solidFill>
+            <a:schemeClr val="bg1">
+              <a:lumMod val="85000"/>
+              <a:lumOff val="15000"/>
+            </a:schemeClr>
+          </a:solidFill>
+          <a:ln>
+            <a:noFill/>
+          </a:ln>
+        </p:spPr>
+        <p:style>
+          <a:lnRef idx="2">
+            <a:schemeClr val="accent1">
+              <a:shade val="50000"/>
+            </a:schemeClr>
+          </a:lnRef>
+          <a:fillRef idx="1">
+            <a:schemeClr val="accent1"/>
+          </a:fillRef>
+          <a:effectRef idx="0">
+            <a:schemeClr val="accent1"/>
+          </a:effectRef>
+          <a:fontRef idx="minor">
+            <a:schemeClr val="lt1"/>
+          </a:fontRef>
+        </p:style>
+        <p:txBody>
+          <a:bodyPr/>
+          <a:lstStyle/>
+          <a:p>
+            <a:endParaRPr lang="en-GB"/>
+          </a:p>
+        </p:txBody>
+      </p:sp>
+      <p:sp>
+        <p:nvSpPr>
+          <p:cNvPr id="2" name="Title 1">
+            <a:extLst>
+              <a:ext uri="{FF2B5EF4-FFF2-40B4-BE49-F238E27FC236}">
+                <a16:creationId xmlns:a16="http://schemas.microsoft.com/office/drawing/2014/main" id="{93CC45E3-081D-613F-44B8-E2FDF525F13E}"/>
+              </a:ext>
+            </a:extLst>
+          </p:cNvPr>
+          <p:cNvSpPr>
+            <a:spLocks noGrp="1"/>
+          </p:cNvSpPr>
+          <p:nvPr>
+            <p:ph type="title"/>
+          </p:nvPr>
+        </p:nvSpPr>
+        <p:spPr>
+          <a:xfrm>
+            <a:off x="680321" y="2063262"/>
+            <a:ext cx="3739279" cy="2661052"/>
+          </a:xfrm>
+        </p:spPr>
+        <p:txBody>
+          <a:bodyPr>
+            <a:normAutofit/>
+          </a:bodyPr>
+          <a:lstStyle/>
+          <a:p>
+            <a:pPr algn="r"/>
+            <a:r>
+              <a:rPr lang="en-GB" sz="4400"/>
+              <a:t>Project Requirements</a:t>
+            </a:r>
+          </a:p>
+        </p:txBody>
+      </p:sp>
+      <p:graphicFrame>
+        <p:nvGraphicFramePr>
+          <p:cNvPr id="5" name="Content Placeholder 2">
+            <a:extLst>
+              <a:ext uri="{FF2B5EF4-FFF2-40B4-BE49-F238E27FC236}">
+                <a16:creationId xmlns:a16="http://schemas.microsoft.com/office/drawing/2014/main" id="{B240A076-50B4-3B29-A3A9-D43F1F952B28}"/>
+              </a:ext>
+            </a:extLst>
+          </p:cNvPr>
+          <p:cNvGraphicFramePr>
+            <a:graphicFrameLocks noGrp="1"/>
+          </p:cNvGraphicFramePr>
+          <p:nvPr>
+            <p:ph idx="1"/>
+            <p:extLst>
+              <p:ext uri="{D42A27DB-BD31-4B8C-83A1-F6EECF244321}">
+                <p14:modId xmlns:p14="http://schemas.microsoft.com/office/powerpoint/2010/main" val="2117831960"/>
+              </p:ext>
+            </p:extLst>
+          </p:nvPr>
+        </p:nvGraphicFramePr>
+        <p:xfrm>
+          <a:off x="5284788" y="639763"/>
+          <a:ext cx="6261100" cy="5578475"/>
+        </p:xfrm>
+        <a:graphic>
+          <a:graphicData uri="http://schemas.openxmlformats.org/drawingml/2006/diagram">
+            <dgm:relIds xmlns:dgm="http://schemas.openxmlformats.org/drawingml/2006/diagram" xmlns:r="http://schemas.openxmlformats.org/officeDocument/2006/relationships" r:dm="rId4" r:lo="rId5" r:qs="rId6" r:cs="rId7"/>
+          </a:graphicData>
+        </a:graphic>
+      </p:graphicFrame>
+    </p:spTree>
+    <p:extLst>
+      <p:ext uri="{BB962C8B-B14F-4D97-AF65-F5344CB8AC3E}">
+        <p14:creationId xmlns:p14="http://schemas.microsoft.com/office/powerpoint/2010/main" val="1166797474"/>
+      </p:ext>
+    </p:extLst>
+  </p:cSld>
+  <p:clrMapOvr>
+    <a:masterClrMapping/>
+  </p:clrMapOvr>
+</p:sld>
+</file>
+
+<file path=ppt/slides/slide17.xml><?xml version="1.0" encoding="utf-8"?>
+<p:sld xmlns:a="http://schemas.openxmlformats.org/drawingml/2006/main" xmlns:r="http://schemas.openxmlformats.org/officeDocument/2006/relationships" xmlns:p="http://schemas.openxmlformats.org/presentationml/2006/main">
+  <p:cSld>
+    <p:spTree>
+      <p:nvGrpSpPr>
+        <p:cNvPr id="1" name="">
+          <a:extLst>
+            <a:ext uri="{FF2B5EF4-FFF2-40B4-BE49-F238E27FC236}">
+              <a16:creationId xmlns:a16="http://schemas.microsoft.com/office/drawing/2014/main" id="{B2038D67-28BF-0F08-E55F-B2698F5E88B2}"/>
+            </a:ext>
+          </a:extLst>
+        </p:cNvPr>
+        <p:cNvGrpSpPr/>
+        <p:nvPr/>
+      </p:nvGrpSpPr>
+      <p:grpSpPr>
+        <a:xfrm>
+          <a:off x="0" y="0"/>
+          <a:ext cx="0" cy="0"/>
+          <a:chOff x="0" y="0"/>
+          <a:chExt cx="0" cy="0"/>
+        </a:xfrm>
+      </p:grpSpPr>
+      <p:sp>
+        <p:nvSpPr>
+          <p:cNvPr id="2" name="Title 1">
+            <a:extLst>
+              <a:ext uri="{FF2B5EF4-FFF2-40B4-BE49-F238E27FC236}">
+                <a16:creationId xmlns:a16="http://schemas.microsoft.com/office/drawing/2014/main" id="{06B7E0BC-9C0F-3252-E8C4-7CBDEA78DA55}"/>
+              </a:ext>
+            </a:extLst>
+          </p:cNvPr>
+          <p:cNvSpPr>
+            <a:spLocks noGrp="1"/>
+          </p:cNvSpPr>
+          <p:nvPr>
+            <p:ph type="title"/>
+          </p:nvPr>
+        </p:nvSpPr>
+        <p:spPr>
+          <a:xfrm>
+            <a:off x="680321" y="753228"/>
+            <a:ext cx="9613861" cy="1080938"/>
+          </a:xfrm>
+        </p:spPr>
+        <p:txBody>
+          <a:bodyPr>
+            <a:normAutofit/>
+          </a:bodyPr>
+          <a:lstStyle/>
+          <a:p>
+            <a:r>
+              <a:rPr lang="en-GB" dirty="0"/>
+              <a:t>Database Design</a:t>
+            </a:r>
+          </a:p>
+        </p:txBody>
+      </p:sp>
+      <p:sp>
+        <p:nvSpPr>
+          <p:cNvPr id="4" name="Content Placeholder 3">
+            <a:extLst>
+              <a:ext uri="{FF2B5EF4-FFF2-40B4-BE49-F238E27FC236}">
+                <a16:creationId xmlns:a16="http://schemas.microsoft.com/office/drawing/2014/main" id="{7DC223D7-601C-314E-16EE-12D0000E1C2E}"/>
+              </a:ext>
+            </a:extLst>
+          </p:cNvPr>
+          <p:cNvSpPr>
+            <a:spLocks noGrp="1"/>
+          </p:cNvSpPr>
+          <p:nvPr>
+            <p:ph idx="1"/>
+          </p:nvPr>
+        </p:nvSpPr>
+        <p:spPr/>
+        <p:txBody>
+          <a:bodyPr/>
+          <a:lstStyle/>
+          <a:p>
+            <a:r>
+              <a:rPr lang="en-GB" b="1" dirty="0"/>
+              <a:t>Chosen Database</a:t>
+            </a:r>
+            <a:r>
+              <a:rPr lang="en-GB" dirty="0"/>
+              <a:t>: </a:t>
+            </a:r>
+            <a:r>
+              <a:rPr lang="en-GB" dirty="0" err="1"/>
+              <a:t>Firestore</a:t>
+            </a:r>
+            <a:r>
+              <a:rPr lang="en-GB" dirty="0"/>
+              <a:t> (over Json Realtime Database)</a:t>
+            </a:r>
+          </a:p>
+          <a:p>
+            <a:pPr lvl="1"/>
+            <a:r>
+              <a:rPr lang="en-GB" dirty="0"/>
+              <a:t>advanced querying for large datasets.</a:t>
+            </a:r>
+          </a:p>
+          <a:p>
+            <a:pPr lvl="1"/>
+            <a:r>
+              <a:rPr lang="en-GB" dirty="0"/>
+              <a:t>Flexible, JSON-like structure.</a:t>
+            </a:r>
+          </a:p>
+          <a:p>
+            <a:pPr lvl="1"/>
+            <a:r>
+              <a:rPr lang="en-GB" dirty="0"/>
+              <a:t>Cost-efficient table structure for complex queries.</a:t>
+            </a:r>
+            <a:endParaRPr lang="en-GB" b="1" dirty="0"/>
+          </a:p>
+        </p:txBody>
+      </p:sp>
+      <p:sp>
+        <p:nvSpPr>
+          <p:cNvPr id="3" name="TextBox 2">
+            <a:extLst>
+              <a:ext uri="{FF2B5EF4-FFF2-40B4-BE49-F238E27FC236}">
+                <a16:creationId xmlns:a16="http://schemas.microsoft.com/office/drawing/2014/main" id="{83AD7912-49F1-311C-9151-5DFF34B31760}"/>
+              </a:ext>
+            </a:extLst>
+          </p:cNvPr>
+          <p:cNvSpPr txBox="1"/>
+          <p:nvPr/>
+        </p:nvSpPr>
+        <p:spPr>
+          <a:xfrm>
+            <a:off x="2720340" y="3924301"/>
+            <a:ext cx="6141720" cy="2862322"/>
+          </a:xfrm>
+          <a:prstGeom prst="rect">
+            <a:avLst/>
+          </a:prstGeom>
+          <a:noFill/>
+        </p:spPr>
+        <p:txBody>
+          <a:bodyPr wrap="square" rtlCol="0">
+            <a:spAutoFit/>
+          </a:bodyPr>
+          <a:lstStyle/>
+          <a:p>
+            <a:r>
+              <a:rPr lang="en-GB" dirty="0"/>
+              <a:t>Collection: devices</a:t>
+            </a:r>
+          </a:p>
+          <a:p>
+            <a:r>
+              <a:rPr lang="en-GB" dirty="0"/>
+              <a:t>    Document: deviceID123</a:t>
+            </a:r>
+          </a:p>
+          <a:p>
+            <a:r>
+              <a:rPr lang="en-GB" dirty="0"/>
+              <a:t>        - name: "Temperature Sensor"</a:t>
+            </a:r>
+          </a:p>
+          <a:p>
+            <a:r>
+              <a:rPr lang="en-GB" dirty="0"/>
+              <a:t>        - model: "TS-5000"</a:t>
+            </a:r>
+          </a:p>
+          <a:p>
+            <a:r>
+              <a:rPr lang="en-GB" dirty="0"/>
+              <a:t>        - manufacturer: "Acme Corp"</a:t>
+            </a:r>
+          </a:p>
+          <a:p>
+            <a:r>
+              <a:rPr lang="en-GB" dirty="0"/>
+              <a:t>        - location: { latitude: 40.7128, longitude: -74.0060 }</a:t>
+            </a:r>
+          </a:p>
+          <a:p>
+            <a:r>
+              <a:rPr lang="en-GB" dirty="0"/>
+              <a:t>        - </a:t>
+            </a:r>
+            <a:r>
+              <a:rPr lang="en-GB" dirty="0" err="1"/>
+              <a:t>installationDate</a:t>
+            </a:r>
+            <a:r>
+              <a:rPr lang="en-GB" dirty="0"/>
+              <a:t>: "2025-01-01"</a:t>
+            </a:r>
+          </a:p>
+          <a:p>
+            <a:r>
+              <a:rPr lang="en-GB" dirty="0"/>
+              <a:t>        - </a:t>
+            </a:r>
+            <a:r>
+              <a:rPr lang="en-GB" dirty="0" err="1"/>
+              <a:t>imageURL</a:t>
+            </a:r>
+            <a:r>
+              <a:rPr lang="en-GB" dirty="0"/>
+              <a:t>: "https://example.com/installation.jpg"</a:t>
+            </a:r>
+          </a:p>
+          <a:p>
+            <a:r>
+              <a:rPr lang="en-GB" dirty="0"/>
+              <a:t>        - </a:t>
+            </a:r>
+            <a:r>
+              <a:rPr lang="en-GB" dirty="0" err="1"/>
+              <a:t>technicalDocs</a:t>
+            </a:r>
+            <a:r>
+              <a:rPr lang="en-GB" dirty="0"/>
+              <a:t>: ["https://example.com/specs.pdf"]</a:t>
+            </a:r>
+          </a:p>
+          <a:p>
+            <a:endParaRPr lang="en-GB" dirty="0"/>
+          </a:p>
+        </p:txBody>
+      </p:sp>
+    </p:spTree>
+    <p:extLst>
+      <p:ext uri="{BB962C8B-B14F-4D97-AF65-F5344CB8AC3E}">
+        <p14:creationId xmlns:p14="http://schemas.microsoft.com/office/powerpoint/2010/main" val="2099020713"/>
+      </p:ext>
+    </p:extLst>
+  </p:cSld>
+  <p:clrMapOvr>
+    <a:masterClrMapping/>
+  </p:clrMapOvr>
 </p:sld>
 </file>
 
@@ -44312,23 +44583,7 @@
                   <a:srgbClr val="FFFFFF"/>
                 </a:solidFill>
               </a:rPr>
-              <a:t>Providing a seamless, scalable software solution for managing and tracking IoT device lifecycles, ensuring security, </a:t>
-            </a:r>
-            <a:r>
-              <a:rPr lang="en-US" sz="2000" dirty="0" err="1">
-                <a:solidFill>
-                  <a:srgbClr val="FFFFFF"/>
-                </a:solidFill>
-              </a:rPr>
-              <a:t>tracability</a:t>
-            </a:r>
-            <a:r>
-              <a:rPr lang="en-US" sz="2000" dirty="0">
-                <a:solidFill>
-                  <a:srgbClr val="FFFFFF"/>
-                </a:solidFill>
-              </a:rPr>
-              <a:t>, sustainability, and ease of use</a:t>
+              <a:t>Providing a seamless, scalable software solution for managing and tracking IoT device lifecycles, ensuring security, trackability, sustainability, and ease of use.</a:t>
             </a:r>
             <a:endParaRPr lang="en-GB" sz="2000" dirty="0">
               <a:solidFill>
@@ -44352,414 +44607,6 @@
 </file>
 
 <file path=ppt/slides/slide6.xml><?xml version="1.0" encoding="utf-8"?>
-<p:sld xmlns:a="http://schemas.openxmlformats.org/drawingml/2006/main" xmlns:r="http://schemas.openxmlformats.org/officeDocument/2006/relationships" xmlns:p="http://schemas.openxmlformats.org/presentationml/2006/main">
-  <p:cSld>
-    <p:bg>
-      <p:bgPr>
-        <a:gradFill rotWithShape="1">
-          <a:gsLst>
-            <a:gs pos="0">
-              <a:schemeClr val="bg2">
-                <a:tint val="96000"/>
-                <a:shade val="100000"/>
-                <a:hueMod val="270000"/>
-                <a:satMod val="200000"/>
-                <a:lumMod val="128000"/>
-              </a:schemeClr>
-            </a:gs>
-            <a:gs pos="50000">
-              <a:schemeClr val="bg2">
-                <a:shade val="100000"/>
-                <a:hueMod val="100000"/>
-                <a:satMod val="110000"/>
-                <a:lumMod val="130000"/>
-              </a:schemeClr>
-            </a:gs>
-            <a:gs pos="100000">
-              <a:schemeClr val="bg2">
-                <a:shade val="78000"/>
-                <a:hueMod val="44000"/>
-                <a:satMod val="200000"/>
-                <a:lumMod val="69000"/>
-              </a:schemeClr>
-            </a:gs>
-          </a:gsLst>
-          <a:lin ang="2520000" scaled="0"/>
-        </a:gradFill>
-        <a:effectLst/>
-      </p:bgPr>
-    </p:bg>
-    <p:spTree>
-      <p:nvGrpSpPr>
-        <p:cNvPr id="1" name=""/>
-        <p:cNvGrpSpPr/>
-        <p:nvPr/>
-      </p:nvGrpSpPr>
-      <p:grpSpPr>
-        <a:xfrm>
-          <a:off x="0" y="0"/>
-          <a:ext cx="0" cy="0"/>
-          <a:chOff x="0" y="0"/>
-          <a:chExt cx="0" cy="0"/>
-        </a:xfrm>
-      </p:grpSpPr>
-      <p:sp useBgFill="1">
-        <p:nvSpPr>
-          <p:cNvPr id="9" name="Rectangle 8">
-            <a:extLst>
-              <a:ext uri="{FF2B5EF4-FFF2-40B4-BE49-F238E27FC236}">
-                <a16:creationId xmlns:a16="http://schemas.microsoft.com/office/drawing/2014/main" id="{B2A773CA-28F4-49C2-BFA3-49A5867C7AFB}"/>
-              </a:ext>
-              <a:ext uri="{C183D7F6-B498-43B3-948B-1728B52AA6E4}">
-                <adec:decorative xmlns:adec="http://schemas.microsoft.com/office/drawing/2017/decorative" val="1"/>
-              </a:ext>
-            </a:extLst>
-          </p:cNvPr>
-          <p:cNvSpPr>
-            <a:spLocks noGrp="1" noRot="1" noChangeAspect="1" noMove="1" noResize="1" noEditPoints="1" noAdjustHandles="1" noChangeArrowheads="1" noChangeShapeType="1" noTextEdit="1"/>
-          </p:cNvSpPr>
-          <p:nvPr>
-            <p:extLst>
-              <p:ext uri="{386F3935-93C4-4BCD-93E2-E3B085C9AB24}">
-                <p16:designElem xmlns:p16="http://schemas.microsoft.com/office/powerpoint/2015/main" val="1"/>
-              </p:ext>
-            </p:extLst>
-          </p:nvPr>
-        </p:nvSpPr>
-        <p:spPr>
-          <a:xfrm>
-            <a:off x="0" y="0"/>
-            <a:ext cx="12188824" cy="6858000"/>
-          </a:xfrm>
-          <a:prstGeom prst="rect">
-            <a:avLst/>
-          </a:prstGeom>
-          <a:ln>
-            <a:noFill/>
-          </a:ln>
-        </p:spPr>
-        <p:style>
-          <a:lnRef idx="2">
-            <a:schemeClr val="accent1">
-              <a:shade val="50000"/>
-            </a:schemeClr>
-          </a:lnRef>
-          <a:fillRef idx="1">
-            <a:schemeClr val="accent1"/>
-          </a:fillRef>
-          <a:effectRef idx="0">
-            <a:schemeClr val="accent1"/>
-          </a:effectRef>
-          <a:fontRef idx="minor">
-            <a:schemeClr val="lt1"/>
-          </a:fontRef>
-        </p:style>
-        <p:txBody>
-          <a:bodyPr rtlCol="0" anchor="ctr"/>
-          <a:lstStyle/>
-          <a:p>
-            <a:pPr algn="ctr"/>
-            <a:endParaRPr lang="en-US"/>
-          </a:p>
-        </p:txBody>
-      </p:sp>
-      <p:pic>
-        <p:nvPicPr>
-          <p:cNvPr id="11" name="Picture 10">
-            <a:extLst>
-              <a:ext uri="{FF2B5EF4-FFF2-40B4-BE49-F238E27FC236}">
-                <a16:creationId xmlns:a16="http://schemas.microsoft.com/office/drawing/2014/main" id="{5D7C72BA-4476-4E4B-BC37-9A75FD0C5951}"/>
-              </a:ext>
-              <a:ext uri="{C183D7F6-B498-43B3-948B-1728B52AA6E4}">
-                <adec:decorative xmlns:adec="http://schemas.microsoft.com/office/drawing/2017/decorative" val="1"/>
-              </a:ext>
-            </a:extLst>
-          </p:cNvPr>
-          <p:cNvPicPr>
-            <a:picLocks noGrp="1" noRot="1" noChangeAspect="1" noMove="1" noResize="1" noEditPoints="1" noAdjustHandles="1" noChangeArrowheads="1" noChangeShapeType="1" noCrop="1"/>
-          </p:cNvPicPr>
-          <p:nvPr>
-            <p:extLst>
-              <p:ext uri="{386F3935-93C4-4BCD-93E2-E3B085C9AB24}">
-                <p16:designElem xmlns:p16="http://schemas.microsoft.com/office/powerpoint/2015/main" val="1"/>
-              </p:ext>
-            </p:extLst>
-          </p:nvPr>
-        </p:nvPicPr>
-        <p:blipFill>
-          <a:blip r:embed="rId2">
-            <a:alphaModFix amt="10000"/>
-            <a:extLst>
-              <a:ext uri="{28A0092B-C50C-407E-A947-70E740481C1C}">
-                <a14:useLocalDpi xmlns:a14="http://schemas.microsoft.com/office/drawing/2010/main" val="0"/>
-              </a:ext>
-            </a:extLst>
-          </a:blip>
-          <a:stretch>
-            <a:fillRect/>
-          </a:stretch>
-        </p:blipFill>
-        <p:spPr>
-          <a:xfrm>
-            <a:off x="0" y="0"/>
-            <a:ext cx="12192000" cy="6858000"/>
-          </a:xfrm>
-          <a:prstGeom prst="rect">
-            <a:avLst/>
-          </a:prstGeom>
-        </p:spPr>
-      </p:pic>
-      <p:sp>
-        <p:nvSpPr>
-          <p:cNvPr id="13" name="Rectangle 12">
-            <a:extLst>
-              <a:ext uri="{FF2B5EF4-FFF2-40B4-BE49-F238E27FC236}">
-                <a16:creationId xmlns:a16="http://schemas.microsoft.com/office/drawing/2014/main" id="{3009A16D-868B-4145-BBC6-555098537EC2}"/>
-              </a:ext>
-              <a:ext uri="{C183D7F6-B498-43B3-948B-1728B52AA6E4}">
-                <adec:decorative xmlns:adec="http://schemas.microsoft.com/office/drawing/2017/decorative" val="1"/>
-              </a:ext>
-            </a:extLst>
-          </p:cNvPr>
-          <p:cNvSpPr>
-            <a:spLocks noGrp="1" noRot="1" noChangeAspect="1" noMove="1" noResize="1" noEditPoints="1" noAdjustHandles="1" noChangeArrowheads="1" noChangeShapeType="1" noTextEdit="1"/>
-          </p:cNvSpPr>
-          <p:nvPr>
-            <p:extLst>
-              <p:ext uri="{386F3935-93C4-4BCD-93E2-E3B085C9AB24}">
-                <p16:designElem xmlns:p16="http://schemas.microsoft.com/office/powerpoint/2015/main" val="1"/>
-              </p:ext>
-            </p:extLst>
-          </p:nvPr>
-        </p:nvSpPr>
-        <p:spPr>
-          <a:xfrm>
-            <a:off x="4644527" y="0"/>
-            <a:ext cx="7552944" cy="6858001"/>
-          </a:xfrm>
-          <a:prstGeom prst="rect">
-            <a:avLst/>
-          </a:prstGeom>
-          <a:ln>
-            <a:noFill/>
-          </a:ln>
-        </p:spPr>
-        <p:style>
-          <a:lnRef idx="2">
-            <a:schemeClr val="accent1">
-              <a:shade val="50000"/>
-            </a:schemeClr>
-          </a:lnRef>
-          <a:fillRef idx="1">
-            <a:schemeClr val="accent1"/>
-          </a:fillRef>
-          <a:effectRef idx="0">
-            <a:schemeClr val="accent1"/>
-          </a:effectRef>
-          <a:fontRef idx="minor">
-            <a:schemeClr val="lt1"/>
-          </a:fontRef>
-        </p:style>
-        <p:txBody>
-          <a:bodyPr rtlCol="0" anchor="ctr"/>
-          <a:lstStyle/>
-          <a:p>
-            <a:pPr algn="ctr"/>
-            <a:endParaRPr lang="en-US"/>
-          </a:p>
-        </p:txBody>
-      </p:sp>
-      <p:pic>
-        <p:nvPicPr>
-          <p:cNvPr id="15" name="Picture 14">
-            <a:extLst>
-              <a:ext uri="{FF2B5EF4-FFF2-40B4-BE49-F238E27FC236}">
-                <a16:creationId xmlns:a16="http://schemas.microsoft.com/office/drawing/2014/main" id="{3992EB33-38E1-4175-8EE2-9BB8CC159C7B}"/>
-              </a:ext>
-              <a:ext uri="{C183D7F6-B498-43B3-948B-1728B52AA6E4}">
-                <adec:decorative xmlns:adec="http://schemas.microsoft.com/office/drawing/2017/decorative" val="1"/>
-              </a:ext>
-            </a:extLst>
-          </p:cNvPr>
-          <p:cNvPicPr>
-            <a:picLocks noGrp="1" noRot="1" noChangeAspect="1" noMove="1" noResize="1" noEditPoints="1" noAdjustHandles="1" noChangeArrowheads="1" noChangeShapeType="1" noCrop="1"/>
-          </p:cNvPicPr>
-          <p:nvPr>
-            <p:extLst>
-              <p:ext uri="{386F3935-93C4-4BCD-93E2-E3B085C9AB24}">
-                <p16:designElem xmlns:p16="http://schemas.microsoft.com/office/powerpoint/2015/main" val="1"/>
-              </p:ext>
-            </p:extLst>
-          </p:nvPr>
-        </p:nvPicPr>
-        <p:blipFill>
-          <a:blip r:embed="rId3" cstate="print">
-            <a:extLst>
-              <a:ext uri="{28A0092B-C50C-407E-A947-70E740481C1C}">
-                <a14:useLocalDpi xmlns:a14="http://schemas.microsoft.com/office/drawing/2010/main" val="0"/>
-              </a:ext>
-            </a:extLst>
-          </a:blip>
-          <a:stretch>
-            <a:fillRect/>
-          </a:stretch>
-        </p:blipFill>
-        <p:spPr>
-          <a:xfrm>
-            <a:off x="1" y="5006045"/>
-            <a:ext cx="4965192" cy="144668"/>
-          </a:xfrm>
-          <a:prstGeom prst="rect">
-            <a:avLst/>
-          </a:prstGeom>
-        </p:spPr>
-      </p:pic>
-      <p:sp>
-        <p:nvSpPr>
-          <p:cNvPr id="17" name="Rectangle 16">
-            <a:extLst>
-              <a:ext uri="{FF2B5EF4-FFF2-40B4-BE49-F238E27FC236}">
-                <a16:creationId xmlns:a16="http://schemas.microsoft.com/office/drawing/2014/main" id="{2DCAE5CF-5D29-4779-83E1-BDB64E4F30E5}"/>
-              </a:ext>
-              <a:ext uri="{C183D7F6-B498-43B3-948B-1728B52AA6E4}">
-                <adec:decorative xmlns:adec="http://schemas.microsoft.com/office/drawing/2017/decorative" val="1"/>
-              </a:ext>
-            </a:extLst>
-          </p:cNvPr>
-          <p:cNvSpPr>
-            <a:spLocks noGrp="1" noRot="1" noChangeAspect="1" noMove="1" noResize="1" noEditPoints="1" noAdjustHandles="1" noChangeArrowheads="1" noChangeShapeType="1" noTextEdit="1"/>
-          </p:cNvSpPr>
-          <p:nvPr>
-            <p:extLst>
-              <p:ext uri="{386F3935-93C4-4BCD-93E2-E3B085C9AB24}">
-                <p16:designElem xmlns:p16="http://schemas.microsoft.com/office/powerpoint/2015/main" val="1"/>
-              </p:ext>
-            </p:extLst>
-          </p:nvPr>
-        </p:nvSpPr>
-        <p:spPr>
-          <a:xfrm>
-            <a:off x="-1" y="1838764"/>
-            <a:ext cx="4964567" cy="3180473"/>
-          </a:xfrm>
-          <a:prstGeom prst="rect">
-            <a:avLst/>
-          </a:prstGeom>
-          <a:solidFill>
-            <a:schemeClr val="bg1">
-              <a:lumMod val="85000"/>
-              <a:lumOff val="15000"/>
-            </a:schemeClr>
-          </a:solidFill>
-          <a:ln>
-            <a:noFill/>
-          </a:ln>
-        </p:spPr>
-        <p:style>
-          <a:lnRef idx="2">
-            <a:schemeClr val="accent1">
-              <a:shade val="50000"/>
-            </a:schemeClr>
-          </a:lnRef>
-          <a:fillRef idx="1">
-            <a:schemeClr val="accent1"/>
-          </a:fillRef>
-          <a:effectRef idx="0">
-            <a:schemeClr val="accent1"/>
-          </a:effectRef>
-          <a:fontRef idx="minor">
-            <a:schemeClr val="lt1"/>
-          </a:fontRef>
-        </p:style>
-        <p:txBody>
-          <a:bodyPr/>
-          <a:lstStyle/>
-          <a:p>
-            <a:endParaRPr lang="en-GB"/>
-          </a:p>
-        </p:txBody>
-      </p:sp>
-      <p:sp>
-        <p:nvSpPr>
-          <p:cNvPr id="2" name="Title 1">
-            <a:extLst>
-              <a:ext uri="{FF2B5EF4-FFF2-40B4-BE49-F238E27FC236}">
-                <a16:creationId xmlns:a16="http://schemas.microsoft.com/office/drawing/2014/main" id="{93CC45E3-081D-613F-44B8-E2FDF525F13E}"/>
-              </a:ext>
-            </a:extLst>
-          </p:cNvPr>
-          <p:cNvSpPr>
-            <a:spLocks noGrp="1"/>
-          </p:cNvSpPr>
-          <p:nvPr>
-            <p:ph type="title"/>
-          </p:nvPr>
-        </p:nvSpPr>
-        <p:spPr>
-          <a:xfrm>
-            <a:off x="680321" y="2063262"/>
-            <a:ext cx="3739279" cy="2661052"/>
-          </a:xfrm>
-        </p:spPr>
-        <p:txBody>
-          <a:bodyPr>
-            <a:normAutofit/>
-          </a:bodyPr>
-          <a:lstStyle/>
-          <a:p>
-            <a:pPr algn="r"/>
-            <a:r>
-              <a:rPr lang="en-GB" sz="4400"/>
-              <a:t>Project Requirements</a:t>
-            </a:r>
-          </a:p>
-        </p:txBody>
-      </p:sp>
-      <p:graphicFrame>
-        <p:nvGraphicFramePr>
-          <p:cNvPr id="5" name="Content Placeholder 2">
-            <a:extLst>
-              <a:ext uri="{FF2B5EF4-FFF2-40B4-BE49-F238E27FC236}">
-                <a16:creationId xmlns:a16="http://schemas.microsoft.com/office/drawing/2014/main" id="{B240A076-50B4-3B29-A3A9-D43F1F952B28}"/>
-              </a:ext>
-            </a:extLst>
-          </p:cNvPr>
-          <p:cNvGraphicFramePr>
-            <a:graphicFrameLocks noGrp="1"/>
-          </p:cNvGraphicFramePr>
-          <p:nvPr>
-            <p:ph idx="1"/>
-            <p:extLst>
-              <p:ext uri="{D42A27DB-BD31-4B8C-83A1-F6EECF244321}">
-                <p14:modId xmlns:p14="http://schemas.microsoft.com/office/powerpoint/2010/main" val="2117831960"/>
-              </p:ext>
-            </p:extLst>
-          </p:nvPr>
-        </p:nvGraphicFramePr>
-        <p:xfrm>
-          <a:off x="5284788" y="639763"/>
-          <a:ext cx="6261100" cy="5578475"/>
-        </p:xfrm>
-        <a:graphic>
-          <a:graphicData uri="http://schemas.openxmlformats.org/drawingml/2006/diagram">
-            <dgm:relIds xmlns:dgm="http://schemas.openxmlformats.org/drawingml/2006/diagram" xmlns:r="http://schemas.openxmlformats.org/officeDocument/2006/relationships" r:dm="rId4" r:lo="rId5" r:qs="rId6" r:cs="rId7"/>
-          </a:graphicData>
-        </a:graphic>
-      </p:graphicFrame>
-    </p:spTree>
-    <p:extLst>
-      <p:ext uri="{BB962C8B-B14F-4D97-AF65-F5344CB8AC3E}">
-        <p14:creationId xmlns:p14="http://schemas.microsoft.com/office/powerpoint/2010/main" val="1166797474"/>
-      </p:ext>
-    </p:extLst>
-  </p:cSld>
-  <p:clrMapOvr>
-    <a:masterClrMapping/>
-  </p:clrMapOvr>
-</p:sld>
-</file>
-
-<file path=ppt/slides/slide7.xml><?xml version="1.0" encoding="utf-8"?>
 <p:sld xmlns:a="http://schemas.openxmlformats.org/drawingml/2006/main" xmlns:r="http://schemas.openxmlformats.org/officeDocument/2006/relationships" xmlns:p="http://schemas.openxmlformats.org/presentationml/2006/main">
   <p:cSld>
     <p:bg>
@@ -44981,79 +44828,183 @@
             </a:r>
           </a:p>
           <a:p>
-            <a:pPr lvl="1"/>
+            <a:pPr marL="742950" lvl="1" indent="-285750">
+              <a:lnSpc>
+                <a:spcPct val="115000"/>
+              </a:lnSpc>
+              <a:buFont typeface="Courier New" panose="02070309020205020404" pitchFamily="49" charset="0"/>
+              <a:buChar char="o"/>
+            </a:pPr>
             <a:r>
-              <a:rPr lang="en-GB" sz="1400" dirty="0"/>
-              <a:t>Maintenance Scheduling</a:t>
+              <a:rPr lang="en-GB" sz="1300" kern="100" dirty="0">
+                <a:effectLst/>
+                <a:latin typeface="Aptos" panose="020B0004020202020204" pitchFamily="34" charset="0"/>
+                <a:ea typeface="Aptos" panose="020B0004020202020204" pitchFamily="34" charset="0"/>
+                <a:cs typeface="Times New Roman" panose="02020603050405020304" pitchFamily="18" charset="0"/>
+              </a:rPr>
+              <a:t>Providing Maintenance Scheduling</a:t>
             </a:r>
           </a:p>
           <a:p>
-            <a:pPr lvl="1"/>
+            <a:pPr marL="742950" lvl="1" indent="-285750">
+              <a:lnSpc>
+                <a:spcPct val="115000"/>
+              </a:lnSpc>
+              <a:buFont typeface="Courier New" panose="02070309020205020404" pitchFamily="49" charset="0"/>
+              <a:buChar char="o"/>
+            </a:pPr>
             <a:r>
-              <a:rPr lang="en-GB" sz="1400" dirty="0"/>
-              <a:t>QR code scanning</a:t>
+              <a:rPr lang="en-GB" sz="1300" kern="100" dirty="0">
+                <a:effectLst/>
+                <a:latin typeface="Aptos" panose="020B0004020202020204" pitchFamily="34" charset="0"/>
+                <a:ea typeface="Aptos" panose="020B0004020202020204" pitchFamily="34" charset="0"/>
+                <a:cs typeface="Times New Roman" panose="02020603050405020304" pitchFamily="18" charset="0"/>
+              </a:rPr>
+              <a:t>QR code scanning for accessibility</a:t>
             </a:r>
           </a:p>
           <a:p>
-            <a:pPr lvl="1"/>
+            <a:pPr marL="742950" lvl="1" indent="-285750">
+              <a:lnSpc>
+                <a:spcPct val="115000"/>
+              </a:lnSpc>
+              <a:buFont typeface="Courier New" panose="02070309020205020404" pitchFamily="49" charset="0"/>
+              <a:buChar char="o"/>
+            </a:pPr>
             <a:r>
-              <a:rPr lang="en-GB" sz="1400" dirty="0"/>
-              <a:t>Manage the full lifecycle</a:t>
+              <a:rPr lang="en-GB" sz="1300" kern="100" dirty="0">
+                <a:effectLst/>
+                <a:latin typeface="Aptos" panose="020B0004020202020204" pitchFamily="34" charset="0"/>
+                <a:ea typeface="Aptos" panose="020B0004020202020204" pitchFamily="34" charset="0"/>
+                <a:cs typeface="Times New Roman" panose="02020603050405020304" pitchFamily="18" charset="0"/>
+              </a:rPr>
+              <a:t>Comprehensive Maintenance history</a:t>
             </a:r>
           </a:p>
           <a:p>
-            <a:pPr lvl="1"/>
+            <a:pPr marL="342900" lvl="0" indent="-342900">
+              <a:lnSpc>
+                <a:spcPct val="115000"/>
+              </a:lnSpc>
+              <a:buFont typeface="Symbol" panose="05050102010706020507" pitchFamily="18" charset="2"/>
+              <a:buChar char=""/>
+            </a:pPr>
             <a:r>
-              <a:rPr lang="en-GB" sz="1400" dirty="0"/>
-              <a:t>Comprehensive maintenance history</a:t>
+              <a:rPr lang="en-GB" sz="1400" kern="100" dirty="0">
+                <a:effectLst/>
+                <a:latin typeface="Aptos" panose="020B0004020202020204" pitchFamily="34" charset="0"/>
+                <a:ea typeface="Aptos" panose="020B0004020202020204" pitchFamily="34" charset="0"/>
+                <a:cs typeface="Times New Roman" panose="02020603050405020304" pitchFamily="18" charset="0"/>
+              </a:rPr>
+              <a:t>User Oriented Design </a:t>
             </a:r>
           </a:p>
           <a:p>
+            <a:pPr marL="742950" lvl="1" indent="-285750">
+              <a:lnSpc>
+                <a:spcPct val="115000"/>
+              </a:lnSpc>
+              <a:buFont typeface="Courier New" panose="02070309020205020404" pitchFamily="49" charset="0"/>
+              <a:buChar char="o"/>
+            </a:pPr>
             <a:r>
-              <a:rPr lang="en-GB" sz="1400" dirty="0"/>
-              <a:t>User Oriented Design – Simplified the user interface</a:t>
+              <a:rPr lang="en-GB" sz="1300" kern="100" dirty="0">
+                <a:effectLst/>
+                <a:latin typeface="Aptos" panose="020B0004020202020204" pitchFamily="34" charset="0"/>
+                <a:ea typeface="Aptos" panose="020B0004020202020204" pitchFamily="34" charset="0"/>
+                <a:cs typeface="Times New Roman" panose="02020603050405020304" pitchFamily="18" charset="0"/>
+              </a:rPr>
+              <a:t>Easy to start using the solution</a:t>
             </a:r>
           </a:p>
           <a:p>
-            <a:pPr lvl="1"/>
+            <a:pPr marL="742950" lvl="1" indent="-285750">
+              <a:lnSpc>
+                <a:spcPct val="115000"/>
+              </a:lnSpc>
+              <a:buFont typeface="Courier New" panose="02070309020205020404" pitchFamily="49" charset="0"/>
+              <a:buChar char="o"/>
+            </a:pPr>
             <a:r>
-              <a:rPr lang="en-GB" sz="1400" dirty="0"/>
-              <a:t>Easy to get started</a:t>
+              <a:rPr lang="en-GB" sz="1300" kern="100" dirty="0">
+                <a:effectLst/>
+                <a:latin typeface="Aptos" panose="020B0004020202020204" pitchFamily="34" charset="0"/>
+                <a:ea typeface="Aptos" panose="020B0004020202020204" pitchFamily="34" charset="0"/>
+                <a:cs typeface="Times New Roman" panose="02020603050405020304" pitchFamily="18" charset="0"/>
+              </a:rPr>
+              <a:t>Intuitive design and interaction </a:t>
             </a:r>
           </a:p>
           <a:p>
-            <a:pPr lvl="1"/>
+            <a:pPr marL="742950" lvl="1" indent="-285750">
+              <a:lnSpc>
+                <a:spcPct val="115000"/>
+              </a:lnSpc>
+              <a:buFont typeface="Courier New" panose="02070309020205020404" pitchFamily="49" charset="0"/>
+              <a:buChar char="o"/>
+            </a:pPr>
             <a:r>
-              <a:rPr lang="en-GB" sz="1400" dirty="0"/>
-              <a:t>Intuitive and streamlined workflows</a:t>
+              <a:rPr lang="en-GB" sz="1300" kern="100" dirty="0">
+                <a:effectLst/>
+                <a:latin typeface="Aptos" panose="020B0004020202020204" pitchFamily="34" charset="0"/>
+                <a:ea typeface="Aptos" panose="020B0004020202020204" pitchFamily="34" charset="0"/>
+                <a:cs typeface="Times New Roman" panose="02020603050405020304" pitchFamily="18" charset="0"/>
+              </a:rPr>
+              <a:t>This allows for minimum clerical errors for the device maintenance.</a:t>
             </a:r>
           </a:p>
           <a:p>
-            <a:pPr lvl="1"/>
+            <a:pPr marL="342900" lvl="0" indent="-342900">
+              <a:lnSpc>
+                <a:spcPct val="115000"/>
+              </a:lnSpc>
+              <a:buFont typeface="Symbol" panose="05050102010706020507" pitchFamily="18" charset="2"/>
+              <a:buChar char=""/>
+            </a:pPr>
             <a:r>
-              <a:rPr lang="en-GB" sz="1400" dirty="0"/>
-              <a:t>Ensures comprehensive </a:t>
-            </a:r>
-            <a:r>
-              <a:rPr lang="en-GB" sz="1400" dirty="0" err="1"/>
-              <a:t>Maintence</a:t>
-            </a:r>
-            <a:r>
-              <a:rPr lang="en-GB" sz="1400" dirty="0"/>
-              <a:t> record maintained </a:t>
+              <a:rPr lang="en-GB" sz="1400" kern="100" dirty="0">
+                <a:effectLst/>
+                <a:latin typeface="Aptos" panose="020B0004020202020204" pitchFamily="34" charset="0"/>
+                <a:ea typeface="Aptos" panose="020B0004020202020204" pitchFamily="34" charset="0"/>
+                <a:cs typeface="Times New Roman" panose="02020603050405020304" pitchFamily="18" charset="0"/>
+              </a:rPr>
+              <a:t>Flexible Solution</a:t>
             </a:r>
           </a:p>
           <a:p>
+            <a:pPr marL="742950" lvl="1" indent="-285750">
+              <a:lnSpc>
+                <a:spcPct val="115000"/>
+              </a:lnSpc>
+              <a:buFont typeface="Courier New" panose="02070309020205020404" pitchFamily="49" charset="0"/>
+              <a:buChar char="o"/>
+            </a:pPr>
             <a:r>
-              <a:rPr lang="en-GB" sz="1400" dirty="0"/>
-              <a:t>Scalable architecture</a:t>
+              <a:rPr lang="en-GB" sz="1300" kern="100" dirty="0">
+                <a:effectLst/>
+                <a:latin typeface="Aptos" panose="020B0004020202020204" pitchFamily="34" charset="0"/>
+                <a:ea typeface="Aptos" panose="020B0004020202020204" pitchFamily="34" charset="0"/>
+                <a:cs typeface="Times New Roman" panose="02020603050405020304" pitchFamily="18" charset="0"/>
+              </a:rPr>
+              <a:t>Will accommodate wide range of devices</a:t>
             </a:r>
           </a:p>
           <a:p>
-            <a:pPr lvl="1"/>
+            <a:pPr marL="742950" lvl="1" indent="-285750">
+              <a:lnSpc>
+                <a:spcPct val="115000"/>
+              </a:lnSpc>
+              <a:buFont typeface="Courier New" panose="02070309020205020404" pitchFamily="49" charset="0"/>
+              <a:buChar char="o"/>
+            </a:pPr>
             <a:r>
-              <a:rPr lang="en-GB" sz="1400" dirty="0"/>
-              <a:t>From 5 devices to 500</a:t>
+              <a:rPr lang="en-GB" sz="1300" kern="100" dirty="0">
+                <a:effectLst/>
+                <a:latin typeface="Aptos" panose="020B0004020202020204" pitchFamily="34" charset="0"/>
+                <a:ea typeface="Aptos" panose="020B0004020202020204" pitchFamily="34" charset="0"/>
+                <a:cs typeface="Times New Roman" panose="02020603050405020304" pitchFamily="18" charset="0"/>
+              </a:rPr>
+              <a:t>Flexible grouping and tagging of devices</a:t>
             </a:r>
           </a:p>
           <a:p>
@@ -45258,7 +45209,7 @@
 </p:sld>
 </file>
 
-<file path=ppt/slides/slide8.xml><?xml version="1.0" encoding="utf-8"?>
+<file path=ppt/slides/slide7.xml><?xml version="1.0" encoding="utf-8"?>
 <p:sld xmlns:a="http://schemas.openxmlformats.org/drawingml/2006/main" xmlns:r="http://schemas.openxmlformats.org/officeDocument/2006/relationships" xmlns:p="http://schemas.openxmlformats.org/presentationml/2006/main">
   <p:cSld>
     <p:spTree>
@@ -45341,7 +45292,7 @@
 </p:sld>
 </file>
 
-<file path=ppt/slides/slide9.xml><?xml version="1.0" encoding="utf-8"?>
+<file path=ppt/slides/slide8.xml><?xml version="1.0" encoding="utf-8"?>
 <p:sld xmlns:a="http://schemas.openxmlformats.org/drawingml/2006/main" xmlns:r="http://schemas.openxmlformats.org/officeDocument/2006/relationships" xmlns:p="http://schemas.openxmlformats.org/presentationml/2006/main">
   <p:cSld>
     <p:bg>
@@ -45469,6 +45420,143 @@
     <p:extLst>
       <p:ext uri="{BB962C8B-B14F-4D97-AF65-F5344CB8AC3E}">
         <p14:creationId xmlns:p14="http://schemas.microsoft.com/office/powerpoint/2010/main" val="2371978662"/>
+      </p:ext>
+    </p:extLst>
+  </p:cSld>
+  <p:clrMapOvr>
+    <a:masterClrMapping/>
+  </p:clrMapOvr>
+</p:sld>
+</file>
+
+<file path=ppt/slides/slide9.xml><?xml version="1.0" encoding="utf-8"?>
+<p:sld xmlns:a="http://schemas.openxmlformats.org/drawingml/2006/main" xmlns:r="http://schemas.openxmlformats.org/officeDocument/2006/relationships" xmlns:p="http://schemas.openxmlformats.org/presentationml/2006/main">
+  <p:cSld>
+    <p:bg>
+      <p:bgPr>
+        <a:gradFill rotWithShape="1">
+          <a:gsLst>
+            <a:gs pos="0">
+              <a:schemeClr val="bg2">
+                <a:tint val="96000"/>
+                <a:shade val="100000"/>
+                <a:hueMod val="270000"/>
+                <a:satMod val="200000"/>
+                <a:lumMod val="128000"/>
+              </a:schemeClr>
+            </a:gs>
+            <a:gs pos="50000">
+              <a:schemeClr val="bg2">
+                <a:shade val="100000"/>
+                <a:hueMod val="100000"/>
+                <a:satMod val="110000"/>
+                <a:lumMod val="130000"/>
+              </a:schemeClr>
+            </a:gs>
+            <a:gs pos="100000">
+              <a:schemeClr val="bg2">
+                <a:shade val="78000"/>
+                <a:hueMod val="44000"/>
+                <a:satMod val="200000"/>
+                <a:lumMod val="69000"/>
+              </a:schemeClr>
+            </a:gs>
+          </a:gsLst>
+          <a:lin ang="2520000" scaled="0"/>
+        </a:gradFill>
+        <a:effectLst/>
+      </p:bgPr>
+    </p:bg>
+    <p:spTree>
+      <p:nvGrpSpPr>
+        <p:cNvPr id="1" name="">
+          <a:extLst>
+            <a:ext uri="{FF2B5EF4-FFF2-40B4-BE49-F238E27FC236}">
+              <a16:creationId xmlns:a16="http://schemas.microsoft.com/office/drawing/2014/main" id="{C7A0CA4F-B3DF-FCE1-A730-F4EA1A6AB213}"/>
+            </a:ext>
+          </a:extLst>
+        </p:cNvPr>
+        <p:cNvGrpSpPr/>
+        <p:nvPr/>
+      </p:nvGrpSpPr>
+      <p:grpSpPr>
+        <a:xfrm>
+          <a:off x="0" y="0"/>
+          <a:ext cx="0" cy="0"/>
+          <a:chOff x="0" y="0"/>
+          <a:chExt cx="0" cy="0"/>
+        </a:xfrm>
+      </p:grpSpPr>
+      <p:sp>
+        <p:nvSpPr>
+          <p:cNvPr id="2" name="Title 1">
+            <a:extLst>
+              <a:ext uri="{FF2B5EF4-FFF2-40B4-BE49-F238E27FC236}">
+                <a16:creationId xmlns:a16="http://schemas.microsoft.com/office/drawing/2014/main" id="{0E31FD7B-E3A4-FFC3-37DE-4A27C0957E55}"/>
+              </a:ext>
+            </a:extLst>
+          </p:cNvPr>
+          <p:cNvSpPr>
+            <a:spLocks noGrp="1"/>
+          </p:cNvSpPr>
+          <p:nvPr>
+            <p:ph type="title"/>
+          </p:nvPr>
+        </p:nvSpPr>
+        <p:spPr>
+          <a:xfrm>
+            <a:off x="680321" y="753228"/>
+            <a:ext cx="9613861" cy="1080938"/>
+          </a:xfrm>
+        </p:spPr>
+        <p:txBody>
+          <a:bodyPr>
+            <a:normAutofit/>
+          </a:bodyPr>
+          <a:lstStyle/>
+          <a:p>
+            <a:r>
+              <a:rPr lang="en-GB" dirty="0"/>
+              <a:t>IoT Storage Requirements</a:t>
+            </a:r>
+          </a:p>
+        </p:txBody>
+      </p:sp>
+      <p:graphicFrame>
+        <p:nvGraphicFramePr>
+          <p:cNvPr id="6" name="Content Placeholder 3">
+            <a:extLst>
+              <a:ext uri="{FF2B5EF4-FFF2-40B4-BE49-F238E27FC236}">
+                <a16:creationId xmlns:a16="http://schemas.microsoft.com/office/drawing/2014/main" id="{3024C0A2-9A3C-B220-1479-04F56432AC50}"/>
+              </a:ext>
+            </a:extLst>
+          </p:cNvPr>
+          <p:cNvGraphicFramePr>
+            <a:graphicFrameLocks noGrp="1"/>
+          </p:cNvGraphicFramePr>
+          <p:nvPr>
+            <p:ph idx="1"/>
+            <p:extLst>
+              <p:ext uri="{D42A27DB-BD31-4B8C-83A1-F6EECF244321}">
+                <p14:modId xmlns:p14="http://schemas.microsoft.com/office/powerpoint/2010/main" val="274752124"/>
+              </p:ext>
+            </p:extLst>
+          </p:nvPr>
+        </p:nvGraphicFramePr>
+        <p:xfrm>
+          <a:off x="681037" y="2336800"/>
+          <a:ext cx="10830641" cy="3598863"/>
+        </p:xfrm>
+        <a:graphic>
+          <a:graphicData uri="http://schemas.openxmlformats.org/drawingml/2006/diagram">
+            <dgm:relIds xmlns:dgm="http://schemas.openxmlformats.org/drawingml/2006/diagram" xmlns:r="http://schemas.openxmlformats.org/officeDocument/2006/relationships" r:dm="rId2" r:lo="rId3" r:qs="rId4" r:cs="rId5"/>
+          </a:graphicData>
+        </a:graphic>
+      </p:graphicFrame>
+    </p:spTree>
+    <p:extLst>
+      <p:ext uri="{BB962C8B-B14F-4D97-AF65-F5344CB8AC3E}">
+        <p14:creationId xmlns:p14="http://schemas.microsoft.com/office/powerpoint/2010/main" val="843746850"/>
       </p:ext>
     </p:extLst>
   </p:cSld>

--- a/Paper WOrk/Presentation - FIna;.pptx
+++ b/Paper WOrk/Presentation - FIna;.pptx
@@ -30184,7 +30184,7 @@
           <a:p>
             <a:fld id="{A8156B9F-B356-4EBF-91D4-2E5310C721CD}" type="datetimeFigureOut">
               <a:rPr lang="en-GB" smtClean="0"/>
-              <a:t>16/01/2025</a:t>
+              <a:t>17/01/2025</a:t>
             </a:fld>
             <a:endParaRPr lang="en-GB"/>
           </a:p>
@@ -32624,7 +32624,7 @@
           <a:p>
             <a:fld id="{002B8F4B-2B18-452D-8E80-D6E4D39031F0}" type="datetimeFigureOut">
               <a:rPr lang="en-GB" smtClean="0"/>
-              <a:t>16/01/2025</a:t>
+              <a:t>17/01/2025</a:t>
             </a:fld>
             <a:endParaRPr lang="en-GB"/>
           </a:p>
@@ -33038,7 +33038,7 @@
           <a:p>
             <a:fld id="{002B8F4B-2B18-452D-8E80-D6E4D39031F0}" type="datetimeFigureOut">
               <a:rPr lang="en-GB" smtClean="0"/>
-              <a:t>16/01/2025</a:t>
+              <a:t>17/01/2025</a:t>
             </a:fld>
             <a:endParaRPr lang="en-GB"/>
           </a:p>
@@ -33374,7 +33374,7 @@
           <a:p>
             <a:fld id="{002B8F4B-2B18-452D-8E80-D6E4D39031F0}" type="datetimeFigureOut">
               <a:rPr lang="en-GB" smtClean="0"/>
-              <a:t>16/01/2025</a:t>
+              <a:t>17/01/2025</a:t>
             </a:fld>
             <a:endParaRPr lang="en-GB"/>
           </a:p>
@@ -33779,7 +33779,7 @@
           <a:p>
             <a:fld id="{002B8F4B-2B18-452D-8E80-D6E4D39031F0}" type="datetimeFigureOut">
               <a:rPr lang="en-GB" smtClean="0"/>
-              <a:t>16/01/2025</a:t>
+              <a:t>17/01/2025</a:t>
             </a:fld>
             <a:endParaRPr lang="en-GB"/>
           </a:p>
@@ -34347,7 +34347,7 @@
           <a:p>
             <a:fld id="{002B8F4B-2B18-452D-8E80-D6E4D39031F0}" type="datetimeFigureOut">
               <a:rPr lang="en-GB" smtClean="0"/>
-              <a:t>16/01/2025</a:t>
+              <a:t>17/01/2025</a:t>
             </a:fld>
             <a:endParaRPr lang="en-GB"/>
           </a:p>
@@ -35028,7 +35028,7 @@
           <a:p>
             <a:fld id="{002B8F4B-2B18-452D-8E80-D6E4D39031F0}" type="datetimeFigureOut">
               <a:rPr lang="en-GB" smtClean="0"/>
-              <a:t>16/01/2025</a:t>
+              <a:t>17/01/2025</a:t>
             </a:fld>
             <a:endParaRPr lang="en-GB"/>
           </a:p>
@@ -35941,7 +35941,7 @@
           <a:p>
             <a:fld id="{002B8F4B-2B18-452D-8E80-D6E4D39031F0}" type="datetimeFigureOut">
               <a:rPr lang="en-GB" smtClean="0"/>
-              <a:t>16/01/2025</a:t>
+              <a:t>17/01/2025</a:t>
             </a:fld>
             <a:endParaRPr lang="en-GB"/>
           </a:p>
@@ -36254,7 +36254,7 @@
           <a:p>
             <a:fld id="{002B8F4B-2B18-452D-8E80-D6E4D39031F0}" type="datetimeFigureOut">
               <a:rPr lang="en-GB" smtClean="0"/>
-              <a:t>16/01/2025</a:t>
+              <a:t>17/01/2025</a:t>
             </a:fld>
             <a:endParaRPr lang="en-GB"/>
           </a:p>
@@ -36518,7 +36518,7 @@
           <a:p>
             <a:fld id="{002B8F4B-2B18-452D-8E80-D6E4D39031F0}" type="datetimeFigureOut">
               <a:rPr lang="en-GB" smtClean="0"/>
-              <a:t>16/01/2025</a:t>
+              <a:t>17/01/2025</a:t>
             </a:fld>
             <a:endParaRPr lang="en-GB"/>
           </a:p>
@@ -36841,7 +36841,7 @@
           <a:p>
             <a:fld id="{002B8F4B-2B18-452D-8E80-D6E4D39031F0}" type="datetimeFigureOut">
               <a:rPr lang="en-GB" smtClean="0"/>
-              <a:t>16/01/2025</a:t>
+              <a:t>17/01/2025</a:t>
             </a:fld>
             <a:endParaRPr lang="en-GB"/>
           </a:p>
@@ -37230,7 +37230,7 @@
           <a:p>
             <a:fld id="{002B8F4B-2B18-452D-8E80-D6E4D39031F0}" type="datetimeFigureOut">
               <a:rPr lang="en-GB" smtClean="0"/>
-              <a:t>16/01/2025</a:t>
+              <a:t>17/01/2025</a:t>
             </a:fld>
             <a:endParaRPr lang="en-GB"/>
           </a:p>
@@ -37606,7 +37606,7 @@
           <a:p>
             <a:fld id="{002B8F4B-2B18-452D-8E80-D6E4D39031F0}" type="datetimeFigureOut">
               <a:rPr lang="en-GB" smtClean="0"/>
-              <a:t>16/01/2025</a:t>
+              <a:t>17/01/2025</a:t>
             </a:fld>
             <a:endParaRPr lang="en-GB"/>
           </a:p>
@@ -38112,7 +38112,7 @@
           <a:p>
             <a:fld id="{002B8F4B-2B18-452D-8E80-D6E4D39031F0}" type="datetimeFigureOut">
               <a:rPr lang="en-GB" smtClean="0"/>
-              <a:t>16/01/2025</a:t>
+              <a:t>17/01/2025</a:t>
             </a:fld>
             <a:endParaRPr lang="en-GB"/>
           </a:p>
@@ -38369,7 +38369,7 @@
           <a:p>
             <a:fld id="{002B8F4B-2B18-452D-8E80-D6E4D39031F0}" type="datetimeFigureOut">
               <a:rPr lang="en-GB" smtClean="0"/>
-              <a:t>16/01/2025</a:t>
+              <a:t>17/01/2025</a:t>
             </a:fld>
             <a:endParaRPr lang="en-GB"/>
           </a:p>
@@ -38532,7 +38532,7 @@
           <a:p>
             <a:fld id="{002B8F4B-2B18-452D-8E80-D6E4D39031F0}" type="datetimeFigureOut">
               <a:rPr lang="en-GB" smtClean="0"/>
-              <a:t>16/01/2025</a:t>
+              <a:t>17/01/2025</a:t>
             </a:fld>
             <a:endParaRPr lang="en-GB"/>
           </a:p>
@@ -38922,7 +38922,7 @@
           <a:p>
             <a:fld id="{002B8F4B-2B18-452D-8E80-D6E4D39031F0}" type="datetimeFigureOut">
               <a:rPr lang="en-GB" smtClean="0"/>
-              <a:t>16/01/2025</a:t>
+              <a:t>17/01/2025</a:t>
             </a:fld>
             <a:endParaRPr lang="en-GB"/>
           </a:p>
@@ -39331,7 +39331,7 @@
           <a:p>
             <a:fld id="{002B8F4B-2B18-452D-8E80-D6E4D39031F0}" type="datetimeFigureOut">
               <a:rPr lang="en-GB" smtClean="0"/>
-              <a:t>16/01/2025</a:t>
+              <a:t>17/01/2025</a:t>
             </a:fld>
             <a:endParaRPr lang="en-GB"/>
           </a:p>
@@ -39606,7 +39606,7 @@
           <a:p>
             <a:fld id="{002B8F4B-2B18-452D-8E80-D6E4D39031F0}" type="datetimeFigureOut">
               <a:rPr lang="en-GB" smtClean="0"/>
-              <a:t>16/01/2025</a:t>
+              <a:t>17/01/2025</a:t>
             </a:fld>
             <a:endParaRPr lang="en-GB"/>
           </a:p>
@@ -40973,8 +40973,13 @@
           <a:p>
             <a:r>
               <a:rPr lang="en-GB" dirty="0"/>
-              <a:t>Nikodem Tom Joseph</a:t>
+              <a:t>Nikodem </a:t>
             </a:r>
+            <a:r>
+              <a:rPr lang="en-GB"/>
+              <a:t>Tom Joseph – Group 23</a:t>
+            </a:r>
+            <a:endParaRPr lang="en-GB" dirty="0"/>
           </a:p>
         </p:txBody>
       </p:sp>
@@ -43997,8 +44002,8 @@
           <a:lstStyle/>
           <a:p>
             <a:r>
-              <a:rPr lang="en-GB"/>
-              <a:t>What is it?</a:t>
+              <a:rPr lang="en-GB" dirty="0"/>
+              <a:t>What is an IoT Lifecycle?</a:t>
             </a:r>
           </a:p>
         </p:txBody>

--- a/Paper WOrk/Presentation - FIna;.pptx
+++ b/Paper WOrk/Presentation - FIna;.pptx
@@ -8035,10 +8035,10 @@
             </a:lnSpc>
           </a:pPr>
           <a:r>
-            <a:rPr lang="en-GB"/>
+            <a:rPr lang="en-GB" dirty="0"/>
             <a:t>Better tracking of device status and location</a:t>
           </a:r>
-          <a:endParaRPr lang="en-US"/>
+          <a:endParaRPr lang="en-US" dirty="0"/>
         </a:p>
       </dgm:t>
     </dgm:pt>
@@ -8064,49 +8064,6 @@
         </a:p>
       </dgm:t>
     </dgm:pt>
-    <dgm:pt modelId="{8513126B-9197-48FB-AAFB-D874D900732A}">
-      <dgm:prSet/>
-      <dgm:spPr/>
-      <dgm:t>
-        <a:bodyPr/>
-        <a:lstStyle/>
-        <a:p>
-          <a:pPr>
-            <a:lnSpc>
-              <a:spcPct val="100000"/>
-            </a:lnSpc>
-            <a:defRPr b="1"/>
-          </a:pPr>
-          <a:r>
-            <a:rPr lang="en-GB"/>
-            <a:t>Promotes Regular Maintenance</a:t>
-          </a:r>
-          <a:endParaRPr lang="en-US"/>
-        </a:p>
-      </dgm:t>
-    </dgm:pt>
-    <dgm:pt modelId="{95814F1A-8907-42A1-B754-D83022E9B938}" type="parTrans" cxnId="{6C54040C-4323-41D8-B337-25B3DAA4DCFF}">
-      <dgm:prSet/>
-      <dgm:spPr/>
-      <dgm:t>
-        <a:bodyPr/>
-        <a:lstStyle/>
-        <a:p>
-          <a:endParaRPr lang="en-US"/>
-        </a:p>
-      </dgm:t>
-    </dgm:pt>
-    <dgm:pt modelId="{6836D67E-8ED2-4568-AD26-F26E35CF1FCE}" type="sibTrans" cxnId="{6C54040C-4323-41D8-B337-25B3DAA4DCFF}">
-      <dgm:prSet/>
-      <dgm:spPr/>
-      <dgm:t>
-        <a:bodyPr/>
-        <a:lstStyle/>
-        <a:p>
-          <a:endParaRPr lang="en-US"/>
-        </a:p>
-      </dgm:t>
-    </dgm:pt>
     <dgm:pt modelId="{8FAB7546-78A9-464E-8395-98590D73C2D4}">
       <dgm:prSet/>
       <dgm:spPr/>
@@ -8119,11 +8076,7 @@
               <a:spcPct val="100000"/>
             </a:lnSpc>
           </a:pPr>
-          <a:r>
-            <a:rPr lang="en-GB"/>
-            <a:t>Proactive maintenance can prevent major issues.</a:t>
-          </a:r>
-          <a:endParaRPr lang="en-US"/>
+          <a:endParaRPr lang="en-US" dirty="0"/>
         </a:p>
       </dgm:t>
     </dgm:pt>
@@ -8139,91 +8092,6 @@
       </dgm:t>
     </dgm:pt>
     <dgm:pt modelId="{8F98DD87-A0C9-4B7B-96DC-B6DC6DA1FF09}" type="sibTrans" cxnId="{6C40BEA0-59AC-4429-BED5-5E60D4E2457C}">
-      <dgm:prSet/>
-      <dgm:spPr/>
-      <dgm:t>
-        <a:bodyPr/>
-        <a:lstStyle/>
-        <a:p>
-          <a:endParaRPr lang="en-US"/>
-        </a:p>
-      </dgm:t>
-    </dgm:pt>
-    <dgm:pt modelId="{895CD8E0-F2F5-45ED-80B6-9F252FBA79E6}">
-      <dgm:prSet/>
-      <dgm:spPr/>
-      <dgm:t>
-        <a:bodyPr/>
-        <a:lstStyle/>
-        <a:p>
-          <a:pPr>
-            <a:lnSpc>
-              <a:spcPct val="100000"/>
-            </a:lnSpc>
-          </a:pPr>
-          <a:r>
-            <a:rPr lang="en-GB"/>
-            <a:t>Reduces downtime</a:t>
-          </a:r>
-          <a:endParaRPr lang="en-US"/>
-        </a:p>
-      </dgm:t>
-    </dgm:pt>
-    <dgm:pt modelId="{3A5500E2-31F7-4523-833A-E9B923732303}" type="parTrans" cxnId="{9EB20C55-21BE-4557-9739-188FD667D916}">
-      <dgm:prSet/>
-      <dgm:spPr/>
-      <dgm:t>
-        <a:bodyPr/>
-        <a:lstStyle/>
-        <a:p>
-          <a:endParaRPr lang="en-US"/>
-        </a:p>
-      </dgm:t>
-    </dgm:pt>
-    <dgm:pt modelId="{15DDEA62-8EE4-4BE5-923F-8F9094586718}" type="sibTrans" cxnId="{9EB20C55-21BE-4557-9739-188FD667D916}">
-      <dgm:prSet/>
-      <dgm:spPr/>
-      <dgm:t>
-        <a:bodyPr/>
-        <a:lstStyle/>
-        <a:p>
-          <a:endParaRPr lang="en-US"/>
-        </a:p>
-      </dgm:t>
-    </dgm:pt>
-    <dgm:pt modelId="{65726495-8B20-471A-ABAE-EBB5D678AD75}">
-      <dgm:prSet/>
-      <dgm:spPr/>
-      <dgm:t>
-        <a:bodyPr/>
-        <a:lstStyle/>
-        <a:p>
-          <a:pPr>
-            <a:lnSpc>
-              <a:spcPct val="100000"/>
-            </a:lnSpc>
-            <a:defRPr b="1"/>
-          </a:pPr>
-          <a:r>
-            <a:rPr lang="en-GB"/>
-            <a:t>Improved Security</a:t>
-          </a:r>
-          <a:endParaRPr lang="en-US"/>
-        </a:p>
-      </dgm:t>
-    </dgm:pt>
-    <dgm:pt modelId="{681F1273-E68C-418A-B589-66341C010A70}" type="parTrans" cxnId="{17BC76CE-9E5A-49B9-A8CD-8A73D0865496}">
-      <dgm:prSet/>
-      <dgm:spPr/>
-      <dgm:t>
-        <a:bodyPr/>
-        <a:lstStyle/>
-        <a:p>
-          <a:endParaRPr lang="en-US"/>
-        </a:p>
-      </dgm:t>
-    </dgm:pt>
-    <dgm:pt modelId="{D09DC593-BBF7-4425-BB2B-3AA659E6B313}" type="sibTrans" cxnId="{17BC76CE-9E5A-49B9-A8CD-8A73D0865496}">
       <dgm:prSet/>
       <dgm:spPr/>
       <dgm:t>
@@ -8403,6 +8271,49 @@
         </a:p>
       </dgm:t>
     </dgm:pt>
+    <dgm:pt modelId="{65726495-8B20-471A-ABAE-EBB5D678AD75}">
+      <dgm:prSet/>
+      <dgm:spPr/>
+      <dgm:t>
+        <a:bodyPr/>
+        <a:lstStyle/>
+        <a:p>
+          <a:pPr>
+            <a:lnSpc>
+              <a:spcPct val="100000"/>
+            </a:lnSpc>
+            <a:defRPr b="1"/>
+          </a:pPr>
+          <a:r>
+            <a:rPr lang="en-GB"/>
+            <a:t>Improved Security</a:t>
+          </a:r>
+          <a:endParaRPr lang="en-US"/>
+        </a:p>
+      </dgm:t>
+    </dgm:pt>
+    <dgm:pt modelId="{D09DC593-BBF7-4425-BB2B-3AA659E6B313}" type="sibTrans" cxnId="{17BC76CE-9E5A-49B9-A8CD-8A73D0865496}">
+      <dgm:prSet/>
+      <dgm:spPr/>
+      <dgm:t>
+        <a:bodyPr/>
+        <a:lstStyle/>
+        <a:p>
+          <a:endParaRPr lang="en-US"/>
+        </a:p>
+      </dgm:t>
+    </dgm:pt>
+    <dgm:pt modelId="{681F1273-E68C-418A-B589-66341C010A70}" type="parTrans" cxnId="{17BC76CE-9E5A-49B9-A8CD-8A73D0865496}">
+      <dgm:prSet/>
+      <dgm:spPr/>
+      <dgm:t>
+        <a:bodyPr/>
+        <a:lstStyle/>
+        <a:p>
+          <a:endParaRPr lang="en-US"/>
+        </a:p>
+      </dgm:t>
+    </dgm:pt>
     <dgm:pt modelId="{80040C61-1364-4E9A-9F99-E53A7D815BA8}" type="pres">
       <dgm:prSet presAssocID="{B171D517-B4FB-4387-9344-69537B5AFAC3}" presName="root" presStyleCnt="0">
         <dgm:presLayoutVars>
@@ -8417,7 +8328,7 @@
       <dgm:spPr/>
     </dgm:pt>
     <dgm:pt modelId="{AE3CCB81-0A9C-46AF-A992-34C6AC2A3B82}" type="pres">
-      <dgm:prSet presAssocID="{11552BF9-395E-4A18-8E4A-39B244F2C1DC}" presName="iconRect" presStyleLbl="node1" presStyleIdx="0" presStyleCnt="6"/>
+      <dgm:prSet presAssocID="{11552BF9-395E-4A18-8E4A-39B244F2C1DC}" presName="iconRect" presStyleLbl="node1" presStyleIdx="0" presStyleCnt="5"/>
       <dgm:spPr>
         <a:blipFill>
           <a:blip xmlns:r="http://schemas.openxmlformats.org/officeDocument/2006/relationships" r:embed="rId1">
@@ -8449,7 +8360,7 @@
       <dgm:spPr/>
     </dgm:pt>
     <dgm:pt modelId="{9A841D41-5891-406A-952A-40AD98E19080}" type="pres">
-      <dgm:prSet presAssocID="{11552BF9-395E-4A18-8E4A-39B244F2C1DC}" presName="parTx" presStyleLbl="revTx" presStyleIdx="0" presStyleCnt="12">
+      <dgm:prSet presAssocID="{11552BF9-395E-4A18-8E4A-39B244F2C1DC}" presName="parTx" presStyleLbl="revTx" presStyleIdx="0" presStyleCnt="10">
         <dgm:presLayoutVars>
           <dgm:chMax val="0"/>
           <dgm:chPref val="0"/>
@@ -8462,7 +8373,7 @@
       <dgm:spPr/>
     </dgm:pt>
     <dgm:pt modelId="{34A03152-26E9-4D09-8721-76C316FECB8B}" type="pres">
-      <dgm:prSet presAssocID="{11552BF9-395E-4A18-8E4A-39B244F2C1DC}" presName="desTx" presStyleLbl="revTx" presStyleIdx="1" presStyleCnt="12">
+      <dgm:prSet presAssocID="{11552BF9-395E-4A18-8E4A-39B244F2C1DC}" presName="desTx" presStyleLbl="revTx" presStyleIdx="1" presStyleCnt="10">
         <dgm:presLayoutVars/>
       </dgm:prSet>
       <dgm:spPr/>
@@ -8476,7 +8387,7 @@
       <dgm:spPr/>
     </dgm:pt>
     <dgm:pt modelId="{53D39885-2ECC-44FD-AEF5-15AC443D8312}" type="pres">
-      <dgm:prSet presAssocID="{D38AC690-D927-4131-9E24-CE21A8DC95DD}" presName="iconRect" presStyleLbl="node1" presStyleIdx="1" presStyleCnt="6"/>
+      <dgm:prSet presAssocID="{D38AC690-D927-4131-9E24-CE21A8DC95DD}" presName="iconRect" presStyleLbl="node1" presStyleIdx="1" presStyleCnt="5"/>
       <dgm:spPr>
         <a:blipFill>
           <a:blip xmlns:r="http://schemas.openxmlformats.org/officeDocument/2006/relationships" r:embed="rId3">
@@ -8508,7 +8419,7 @@
       <dgm:spPr/>
     </dgm:pt>
     <dgm:pt modelId="{8B485884-AEB9-4D95-B38D-1BE38B8D2DB5}" type="pres">
-      <dgm:prSet presAssocID="{D38AC690-D927-4131-9E24-CE21A8DC95DD}" presName="parTx" presStyleLbl="revTx" presStyleIdx="2" presStyleCnt="12">
+      <dgm:prSet presAssocID="{D38AC690-D927-4131-9E24-CE21A8DC95DD}" presName="parTx" presStyleLbl="revTx" presStyleIdx="2" presStyleCnt="10">
         <dgm:presLayoutVars>
           <dgm:chMax val="0"/>
           <dgm:chPref val="0"/>
@@ -8521,7 +8432,7 @@
       <dgm:spPr/>
     </dgm:pt>
     <dgm:pt modelId="{461A8E01-B74D-4675-B78C-06E8E174A009}" type="pres">
-      <dgm:prSet presAssocID="{D38AC690-D927-4131-9E24-CE21A8DC95DD}" presName="desTx" presStyleLbl="revTx" presStyleIdx="3" presStyleCnt="12">
+      <dgm:prSet presAssocID="{D38AC690-D927-4131-9E24-CE21A8DC95DD}" presName="desTx" presStyleLbl="revTx" presStyleIdx="3" presStyleCnt="10">
         <dgm:presLayoutVars/>
       </dgm:prSet>
       <dgm:spPr/>
@@ -8535,7 +8446,7 @@
       <dgm:spPr/>
     </dgm:pt>
     <dgm:pt modelId="{F2B9EB51-CD9A-4C0E-8F66-E87E4E76D26A}" type="pres">
-      <dgm:prSet presAssocID="{056796BC-F533-4F7F-A8C7-64BF53E91A17}" presName="iconRect" presStyleLbl="node1" presStyleIdx="2" presStyleCnt="6"/>
+      <dgm:prSet presAssocID="{056796BC-F533-4F7F-A8C7-64BF53E91A17}" presName="iconRect" presStyleLbl="node1" presStyleIdx="2" presStyleCnt="5"/>
       <dgm:spPr>
         <a:blipFill>
           <a:blip xmlns:r="http://schemas.openxmlformats.org/officeDocument/2006/relationships" r:embed="rId5">
@@ -8567,7 +8478,7 @@
       <dgm:spPr/>
     </dgm:pt>
     <dgm:pt modelId="{335FC36D-14A3-49CE-A91C-D2977D8C4631}" type="pres">
-      <dgm:prSet presAssocID="{056796BC-F533-4F7F-A8C7-64BF53E91A17}" presName="parTx" presStyleLbl="revTx" presStyleIdx="4" presStyleCnt="12">
+      <dgm:prSet presAssocID="{056796BC-F533-4F7F-A8C7-64BF53E91A17}" presName="parTx" presStyleLbl="revTx" presStyleIdx="4" presStyleCnt="10">
         <dgm:presLayoutVars>
           <dgm:chMax val="0"/>
           <dgm:chPref val="0"/>
@@ -8580,7 +8491,7 @@
       <dgm:spPr/>
     </dgm:pt>
     <dgm:pt modelId="{DF4B7402-976C-47B0-9CC0-BA56EE2C4F7D}" type="pres">
-      <dgm:prSet presAssocID="{056796BC-F533-4F7F-A8C7-64BF53E91A17}" presName="desTx" presStyleLbl="revTx" presStyleIdx="5" presStyleCnt="12">
+      <dgm:prSet presAssocID="{056796BC-F533-4F7F-A8C7-64BF53E91A17}" presName="desTx" presStyleLbl="revTx" presStyleIdx="5" presStyleCnt="10">
         <dgm:presLayoutVars/>
       </dgm:prSet>
       <dgm:spPr/>
@@ -8589,12 +8500,12 @@
       <dgm:prSet presAssocID="{F52C1996-520C-4AD2-841D-4B0D6EB17FB9}" presName="sibTrans" presStyleCnt="0"/>
       <dgm:spPr/>
     </dgm:pt>
-    <dgm:pt modelId="{D8DA8C99-2364-4A19-8230-08651E01E568}" type="pres">
-      <dgm:prSet presAssocID="{8513126B-9197-48FB-AAFB-D874D900732A}" presName="compNode" presStyleCnt="0"/>
+    <dgm:pt modelId="{D15B5EBD-6A28-4C9D-A62A-517B3FB2469A}" type="pres">
+      <dgm:prSet presAssocID="{65726495-8B20-471A-ABAE-EBB5D678AD75}" presName="compNode" presStyleCnt="0"/>
       <dgm:spPr/>
     </dgm:pt>
-    <dgm:pt modelId="{7F0ABC98-9525-45A9-8CCD-03C14E0F288A}" type="pres">
-      <dgm:prSet presAssocID="{8513126B-9197-48FB-AAFB-D874D900732A}" presName="iconRect" presStyleLbl="node1" presStyleIdx="3" presStyleCnt="6"/>
+    <dgm:pt modelId="{3FE96A76-D47D-4F9D-AA01-0F571AB0DB59}" type="pres">
+      <dgm:prSet presAssocID="{65726495-8B20-471A-ABAE-EBB5D678AD75}" presName="iconRect" presStyleLbl="node1" presStyleIdx="3" presStyleCnt="5"/>
       <dgm:spPr>
         <a:blipFill>
           <a:blip xmlns:r="http://schemas.openxmlformats.org/officeDocument/2006/relationships" r:embed="rId7">
@@ -8617,16 +8528,16 @@
       </dgm:spPr>
       <dgm:extLst>
         <a:ext uri="{E40237B7-FDA0-4F09-8148-C483321AD2D9}">
-          <dgm14:cNvPr xmlns:dgm14="http://schemas.microsoft.com/office/drawing/2010/diagram" id="0" name="" descr="Electrician"/>
+          <dgm14:cNvPr xmlns:dgm14="http://schemas.microsoft.com/office/drawing/2010/diagram" id="0" name="" descr="Lock"/>
         </a:ext>
       </dgm:extLst>
     </dgm:pt>
-    <dgm:pt modelId="{35CB879F-A92B-4C19-B088-C1BE3A51188E}" type="pres">
-      <dgm:prSet presAssocID="{8513126B-9197-48FB-AAFB-D874D900732A}" presName="iconSpace" presStyleCnt="0"/>
+    <dgm:pt modelId="{F15F9F16-600E-49D3-A7C6-611A5698D76C}" type="pres">
+      <dgm:prSet presAssocID="{65726495-8B20-471A-ABAE-EBB5D678AD75}" presName="iconSpace" presStyleCnt="0"/>
       <dgm:spPr/>
     </dgm:pt>
-    <dgm:pt modelId="{6AC782B9-B62D-4946-8F31-2CC1D45098F6}" type="pres">
-      <dgm:prSet presAssocID="{8513126B-9197-48FB-AAFB-D874D900732A}" presName="parTx" presStyleLbl="revTx" presStyleIdx="6" presStyleCnt="12">
+    <dgm:pt modelId="{378C73F9-D891-44A5-AB3A-11D822A2C562}" type="pres">
+      <dgm:prSet presAssocID="{65726495-8B20-471A-ABAE-EBB5D678AD75}" presName="parTx" presStyleLbl="revTx" presStyleIdx="6" presStyleCnt="10">
         <dgm:presLayoutVars>
           <dgm:chMax val="0"/>
           <dgm:chPref val="0"/>
@@ -8634,26 +8545,26 @@
       </dgm:prSet>
       <dgm:spPr/>
     </dgm:pt>
-    <dgm:pt modelId="{C3284B3E-DDCD-4FD1-A53F-6D23D6F23A76}" type="pres">
-      <dgm:prSet presAssocID="{8513126B-9197-48FB-AAFB-D874D900732A}" presName="txSpace" presStyleCnt="0"/>
+    <dgm:pt modelId="{B5AAB021-6AEB-4907-A661-3574852AFCB3}" type="pres">
+      <dgm:prSet presAssocID="{65726495-8B20-471A-ABAE-EBB5D678AD75}" presName="txSpace" presStyleCnt="0"/>
       <dgm:spPr/>
     </dgm:pt>
-    <dgm:pt modelId="{CC2D0760-A5BF-4C4C-8484-2A036E2057E9}" type="pres">
-      <dgm:prSet presAssocID="{8513126B-9197-48FB-AAFB-D874D900732A}" presName="desTx" presStyleLbl="revTx" presStyleIdx="7" presStyleCnt="12">
+    <dgm:pt modelId="{D1F1C2A2-50A8-4FEC-AF85-6345E0E9B353}" type="pres">
+      <dgm:prSet presAssocID="{65726495-8B20-471A-ABAE-EBB5D678AD75}" presName="desTx" presStyleLbl="revTx" presStyleIdx="7" presStyleCnt="10">
         <dgm:presLayoutVars/>
       </dgm:prSet>
       <dgm:spPr/>
     </dgm:pt>
-    <dgm:pt modelId="{4545E89A-CB34-40E2-8210-4BC64788F1D9}" type="pres">
-      <dgm:prSet presAssocID="{6836D67E-8ED2-4568-AD26-F26E35CF1FCE}" presName="sibTrans" presStyleCnt="0"/>
+    <dgm:pt modelId="{E9FB363C-6F4F-46CE-9B15-6D95FE546161}" type="pres">
+      <dgm:prSet presAssocID="{D09DC593-BBF7-4425-BB2B-3AA659E6B313}" presName="sibTrans" presStyleCnt="0"/>
       <dgm:spPr/>
     </dgm:pt>
-    <dgm:pt modelId="{D15B5EBD-6A28-4C9D-A62A-517B3FB2469A}" type="pres">
-      <dgm:prSet presAssocID="{65726495-8B20-471A-ABAE-EBB5D678AD75}" presName="compNode" presStyleCnt="0"/>
+    <dgm:pt modelId="{42BFD289-540E-432F-B0DF-CDB3934C134F}" type="pres">
+      <dgm:prSet presAssocID="{C1005E47-962D-40DC-AE61-118D25090C74}" presName="compNode" presStyleCnt="0"/>
       <dgm:spPr/>
     </dgm:pt>
-    <dgm:pt modelId="{3FE96A76-D47D-4F9D-AA01-0F571AB0DB59}" type="pres">
-      <dgm:prSet presAssocID="{65726495-8B20-471A-ABAE-EBB5D678AD75}" presName="iconRect" presStyleLbl="node1" presStyleIdx="4" presStyleCnt="6"/>
+    <dgm:pt modelId="{AE6A0FB3-CCAC-464A-8846-ABD81B0D505E}" type="pres">
+      <dgm:prSet presAssocID="{C1005E47-962D-40DC-AE61-118D25090C74}" presName="iconRect" presStyleLbl="node1" presStyleIdx="4" presStyleCnt="5"/>
       <dgm:spPr>
         <a:blipFill>
           <a:blip xmlns:r="http://schemas.openxmlformats.org/officeDocument/2006/relationships" r:embed="rId9">
@@ -8676,65 +8587,6 @@
       </dgm:spPr>
       <dgm:extLst>
         <a:ext uri="{E40237B7-FDA0-4F09-8148-C483321AD2D9}">
-          <dgm14:cNvPr xmlns:dgm14="http://schemas.microsoft.com/office/drawing/2010/diagram" id="0" name="" descr="Lock"/>
-        </a:ext>
-      </dgm:extLst>
-    </dgm:pt>
-    <dgm:pt modelId="{F15F9F16-600E-49D3-A7C6-611A5698D76C}" type="pres">
-      <dgm:prSet presAssocID="{65726495-8B20-471A-ABAE-EBB5D678AD75}" presName="iconSpace" presStyleCnt="0"/>
-      <dgm:spPr/>
-    </dgm:pt>
-    <dgm:pt modelId="{378C73F9-D891-44A5-AB3A-11D822A2C562}" type="pres">
-      <dgm:prSet presAssocID="{65726495-8B20-471A-ABAE-EBB5D678AD75}" presName="parTx" presStyleLbl="revTx" presStyleIdx="8" presStyleCnt="12">
-        <dgm:presLayoutVars>
-          <dgm:chMax val="0"/>
-          <dgm:chPref val="0"/>
-        </dgm:presLayoutVars>
-      </dgm:prSet>
-      <dgm:spPr/>
-    </dgm:pt>
-    <dgm:pt modelId="{B5AAB021-6AEB-4907-A661-3574852AFCB3}" type="pres">
-      <dgm:prSet presAssocID="{65726495-8B20-471A-ABAE-EBB5D678AD75}" presName="txSpace" presStyleCnt="0"/>
-      <dgm:spPr/>
-    </dgm:pt>
-    <dgm:pt modelId="{D1F1C2A2-50A8-4FEC-AF85-6345E0E9B353}" type="pres">
-      <dgm:prSet presAssocID="{65726495-8B20-471A-ABAE-EBB5D678AD75}" presName="desTx" presStyleLbl="revTx" presStyleIdx="9" presStyleCnt="12">
-        <dgm:presLayoutVars/>
-      </dgm:prSet>
-      <dgm:spPr/>
-    </dgm:pt>
-    <dgm:pt modelId="{E9FB363C-6F4F-46CE-9B15-6D95FE546161}" type="pres">
-      <dgm:prSet presAssocID="{D09DC593-BBF7-4425-BB2B-3AA659E6B313}" presName="sibTrans" presStyleCnt="0"/>
-      <dgm:spPr/>
-    </dgm:pt>
-    <dgm:pt modelId="{42BFD289-540E-432F-B0DF-CDB3934C134F}" type="pres">
-      <dgm:prSet presAssocID="{C1005E47-962D-40DC-AE61-118D25090C74}" presName="compNode" presStyleCnt="0"/>
-      <dgm:spPr/>
-    </dgm:pt>
-    <dgm:pt modelId="{AE6A0FB3-CCAC-464A-8846-ABD81B0D505E}" type="pres">
-      <dgm:prSet presAssocID="{C1005E47-962D-40DC-AE61-118D25090C74}" presName="iconRect" presStyleLbl="node1" presStyleIdx="5" presStyleCnt="6"/>
-      <dgm:spPr>
-        <a:blipFill>
-          <a:blip xmlns:r="http://schemas.openxmlformats.org/officeDocument/2006/relationships" r:embed="rId11">
-            <a:extLst>
-              <a:ext uri="{28A0092B-C50C-407E-A947-70E740481C1C}">
-                <a14:useLocalDpi xmlns:a14="http://schemas.microsoft.com/office/drawing/2010/main" val="0"/>
-              </a:ext>
-              <a:ext uri="{96DAC541-7B7A-43D3-8B79-37D633B846F1}">
-                <asvg:svgBlip xmlns:asvg="http://schemas.microsoft.com/office/drawing/2016/SVG/main" r:embed="rId12"/>
-              </a:ext>
-            </a:extLst>
-          </a:blip>
-          <a:stretch>
-            <a:fillRect/>
-          </a:stretch>
-        </a:blipFill>
-        <a:ln>
-          <a:noFill/>
-        </a:ln>
-      </dgm:spPr>
-      <dgm:extLst>
-        <a:ext uri="{E40237B7-FDA0-4F09-8148-C483321AD2D9}">
           <dgm14:cNvPr xmlns:dgm14="http://schemas.microsoft.com/office/drawing/2010/diagram" id="0" name="" descr="Recycle"/>
         </a:ext>
       </dgm:extLst>
@@ -8744,7 +8596,7 @@
       <dgm:spPr/>
     </dgm:pt>
     <dgm:pt modelId="{773600E7-CC90-4CA6-A0AF-ED158AD6B105}" type="pres">
-      <dgm:prSet presAssocID="{C1005E47-962D-40DC-AE61-118D25090C74}" presName="parTx" presStyleLbl="revTx" presStyleIdx="10" presStyleCnt="12">
+      <dgm:prSet presAssocID="{C1005E47-962D-40DC-AE61-118D25090C74}" presName="parTx" presStyleLbl="revTx" presStyleIdx="8" presStyleCnt="10">
         <dgm:presLayoutVars>
           <dgm:chMax val="0"/>
           <dgm:chPref val="0"/>
@@ -8757,7 +8609,7 @@
       <dgm:spPr/>
     </dgm:pt>
     <dgm:pt modelId="{32AA61E5-6035-429F-B742-796A47B4CB8E}" type="pres">
-      <dgm:prSet presAssocID="{C1005E47-962D-40DC-AE61-118D25090C74}" presName="desTx" presStyleLbl="revTx" presStyleIdx="11" presStyleCnt="12">
+      <dgm:prSet presAssocID="{C1005E47-962D-40DC-AE61-118D25090C74}" presName="desTx" presStyleLbl="revTx" presStyleIdx="9" presStyleCnt="10">
         <dgm:presLayoutVars/>
       </dgm:prSet>
       <dgm:spPr/>
@@ -8765,8 +8617,7 @@
   </dgm:ptLst>
   <dgm:cxnLst>
     <dgm:cxn modelId="{D4341C09-3EA7-4835-B1A1-BD58D7E5E76B}" srcId="{D38AC690-D927-4131-9E24-CE21A8DC95DD}" destId="{FA494E31-3A3F-4E6A-AE5E-812E34089CB7}" srcOrd="0" destOrd="0" parTransId="{73C7F065-F065-41BD-9D93-EE420EBA3D6D}" sibTransId="{80A1EE07-78D0-4448-8CAB-EB72ADD987DC}"/>
-    <dgm:cxn modelId="{6C54040C-4323-41D8-B337-25B3DAA4DCFF}" srcId="{B171D517-B4FB-4387-9344-69537B5AFAC3}" destId="{8513126B-9197-48FB-AAFB-D874D900732A}" srcOrd="3" destOrd="0" parTransId="{95814F1A-8907-42A1-B754-D83022E9B938}" sibTransId="{6836D67E-8ED2-4568-AD26-F26E35CF1FCE}"/>
-    <dgm:cxn modelId="{884CDA0C-6EB4-442B-8A12-811FE3E67332}" srcId="{B171D517-B4FB-4387-9344-69537B5AFAC3}" destId="{C1005E47-962D-40DC-AE61-118D25090C74}" srcOrd="5" destOrd="0" parTransId="{62C8CA1B-3FB7-420B-AFA9-3CEE71390F93}" sibTransId="{5F33AAB7-2368-4E82-9227-36206ED0A2D3}"/>
+    <dgm:cxn modelId="{884CDA0C-6EB4-442B-8A12-811FE3E67332}" srcId="{B171D517-B4FB-4387-9344-69537B5AFAC3}" destId="{C1005E47-962D-40DC-AE61-118D25090C74}" srcOrd="4" destOrd="0" parTransId="{62C8CA1B-3FB7-420B-AFA9-3CEE71390F93}" sibTransId="{5F33AAB7-2368-4E82-9227-36206ED0A2D3}"/>
     <dgm:cxn modelId="{A58C9F32-68C0-4655-AC9D-6D6A117BDC0D}" type="presOf" srcId="{9A0A504D-48EC-4D9C-9F9B-D7C916E84940}" destId="{34A03152-26E9-4D09-8721-76C316FECB8B}" srcOrd="0" destOrd="1" presId="urn:microsoft.com/office/officeart/2018/2/layout/IconLabelDescriptionList"/>
     <dgm:cxn modelId="{822F8036-B812-4AA3-A6B8-62AAE91480A9}" type="presOf" srcId="{FA494E31-3A3F-4E6A-AE5E-812E34089CB7}" destId="{461A8E01-B74D-4675-B78C-06E8E174A009}" srcOrd="0" destOrd="0" presId="urn:microsoft.com/office/officeart/2018/2/layout/IconLabelDescriptionList"/>
     <dgm:cxn modelId="{E7131B3F-B9FA-46B0-9B4B-A20D03B16A6E}" type="presOf" srcId="{C1005E47-962D-40DC-AE61-118D25090C74}" destId="{773600E7-CC90-4CA6-A0AF-ED158AD6B105}" srcOrd="0" destOrd="0" presId="urn:microsoft.com/office/officeart/2018/2/layout/IconLabelDescriptionList"/>
@@ -8777,25 +8628,22 @@
     <dgm:cxn modelId="{B3A93E66-3588-421D-9405-8E43A17B357A}" type="presOf" srcId="{572F48C0-B55A-4B1E-B8A7-2DAAA9E46FBB}" destId="{461A8E01-B74D-4675-B78C-06E8E174A009}" srcOrd="0" destOrd="1" presId="urn:microsoft.com/office/officeart/2018/2/layout/IconLabelDescriptionList"/>
     <dgm:cxn modelId="{49FA6972-76FD-4EA3-A5D3-D59E59A203C9}" type="presOf" srcId="{056796BC-F533-4F7F-A8C7-64BF53E91A17}" destId="{335FC36D-14A3-49CE-A91C-D2977D8C4631}" srcOrd="0" destOrd="0" presId="urn:microsoft.com/office/officeart/2018/2/layout/IconLabelDescriptionList"/>
     <dgm:cxn modelId="{E2985072-E3B4-41FC-BCBD-CD91F43DC8B6}" srcId="{056796BC-F533-4F7F-A8C7-64BF53E91A17}" destId="{942B164E-3E5D-467B-822B-E4E9B33F6F2D}" srcOrd="0" destOrd="0" parTransId="{4DE7F5A8-1834-437E-89F9-77434769C940}" sibTransId="{5F1B8BD6-0D2B-40C9-BA91-665C1EED2DA6}"/>
-    <dgm:cxn modelId="{9EB20C55-21BE-4557-9739-188FD667D916}" srcId="{8513126B-9197-48FB-AAFB-D874D900732A}" destId="{895CD8E0-F2F5-45ED-80B6-9F252FBA79E6}" srcOrd="1" destOrd="0" parTransId="{3A5500E2-31F7-4523-833A-E9B923732303}" sibTransId="{15DDEA62-8EE4-4BE5-923F-8F9094586718}"/>
     <dgm:cxn modelId="{4FA07158-E802-4E78-9128-C231DDFF445B}" type="presOf" srcId="{D38AC690-D927-4131-9E24-CE21A8DC95DD}" destId="{8B485884-AEB9-4D95-B38D-1BE38B8D2DB5}" srcOrd="0" destOrd="0" presId="urn:microsoft.com/office/officeart/2018/2/layout/IconLabelDescriptionList"/>
-    <dgm:cxn modelId="{113F3779-08BC-4455-A276-1A297D40013B}" type="presOf" srcId="{895CD8E0-F2F5-45ED-80B6-9F252FBA79E6}" destId="{CC2D0760-A5BF-4C4C-8484-2A036E2057E9}" srcOrd="0" destOrd="1" presId="urn:microsoft.com/office/officeart/2018/2/layout/IconLabelDescriptionList"/>
     <dgm:cxn modelId="{C70B6C98-6A65-42CB-8A0E-6F81E7A332B0}" srcId="{056796BC-F533-4F7F-A8C7-64BF53E91A17}" destId="{102E805E-B7A0-4A6C-AB5C-106E8E4F5694}" srcOrd="1" destOrd="0" parTransId="{E9427081-017B-45A7-85EC-EE230226529E}" sibTransId="{2666BD46-5D77-46C9-A968-7BBB5C274D2D}"/>
-    <dgm:cxn modelId="{6C40BEA0-59AC-4429-BED5-5E60D4E2457C}" srcId="{8513126B-9197-48FB-AAFB-D874D900732A}" destId="{8FAB7546-78A9-464E-8395-98590D73C2D4}" srcOrd="0" destOrd="0" parTransId="{9D0634A3-B12A-443A-9525-7F8089A37333}" sibTransId="{8F98DD87-A0C9-4B7B-96DC-B6DC6DA1FF09}"/>
+    <dgm:cxn modelId="{6C40BEA0-59AC-4429-BED5-5E60D4E2457C}" srcId="{056796BC-F533-4F7F-A8C7-64BF53E91A17}" destId="{8FAB7546-78A9-464E-8395-98590D73C2D4}" srcOrd="2" destOrd="0" parTransId="{9D0634A3-B12A-443A-9525-7F8089A37333}" sibTransId="{8F98DD87-A0C9-4B7B-96DC-B6DC6DA1FF09}"/>
     <dgm:cxn modelId="{97C1D4A3-F5E5-4E05-B3EC-9FDB2E8EDEB4}" srcId="{11552BF9-395E-4A18-8E4A-39B244F2C1DC}" destId="{191CF5E5-C22F-42EB-943B-27F8FE1313FF}" srcOrd="0" destOrd="0" parTransId="{974E27A7-634D-47CD-B823-54E6B516A782}" sibTransId="{2D54A0F3-55A2-416B-81C4-DA1CB991FB8C}"/>
+    <dgm:cxn modelId="{8E3C6BA7-0E31-429E-907F-F3920DF7451D}" type="presOf" srcId="{8FAB7546-78A9-464E-8395-98590D73C2D4}" destId="{DF4B7402-976C-47B0-9CC0-BA56EE2C4F7D}" srcOrd="0" destOrd="2" presId="urn:microsoft.com/office/officeart/2018/2/layout/IconLabelDescriptionList"/>
     <dgm:cxn modelId="{79453FA8-AF38-43BB-AB45-89D9350A17AB}" type="presOf" srcId="{9274C8EC-71DB-4542-A6FE-D31D79455166}" destId="{32AA61E5-6035-429F-B742-796A47B4CB8E}" srcOrd="0" destOrd="1" presId="urn:microsoft.com/office/officeart/2018/2/layout/IconLabelDescriptionList"/>
-    <dgm:cxn modelId="{59B066A8-0118-497F-8388-7E4650F5D608}" type="presOf" srcId="{8513126B-9197-48FB-AAFB-D874D900732A}" destId="{6AC782B9-B62D-4946-8F31-2CC1D45098F6}" srcOrd="0" destOrd="0" presId="urn:microsoft.com/office/officeart/2018/2/layout/IconLabelDescriptionList"/>
     <dgm:cxn modelId="{440182C2-A981-4B0E-BCE2-D8E5F11D2E8E}" type="presOf" srcId="{65726495-8B20-471A-ABAE-EBB5D678AD75}" destId="{378C73F9-D891-44A5-AB3A-11D822A2C562}" srcOrd="0" destOrd="0" presId="urn:microsoft.com/office/officeart/2018/2/layout/IconLabelDescriptionList"/>
     <dgm:cxn modelId="{C66E8BC4-AB9E-4F2F-8B1A-25884E62365B}" srcId="{65726495-8B20-471A-ABAE-EBB5D678AD75}" destId="{3C2ED9CC-CEF9-471C-A190-71D1F2D2E802}" srcOrd="0" destOrd="0" parTransId="{19AB625B-013F-4A7F-A2C3-21193E22C6F2}" sibTransId="{2CD2709F-0253-40B0-8B53-D7FC2D846DB8}"/>
     <dgm:cxn modelId="{6733B3CB-2083-4DA7-926E-E356D5B7756C}" type="presOf" srcId="{11552BF9-395E-4A18-8E4A-39B244F2C1DC}" destId="{9A841D41-5891-406A-952A-40AD98E19080}" srcOrd="0" destOrd="0" presId="urn:microsoft.com/office/officeart/2018/2/layout/IconLabelDescriptionList"/>
-    <dgm:cxn modelId="{17BC76CE-9E5A-49B9-A8CD-8A73D0865496}" srcId="{B171D517-B4FB-4387-9344-69537B5AFAC3}" destId="{65726495-8B20-471A-ABAE-EBB5D678AD75}" srcOrd="4" destOrd="0" parTransId="{681F1273-E68C-418A-B589-66341C010A70}" sibTransId="{D09DC593-BBF7-4425-BB2B-3AA659E6B313}"/>
+    <dgm:cxn modelId="{17BC76CE-9E5A-49B9-A8CD-8A73D0865496}" srcId="{B171D517-B4FB-4387-9344-69537B5AFAC3}" destId="{65726495-8B20-471A-ABAE-EBB5D678AD75}" srcOrd="3" destOrd="0" parTransId="{681F1273-E68C-418A-B589-66341C010A70}" sibTransId="{D09DC593-BBF7-4425-BB2B-3AA659E6B313}"/>
     <dgm:cxn modelId="{1F9034D3-367C-46F8-B2E6-416816B87BA6}" srcId="{B171D517-B4FB-4387-9344-69537B5AFAC3}" destId="{D38AC690-D927-4131-9E24-CE21A8DC95DD}" srcOrd="1" destOrd="0" parTransId="{9FB024C6-8186-47A2-A7B3-DCFB4F864573}" sibTransId="{4BD60A0D-8B0D-490F-AE3C-BAE9CB5AA260}"/>
     <dgm:cxn modelId="{6D9F4AD3-16A0-457C-AF9C-1DD9638664DC}" type="presOf" srcId="{B171D517-B4FB-4387-9344-69537B5AFAC3}" destId="{80040C61-1364-4E9A-9F99-E53A7D815BA8}" srcOrd="0" destOrd="0" presId="urn:microsoft.com/office/officeart/2018/2/layout/IconLabelDescriptionList"/>
     <dgm:cxn modelId="{9FD49ED3-2B55-4BC9-A204-C4D275F3CD1F}" srcId="{11552BF9-395E-4A18-8E4A-39B244F2C1DC}" destId="{9A0A504D-48EC-4D9C-9F9B-D7C916E84940}" srcOrd="1" destOrd="0" parTransId="{79B8CACB-506A-41CB-A006-AB5A978FF06D}" sibTransId="{253E0B2B-5519-4C9E-9234-3E6B654CECA3}"/>
     <dgm:cxn modelId="{0986A3D7-069A-49C9-94A8-6F38164DE627}" srcId="{C1005E47-962D-40DC-AE61-118D25090C74}" destId="{9274C8EC-71DB-4542-A6FE-D31D79455166}" srcOrd="1" destOrd="0" parTransId="{CFCB64A0-6FAE-4E07-BF6B-876DE4958270}" sibTransId="{CBC4B25E-4737-41DA-8685-111B7B428E54}"/>
     <dgm:cxn modelId="{766048DD-F247-46A1-9539-45D129B8570E}" srcId="{C1005E47-962D-40DC-AE61-118D25090C74}" destId="{38BE78E0-BC44-4BB2-9F92-549AAE436B0A}" srcOrd="0" destOrd="0" parTransId="{11C82FF4-5463-407B-8190-32DDBD1373ED}" sibTransId="{AC4D3131-2D12-424A-98AD-43D9059BAE51}"/>
     <dgm:cxn modelId="{8CDE27E4-E56A-4FA7-A361-3CCC520E65C8}" type="presOf" srcId="{191CF5E5-C22F-42EB-943B-27F8FE1313FF}" destId="{34A03152-26E9-4D09-8721-76C316FECB8B}" srcOrd="0" destOrd="0" presId="urn:microsoft.com/office/officeart/2018/2/layout/IconLabelDescriptionList"/>
-    <dgm:cxn modelId="{127E12EC-46EF-423D-B579-7E63F0B5EF77}" type="presOf" srcId="{8FAB7546-78A9-464E-8395-98590D73C2D4}" destId="{CC2D0760-A5BF-4C4C-8484-2A036E2057E9}" srcOrd="0" destOrd="0" presId="urn:microsoft.com/office/officeart/2018/2/layout/IconLabelDescriptionList"/>
     <dgm:cxn modelId="{5C3C5EEF-3385-4EDE-8697-D31C655FD9F0}" srcId="{D38AC690-D927-4131-9E24-CE21A8DC95DD}" destId="{572F48C0-B55A-4B1E-B8A7-2DAAA9E46FBB}" srcOrd="1" destOrd="0" parTransId="{C1B97A9C-DEFC-4334-8874-980B542A1151}" sibTransId="{180F0FC7-6304-4722-8624-0F125BFEE0C6}"/>
     <dgm:cxn modelId="{B5C1E4F5-8AA2-4029-9A8E-F31099C00F4E}" srcId="{B171D517-B4FB-4387-9344-69537B5AFAC3}" destId="{11552BF9-395E-4A18-8E4A-39B244F2C1DC}" srcOrd="0" destOrd="0" parTransId="{CD9583EE-1A55-47C2-8598-B06A1D6DB72B}" sibTransId="{F9EAF9A4-A4B8-48E3-AEEA-37336919EFA3}"/>
     <dgm:cxn modelId="{1B01AFFC-3D82-46DA-AE5D-7D89D83AFDEB}" type="presOf" srcId="{38BE78E0-BC44-4BB2-9F92-549AAE436B0A}" destId="{32AA61E5-6035-429F-B742-796A47B4CB8E}" srcOrd="0" destOrd="0" presId="urn:microsoft.com/office/officeart/2018/2/layout/IconLabelDescriptionList"/>
@@ -8820,21 +8668,14 @@
     <dgm:cxn modelId="{0C36162C-F561-47FC-BD42-151354CC84D0}" type="presParOf" srcId="{42E59149-A61C-44E9-A322-B491E2E37730}" destId="{86A4A9DE-DEFB-4737-A54C-C3810BC78C4F}" srcOrd="3" destOrd="0" presId="urn:microsoft.com/office/officeart/2018/2/layout/IconLabelDescriptionList"/>
     <dgm:cxn modelId="{B569D746-264E-478D-B1E7-FDDF95AC7658}" type="presParOf" srcId="{42E59149-A61C-44E9-A322-B491E2E37730}" destId="{DF4B7402-976C-47B0-9CC0-BA56EE2C4F7D}" srcOrd="4" destOrd="0" presId="urn:microsoft.com/office/officeart/2018/2/layout/IconLabelDescriptionList"/>
     <dgm:cxn modelId="{68062F4B-0806-4861-8D6C-1E735D2E996B}" type="presParOf" srcId="{80040C61-1364-4E9A-9F99-E53A7D815BA8}" destId="{B29BD24B-789F-42FD-939C-705783650573}" srcOrd="5" destOrd="0" presId="urn:microsoft.com/office/officeart/2018/2/layout/IconLabelDescriptionList"/>
-    <dgm:cxn modelId="{62063267-5AC7-46E5-92E5-B5890D816CEA}" type="presParOf" srcId="{80040C61-1364-4E9A-9F99-E53A7D815BA8}" destId="{D8DA8C99-2364-4A19-8230-08651E01E568}" srcOrd="6" destOrd="0" presId="urn:microsoft.com/office/officeart/2018/2/layout/IconLabelDescriptionList"/>
-    <dgm:cxn modelId="{032F89D1-6971-4FE7-852F-5BCCA4E5BF5F}" type="presParOf" srcId="{D8DA8C99-2364-4A19-8230-08651E01E568}" destId="{7F0ABC98-9525-45A9-8CCD-03C14E0F288A}" srcOrd="0" destOrd="0" presId="urn:microsoft.com/office/officeart/2018/2/layout/IconLabelDescriptionList"/>
-    <dgm:cxn modelId="{51A4EE12-47D3-4E26-97B1-3829DFFD667D}" type="presParOf" srcId="{D8DA8C99-2364-4A19-8230-08651E01E568}" destId="{35CB879F-A92B-4C19-B088-C1BE3A51188E}" srcOrd="1" destOrd="0" presId="urn:microsoft.com/office/officeart/2018/2/layout/IconLabelDescriptionList"/>
-    <dgm:cxn modelId="{EB8BE718-4295-4352-8CAF-A574C1F5B04F}" type="presParOf" srcId="{D8DA8C99-2364-4A19-8230-08651E01E568}" destId="{6AC782B9-B62D-4946-8F31-2CC1D45098F6}" srcOrd="2" destOrd="0" presId="urn:microsoft.com/office/officeart/2018/2/layout/IconLabelDescriptionList"/>
-    <dgm:cxn modelId="{59D7038C-316B-4846-830A-7BF677A8905F}" type="presParOf" srcId="{D8DA8C99-2364-4A19-8230-08651E01E568}" destId="{C3284B3E-DDCD-4FD1-A53F-6D23D6F23A76}" srcOrd="3" destOrd="0" presId="urn:microsoft.com/office/officeart/2018/2/layout/IconLabelDescriptionList"/>
-    <dgm:cxn modelId="{F99A25A1-9897-47E6-9BF0-A93FB96EED38}" type="presParOf" srcId="{D8DA8C99-2364-4A19-8230-08651E01E568}" destId="{CC2D0760-A5BF-4C4C-8484-2A036E2057E9}" srcOrd="4" destOrd="0" presId="urn:microsoft.com/office/officeart/2018/2/layout/IconLabelDescriptionList"/>
-    <dgm:cxn modelId="{AAB46DDF-AB02-427A-BB10-A86395AB30AB}" type="presParOf" srcId="{80040C61-1364-4E9A-9F99-E53A7D815BA8}" destId="{4545E89A-CB34-40E2-8210-4BC64788F1D9}" srcOrd="7" destOrd="0" presId="urn:microsoft.com/office/officeart/2018/2/layout/IconLabelDescriptionList"/>
-    <dgm:cxn modelId="{333FD709-531B-4290-9F1B-B2FB40F2C307}" type="presParOf" srcId="{80040C61-1364-4E9A-9F99-E53A7D815BA8}" destId="{D15B5EBD-6A28-4C9D-A62A-517B3FB2469A}" srcOrd="8" destOrd="0" presId="urn:microsoft.com/office/officeart/2018/2/layout/IconLabelDescriptionList"/>
+    <dgm:cxn modelId="{333FD709-531B-4290-9F1B-B2FB40F2C307}" type="presParOf" srcId="{80040C61-1364-4E9A-9F99-E53A7D815BA8}" destId="{D15B5EBD-6A28-4C9D-A62A-517B3FB2469A}" srcOrd="6" destOrd="0" presId="urn:microsoft.com/office/officeart/2018/2/layout/IconLabelDescriptionList"/>
     <dgm:cxn modelId="{A2F444E5-7FFE-49FD-B531-BDE428B601EB}" type="presParOf" srcId="{D15B5EBD-6A28-4C9D-A62A-517B3FB2469A}" destId="{3FE96A76-D47D-4F9D-AA01-0F571AB0DB59}" srcOrd="0" destOrd="0" presId="urn:microsoft.com/office/officeart/2018/2/layout/IconLabelDescriptionList"/>
     <dgm:cxn modelId="{1473F997-E9D4-4FDB-B680-5B68468C1FE7}" type="presParOf" srcId="{D15B5EBD-6A28-4C9D-A62A-517B3FB2469A}" destId="{F15F9F16-600E-49D3-A7C6-611A5698D76C}" srcOrd="1" destOrd="0" presId="urn:microsoft.com/office/officeart/2018/2/layout/IconLabelDescriptionList"/>
     <dgm:cxn modelId="{FEE66300-37BA-4EBE-9546-B26FBE4796ED}" type="presParOf" srcId="{D15B5EBD-6A28-4C9D-A62A-517B3FB2469A}" destId="{378C73F9-D891-44A5-AB3A-11D822A2C562}" srcOrd="2" destOrd="0" presId="urn:microsoft.com/office/officeart/2018/2/layout/IconLabelDescriptionList"/>
     <dgm:cxn modelId="{7D4D03E5-5706-4505-AFF4-2F7EC02A5C36}" type="presParOf" srcId="{D15B5EBD-6A28-4C9D-A62A-517B3FB2469A}" destId="{B5AAB021-6AEB-4907-A661-3574852AFCB3}" srcOrd="3" destOrd="0" presId="urn:microsoft.com/office/officeart/2018/2/layout/IconLabelDescriptionList"/>
     <dgm:cxn modelId="{15EF7A36-7B06-4490-8765-E63E746DA9CF}" type="presParOf" srcId="{D15B5EBD-6A28-4C9D-A62A-517B3FB2469A}" destId="{D1F1C2A2-50A8-4FEC-AF85-6345E0E9B353}" srcOrd="4" destOrd="0" presId="urn:microsoft.com/office/officeart/2018/2/layout/IconLabelDescriptionList"/>
-    <dgm:cxn modelId="{2A74C65E-8D7F-4E67-8FFF-1A340FCDB319}" type="presParOf" srcId="{80040C61-1364-4E9A-9F99-E53A7D815BA8}" destId="{E9FB363C-6F4F-46CE-9B15-6D95FE546161}" srcOrd="9" destOrd="0" presId="urn:microsoft.com/office/officeart/2018/2/layout/IconLabelDescriptionList"/>
-    <dgm:cxn modelId="{C9EF982D-10CE-4E1F-8C26-7884DA97EBEF}" type="presParOf" srcId="{80040C61-1364-4E9A-9F99-E53A7D815BA8}" destId="{42BFD289-540E-432F-B0DF-CDB3934C134F}" srcOrd="10" destOrd="0" presId="urn:microsoft.com/office/officeart/2018/2/layout/IconLabelDescriptionList"/>
+    <dgm:cxn modelId="{2A74C65E-8D7F-4E67-8FFF-1A340FCDB319}" type="presParOf" srcId="{80040C61-1364-4E9A-9F99-E53A7D815BA8}" destId="{E9FB363C-6F4F-46CE-9B15-6D95FE546161}" srcOrd="7" destOrd="0" presId="urn:microsoft.com/office/officeart/2018/2/layout/IconLabelDescriptionList"/>
+    <dgm:cxn modelId="{C9EF982D-10CE-4E1F-8C26-7884DA97EBEF}" type="presParOf" srcId="{80040C61-1364-4E9A-9F99-E53A7D815BA8}" destId="{42BFD289-540E-432F-B0DF-CDB3934C134F}" srcOrd="8" destOrd="0" presId="urn:microsoft.com/office/officeart/2018/2/layout/IconLabelDescriptionList"/>
     <dgm:cxn modelId="{5E5FA66A-FD4F-4917-991F-D8B0BF897E2A}" type="presParOf" srcId="{42BFD289-540E-432F-B0DF-CDB3934C134F}" destId="{AE6A0FB3-CCAC-464A-8846-ABD81B0D505E}" srcOrd="0" destOrd="0" presId="urn:microsoft.com/office/officeart/2018/2/layout/IconLabelDescriptionList"/>
     <dgm:cxn modelId="{B94B8A9E-CA39-4DC5-B692-FA6288F8CEB6}" type="presParOf" srcId="{42BFD289-540E-432F-B0DF-CDB3934C134F}" destId="{D48AECA1-78FC-4486-AAD6-5F9CC56A8467}" srcOrd="1" destOrd="0" presId="urn:microsoft.com/office/officeart/2018/2/layout/IconLabelDescriptionList"/>
     <dgm:cxn modelId="{EBE2A3F4-A55A-4FDC-90E7-770F743E172B}" type="presParOf" srcId="{42BFD289-540E-432F-B0DF-CDB3934C134F}" destId="{773600E7-CC90-4CA6-A0AF-ED158AD6B105}" srcOrd="2" destOrd="0" presId="urn:microsoft.com/office/officeart/2018/2/layout/IconLabelDescriptionList"/>
@@ -12160,8 +12001,8 @@
       </dsp:nvSpPr>
       <dsp:spPr>
         <a:xfrm>
-          <a:off x="6091" y="720041"/>
-          <a:ext cx="550757" cy="550757"/>
+          <a:off x="4773" y="750833"/>
+          <a:ext cx="664453" cy="664453"/>
         </a:xfrm>
         <a:prstGeom prst="rect">
           <a:avLst/>
@@ -12209,8 +12050,8 @@
       </dsp:nvSpPr>
       <dsp:spPr>
         <a:xfrm>
-          <a:off x="6091" y="1363627"/>
-          <a:ext cx="1573593" cy="413068"/>
+          <a:off x="4773" y="1505465"/>
+          <a:ext cx="1898437" cy="418249"/>
         </a:xfrm>
         <a:prstGeom prst="rect">
           <a:avLst/>
@@ -12260,8 +12101,8 @@
         </a:p>
       </dsp:txBody>
       <dsp:txXfrm>
-        <a:off x="6091" y="1363627"/>
-        <a:ext cx="1573593" cy="413068"/>
+        <a:off x="4773" y="1505465"/>
+        <a:ext cx="1898437" cy="418249"/>
       </dsp:txXfrm>
     </dsp:sp>
     <dsp:sp modelId="{34A03152-26E9-4D09-8721-76C316FECB8B}">
@@ -12271,8 +12112,8 @@
       </dsp:nvSpPr>
       <dsp:spPr>
         <a:xfrm>
-          <a:off x="6091" y="1819870"/>
-          <a:ext cx="1573593" cy="1058950"/>
+          <a:off x="4773" y="1965659"/>
+          <a:ext cx="1898437" cy="882370"/>
         </a:xfrm>
         <a:prstGeom prst="rect">
           <a:avLst/>
@@ -12340,8 +12181,8 @@
         </a:p>
       </dsp:txBody>
       <dsp:txXfrm>
-        <a:off x="6091" y="1819870"/>
-        <a:ext cx="1573593" cy="1058950"/>
+        <a:off x="4773" y="1965659"/>
+        <a:ext cx="1898437" cy="882370"/>
       </dsp:txXfrm>
     </dsp:sp>
     <dsp:sp modelId="{53D39885-2ECC-44FD-AEF5-15AC443D8312}">
@@ -12351,8 +12192,8 @@
       </dsp:nvSpPr>
       <dsp:spPr>
         <a:xfrm>
-          <a:off x="1855064" y="720041"/>
-          <a:ext cx="550757" cy="550757"/>
+          <a:off x="2235437" y="750833"/>
+          <a:ext cx="664453" cy="664453"/>
         </a:xfrm>
         <a:prstGeom prst="rect">
           <a:avLst/>
@@ -12400,8 +12241,8 @@
       </dsp:nvSpPr>
       <dsp:spPr>
         <a:xfrm>
-          <a:off x="1855064" y="1363627"/>
-          <a:ext cx="1573593" cy="413068"/>
+          <a:off x="2235437" y="1505465"/>
+          <a:ext cx="1898437" cy="418249"/>
         </a:xfrm>
         <a:prstGeom prst="rect">
           <a:avLst/>
@@ -12451,8 +12292,8 @@
         </a:p>
       </dsp:txBody>
       <dsp:txXfrm>
-        <a:off x="1855064" y="1363627"/>
-        <a:ext cx="1573593" cy="413068"/>
+        <a:off x="2235437" y="1505465"/>
+        <a:ext cx="1898437" cy="418249"/>
       </dsp:txXfrm>
     </dsp:sp>
     <dsp:sp modelId="{461A8E01-B74D-4675-B78C-06E8E174A009}">
@@ -12462,8 +12303,8 @@
       </dsp:nvSpPr>
       <dsp:spPr>
         <a:xfrm>
-          <a:off x="1855064" y="1819870"/>
-          <a:ext cx="1573593" cy="1058950"/>
+          <a:off x="2235437" y="1965659"/>
+          <a:ext cx="1898437" cy="882370"/>
         </a:xfrm>
         <a:prstGeom prst="rect">
           <a:avLst/>
@@ -12530,8 +12371,8 @@
         </a:p>
       </dsp:txBody>
       <dsp:txXfrm>
-        <a:off x="1855064" y="1819870"/>
-        <a:ext cx="1573593" cy="1058950"/>
+        <a:off x="2235437" y="1965659"/>
+        <a:ext cx="1898437" cy="882370"/>
       </dsp:txXfrm>
     </dsp:sp>
     <dsp:sp modelId="{F2B9EB51-CD9A-4C0E-8F66-E87E4E76D26A}">
@@ -12541,8 +12382,8 @@
       </dsp:nvSpPr>
       <dsp:spPr>
         <a:xfrm>
-          <a:off x="3704037" y="720041"/>
-          <a:ext cx="550757" cy="550757"/>
+          <a:off x="4466101" y="750833"/>
+          <a:ext cx="664453" cy="664453"/>
         </a:xfrm>
         <a:prstGeom prst="rect">
           <a:avLst/>
@@ -12590,8 +12431,8 @@
       </dsp:nvSpPr>
       <dsp:spPr>
         <a:xfrm>
-          <a:off x="3704037" y="1363627"/>
-          <a:ext cx="1573593" cy="413068"/>
+          <a:off x="4466101" y="1505465"/>
+          <a:ext cx="1898437" cy="418249"/>
         </a:xfrm>
         <a:prstGeom prst="rect">
           <a:avLst/>
@@ -12641,8 +12482,8 @@
         </a:p>
       </dsp:txBody>
       <dsp:txXfrm>
-        <a:off x="3704037" y="1363627"/>
-        <a:ext cx="1573593" cy="413068"/>
+        <a:off x="4466101" y="1505465"/>
+        <a:ext cx="1898437" cy="418249"/>
       </dsp:txXfrm>
     </dsp:sp>
     <dsp:sp modelId="{DF4B7402-976C-47B0-9CC0-BA56EE2C4F7D}">
@@ -12652,8 +12493,8 @@
       </dsp:nvSpPr>
       <dsp:spPr>
         <a:xfrm>
-          <a:off x="3704037" y="1819870"/>
-          <a:ext cx="1573593" cy="1058950"/>
+          <a:off x="4466101" y="1965659"/>
+          <a:ext cx="1898437" cy="882370"/>
         </a:xfrm>
         <a:prstGeom prst="rect">
           <a:avLst/>
@@ -12714,26 +12555,41 @@
             <a:buNone/>
           </a:pPr>
           <a:r>
-            <a:rPr lang="en-GB" sz="1100" kern="1200"/>
+            <a:rPr lang="en-GB" sz="1100" kern="1200" dirty="0"/>
             <a:t>Better tracking of device status and location</a:t>
           </a:r>
-          <a:endParaRPr lang="en-US" sz="1100" kern="1200"/>
+          <a:endParaRPr lang="en-US" sz="1100" kern="1200" dirty="0"/>
+        </a:p>
+        <a:p>
+          <a:pPr marL="0" lvl="0" indent="0" algn="l" defTabSz="488950">
+            <a:lnSpc>
+              <a:spcPct val="100000"/>
+            </a:lnSpc>
+            <a:spcBef>
+              <a:spcPct val="0"/>
+            </a:spcBef>
+            <a:spcAft>
+              <a:spcPct val="35000"/>
+            </a:spcAft>
+            <a:buNone/>
+          </a:pPr>
+          <a:endParaRPr lang="en-US" sz="1100" kern="1200" dirty="0"/>
         </a:p>
       </dsp:txBody>
       <dsp:txXfrm>
-        <a:off x="3704037" y="1819870"/>
-        <a:ext cx="1573593" cy="1058950"/>
+        <a:off x="4466101" y="1965659"/>
+        <a:ext cx="1898437" cy="882370"/>
       </dsp:txXfrm>
     </dsp:sp>
-    <dsp:sp modelId="{7F0ABC98-9525-45A9-8CCD-03C14E0F288A}">
+    <dsp:sp modelId="{3FE96A76-D47D-4F9D-AA01-0F571AB0DB59}">
       <dsp:nvSpPr>
         <dsp:cNvPr id="0" name=""/>
         <dsp:cNvSpPr/>
       </dsp:nvSpPr>
       <dsp:spPr>
         <a:xfrm>
-          <a:off x="5553009" y="720041"/>
-          <a:ext cx="550757" cy="550757"/>
+          <a:off x="6696765" y="750833"/>
+          <a:ext cx="664453" cy="664453"/>
         </a:xfrm>
         <a:prstGeom prst="rect">
           <a:avLst/>
@@ -12774,197 +12630,6 @@
         </a:fontRef>
       </dsp:style>
     </dsp:sp>
-    <dsp:sp modelId="{6AC782B9-B62D-4946-8F31-2CC1D45098F6}">
-      <dsp:nvSpPr>
-        <dsp:cNvPr id="0" name=""/>
-        <dsp:cNvSpPr/>
-      </dsp:nvSpPr>
-      <dsp:spPr>
-        <a:xfrm>
-          <a:off x="5553009" y="1363627"/>
-          <a:ext cx="1573593" cy="413068"/>
-        </a:xfrm>
-        <a:prstGeom prst="rect">
-          <a:avLst/>
-        </a:prstGeom>
-        <a:noFill/>
-        <a:ln>
-          <a:noFill/>
-        </a:ln>
-        <a:effectLst/>
-      </dsp:spPr>
-      <dsp:style>
-        <a:lnRef idx="0">
-          <a:scrgbClr r="0" g="0" b="0"/>
-        </a:lnRef>
-        <a:fillRef idx="0">
-          <a:scrgbClr r="0" g="0" b="0"/>
-        </a:fillRef>
-        <a:effectRef idx="0">
-          <a:scrgbClr r="0" g="0" b="0"/>
-        </a:effectRef>
-        <a:fontRef idx="minor"/>
-      </dsp:style>
-      <dsp:txBody>
-        <a:bodyPr spcFirstLastPara="0" vert="horz" wrap="square" lIns="0" tIns="0" rIns="0" bIns="0" numCol="1" spcCol="1270" anchor="t" anchorCtr="0">
-          <a:noAutofit/>
-        </a:bodyPr>
-        <a:lstStyle/>
-        <a:p>
-          <a:pPr marL="0" lvl="0" indent="0" algn="l" defTabSz="622300">
-            <a:lnSpc>
-              <a:spcPct val="100000"/>
-            </a:lnSpc>
-            <a:spcBef>
-              <a:spcPct val="0"/>
-            </a:spcBef>
-            <a:spcAft>
-              <a:spcPct val="35000"/>
-            </a:spcAft>
-            <a:buNone/>
-            <a:defRPr b="1"/>
-          </a:pPr>
-          <a:r>
-            <a:rPr lang="en-GB" sz="1400" kern="1200"/>
-            <a:t>Promotes Regular Maintenance</a:t>
-          </a:r>
-          <a:endParaRPr lang="en-US" sz="1400" kern="1200"/>
-        </a:p>
-      </dsp:txBody>
-      <dsp:txXfrm>
-        <a:off x="5553009" y="1363627"/>
-        <a:ext cx="1573593" cy="413068"/>
-      </dsp:txXfrm>
-    </dsp:sp>
-    <dsp:sp modelId="{CC2D0760-A5BF-4C4C-8484-2A036E2057E9}">
-      <dsp:nvSpPr>
-        <dsp:cNvPr id="0" name=""/>
-        <dsp:cNvSpPr/>
-      </dsp:nvSpPr>
-      <dsp:spPr>
-        <a:xfrm>
-          <a:off x="5553009" y="1819870"/>
-          <a:ext cx="1573593" cy="1058950"/>
-        </a:xfrm>
-        <a:prstGeom prst="rect">
-          <a:avLst/>
-        </a:prstGeom>
-        <a:noFill/>
-        <a:ln>
-          <a:noFill/>
-        </a:ln>
-        <a:effectLst/>
-      </dsp:spPr>
-      <dsp:style>
-        <a:lnRef idx="0">
-          <a:scrgbClr r="0" g="0" b="0"/>
-        </a:lnRef>
-        <a:fillRef idx="0">
-          <a:scrgbClr r="0" g="0" b="0"/>
-        </a:fillRef>
-        <a:effectRef idx="0">
-          <a:scrgbClr r="0" g="0" b="0"/>
-        </a:effectRef>
-        <a:fontRef idx="minor"/>
-      </dsp:style>
-      <dsp:txBody>
-        <a:bodyPr spcFirstLastPara="0" vert="horz" wrap="square" lIns="0" tIns="0" rIns="0" bIns="0" numCol="1" spcCol="1270" anchor="t" anchorCtr="0">
-          <a:noAutofit/>
-        </a:bodyPr>
-        <a:lstStyle/>
-        <a:p>
-          <a:pPr marL="0" lvl="0" indent="0" algn="l" defTabSz="488950">
-            <a:lnSpc>
-              <a:spcPct val="100000"/>
-            </a:lnSpc>
-            <a:spcBef>
-              <a:spcPct val="0"/>
-            </a:spcBef>
-            <a:spcAft>
-              <a:spcPct val="35000"/>
-            </a:spcAft>
-            <a:buNone/>
-          </a:pPr>
-          <a:r>
-            <a:rPr lang="en-GB" sz="1100" kern="1200"/>
-            <a:t>Proactive maintenance can prevent major issues.</a:t>
-          </a:r>
-          <a:endParaRPr lang="en-US" sz="1100" kern="1200"/>
-        </a:p>
-        <a:p>
-          <a:pPr marL="0" lvl="0" indent="0" algn="l" defTabSz="488950">
-            <a:lnSpc>
-              <a:spcPct val="100000"/>
-            </a:lnSpc>
-            <a:spcBef>
-              <a:spcPct val="0"/>
-            </a:spcBef>
-            <a:spcAft>
-              <a:spcPct val="35000"/>
-            </a:spcAft>
-            <a:buNone/>
-          </a:pPr>
-          <a:r>
-            <a:rPr lang="en-GB" sz="1100" kern="1200"/>
-            <a:t>Reduces downtime</a:t>
-          </a:r>
-          <a:endParaRPr lang="en-US" sz="1100" kern="1200"/>
-        </a:p>
-      </dsp:txBody>
-      <dsp:txXfrm>
-        <a:off x="5553009" y="1819870"/>
-        <a:ext cx="1573593" cy="1058950"/>
-      </dsp:txXfrm>
-    </dsp:sp>
-    <dsp:sp modelId="{3FE96A76-D47D-4F9D-AA01-0F571AB0DB59}">
-      <dsp:nvSpPr>
-        <dsp:cNvPr id="0" name=""/>
-        <dsp:cNvSpPr/>
-      </dsp:nvSpPr>
-      <dsp:spPr>
-        <a:xfrm>
-          <a:off x="7401982" y="720041"/>
-          <a:ext cx="550757" cy="550757"/>
-        </a:xfrm>
-        <a:prstGeom prst="rect">
-          <a:avLst/>
-        </a:prstGeom>
-        <a:blipFill>
-          <a:blip xmlns:r="http://schemas.openxmlformats.org/officeDocument/2006/relationships" r:embed="rId9">
-            <a:extLst>
-              <a:ext uri="{28A0092B-C50C-407E-A947-70E740481C1C}">
-                <a14:useLocalDpi xmlns:a14="http://schemas.microsoft.com/office/drawing/2010/main" val="0"/>
-              </a:ext>
-              <a:ext uri="{96DAC541-7B7A-43D3-8B79-37D633B846F1}">
-                <asvg:svgBlip xmlns:asvg="http://schemas.microsoft.com/office/drawing/2016/SVG/main" r:embed="rId10"/>
-              </a:ext>
-            </a:extLst>
-          </a:blip>
-          <a:stretch>
-            <a:fillRect/>
-          </a:stretch>
-        </a:blipFill>
-        <a:ln w="12700" cap="flat" cmpd="sng" algn="ctr">
-          <a:noFill/>
-          <a:prstDash val="solid"/>
-        </a:ln>
-        <a:effectLst/>
-      </dsp:spPr>
-      <dsp:style>
-        <a:lnRef idx="2">
-          <a:scrgbClr r="0" g="0" b="0"/>
-        </a:lnRef>
-        <a:fillRef idx="1">
-          <a:scrgbClr r="0" g="0" b="0"/>
-        </a:fillRef>
-        <a:effectRef idx="0">
-          <a:scrgbClr r="0" g="0" b="0"/>
-        </a:effectRef>
-        <a:fontRef idx="minor">
-          <a:schemeClr val="lt1"/>
-        </a:fontRef>
-      </dsp:style>
-    </dsp:sp>
     <dsp:sp modelId="{378C73F9-D891-44A5-AB3A-11D822A2C562}">
       <dsp:nvSpPr>
         <dsp:cNvPr id="0" name=""/>
@@ -12972,8 +12637,8 @@
       </dsp:nvSpPr>
       <dsp:spPr>
         <a:xfrm>
-          <a:off x="7401982" y="1363627"/>
-          <a:ext cx="1573593" cy="413068"/>
+          <a:off x="6696765" y="1505465"/>
+          <a:ext cx="1898437" cy="418249"/>
         </a:xfrm>
         <a:prstGeom prst="rect">
           <a:avLst/>
@@ -13023,8 +12688,8 @@
         </a:p>
       </dsp:txBody>
       <dsp:txXfrm>
-        <a:off x="7401982" y="1363627"/>
-        <a:ext cx="1573593" cy="413068"/>
+        <a:off x="6696765" y="1505465"/>
+        <a:ext cx="1898437" cy="418249"/>
       </dsp:txXfrm>
     </dsp:sp>
     <dsp:sp modelId="{D1F1C2A2-50A8-4FEC-AF85-6345E0E9B353}">
@@ -13034,8 +12699,8 @@
       </dsp:nvSpPr>
       <dsp:spPr>
         <a:xfrm>
-          <a:off x="7401982" y="1819870"/>
-          <a:ext cx="1573593" cy="1058950"/>
+          <a:off x="6696765" y="1965659"/>
+          <a:ext cx="1898437" cy="882370"/>
         </a:xfrm>
         <a:prstGeom prst="rect">
           <a:avLst/>
@@ -13084,8 +12749,8 @@
         </a:p>
       </dsp:txBody>
       <dsp:txXfrm>
-        <a:off x="7401982" y="1819870"/>
-        <a:ext cx="1573593" cy="1058950"/>
+        <a:off x="6696765" y="1965659"/>
+        <a:ext cx="1898437" cy="882370"/>
       </dsp:txXfrm>
     </dsp:sp>
     <dsp:sp modelId="{AE6A0FB3-CCAC-464A-8846-ABD81B0D505E}">
@@ -13095,20 +12760,20 @@
       </dsp:nvSpPr>
       <dsp:spPr>
         <a:xfrm>
-          <a:off x="9250955" y="720041"/>
-          <a:ext cx="550757" cy="550757"/>
+          <a:off x="8927429" y="750833"/>
+          <a:ext cx="664453" cy="664453"/>
         </a:xfrm>
         <a:prstGeom prst="rect">
           <a:avLst/>
         </a:prstGeom>
         <a:blipFill>
-          <a:blip xmlns:r="http://schemas.openxmlformats.org/officeDocument/2006/relationships" r:embed="rId11">
+          <a:blip xmlns:r="http://schemas.openxmlformats.org/officeDocument/2006/relationships" r:embed="rId9">
             <a:extLst>
               <a:ext uri="{28A0092B-C50C-407E-A947-70E740481C1C}">
                 <a14:useLocalDpi xmlns:a14="http://schemas.microsoft.com/office/drawing/2010/main" val="0"/>
               </a:ext>
               <a:ext uri="{96DAC541-7B7A-43D3-8B79-37D633B846F1}">
-                <asvg:svgBlip xmlns:asvg="http://schemas.microsoft.com/office/drawing/2016/SVG/main" r:embed="rId12"/>
+                <asvg:svgBlip xmlns:asvg="http://schemas.microsoft.com/office/drawing/2016/SVG/main" r:embed="rId10"/>
               </a:ext>
             </a:extLst>
           </a:blip>
@@ -13144,8 +12809,8 @@
       </dsp:nvSpPr>
       <dsp:spPr>
         <a:xfrm>
-          <a:off x="9250955" y="1363627"/>
-          <a:ext cx="1573593" cy="413068"/>
+          <a:off x="8927429" y="1505465"/>
+          <a:ext cx="1898437" cy="418249"/>
         </a:xfrm>
         <a:prstGeom prst="rect">
           <a:avLst/>
@@ -13195,8 +12860,8 @@
         </a:p>
       </dsp:txBody>
       <dsp:txXfrm>
-        <a:off x="9250955" y="1363627"/>
-        <a:ext cx="1573593" cy="413068"/>
+        <a:off x="8927429" y="1505465"/>
+        <a:ext cx="1898437" cy="418249"/>
       </dsp:txXfrm>
     </dsp:sp>
     <dsp:sp modelId="{32AA61E5-6035-429F-B742-796A47B4CB8E}">
@@ -13206,8 +12871,8 @@
       </dsp:nvSpPr>
       <dsp:spPr>
         <a:xfrm>
-          <a:off x="9250955" y="1819870"/>
-          <a:ext cx="1573593" cy="1058950"/>
+          <a:off x="8927429" y="1965659"/>
+          <a:ext cx="1898437" cy="882370"/>
         </a:xfrm>
         <a:prstGeom prst="rect">
           <a:avLst/>
@@ -13275,8 +12940,8 @@
         </a:p>
       </dsp:txBody>
       <dsp:txXfrm>
-        <a:off x="9250955" y="1819870"/>
-        <a:ext cx="1573593" cy="1058950"/>
+        <a:off x="8927429" y="1965659"/>
+        <a:ext cx="1898437" cy="882370"/>
       </dsp:txXfrm>
     </dsp:sp>
   </dsp:spTree>
@@ -44155,7 +43820,7 @@
             <p:ph idx="1"/>
             <p:extLst>
               <p:ext uri="{D42A27DB-BD31-4B8C-83A1-F6EECF244321}">
-                <p14:modId xmlns:p14="http://schemas.microsoft.com/office/powerpoint/2010/main" val="2734377625"/>
+                <p14:modId xmlns:p14="http://schemas.microsoft.com/office/powerpoint/2010/main" val="4020402137"/>
               </p:ext>
             </p:extLst>
           </p:nvPr>

--- a/Paper WOrk/Presentation - FIna;.pptx
+++ b/Paper WOrk/Presentation - FIna;.pptx
@@ -7782,10 +7782,10 @@
             </a:lnSpc>
           </a:pPr>
           <a:r>
-            <a:rPr lang="en-GB"/>
+            <a:rPr lang="en-GB" dirty="0"/>
             <a:t>Asset tracking and accountability</a:t>
           </a:r>
-          <a:endParaRPr lang="en-US"/>
+          <a:endParaRPr lang="en-US" dirty="0"/>
         </a:p>
       </dgm:t>
     </dgm:pt>
@@ -7867,7 +7867,7 @@
             </a:lnSpc>
           </a:pPr>
           <a:r>
-            <a:rPr lang="en-US"/>
+            <a:rPr lang="en-US" dirty="0"/>
             <a:t>Prevents unplanned repair and replacement costs</a:t>
           </a:r>
         </a:p>
@@ -12174,10 +12174,10 @@
             <a:buNone/>
           </a:pPr>
           <a:r>
-            <a:rPr lang="en-GB" sz="1100" kern="1200"/>
+            <a:rPr lang="en-GB" sz="1100" kern="1200" dirty="0"/>
             <a:t>Asset tracking and accountability</a:t>
           </a:r>
-          <a:endParaRPr lang="en-US" sz="1100" kern="1200"/>
+          <a:endParaRPr lang="en-US" sz="1100" kern="1200" dirty="0"/>
         </a:p>
       </dsp:txBody>
       <dsp:txXfrm>
@@ -12346,7 +12346,7 @@
             <a:buNone/>
           </a:pPr>
           <a:r>
-            <a:rPr lang="en-US" sz="1100" kern="1200"/>
+            <a:rPr lang="en-US" sz="1100" kern="1200" dirty="0"/>
             <a:t>Prevents unplanned repair and replacement costs</a:t>
           </a:r>
         </a:p>
@@ -31103,7 +31103,7 @@
             </a:r>
             <a:r>
               <a:rPr lang="en-GB" dirty="0"/>
-              <a:t>: Enables comprehensive tracking, ensuring all devices are accounted for.</a:t>
+              <a:t>: Devices are accounted for and records are not fragmented</a:t>
             </a:r>
           </a:p>
           <a:p>
@@ -31138,27 +31138,6 @@
             <a:r>
               <a:rPr lang="en-GB" dirty="0"/>
               <a:t>: Enhances device usability and performance.</a:t>
-            </a:r>
-          </a:p>
-          <a:p>
-            <a:pPr marL="342900" lvl="0" indent="-342900">
-              <a:lnSpc>
-                <a:spcPct val="115000"/>
-              </a:lnSpc>
-              <a:buFont typeface="Symbol" panose="05050102010706020507" pitchFamily="18" charset="2"/>
-              <a:buChar char=""/>
-            </a:pPr>
-            <a:r>
-              <a:rPr lang="en-GB" b="1" dirty="0"/>
-              <a:t>Regular </a:t>
-            </a:r>
-            <a:r>
-              <a:rPr lang="en-GB" dirty="0" err="1"/>
-              <a:t>Maintinace</a:t>
-            </a:r>
-            <a:r>
-              <a:rPr lang="en-GB" dirty="0"/>
-              <a:t>: Encourages regular servicing to optimize device functionality.</a:t>
             </a:r>
           </a:p>
           <a:p>
@@ -41972,7 +41951,7 @@
                 <a:ea typeface="Aptos" panose="020B0004020202020204" pitchFamily="34" charset="0"/>
                 <a:cs typeface="Times New Roman" panose="02020603050405020304" pitchFamily="18" charset="0"/>
               </a:rPr>
-              <a:t>Benefits</a:t>
+              <a:t>Benefits?</a:t>
             </a:r>
           </a:p>
           <a:p>
@@ -41988,7 +41967,7 @@
                 <a:ea typeface="Aptos" panose="020B0004020202020204" pitchFamily="34" charset="0"/>
                 <a:cs typeface="Times New Roman" panose="02020603050405020304" pitchFamily="18" charset="0"/>
               </a:rPr>
-              <a:t>The mission</a:t>
+              <a:t>The mission?</a:t>
             </a:r>
           </a:p>
           <a:p>
@@ -42004,7 +41983,7 @@
                 <a:ea typeface="Aptos" panose="020B0004020202020204" pitchFamily="34" charset="0"/>
                 <a:cs typeface="Times New Roman" panose="02020603050405020304" pitchFamily="18" charset="0"/>
               </a:rPr>
-              <a:t>What separates us</a:t>
+              <a:t>What separates us?</a:t>
             </a:r>
           </a:p>
           <a:p>
@@ -42020,7 +41999,7 @@
                 <a:ea typeface="Aptos" panose="020B0004020202020204" pitchFamily="34" charset="0"/>
                 <a:cs typeface="Times New Roman" panose="02020603050405020304" pitchFamily="18" charset="0"/>
               </a:rPr>
-              <a:t>The Solution</a:t>
+              <a:t>The Solution.</a:t>
             </a:r>
           </a:p>
           <a:p>
@@ -43820,13 +43799,13 @@
             <p:ph idx="1"/>
             <p:extLst>
               <p:ext uri="{D42A27DB-BD31-4B8C-83A1-F6EECF244321}">
-                <p14:modId xmlns:p14="http://schemas.microsoft.com/office/powerpoint/2010/main" val="4020402137"/>
+                <p14:modId xmlns:p14="http://schemas.microsoft.com/office/powerpoint/2010/main" val="883926799"/>
               </p:ext>
             </p:extLst>
           </p:nvPr>
         </p:nvGraphicFramePr>
         <p:xfrm>
-          <a:off x="681037" y="2336800"/>
+          <a:off x="681037" y="2364096"/>
           <a:ext cx="10830641" cy="3598863"/>
         </p:xfrm>
         <a:graphic>
